--- a/lectures/11/1_Correlation.pptx
+++ b/lectures/11/1_Correlation.pptx
@@ -5,48 +5,49 @@
     <p:sldMasterId id="2147483648" r:id="rId4"/>
   </p:sldMasterIdLst>
   <p:notesMasterIdLst>
-    <p:notesMasterId r:id="rId41"/>
+    <p:notesMasterId r:id="rId42"/>
   </p:notesMasterIdLst>
   <p:handoutMasterIdLst>
-    <p:handoutMasterId r:id="rId42"/>
+    <p:handoutMasterId r:id="rId43"/>
   </p:handoutMasterIdLst>
   <p:sldIdLst>
     <p:sldId id="264" r:id="rId5"/>
     <p:sldId id="265" r:id="rId6"/>
     <p:sldId id="266" r:id="rId7"/>
     <p:sldId id="267" r:id="rId8"/>
-    <p:sldId id="256" r:id="rId9"/>
-    <p:sldId id="263" r:id="rId10"/>
-    <p:sldId id="309" r:id="rId11"/>
-    <p:sldId id="310" r:id="rId12"/>
-    <p:sldId id="311" r:id="rId13"/>
-    <p:sldId id="312" r:id="rId14"/>
-    <p:sldId id="313" r:id="rId15"/>
-    <p:sldId id="314" r:id="rId16"/>
-    <p:sldId id="315" r:id="rId17"/>
-    <p:sldId id="316" r:id="rId18"/>
-    <p:sldId id="317" r:id="rId19"/>
-    <p:sldId id="260" r:id="rId20"/>
-    <p:sldId id="261" r:id="rId21"/>
-    <p:sldId id="300" r:id="rId22"/>
-    <p:sldId id="301" r:id="rId23"/>
-    <p:sldId id="302" r:id="rId24"/>
-    <p:sldId id="303" r:id="rId25"/>
-    <p:sldId id="304" r:id="rId26"/>
-    <p:sldId id="305" r:id="rId27"/>
-    <p:sldId id="306" r:id="rId28"/>
-    <p:sldId id="307" r:id="rId29"/>
-    <p:sldId id="308" r:id="rId30"/>
-    <p:sldId id="273" r:id="rId31"/>
-    <p:sldId id="274" r:id="rId32"/>
-    <p:sldId id="275" r:id="rId33"/>
-    <p:sldId id="276" r:id="rId34"/>
-    <p:sldId id="277" r:id="rId35"/>
-    <p:sldId id="278" r:id="rId36"/>
-    <p:sldId id="279" r:id="rId37"/>
-    <p:sldId id="269" r:id="rId38"/>
-    <p:sldId id="297" r:id="rId39"/>
-    <p:sldId id="268" r:id="rId40"/>
+    <p:sldId id="318" r:id="rId9"/>
+    <p:sldId id="256" r:id="rId10"/>
+    <p:sldId id="263" r:id="rId11"/>
+    <p:sldId id="309" r:id="rId12"/>
+    <p:sldId id="310" r:id="rId13"/>
+    <p:sldId id="311" r:id="rId14"/>
+    <p:sldId id="312" r:id="rId15"/>
+    <p:sldId id="313" r:id="rId16"/>
+    <p:sldId id="314" r:id="rId17"/>
+    <p:sldId id="315" r:id="rId18"/>
+    <p:sldId id="316" r:id="rId19"/>
+    <p:sldId id="317" r:id="rId20"/>
+    <p:sldId id="260" r:id="rId21"/>
+    <p:sldId id="261" r:id="rId22"/>
+    <p:sldId id="300" r:id="rId23"/>
+    <p:sldId id="301" r:id="rId24"/>
+    <p:sldId id="302" r:id="rId25"/>
+    <p:sldId id="303" r:id="rId26"/>
+    <p:sldId id="304" r:id="rId27"/>
+    <p:sldId id="305" r:id="rId28"/>
+    <p:sldId id="306" r:id="rId29"/>
+    <p:sldId id="307" r:id="rId30"/>
+    <p:sldId id="308" r:id="rId31"/>
+    <p:sldId id="273" r:id="rId32"/>
+    <p:sldId id="274" r:id="rId33"/>
+    <p:sldId id="275" r:id="rId34"/>
+    <p:sldId id="276" r:id="rId35"/>
+    <p:sldId id="277" r:id="rId36"/>
+    <p:sldId id="278" r:id="rId37"/>
+    <p:sldId id="279" r:id="rId38"/>
+    <p:sldId id="269" r:id="rId39"/>
+    <p:sldId id="297" r:id="rId40"/>
+    <p:sldId id="268" r:id="rId41"/>
   </p:sldIdLst>
   <p:sldSz cx="12192000" cy="6858000"/>
   <p:notesSz cx="6858000" cy="9144000"/>
@@ -13557,7 +13558,7 @@
           <a:p>
             <a:fld id="{73B2889B-A0AC-4482-8592-5C96F2309420}" type="datetimeFigureOut">
               <a:rPr lang="en-US" smtClean="0"/>
-              <a:t>4/3/2022</a:t>
+              <a:t>3/1/2023</a:t>
             </a:fld>
             <a:endParaRPr lang="en-US"/>
           </a:p>
@@ -13734,7 +13735,7 @@
           <a:p>
             <a:fld id="{830EB223-FFC0-462A-A3B8-EAA7CE0F8CBD}" type="datetimeFigureOut">
               <a:rPr lang="en-US" smtClean="0"/>
-              <a:t>4/3/2022</a:t>
+              <a:t>3/1/2023</a:t>
             </a:fld>
             <a:endParaRPr lang="en-US" dirty="0"/>
           </a:p>
@@ -14158,7 +14159,7 @@
           <a:p>
             <a:r>
               <a:rPr lang="en-US" dirty="0"/>
-              <a:t>Which plot do you think has a stronger association? (Left one) </a:t>
+              <a:t>What type of association is this?</a:t>
             </a:r>
           </a:p>
         </p:txBody>
@@ -14180,7 +14181,7 @@
           <a:p>
             <a:fld id="{BC849E9A-41F7-4779-A581-48A7C374A227}" type="slidenum">
               <a:rPr lang="en-US" smtClean="0"/>
-              <a:t>12</a:t>
+              <a:t>11</a:t>
             </a:fld>
             <a:endParaRPr lang="en-US" dirty="0"/>
           </a:p>
@@ -14189,7 +14190,7 @@
     </p:spTree>
     <p:extLst>
       <p:ext uri="{BB962C8B-B14F-4D97-AF65-F5344CB8AC3E}">
-        <p14:creationId xmlns:p14="http://schemas.microsoft.com/office/powerpoint/2010/main" val="3277015616"/>
+        <p14:creationId xmlns:p14="http://schemas.microsoft.com/office/powerpoint/2010/main" val="2956827631"/>
       </p:ext>
     </p:extLst>
   </p:cSld>
@@ -14245,55 +14246,8 @@
           <a:p>
             <a:r>
               <a:rPr lang="en-US" dirty="0"/>
-              <a:t>What we’ve discussed so far is just linear relationship or linear association between satisfaction and laptop cost. </a:t>
+              <a:t>Which plot do you think has a stronger association? (Left one) </a:t>
             </a:r>
-            <a:br>
-              <a:rPr lang="en-US" dirty="0"/>
-            </a:br>
-            <a:r>
-              <a:rPr lang="en-US" dirty="0"/>
-              <a:t>But this relationship could also be non-linear </a:t>
-            </a:r>
-          </a:p>
-          <a:p>
-            <a:endParaRPr lang="en-US" dirty="0"/>
-          </a:p>
-          <a:p>
-            <a:pPr marL="0" marR="0" lvl="0" indent="0" algn="l" defTabSz="914400" rtl="0" eaLnBrk="1" fontAlgn="auto" latinLnBrk="0" hangingPunct="1">
-              <a:lnSpc>
-                <a:spcPct val="100000"/>
-              </a:lnSpc>
-              <a:spcBef>
-                <a:spcPts val="0"/>
-              </a:spcBef>
-              <a:spcAft>
-                <a:spcPts val="0"/>
-              </a:spcAft>
-              <a:buClrTx/>
-              <a:buSzTx/>
-              <a:buFontTx/>
-              <a:buNone/>
-              <a:tabLst/>
-              <a:defRPr/>
-            </a:pPr>
-            <a:r>
-              <a:rPr lang="en-US" sz="1800" dirty="0">
-                <a:effectLst/>
-                <a:latin typeface="Calibri" panose="020F0502020204030204" pitchFamily="34" charset="0"/>
-                <a:ea typeface="Times New Roman" panose="02020603050405020304" pitchFamily="18" charset="0"/>
-                <a:cs typeface="Times New Roman" panose="02020603050405020304" pitchFamily="18" charset="0"/>
-              </a:rPr>
-              <a:t>Advanced statistical procedures are required to analyze this kind of relationship</a:t>
-            </a:r>
-            <a:endParaRPr lang="en-US" sz="1800" dirty="0">
-              <a:effectLst/>
-              <a:latin typeface="New York"/>
-              <a:ea typeface="Times New Roman" panose="02020603050405020304" pitchFamily="18" charset="0"/>
-              <a:cs typeface="Times New Roman" panose="02020603050405020304" pitchFamily="18" charset="0"/>
-            </a:endParaRPr>
-          </a:p>
-          <a:p>
-            <a:endParaRPr lang="en-US" dirty="0"/>
           </a:p>
         </p:txBody>
       </p:sp>
@@ -14323,7 +14277,7 @@
     </p:spTree>
     <p:extLst>
       <p:ext uri="{BB962C8B-B14F-4D97-AF65-F5344CB8AC3E}">
-        <p14:creationId xmlns:p14="http://schemas.microsoft.com/office/powerpoint/2010/main" val="3420290178"/>
+        <p14:creationId xmlns:p14="http://schemas.microsoft.com/office/powerpoint/2010/main" val="3277015616"/>
       </p:ext>
     </p:extLst>
   </p:cSld>
@@ -14377,19 +14331,54 @@
           <a:bodyPr/>
           <a:lstStyle/>
           <a:p>
-            <a:pPr marL="0" lvl="0" indent="0" algn="l" rtl="0">
+            <a:r>
+              <a:rPr lang="en-US" dirty="0"/>
+              <a:t>What we’ve discussed so far is just linear relationship or linear association between satisfaction and laptop cost. </a:t>
+            </a:r>
+            <a:br>
+              <a:rPr lang="en-US" dirty="0"/>
+            </a:br>
+            <a:r>
+              <a:rPr lang="en-US" dirty="0"/>
+              <a:t>But this relationship could also be non-linear </a:t>
+            </a:r>
+          </a:p>
+          <a:p>
+            <a:endParaRPr lang="en-US" dirty="0"/>
+          </a:p>
+          <a:p>
+            <a:pPr marL="0" marR="0" lvl="0" indent="0" algn="l" defTabSz="914400" rtl="0" eaLnBrk="1" fontAlgn="auto" latinLnBrk="0" hangingPunct="1">
+              <a:lnSpc>
+                <a:spcPct val="100000"/>
+              </a:lnSpc>
               <a:spcBef>
                 <a:spcPts val="0"/>
               </a:spcBef>
               <a:spcAft>
                 <a:spcPts val="0"/>
               </a:spcAft>
+              <a:buClrTx/>
+              <a:buSzTx/>
+              <a:buFontTx/>
               <a:buNone/>
+              <a:tabLst/>
+              <a:defRPr/>
             </a:pPr>
             <a:r>
-              <a:rPr lang="en-US" dirty="0"/>
-              <a:t>Interpret the first example for students </a:t>
+              <a:rPr lang="en-US" sz="1800" dirty="0">
+                <a:effectLst/>
+                <a:latin typeface="Calibri" panose="020F0502020204030204" pitchFamily="34" charset="0"/>
+                <a:ea typeface="Times New Roman" panose="02020603050405020304" pitchFamily="18" charset="0"/>
+                <a:cs typeface="Times New Roman" panose="02020603050405020304" pitchFamily="18" charset="0"/>
+              </a:rPr>
+              <a:t>Advanced statistical procedures are required to analyze this kind of relationship</a:t>
             </a:r>
+            <a:endParaRPr lang="en-US" sz="1800" dirty="0">
+              <a:effectLst/>
+              <a:latin typeface="New York"/>
+              <a:ea typeface="Times New Roman" panose="02020603050405020304" pitchFamily="18" charset="0"/>
+              <a:cs typeface="Times New Roman" panose="02020603050405020304" pitchFamily="18" charset="0"/>
+            </a:endParaRPr>
           </a:p>
           <a:p>
             <a:endParaRPr lang="en-US" dirty="0"/>
@@ -14422,7 +14411,7 @@
     </p:spTree>
     <p:extLst>
       <p:ext uri="{BB962C8B-B14F-4D97-AF65-F5344CB8AC3E}">
-        <p14:creationId xmlns:p14="http://schemas.microsoft.com/office/powerpoint/2010/main" val="2280647067"/>
+        <p14:creationId xmlns:p14="http://schemas.microsoft.com/office/powerpoint/2010/main" val="3420290178"/>
       </p:ext>
     </p:extLst>
   </p:cSld>
@@ -14476,19 +14465,22 @@
           <a:bodyPr/>
           <a:lstStyle/>
           <a:p>
+            <a:pPr marL="0" lvl="0" indent="0" algn="l" rtl="0">
+              <a:spcBef>
+                <a:spcPts val="0"/>
+              </a:spcBef>
+              <a:spcAft>
+                <a:spcPts val="0"/>
+              </a:spcAft>
+              <a:buNone/>
+            </a:pPr>
             <a:r>
               <a:rPr lang="en-US" dirty="0"/>
-              <a:t>Let students answer </a:t>
+              <a:t>Interpret the first example for students </a:t>
             </a:r>
           </a:p>
           <a:p>
             <a:endParaRPr lang="en-US" dirty="0"/>
-          </a:p>
-          <a:p>
-            <a:r>
-              <a:rPr lang="en-US" dirty="0"/>
-              <a:t>I hope by now you understand how to interpret your result to answer association questions. </a:t>
-            </a:r>
           </a:p>
         </p:txBody>
       </p:sp>
@@ -14518,7 +14510,7 @@
     </p:spTree>
     <p:extLst>
       <p:ext uri="{BB962C8B-B14F-4D97-AF65-F5344CB8AC3E}">
-        <p14:creationId xmlns:p14="http://schemas.microsoft.com/office/powerpoint/2010/main" val="1561155126"/>
+        <p14:creationId xmlns:p14="http://schemas.microsoft.com/office/powerpoint/2010/main" val="2280647067"/>
       </p:ext>
     </p:extLst>
   </p:cSld>
@@ -14574,31 +14566,17 @@
           <a:p>
             <a:r>
               <a:rPr lang="en-US" dirty="0"/>
-              <a:t>Back to the project, </a:t>
+              <a:t>Let students answer </a:t>
             </a:r>
+          </a:p>
+          <a:p>
+            <a:endParaRPr lang="en-US" dirty="0"/>
           </a:p>
           <a:p>
             <a:r>
               <a:rPr lang="en-US" dirty="0"/>
-              <a:t>If your </a:t>
+              <a:t>I hope by now you understand how to interpret your result to answer association questions. </a:t>
             </a:r>
-            <a:r>
-              <a:rPr lang="en-US" dirty="0" err="1"/>
-              <a:t>RQ</a:t>
-            </a:r>
-            <a:r>
-              <a:rPr lang="en-US" dirty="0"/>
-              <a:t> is does workers’ incomes increase as their ages increase? </a:t>
-            </a:r>
-          </a:p>
-          <a:p>
-            <a:r>
-              <a:rPr lang="en-US" dirty="0"/>
-              <a:t>Then, your questionnaire questions should be what’s your age and what’s your income? </a:t>
-            </a:r>
-          </a:p>
-          <a:p>
-            <a:endParaRPr lang="en-US" dirty="0"/>
           </a:p>
         </p:txBody>
       </p:sp>
@@ -14628,7 +14606,7 @@
     </p:spTree>
     <p:extLst>
       <p:ext uri="{BB962C8B-B14F-4D97-AF65-F5344CB8AC3E}">
-        <p14:creationId xmlns:p14="http://schemas.microsoft.com/office/powerpoint/2010/main" val="136380927"/>
+        <p14:creationId xmlns:p14="http://schemas.microsoft.com/office/powerpoint/2010/main" val="1561155126"/>
       </p:ext>
     </p:extLst>
   </p:cSld>
@@ -14684,65 +14662,28 @@
           <a:p>
             <a:r>
               <a:rPr lang="en-US" dirty="0"/>
-              <a:t>And then, after running your analysis you find that your correlation coefficient is 0.8 </a:t>
+              <a:t>Back to the project, </a:t>
             </a:r>
           </a:p>
           <a:p>
             <a:r>
               <a:rPr lang="en-US" dirty="0"/>
-              <a:t>Your conclusion would be…</a:t>
+              <a:t>If your </a:t>
             </a:r>
-          </a:p>
-          <a:p>
-            <a:endParaRPr lang="en-US" dirty="0"/>
-          </a:p>
-          <a:p>
+            <a:r>
+              <a:rPr lang="en-US" dirty="0" err="1"/>
+              <a:t>RQ</a:t>
+            </a:r>
             <a:r>
               <a:rPr lang="en-US" dirty="0"/>
-              <a:t>Here are some examples for correlation visualization </a:t>
+              <a:t> is does workers’ incomes increase as their ages increase? </a:t>
             </a:r>
-          </a:p>
-          <a:p>
-            <a:endParaRPr lang="en-US" dirty="0"/>
           </a:p>
           <a:p>
             <a:r>
               <a:rPr lang="en-US" dirty="0"/>
-              <a:t>Notice that we do not claim that higher age causes higher income or vice versa, because correlation does not mean causation. </a:t>
+              <a:t>Then, your questionnaire questions should be what’s your age and what’s your income? </a:t>
             </a:r>
-          </a:p>
-          <a:p>
-            <a:r>
-              <a:rPr lang="en-US" dirty="0"/>
-              <a:t>Does anybody remember what the other two conditions to establish causality besides correlation?</a:t>
-            </a:r>
-          </a:p>
-          <a:p>
-            <a:endParaRPr lang="en-US" dirty="0"/>
-          </a:p>
-          <a:p>
-            <a:r>
-              <a:rPr lang="en-US" dirty="0"/>
-              <a:t>Go to Word docs (correlation)</a:t>
-            </a:r>
-          </a:p>
-          <a:p>
-            <a:endParaRPr lang="en-US" dirty="0"/>
-          </a:p>
-          <a:p>
-            <a:r>
-              <a:rPr lang="en-US" dirty="0"/>
-              <a:t>Then go to excel to do analysis</a:t>
-            </a:r>
-          </a:p>
-          <a:p>
-            <a:r>
-              <a:rPr lang="en-US" dirty="0"/>
-              <a:t>Then to R for visualization </a:t>
-            </a:r>
-          </a:p>
-          <a:p>
-            <a:endParaRPr lang="en-US" dirty="0"/>
           </a:p>
           <a:p>
             <a:endParaRPr lang="en-US" dirty="0"/>
@@ -14775,7 +14716,7 @@
     </p:spTree>
     <p:extLst>
       <p:ext uri="{BB962C8B-B14F-4D97-AF65-F5344CB8AC3E}">
-        <p14:creationId xmlns:p14="http://schemas.microsoft.com/office/powerpoint/2010/main" val="3036239250"/>
+        <p14:creationId xmlns:p14="http://schemas.microsoft.com/office/powerpoint/2010/main" val="136380927"/>
       </p:ext>
     </p:extLst>
   </p:cSld>
@@ -14831,8 +14772,65 @@
           <a:p>
             <a:r>
               <a:rPr lang="en-US" dirty="0"/>
-              <a:t>Now, we will cover chapter 20 which I’ll say less cognitively demanding</a:t>
+              <a:t>And then, after running your analysis you find that your correlation coefficient is 0.8 </a:t>
             </a:r>
+          </a:p>
+          <a:p>
+            <a:r>
+              <a:rPr lang="en-US" dirty="0"/>
+              <a:t>Your conclusion would be…</a:t>
+            </a:r>
+          </a:p>
+          <a:p>
+            <a:endParaRPr lang="en-US" dirty="0"/>
+          </a:p>
+          <a:p>
+            <a:r>
+              <a:rPr lang="en-US" dirty="0"/>
+              <a:t>Here are some examples for correlation visualization </a:t>
+            </a:r>
+          </a:p>
+          <a:p>
+            <a:endParaRPr lang="en-US" dirty="0"/>
+          </a:p>
+          <a:p>
+            <a:r>
+              <a:rPr lang="en-US" dirty="0"/>
+              <a:t>Notice that we do not claim that higher age causes higher income or vice versa, because correlation does not mean causation. </a:t>
+            </a:r>
+          </a:p>
+          <a:p>
+            <a:r>
+              <a:rPr lang="en-US" dirty="0"/>
+              <a:t>Does anybody remember what the other two conditions to establish causality besides correlation?</a:t>
+            </a:r>
+          </a:p>
+          <a:p>
+            <a:endParaRPr lang="en-US" dirty="0"/>
+          </a:p>
+          <a:p>
+            <a:r>
+              <a:rPr lang="en-US" dirty="0"/>
+              <a:t>Go to Word docs (correlation)</a:t>
+            </a:r>
+          </a:p>
+          <a:p>
+            <a:endParaRPr lang="en-US" dirty="0"/>
+          </a:p>
+          <a:p>
+            <a:r>
+              <a:rPr lang="en-US" dirty="0"/>
+              <a:t>Then go to excel to do analysis</a:t>
+            </a:r>
+          </a:p>
+          <a:p>
+            <a:r>
+              <a:rPr lang="en-US" dirty="0"/>
+              <a:t>Then to R for visualization </a:t>
+            </a:r>
+          </a:p>
+          <a:p>
+            <a:endParaRPr lang="en-US" dirty="0"/>
           </a:p>
           <a:p>
             <a:endParaRPr lang="en-US" dirty="0"/>
@@ -14865,7 +14863,7 @@
     </p:spTree>
     <p:extLst>
       <p:ext uri="{BB962C8B-B14F-4D97-AF65-F5344CB8AC3E}">
-        <p14:creationId xmlns:p14="http://schemas.microsoft.com/office/powerpoint/2010/main" val="930879460"/>
+        <p14:creationId xmlns:p14="http://schemas.microsoft.com/office/powerpoint/2010/main" val="3036239250"/>
       </p:ext>
     </p:extLst>
   </p:cSld>
@@ -14921,8 +14919,11 @@
           <a:p>
             <a:r>
               <a:rPr lang="en-US" dirty="0"/>
-              <a:t>These are overall learning objectives</a:t>
+              <a:t>Now, we will cover chapter 20 which I’ll say less cognitively demanding</a:t>
             </a:r>
+          </a:p>
+          <a:p>
+            <a:endParaRPr lang="en-US" dirty="0"/>
           </a:p>
         </p:txBody>
       </p:sp>
@@ -14952,7 +14953,7 @@
     </p:spTree>
     <p:extLst>
       <p:ext uri="{BB962C8B-B14F-4D97-AF65-F5344CB8AC3E}">
-        <p14:creationId xmlns:p14="http://schemas.microsoft.com/office/powerpoint/2010/main" val="2069854961"/>
+        <p14:creationId xmlns:p14="http://schemas.microsoft.com/office/powerpoint/2010/main" val="930879460"/>
       </p:ext>
     </p:extLst>
   </p:cSld>
@@ -15008,24 +15009,8 @@
           <a:p>
             <a:r>
               <a:rPr lang="en-US" dirty="0"/>
-              <a:t>Written report is all about how you communicate your result with your audience. </a:t>
+              <a:t>These are overall learning objectives</a:t>
             </a:r>
-            <a:br>
-              <a:rPr lang="en-US" dirty="0"/>
-            </a:br>
-            <a:r>
-              <a:rPr lang="en-US" dirty="0"/>
-              <a:t>Even if you run all kinds of fancy tests, if you cannot relay the results or be able to interpret and communicate them with your boss. Then, you can appear like you did nothing right?</a:t>
-            </a:r>
-          </a:p>
-          <a:p>
-            <a:r>
-              <a:rPr lang="en-US" dirty="0"/>
-              <a:t>A near-perfect research can get lost in the clutter of a poorly written report</a:t>
-            </a:r>
-          </a:p>
-          <a:p>
-            <a:endParaRPr lang="en-US" dirty="0"/>
           </a:p>
         </p:txBody>
       </p:sp>
@@ -15055,7 +15040,7 @@
     </p:spTree>
     <p:extLst>
       <p:ext uri="{BB962C8B-B14F-4D97-AF65-F5344CB8AC3E}">
-        <p14:creationId xmlns:p14="http://schemas.microsoft.com/office/powerpoint/2010/main" val="2756021941"/>
+        <p14:creationId xmlns:p14="http://schemas.microsoft.com/office/powerpoint/2010/main" val="2069854961"/>
       </p:ext>
     </p:extLst>
   </p:cSld>
@@ -15111,20 +15096,24 @@
           <a:p>
             <a:r>
               <a:rPr lang="en-US" dirty="0"/>
-              <a:t>However, there is also the paradox of completeness </a:t>
+              <a:t>Written report is all about how you communicate your result with your audience. </a:t>
             </a:r>
-          </a:p>
-          <a:p>
+            <a:br>
+              <a:rPr lang="en-US" dirty="0"/>
+            </a:br>
             <a:r>
               <a:rPr lang="en-US" dirty="0"/>
-              <a:t>People who are involved in the analysis process usually want to be as complete as possible because they have done so much works that they want to show off how much work they have done. However, they can also run the risk of being too complete, that might stray their audience from the important message or takeaways. </a:t>
+              <a:t>Even if you run all kinds of fancy tests, if you cannot relay the results or be able to interpret and communicate them with your boss. Then, you can appear like you did nothing right?</a:t>
             </a:r>
           </a:p>
           <a:p>
             <a:r>
               <a:rPr lang="en-US" dirty="0"/>
-              <a:t>On the other hand, people can also be deceiving that they can strategically omit stuffs, tests that did not fall into their prediction can be an example. In this case, you as a co-worker or co-researcher need to step up and encourage completeness. </a:t>
+              <a:t>A near-perfect research can get lost in the clutter of a poorly written report</a:t>
             </a:r>
+          </a:p>
+          <a:p>
+            <a:endParaRPr lang="en-US" dirty="0"/>
           </a:p>
         </p:txBody>
       </p:sp>
@@ -15154,7 +15143,7 @@
     </p:spTree>
     <p:extLst>
       <p:ext uri="{BB962C8B-B14F-4D97-AF65-F5344CB8AC3E}">
-        <p14:creationId xmlns:p14="http://schemas.microsoft.com/office/powerpoint/2010/main" val="3275574818"/>
+        <p14:creationId xmlns:p14="http://schemas.microsoft.com/office/powerpoint/2010/main" val="2756021941"/>
       </p:ext>
     </p:extLst>
   </p:cSld>
@@ -15294,13 +15283,19 @@
           <a:p>
             <a:r>
               <a:rPr lang="en-US" dirty="0"/>
-              <a:t>You just don’t want to be deceiving or report incorrect information. </a:t>
+              <a:t>However, there is also the paradox of completeness </a:t>
             </a:r>
           </a:p>
           <a:p>
             <a:r>
               <a:rPr lang="en-US" dirty="0"/>
-              <a:t>If you have two wrong datasets or data analyses, it doesn’t mean after averaging them you have a correct one. </a:t>
+              <a:t>People who are involved in the analysis process usually want to be as complete as possible because they have done so much works that they want to show off how much work they have done. However, they can also run the risk of being too complete, that might stray their audience from the important message or takeaways. </a:t>
+            </a:r>
+          </a:p>
+          <a:p>
+            <a:r>
+              <a:rPr lang="en-US" dirty="0"/>
+              <a:t>On the other hand, people can also be deceiving that they can strategically omit stuffs, tests that did not fall into their prediction can be an example. In this case, you as a co-worker or co-researcher need to step up and encourage completeness. </a:t>
             </a:r>
           </a:p>
         </p:txBody>
@@ -15331,7 +15326,7 @@
     </p:spTree>
     <p:extLst>
       <p:ext uri="{BB962C8B-B14F-4D97-AF65-F5344CB8AC3E}">
-        <p14:creationId xmlns:p14="http://schemas.microsoft.com/office/powerpoint/2010/main" val="3486695606"/>
+        <p14:creationId xmlns:p14="http://schemas.microsoft.com/office/powerpoint/2010/main" val="3275574818"/>
       </p:ext>
     </p:extLst>
   </p:cSld>
@@ -15387,13 +15382,13 @@
           <a:p>
             <a:r>
               <a:rPr lang="en-US" dirty="0"/>
-              <a:t>These are examples of inaccuracy </a:t>
+              <a:t>You just don’t want to be deceiving or report incorrect information. </a:t>
             </a:r>
           </a:p>
           <a:p>
             <a:r>
               <a:rPr lang="en-US" dirty="0"/>
-              <a:t>You can refer to them when you do your project report </a:t>
+              <a:t>If you have two wrong datasets or data analyses, it doesn’t mean after averaging them you have a correct one. </a:t>
             </a:r>
           </a:p>
         </p:txBody>
@@ -15424,7 +15419,7 @@
     </p:spTree>
     <p:extLst>
       <p:ext uri="{BB962C8B-B14F-4D97-AF65-F5344CB8AC3E}">
-        <p14:creationId xmlns:p14="http://schemas.microsoft.com/office/powerpoint/2010/main" val="1803303781"/>
+        <p14:creationId xmlns:p14="http://schemas.microsoft.com/office/powerpoint/2010/main" val="3486695606"/>
       </p:ext>
     </p:extLst>
   </p:cSld>
@@ -15480,13 +15475,13 @@
           <a:p>
             <a:r>
               <a:rPr lang="en-US" dirty="0"/>
-              <a:t>You also want clarity in your report. It just means you need to clearly communicate the results and the next step to your managers. </a:t>
+              <a:t>These are examples of inaccuracy </a:t>
             </a:r>
           </a:p>
           <a:p>
             <a:r>
               <a:rPr lang="en-US" dirty="0"/>
-              <a:t>Remember the whole purpose of your research is find evidence that support an alternative as the best option to take. </a:t>
+              <a:t>You can refer to them when you do your project report </a:t>
             </a:r>
           </a:p>
         </p:txBody>
@@ -15517,7 +15512,7 @@
     </p:spTree>
     <p:extLst>
       <p:ext uri="{BB962C8B-B14F-4D97-AF65-F5344CB8AC3E}">
-        <p14:creationId xmlns:p14="http://schemas.microsoft.com/office/powerpoint/2010/main" val="55061176"/>
+        <p14:creationId xmlns:p14="http://schemas.microsoft.com/office/powerpoint/2010/main" val="1803303781"/>
       </p:ext>
     </p:extLst>
   </p:cSld>
@@ -15573,7 +15568,13 @@
           <a:p>
             <a:r>
               <a:rPr lang="en-US" dirty="0"/>
-              <a:t>Clarity can be achieved by </a:t>
+              <a:t>You also want clarity in your report. It just means you need to clearly communicate the results and the next step to your managers. </a:t>
+            </a:r>
+          </a:p>
+          <a:p>
+            <a:r>
+              <a:rPr lang="en-US" dirty="0"/>
+              <a:t>Remember the whole purpose of your research is find evidence that support an alternative as the best option to take. </a:t>
             </a:r>
           </a:p>
         </p:txBody>
@@ -15604,7 +15605,7 @@
     </p:spTree>
     <p:extLst>
       <p:ext uri="{BB962C8B-B14F-4D97-AF65-F5344CB8AC3E}">
-        <p14:creationId xmlns:p14="http://schemas.microsoft.com/office/powerpoint/2010/main" val="2403704050"/>
+        <p14:creationId xmlns:p14="http://schemas.microsoft.com/office/powerpoint/2010/main" val="55061176"/>
       </p:ext>
     </p:extLst>
   </p:cSld>
@@ -15660,49 +15661,7 @@
           <a:p>
             <a:r>
               <a:rPr lang="en-US" dirty="0"/>
-              <a:t>Here is a formal written research report outline. You can review these slides later. </a:t>
-            </a:r>
-          </a:p>
-          <a:p>
-            <a:r>
-              <a:rPr lang="en-US" dirty="0"/>
-              <a:t>However, in this class I do not need you to write pages long of report. </a:t>
-            </a:r>
-          </a:p>
-          <a:p>
-            <a:r>
-              <a:rPr lang="en-US" dirty="0"/>
-              <a:t>The example here is the report outline in your textbook. Our expected format would be similar, but with some differences </a:t>
-            </a:r>
-          </a:p>
-          <a:p>
-            <a:r>
-              <a:rPr lang="en-US" dirty="0"/>
-              <a:t>Hence, you should not consult this slide for your report, but the project report guideline </a:t>
-            </a:r>
-          </a:p>
-          <a:p>
-            <a:endParaRPr lang="en-US" dirty="0"/>
-          </a:p>
-          <a:p>
-            <a:r>
-              <a:rPr lang="en-US" dirty="0"/>
-              <a:t>If you can open an example of final report. We can go over my expectation together </a:t>
-            </a:r>
-          </a:p>
-          <a:p>
-            <a:endParaRPr lang="en-US" dirty="0"/>
-          </a:p>
-          <a:p>
-            <a:r>
-              <a:rPr lang="en-US" dirty="0"/>
-              <a:t>Report Guideline: https://github.com/mikenguyen13/mar4050_F21/blob/master/project_assignment/written_report/Project%20Report%20Guideline.pdf</a:t>
-            </a:r>
-          </a:p>
-          <a:p>
-            <a:r>
-              <a:rPr lang="en-US" dirty="0"/>
-              <a:t>Example: https://github.com/mikenguyen13/mar4050_F21/blob/master/project_assignment/written_report/example1%20SlideDoc%20research%20report.pdf</a:t>
+              <a:t>Clarity can be achieved by </a:t>
             </a:r>
           </a:p>
         </p:txBody>
@@ -15724,7 +15683,7 @@
           <a:p>
             <a:fld id="{BC849E9A-41F7-4779-A581-48A7C374A227}" type="slidenum">
               <a:rPr lang="en-US" smtClean="0"/>
-              <a:t>27</a:t>
+              <a:t>26</a:t>
             </a:fld>
             <a:endParaRPr lang="en-US" dirty="0"/>
           </a:p>
@@ -15733,7 +15692,7 @@
     </p:spTree>
     <p:extLst>
       <p:ext uri="{BB962C8B-B14F-4D97-AF65-F5344CB8AC3E}">
-        <p14:creationId xmlns:p14="http://schemas.microsoft.com/office/powerpoint/2010/main" val="3083969405"/>
+        <p14:creationId xmlns:p14="http://schemas.microsoft.com/office/powerpoint/2010/main" val="2403704050"/>
       </p:ext>
     </p:extLst>
   </p:cSld>
@@ -15787,73 +15746,52 @@
           <a:bodyPr/>
           <a:lstStyle/>
           <a:p>
-            <a:pPr marL="0" marR="0" lvl="0" indent="0" algn="l" defTabSz="914400" rtl="0" eaLnBrk="1" fontAlgn="auto" latinLnBrk="0" hangingPunct="1">
-              <a:lnSpc>
-                <a:spcPct val="100000"/>
-              </a:lnSpc>
-              <a:spcBef>
-                <a:spcPts val="0"/>
-              </a:spcBef>
-              <a:spcAft>
-                <a:spcPts val="0"/>
-              </a:spcAft>
-              <a:buClrTx/>
-              <a:buSzTx/>
-              <a:buFontTx/>
-              <a:buNone/>
-              <a:tabLst/>
-              <a:defRPr/>
-            </a:pPr>
             <a:r>
-              <a:rPr lang="en-US" sz="1200" dirty="0"/>
-              <a:t>the most important part of the report </a:t>
+              <a:rPr lang="en-US" dirty="0"/>
+              <a:t>Here is a formal written research report outline. You can review these slides later. </a:t>
             </a:r>
           </a:p>
           <a:p>
-            <a:pPr marL="0" marR="0" lvl="0" indent="0" algn="l" defTabSz="914400" rtl="0" eaLnBrk="1" fontAlgn="auto" latinLnBrk="0" hangingPunct="1">
-              <a:lnSpc>
-                <a:spcPct val="100000"/>
-              </a:lnSpc>
-              <a:spcBef>
-                <a:spcPts val="0"/>
-              </a:spcBef>
-              <a:spcAft>
-                <a:spcPts val="0"/>
-              </a:spcAft>
-              <a:buClrTx/>
-              <a:buSzTx/>
-              <a:buFontTx/>
-              <a:buNone/>
-              <a:tabLst/>
-              <a:defRPr/>
-            </a:pPr>
-            <a:endParaRPr lang="en-US" sz="1200" dirty="0"/>
-          </a:p>
-          <a:p>
-            <a:pPr marL="0" marR="0" lvl="0" indent="0" algn="l" defTabSz="914400" rtl="0" eaLnBrk="1" fontAlgn="auto" latinLnBrk="0" hangingPunct="1">
-              <a:lnSpc>
-                <a:spcPct val="100000"/>
-              </a:lnSpc>
-              <a:spcBef>
-                <a:spcPts val="0"/>
-              </a:spcBef>
-              <a:spcAft>
-                <a:spcPts val="0"/>
-              </a:spcAft>
-              <a:buClrTx/>
-              <a:buSzTx/>
-              <a:buFontTx/>
-              <a:buNone/>
-              <a:tabLst/>
-              <a:defRPr/>
-            </a:pPr>
             <a:r>
-              <a:rPr lang="en-US" sz="1200" dirty="0"/>
-              <a:t>Think about what you would most want to communicate about he project if you only had 60 seconds to do so.</a:t>
+              <a:rPr lang="en-US" dirty="0"/>
+              <a:t>However, in this class I do not need you to write pages long of report. </a:t>
             </a:r>
           </a:p>
           <a:p>
+            <a:r>
+              <a:rPr lang="en-US" dirty="0"/>
+              <a:t>The example here is the report outline in your textbook. Our expected format would be similar, but with some differences </a:t>
+            </a:r>
+          </a:p>
+          <a:p>
+            <a:r>
+              <a:rPr lang="en-US" dirty="0"/>
+              <a:t>Hence, you should not consult this slide for your report, but the project report guideline </a:t>
+            </a:r>
+          </a:p>
+          <a:p>
             <a:endParaRPr lang="en-US" dirty="0"/>
+          </a:p>
+          <a:p>
+            <a:r>
+              <a:rPr lang="en-US" dirty="0"/>
+              <a:t>If you can open an example of final report. We can go over my expectation together </a:t>
+            </a:r>
+          </a:p>
+          <a:p>
+            <a:endParaRPr lang="en-US" dirty="0"/>
+          </a:p>
+          <a:p>
+            <a:r>
+              <a:rPr lang="en-US" dirty="0"/>
+              <a:t>Report Guideline: https://github.com/mikenguyen13/mar4050_F21/blob/master/project_assignment/written_report/Project%20Report%20Guideline.pdf</a:t>
+            </a:r>
+          </a:p>
+          <a:p>
+            <a:r>
+              <a:rPr lang="en-US" dirty="0"/>
+              <a:t>Example: https://github.com/mikenguyen13/mar4050_F21/blob/master/project_assignment/written_report/example1%20SlideDoc%20research%20report.pdf</a:t>
+            </a:r>
           </a:p>
         </p:txBody>
       </p:sp>
@@ -15883,7 +15821,7 @@
     </p:spTree>
     <p:extLst>
       <p:ext uri="{BB962C8B-B14F-4D97-AF65-F5344CB8AC3E}">
-        <p14:creationId xmlns:p14="http://schemas.microsoft.com/office/powerpoint/2010/main" val="2167025407"/>
+        <p14:creationId xmlns:p14="http://schemas.microsoft.com/office/powerpoint/2010/main" val="3083969405"/>
       </p:ext>
     </p:extLst>
   </p:cSld>
@@ -15937,9 +15875,69 @@
           <a:bodyPr/>
           <a:lstStyle/>
           <a:p>
+            <a:pPr marL="0" marR="0" lvl="0" indent="0" algn="l" defTabSz="914400" rtl="0" eaLnBrk="1" fontAlgn="auto" latinLnBrk="0" hangingPunct="1">
+              <a:lnSpc>
+                <a:spcPct val="100000"/>
+              </a:lnSpc>
+              <a:spcBef>
+                <a:spcPts val="0"/>
+              </a:spcBef>
+              <a:spcAft>
+                <a:spcPts val="0"/>
+              </a:spcAft>
+              <a:buClrTx/>
+              <a:buSzTx/>
+              <a:buFontTx/>
+              <a:buNone/>
+              <a:tabLst/>
+              <a:defRPr/>
+            </a:pPr>
             <a:r>
-              <a:rPr lang="en-US" dirty="0"/>
-              <a:t>Go over the mid-semester evaluation if have time </a:t>
+              <a:rPr lang="en-US" sz="1200" dirty="0"/>
+              <a:t>the most important part of the report </a:t>
+            </a:r>
+          </a:p>
+          <a:p>
+            <a:pPr marL="0" marR="0" lvl="0" indent="0" algn="l" defTabSz="914400" rtl="0" eaLnBrk="1" fontAlgn="auto" latinLnBrk="0" hangingPunct="1">
+              <a:lnSpc>
+                <a:spcPct val="100000"/>
+              </a:lnSpc>
+              <a:spcBef>
+                <a:spcPts val="0"/>
+              </a:spcBef>
+              <a:spcAft>
+                <a:spcPts val="0"/>
+              </a:spcAft>
+              <a:buClrTx/>
+              <a:buSzTx/>
+              <a:buFontTx/>
+              <a:buNone/>
+              <a:tabLst/>
+              <a:defRPr/>
+            </a:pPr>
+            <a:endParaRPr lang="en-US" sz="1200" dirty="0"/>
+          </a:p>
+          <a:p>
+            <a:pPr marL="0" marR="0" lvl="0" indent="0" algn="l" defTabSz="914400" rtl="0" eaLnBrk="1" fontAlgn="auto" latinLnBrk="0" hangingPunct="1">
+              <a:lnSpc>
+                <a:spcPct val="100000"/>
+              </a:lnSpc>
+              <a:spcBef>
+                <a:spcPts val="0"/>
+              </a:spcBef>
+              <a:spcAft>
+                <a:spcPts val="0"/>
+              </a:spcAft>
+              <a:buClrTx/>
+              <a:buSzTx/>
+              <a:buFontTx/>
+              <a:buNone/>
+              <a:tabLst/>
+              <a:defRPr/>
+            </a:pPr>
+            <a:r>
+              <a:rPr lang="en-US" sz="1200" dirty="0"/>
+              <a:t>Think about what you would most want to communicate about he project if you only had 60 seconds to do so.</a:t>
             </a:r>
           </a:p>
           <a:p>
@@ -15964,7 +15962,7 @@
           <a:p>
             <a:fld id="{BC849E9A-41F7-4779-A581-48A7C374A227}" type="slidenum">
               <a:rPr lang="en-US" smtClean="0"/>
-              <a:t>34</a:t>
+              <a:t>29</a:t>
             </a:fld>
             <a:endParaRPr lang="en-US" dirty="0"/>
           </a:p>
@@ -15973,7 +15971,7 @@
     </p:spTree>
     <p:extLst>
       <p:ext uri="{BB962C8B-B14F-4D97-AF65-F5344CB8AC3E}">
-        <p14:creationId xmlns:p14="http://schemas.microsoft.com/office/powerpoint/2010/main" val="3883761430"/>
+        <p14:creationId xmlns:p14="http://schemas.microsoft.com/office/powerpoint/2010/main" val="2167025407"/>
       </p:ext>
     </p:extLst>
   </p:cSld>
@@ -16029,15 +16027,11 @@
           <a:p>
             <a:r>
               <a:rPr lang="en-US" dirty="0"/>
-              <a:t>Go </a:t>
+              <a:t>Go over the mid-semester evaluation if have time </a:t>
             </a:r>
-            <a:r>
-              <a:rPr lang="en-US"/>
-              <a:t>to assignment 7 </a:t>
-            </a:r>
-          </a:p>
-          <a:p>
-            <a:endParaRPr lang="en-US"/>
+          </a:p>
+          <a:p>
+            <a:endParaRPr lang="en-US" dirty="0"/>
           </a:p>
         </p:txBody>
       </p:sp>
@@ -16067,7 +16061,7 @@
     </p:spTree>
     <p:extLst>
       <p:ext uri="{BB962C8B-B14F-4D97-AF65-F5344CB8AC3E}">
-        <p14:creationId xmlns:p14="http://schemas.microsoft.com/office/powerpoint/2010/main" val="822284890"/>
+        <p14:creationId xmlns:p14="http://schemas.microsoft.com/office/powerpoint/2010/main" val="3883761430"/>
       </p:ext>
     </p:extLst>
   </p:cSld>
@@ -16123,6 +16117,100 @@
           <a:p>
             <a:r>
               <a:rPr lang="en-US" dirty="0"/>
+              <a:t>Go </a:t>
+            </a:r>
+            <a:r>
+              <a:rPr lang="en-US"/>
+              <a:t>to assignment 7 </a:t>
+            </a:r>
+          </a:p>
+          <a:p>
+            <a:endParaRPr lang="en-US"/>
+          </a:p>
+        </p:txBody>
+      </p:sp>
+      <p:sp>
+        <p:nvSpPr>
+          <p:cNvPr id="4" name="Slide Number Placeholder 3"/>
+          <p:cNvSpPr>
+            <a:spLocks noGrp="1"/>
+          </p:cNvSpPr>
+          <p:nvPr>
+            <p:ph type="sldNum" sz="quarter" idx="5"/>
+          </p:nvPr>
+        </p:nvSpPr>
+        <p:spPr/>
+        <p:txBody>
+          <a:bodyPr/>
+          <a:lstStyle/>
+          <a:p>
+            <a:fld id="{BC849E9A-41F7-4779-A581-48A7C374A227}" type="slidenum">
+              <a:rPr lang="en-US" smtClean="0"/>
+              <a:t>36</a:t>
+            </a:fld>
+            <a:endParaRPr lang="en-US" dirty="0"/>
+          </a:p>
+        </p:txBody>
+      </p:sp>
+    </p:spTree>
+    <p:extLst>
+      <p:ext uri="{BB962C8B-B14F-4D97-AF65-F5344CB8AC3E}">
+        <p14:creationId xmlns:p14="http://schemas.microsoft.com/office/powerpoint/2010/main" val="822284890"/>
+      </p:ext>
+    </p:extLst>
+  </p:cSld>
+  <p:clrMapOvr>
+    <a:masterClrMapping/>
+  </p:clrMapOvr>
+</p:notes>
+</file>
+
+<file path=ppt/notesSlides/notesSlide29.xml><?xml version="1.0" encoding="utf-8"?>
+<p:notes xmlns:a="http://schemas.openxmlformats.org/drawingml/2006/main" xmlns:r="http://schemas.openxmlformats.org/officeDocument/2006/relationships" xmlns:p="http://schemas.openxmlformats.org/presentationml/2006/main">
+  <p:cSld>
+    <p:spTree>
+      <p:nvGrpSpPr>
+        <p:cNvPr id="1" name=""/>
+        <p:cNvGrpSpPr/>
+        <p:nvPr/>
+      </p:nvGrpSpPr>
+      <p:grpSpPr>
+        <a:xfrm>
+          <a:off x="0" y="0"/>
+          <a:ext cx="0" cy="0"/>
+          <a:chOff x="0" y="0"/>
+          <a:chExt cx="0" cy="0"/>
+        </a:xfrm>
+      </p:grpSpPr>
+      <p:sp>
+        <p:nvSpPr>
+          <p:cNvPr id="2" name="Slide Image Placeholder 1"/>
+          <p:cNvSpPr>
+            <a:spLocks noGrp="1" noRot="1" noChangeAspect="1"/>
+          </p:cNvSpPr>
+          <p:nvPr>
+            <p:ph type="sldImg"/>
+          </p:nvPr>
+        </p:nvSpPr>
+        <p:spPr/>
+      </p:sp>
+      <p:sp>
+        <p:nvSpPr>
+          <p:cNvPr id="3" name="Notes Placeholder 2"/>
+          <p:cNvSpPr>
+            <a:spLocks noGrp="1"/>
+          </p:cNvSpPr>
+          <p:nvPr>
+            <p:ph type="body" idx="1"/>
+          </p:nvPr>
+        </p:nvSpPr>
+        <p:spPr/>
+        <p:txBody>
+          <a:bodyPr/>
+          <a:lstStyle/>
+          <a:p>
+            <a:r>
+              <a:rPr lang="en-US" dirty="0"/>
               <a:t>Example: </a:t>
             </a:r>
             <a:r>
@@ -16349,7 +16437,7 @@
                 <a:tabLst/>
                 <a:defRPr/>
               </a:pPr>
-              <a:t>36</a:t>
+              <a:t>37</a:t>
             </a:fld>
             <a:endParaRPr kumimoji="0" lang="en-US" sz="1200" b="0" i="0" u="none" strike="noStrike" kern="1200" cap="none" spc="0" normalizeH="0" baseline="0" noProof="0" dirty="0">
               <a:ln>
@@ -16578,73 +16666,534 @@
         </p:nvSpPr>
         <p:spPr/>
       </p:sp>
-      <p:sp>
-        <p:nvSpPr>
-          <p:cNvPr id="3" name="Notes Placeholder 2"/>
-          <p:cNvSpPr>
-            <a:spLocks noGrp="1"/>
-          </p:cNvSpPr>
-          <p:nvPr>
-            <p:ph type="body" idx="1"/>
-          </p:nvPr>
-        </p:nvSpPr>
-        <p:spPr/>
-        <p:txBody>
-          <a:bodyPr/>
-          <a:lstStyle/>
-          <a:p>
-            <a:r>
-              <a:rPr lang="en-US" dirty="0"/>
-              <a:t>We have already covered descriptive </a:t>
-            </a:r>
-            <a:r>
-              <a:rPr lang="en-US" dirty="0" err="1"/>
-              <a:t>RQ</a:t>
-            </a:r>
-            <a:r>
-              <a:rPr lang="en-US" dirty="0"/>
-              <a:t>, in which we do some descriptive analyses regarding a variable. </a:t>
-            </a:r>
-          </a:p>
-          <a:p>
-            <a:r>
-              <a:rPr lang="en-US" dirty="0"/>
-              <a:t>It can be categorical or continuous </a:t>
-            </a:r>
-          </a:p>
-          <a:p>
-            <a:r>
-              <a:rPr lang="en-US" dirty="0"/>
-              <a:t>Then, we also covered difference </a:t>
-            </a:r>
-            <a:r>
-              <a:rPr lang="en-US" dirty="0" err="1"/>
-              <a:t>RQ</a:t>
-            </a:r>
-            <a:r>
-              <a:rPr lang="en-US" dirty="0"/>
-              <a:t>, in which the difference variable has to be categorical and analysis variable is continuous </a:t>
-            </a:r>
-          </a:p>
-          <a:p>
-            <a:r>
-              <a:rPr lang="en-US" dirty="0"/>
-              <a:t>Association </a:t>
-            </a:r>
-            <a:r>
-              <a:rPr lang="en-US" dirty="0" err="1"/>
-              <a:t>RQ</a:t>
-            </a:r>
-            <a:r>
-              <a:rPr lang="en-US" dirty="0"/>
-              <a:t> is between 2 continuous variables. </a:t>
-            </a:r>
-          </a:p>
-          <a:p>
-            <a:endParaRPr lang="en-US" dirty="0"/>
-          </a:p>
-        </p:txBody>
-      </p:sp>
+      <mc:AlternateContent xmlns:mc="http://schemas.openxmlformats.org/markup-compatibility/2006">
+        <mc:Choice xmlns:a14="http://schemas.microsoft.com/office/drawing/2010/main" Requires="a14">
+          <p:sp>
+            <p:nvSpPr>
+              <p:cNvPr id="3" name="Notes Placeholder 2"/>
+              <p:cNvSpPr>
+                <a:spLocks noGrp="1"/>
+              </p:cNvSpPr>
+              <p:nvPr>
+                <p:ph type="body" idx="1"/>
+              </p:nvPr>
+            </p:nvSpPr>
+            <p:spPr/>
+            <p:txBody>
+              <a:bodyPr/>
+              <a:lstStyle/>
+              <a:p>
+                <a:endParaRPr lang="en-US" dirty="0"/>
+              </a:p>
+              <a:p>
+                <a:r>
+                  <a:rPr lang="en-US" dirty="0"/>
+                  <a:t>DISCUSSION CASE #7 Be prepared to show your work on the whiteboard in class and to explain what the answers mean?</a:t>
+                </a:r>
+              </a:p>
+              <a:p>
+                <a:endParaRPr lang="en-US" dirty="0"/>
+              </a:p>
+              <a:p>
+                <a:pPr marL="0" lvl="0" indent="0" algn="l" rtl="0">
+                  <a:spcBef>
+                    <a:spcPts val="0"/>
+                  </a:spcBef>
+                  <a:spcAft>
+                    <a:spcPts val="0"/>
+                  </a:spcAft>
+                  <a:buSzPts val="1100"/>
+                  <a:buNone/>
+                </a:pPr>
+                <a:r>
+                  <a:rPr lang="en-US" b="0" dirty="0">
+                    <a:latin typeface="Arial"/>
+                    <a:ea typeface="Arial"/>
+                    <a:cs typeface="Arial"/>
+                    <a:sym typeface="Arial"/>
+                  </a:rPr>
+                  <a:t>Hint</a:t>
+                </a:r>
+                <a:r>
+                  <a:rPr lang="en-US" dirty="0">
+                    <a:latin typeface="Arial"/>
+                    <a:ea typeface="Arial"/>
+                    <a:cs typeface="Arial"/>
+                    <a:sym typeface="Arial"/>
+                  </a:rPr>
+                  <a:t>: </a:t>
+                </a:r>
+              </a:p>
+              <a:p>
+                <a:pPr lvl="0"/>
+                <a:r>
+                  <a:rPr lang="en-US" dirty="0"/>
+                  <a:t>For percentage, : </a:t>
+                </a:r>
+                <a14:m>
+                  <m:oMath xmlns:m="http://schemas.openxmlformats.org/officeDocument/2006/math">
+                    <m:r>
+                      <a:rPr lang="en-US" b="0" i="1" smtClean="0">
+                        <a:latin typeface="Cambria Math" panose="02040503050406030204" pitchFamily="18" charset="0"/>
+                      </a:rPr>
+                      <m:t>𝑝</m:t>
+                    </m:r>
+                    <m:r>
+                      <a:rPr lang="en-US" b="0" i="1" smtClean="0">
+                        <a:latin typeface="Cambria Math" panose="02040503050406030204" pitchFamily="18" charset="0"/>
+                      </a:rPr>
+                      <m:t>±</m:t>
+                    </m:r>
+                    <m:sSub>
+                      <m:sSubPr>
+                        <m:ctrlPr>
+                          <a:rPr lang="en-US" b="0" i="1" smtClean="0">
+                            <a:latin typeface="Cambria Math" panose="02040503050406030204" pitchFamily="18" charset="0"/>
+                          </a:rPr>
+                        </m:ctrlPr>
+                      </m:sSubPr>
+                      <m:e>
+                        <m:r>
+                          <a:rPr lang="en-US" b="0" i="1" smtClean="0">
+                            <a:latin typeface="Cambria Math" panose="02040503050406030204" pitchFamily="18" charset="0"/>
+                          </a:rPr>
+                          <m:t>𝑡</m:t>
+                        </m:r>
+                      </m:e>
+                      <m:sub>
+                        <m:r>
+                          <a:rPr lang="en-US" b="0" i="1" smtClean="0">
+                            <a:latin typeface="Cambria Math" panose="02040503050406030204" pitchFamily="18" charset="0"/>
+                          </a:rPr>
+                          <m:t>𝑐𝑟𝑖𝑡𝑖𝑐𝑎𝑙</m:t>
+                        </m:r>
+                      </m:sub>
+                    </m:sSub>
+                    <m:r>
+                      <a:rPr lang="en-US" b="0" i="1" smtClean="0">
+                        <a:latin typeface="Cambria Math" panose="02040503050406030204" pitchFamily="18" charset="0"/>
+                      </a:rPr>
+                      <m:t> ∗</m:t>
+                    </m:r>
+                    <m:r>
+                      <a:rPr lang="en-US" b="0" i="1" smtClean="0">
+                        <a:latin typeface="Cambria Math" panose="02040503050406030204" pitchFamily="18" charset="0"/>
+                      </a:rPr>
+                      <m:t>𝑆𝐸</m:t>
+                    </m:r>
+                  </m:oMath>
+                </a14:m>
+                <a:endParaRPr lang="en-US" dirty="0"/>
+              </a:p>
+              <a:p>
+                <a:pPr marL="0" indent="0">
+                  <a:spcBef>
+                    <a:spcPts val="0"/>
+                  </a:spcBef>
+                  <a:buSzPts val="1100"/>
+                  <a:buNone/>
+                </a:pPr>
+                <a:r>
+                  <a:rPr lang="en-US" dirty="0"/>
+                  <a:t>	 Standard error = </a:t>
+                </a:r>
+                <a14:m>
+                  <m:oMath xmlns:m="http://schemas.openxmlformats.org/officeDocument/2006/math">
+                    <m:r>
+                      <a:rPr lang="en-US" b="0" i="1" smtClean="0">
+                        <a:latin typeface="Cambria Math" panose="02040503050406030204" pitchFamily="18" charset="0"/>
+                      </a:rPr>
+                      <m:t>√(</m:t>
+                    </m:r>
+                    <m:r>
+                      <a:rPr lang="en-US" b="0" i="1" smtClean="0">
+                        <a:latin typeface="Cambria Math" panose="02040503050406030204" pitchFamily="18" charset="0"/>
+                      </a:rPr>
+                      <m:t>𝑝</m:t>
+                    </m:r>
+                    <m:r>
+                      <a:rPr lang="en-US" b="0" i="1" smtClean="0">
+                        <a:latin typeface="Cambria Math" panose="02040503050406030204" pitchFamily="18" charset="0"/>
+                      </a:rPr>
+                      <m:t>∗</m:t>
+                    </m:r>
+                    <m:r>
+                      <a:rPr lang="en-US" b="0" i="1" smtClean="0">
+                        <a:latin typeface="Cambria Math" panose="02040503050406030204" pitchFamily="18" charset="0"/>
+                      </a:rPr>
+                      <m:t>𝑞</m:t>
+                    </m:r>
+                    <m:r>
+                      <a:rPr lang="en-US" b="0" i="1" smtClean="0">
+                        <a:latin typeface="Cambria Math" panose="02040503050406030204" pitchFamily="18" charset="0"/>
+                      </a:rPr>
+                      <m:t>/</m:t>
+                    </m:r>
+                    <m:r>
+                      <a:rPr lang="en-US" b="0" i="1" smtClean="0">
+                        <a:latin typeface="Cambria Math" panose="02040503050406030204" pitchFamily="18" charset="0"/>
+                      </a:rPr>
+                      <m:t>𝑛</m:t>
+                    </m:r>
+                    <m:r>
+                      <a:rPr lang="en-US" b="0" i="1" smtClean="0">
+                        <a:latin typeface="Cambria Math" panose="02040503050406030204" pitchFamily="18" charset="0"/>
+                      </a:rPr>
+                      <m:t>)</m:t>
+                    </m:r>
+                  </m:oMath>
+                </a14:m>
+                <a:r>
+                  <a:rPr lang="en-US" dirty="0"/>
+                  <a:t> where p = 1- q</a:t>
+                </a:r>
+              </a:p>
+              <a:p>
+                <a:pPr marL="0" lvl="0" indent="0" algn="l" rtl="0">
+                  <a:spcBef>
+                    <a:spcPts val="0"/>
+                  </a:spcBef>
+                  <a:spcAft>
+                    <a:spcPts val="0"/>
+                  </a:spcAft>
+                  <a:buSzPts val="1100"/>
+                  <a:buNone/>
+                </a:pPr>
+                <a:endParaRPr lang="en-US" dirty="0"/>
+              </a:p>
+              <a:p>
+                <a:pPr marL="0" indent="0">
+                  <a:spcBef>
+                    <a:spcPts val="0"/>
+                  </a:spcBef>
+                  <a:buSzPts val="1100"/>
+                  <a:buNone/>
+                </a:pPr>
+                <a:r>
+                  <a:rPr lang="en-US" dirty="0"/>
+                  <a:t>For mean, : </a:t>
+                </a:r>
+                <a14:m>
+                  <m:oMath xmlns:m="http://schemas.openxmlformats.org/officeDocument/2006/math">
+                    <m:acc>
+                      <m:accPr>
+                        <m:chr m:val="̅"/>
+                        <m:ctrlPr>
+                          <a:rPr lang="en-US" b="0" i="1" smtClean="0">
+                            <a:latin typeface="Cambria Math" panose="02040503050406030204" pitchFamily="18" charset="0"/>
+                          </a:rPr>
+                        </m:ctrlPr>
+                      </m:accPr>
+                      <m:e>
+                        <m:r>
+                          <a:rPr lang="en-US" b="0" i="1" smtClean="0">
+                            <a:latin typeface="Cambria Math" panose="02040503050406030204" pitchFamily="18" charset="0"/>
+                          </a:rPr>
+                          <m:t>𝑥</m:t>
+                        </m:r>
+                      </m:e>
+                    </m:acc>
+                    <m:r>
+                      <a:rPr lang="en-US" b="0" i="1" dirty="0" smtClean="0">
+                        <a:latin typeface="Cambria Math" panose="02040503050406030204" pitchFamily="18" charset="0"/>
+                      </a:rPr>
+                      <m:t>±</m:t>
+                    </m:r>
+                    <m:sSub>
+                      <m:sSubPr>
+                        <m:ctrlPr>
+                          <a:rPr lang="en-US" b="0" i="1" dirty="0" smtClean="0">
+                            <a:latin typeface="Cambria Math" panose="02040503050406030204" pitchFamily="18" charset="0"/>
+                          </a:rPr>
+                        </m:ctrlPr>
+                      </m:sSubPr>
+                      <m:e>
+                        <m:r>
+                          <a:rPr lang="en-US" b="0" i="1" dirty="0" smtClean="0">
+                            <a:latin typeface="Cambria Math" panose="02040503050406030204" pitchFamily="18" charset="0"/>
+                          </a:rPr>
+                          <m:t>𝑡</m:t>
+                        </m:r>
+                      </m:e>
+                      <m:sub>
+                        <m:d>
+                          <m:dPr>
+                            <m:begChr m:val="{"/>
+                            <m:endChr m:val="}"/>
+                            <m:ctrlPr>
+                              <a:rPr lang="en-US" b="0" i="1" dirty="0" smtClean="0">
+                                <a:latin typeface="Cambria Math" panose="02040503050406030204" pitchFamily="18" charset="0"/>
+                              </a:rPr>
+                            </m:ctrlPr>
+                          </m:dPr>
+                          <m:e>
+                            <m:r>
+                              <a:rPr lang="en-US" b="0" i="1" dirty="0" smtClean="0">
+                                <a:latin typeface="Cambria Math" panose="02040503050406030204" pitchFamily="18" charset="0"/>
+                              </a:rPr>
+                              <m:t>𝑐𝑟𝑖𝑡𝑖𝑐𝑎𝑙</m:t>
+                            </m:r>
+                          </m:e>
+                        </m:d>
+                      </m:sub>
+                    </m:sSub>
+                    <m:r>
+                      <a:rPr lang="en-US" b="0" i="1" dirty="0" smtClean="0">
+                        <a:latin typeface="Cambria Math" panose="02040503050406030204" pitchFamily="18" charset="0"/>
+                      </a:rPr>
+                      <m:t> ∗</m:t>
+                    </m:r>
+                    <m:r>
+                      <a:rPr lang="en-US" b="0" i="1" dirty="0" smtClean="0">
+                        <a:latin typeface="Cambria Math" panose="02040503050406030204" pitchFamily="18" charset="0"/>
+                      </a:rPr>
+                      <m:t>𝑆𝐸</m:t>
+                    </m:r>
+                  </m:oMath>
+                </a14:m>
+                <a:endParaRPr lang="en-US" dirty="0"/>
+              </a:p>
+              <a:p>
+                <a:pPr marL="0" lvl="0" indent="0" algn="l" rtl="0">
+                  <a:spcBef>
+                    <a:spcPts val="0"/>
+                  </a:spcBef>
+                  <a:spcAft>
+                    <a:spcPts val="0"/>
+                  </a:spcAft>
+                  <a:buSzPts val="1100"/>
+                  <a:buNone/>
+                </a:pPr>
+                <a:endParaRPr lang="en-US" dirty="0"/>
+              </a:p>
+              <a:p>
+                <a:pPr marL="0" lvl="0" indent="0" algn="l" rtl="0">
+                  <a:spcBef>
+                    <a:spcPts val="0"/>
+                  </a:spcBef>
+                  <a:spcAft>
+                    <a:spcPts val="0"/>
+                  </a:spcAft>
+                  <a:buSzPts val="1100"/>
+                  <a:buNone/>
+                </a:pPr>
+                <a:r>
+                  <a:rPr lang="en-US" dirty="0"/>
+                  <a:t>	 Standard error = </a:t>
+                </a:r>
+                <a14:m>
+                  <m:oMath xmlns:m="http://schemas.openxmlformats.org/officeDocument/2006/math">
+                    <m:f>
+                      <m:fPr>
+                        <m:ctrlPr>
+                          <a:rPr lang="en-US" i="1" smtClean="0">
+                            <a:latin typeface="Cambria Math" panose="02040503050406030204" pitchFamily="18" charset="0"/>
+                          </a:rPr>
+                        </m:ctrlPr>
+                      </m:fPr>
+                      <m:num>
+                        <m:r>
+                          <a:rPr lang="en-US" b="0" i="1" smtClean="0">
+                            <a:latin typeface="Cambria Math" panose="02040503050406030204" pitchFamily="18" charset="0"/>
+                          </a:rPr>
+                          <m:t>𝑆𝐷</m:t>
+                        </m:r>
+                      </m:num>
+                      <m:den>
+                        <m:r>
+                          <a:rPr lang="en-US" b="0" i="1" smtClean="0">
+                            <a:latin typeface="Cambria Math" panose="02040503050406030204" pitchFamily="18" charset="0"/>
+                          </a:rPr>
+                          <m:t>√</m:t>
+                        </m:r>
+                        <m:r>
+                          <a:rPr lang="en-US" b="0" i="1" smtClean="0">
+                            <a:latin typeface="Cambria Math" panose="02040503050406030204" pitchFamily="18" charset="0"/>
+                          </a:rPr>
+                          <m:t>𝑛</m:t>
+                        </m:r>
+                      </m:den>
+                    </m:f>
+                  </m:oMath>
+                </a14:m>
+                <a:endParaRPr lang="en-US" dirty="0"/>
+              </a:p>
+            </p:txBody>
+          </p:sp>
+        </mc:Choice>
+        <mc:Fallback>
+          <p:sp>
+            <p:nvSpPr>
+              <p:cNvPr id="3" name="Notes Placeholder 2"/>
+              <p:cNvSpPr>
+                <a:spLocks noGrp="1"/>
+              </p:cNvSpPr>
+              <p:nvPr>
+                <p:ph type="body" idx="1"/>
+              </p:nvPr>
+            </p:nvSpPr>
+            <p:spPr/>
+            <p:txBody>
+              <a:bodyPr/>
+              <a:lstStyle/>
+              <a:p>
+                <a:endParaRPr lang="en-US" dirty="0"/>
+              </a:p>
+              <a:p>
+                <a:r>
+                  <a:rPr lang="en-US" dirty="0"/>
+                  <a:t>DISCUSSION CASE #7 Be prepared to show your work on the whiteboard in class and to explain what the answers mean?</a:t>
+                </a:r>
+              </a:p>
+              <a:p>
+                <a:endParaRPr lang="en-US" dirty="0"/>
+              </a:p>
+              <a:p>
+                <a:pPr marL="0" lvl="0" indent="0" algn="l" rtl="0">
+                  <a:spcBef>
+                    <a:spcPts val="0"/>
+                  </a:spcBef>
+                  <a:spcAft>
+                    <a:spcPts val="0"/>
+                  </a:spcAft>
+                  <a:buSzPts val="1100"/>
+                  <a:buNone/>
+                </a:pPr>
+                <a:r>
+                  <a:rPr lang="en-US" b="0" dirty="0">
+                    <a:latin typeface="Arial"/>
+                    <a:ea typeface="Arial"/>
+                    <a:cs typeface="Arial"/>
+                    <a:sym typeface="Arial"/>
+                  </a:rPr>
+                  <a:t>Hint</a:t>
+                </a:r>
+                <a:r>
+                  <a:rPr lang="en-US" dirty="0">
+                    <a:latin typeface="Arial"/>
+                    <a:ea typeface="Arial"/>
+                    <a:cs typeface="Arial"/>
+                    <a:sym typeface="Arial"/>
+                  </a:rPr>
+                  <a:t>: </a:t>
+                </a:r>
+              </a:p>
+              <a:p>
+                <a:pPr lvl="0"/>
+                <a:r>
+                  <a:rPr lang="en-US" dirty="0"/>
+                  <a:t>For percentage, : </a:t>
+                </a:r>
+                <a:r>
+                  <a:rPr lang="en-US" b="0" i="0">
+                    <a:latin typeface="Cambria Math" panose="02040503050406030204" pitchFamily="18" charset="0"/>
+                  </a:rPr>
+                  <a:t>𝑝±𝑡_𝑐𝑟𝑖𝑡𝑖𝑐𝑎𝑙  ∗𝑆𝐸</a:t>
+                </a:r>
+                <a:endParaRPr lang="en-US" dirty="0"/>
+              </a:p>
+              <a:p>
+                <a:pPr marL="0" indent="0">
+                  <a:spcBef>
+                    <a:spcPts val="0"/>
+                  </a:spcBef>
+                  <a:buSzPts val="1100"/>
+                  <a:buNone/>
+                </a:pPr>
+                <a:r>
+                  <a:rPr lang="en-US" dirty="0"/>
+                  <a:t>	 Standard error = </a:t>
+                </a:r>
+                <a:r>
+                  <a:rPr lang="en-US" b="0" i="0">
+                    <a:latin typeface="Cambria Math" panose="02040503050406030204" pitchFamily="18" charset="0"/>
+                  </a:rPr>
+                  <a:t>√(𝑝∗𝑞/𝑛)</a:t>
+                </a:r>
+                <a:r>
+                  <a:rPr lang="en-US" dirty="0"/>
+                  <a:t> where p = 1- q</a:t>
+                </a:r>
+              </a:p>
+              <a:p>
+                <a:pPr marL="0" lvl="0" indent="0" algn="l" rtl="0">
+                  <a:spcBef>
+                    <a:spcPts val="0"/>
+                  </a:spcBef>
+                  <a:spcAft>
+                    <a:spcPts val="0"/>
+                  </a:spcAft>
+                  <a:buSzPts val="1100"/>
+                  <a:buNone/>
+                </a:pPr>
+                <a:endParaRPr lang="en-US" dirty="0"/>
+              </a:p>
+              <a:p>
+                <a:pPr marL="0" indent="0">
+                  <a:spcBef>
+                    <a:spcPts val="0"/>
+                  </a:spcBef>
+                  <a:buSzPts val="1100"/>
+                  <a:buNone/>
+                </a:pPr>
+                <a:r>
+                  <a:rPr lang="en-US" dirty="0"/>
+                  <a:t>For mean, : </a:t>
+                </a:r>
+                <a:r>
+                  <a:rPr lang="en-US" b="0" i="0">
+                    <a:latin typeface="Cambria Math" panose="02040503050406030204" pitchFamily="18" charset="0"/>
+                  </a:rPr>
+                  <a:t>𝑥 ̅</a:t>
+                </a:r>
+                <a:r>
+                  <a:rPr lang="en-US" b="0" i="0" dirty="0">
+                    <a:latin typeface="Cambria Math" panose="02040503050406030204" pitchFamily="18" charset="0"/>
+                  </a:rPr>
+                  <a:t>±𝑡_{𝑐𝑟𝑖𝑡𝑖𝑐𝑎𝑙}   ∗𝑆𝐸</a:t>
+                </a:r>
+                <a:endParaRPr lang="en-US" dirty="0"/>
+              </a:p>
+              <a:p>
+                <a:pPr marL="0" lvl="0" indent="0" algn="l" rtl="0">
+                  <a:spcBef>
+                    <a:spcPts val="0"/>
+                  </a:spcBef>
+                  <a:spcAft>
+                    <a:spcPts val="0"/>
+                  </a:spcAft>
+                  <a:buSzPts val="1100"/>
+                  <a:buNone/>
+                </a:pPr>
+                <a:endParaRPr lang="en-US" dirty="0"/>
+              </a:p>
+              <a:p>
+                <a:pPr marL="0" lvl="0" indent="0" algn="l" rtl="0">
+                  <a:spcBef>
+                    <a:spcPts val="0"/>
+                  </a:spcBef>
+                  <a:spcAft>
+                    <a:spcPts val="0"/>
+                  </a:spcAft>
+                  <a:buSzPts val="1100"/>
+                  <a:buNone/>
+                </a:pPr>
+                <a:r>
+                  <a:rPr lang="en-US" dirty="0"/>
+                  <a:t>	 Standard error = </a:t>
+                </a:r>
+                <a:r>
+                  <a:rPr lang="en-US" b="0" i="0">
+                    <a:latin typeface="Cambria Math" panose="02040503050406030204" pitchFamily="18" charset="0"/>
+                  </a:rPr>
+                  <a:t>𝑆𝐷/(√𝑛)</a:t>
+                </a:r>
+                <a:endParaRPr lang="en-US" dirty="0"/>
+              </a:p>
+            </p:txBody>
+          </p:sp>
+        </mc:Fallback>
+      </mc:AlternateContent>
       <p:sp>
         <p:nvSpPr>
           <p:cNvPr id="4" name="Slide Number Placeholder 3"/>
@@ -16662,7 +17211,7 @@
           <a:p>
             <a:fld id="{BC849E9A-41F7-4779-A581-48A7C374A227}" type="slidenum">
               <a:rPr lang="en-US" smtClean="0"/>
-              <a:t>6</a:t>
+              <a:t>5</a:t>
             </a:fld>
             <a:endParaRPr lang="en-US" dirty="0"/>
           </a:p>
@@ -16671,7 +17220,7 @@
     </p:spTree>
     <p:extLst>
       <p:ext uri="{BB962C8B-B14F-4D97-AF65-F5344CB8AC3E}">
-        <p14:creationId xmlns:p14="http://schemas.microsoft.com/office/powerpoint/2010/main" val="255056152"/>
+        <p14:creationId xmlns:p14="http://schemas.microsoft.com/office/powerpoint/2010/main" val="2598026996"/>
       </p:ext>
     </p:extLst>
   </p:cSld>
@@ -16727,8 +17276,53 @@
           <a:p>
             <a:r>
               <a:rPr lang="en-US" dirty="0"/>
-              <a:t>We will go into detail for the last question </a:t>
+              <a:t>We have already covered descriptive </a:t>
             </a:r>
+            <a:r>
+              <a:rPr lang="en-US" dirty="0" err="1"/>
+              <a:t>RQ</a:t>
+            </a:r>
+            <a:r>
+              <a:rPr lang="en-US" dirty="0"/>
+              <a:t>, in which we do some descriptive analyses regarding a variable. </a:t>
+            </a:r>
+          </a:p>
+          <a:p>
+            <a:r>
+              <a:rPr lang="en-US" dirty="0"/>
+              <a:t>It can be categorical or continuous </a:t>
+            </a:r>
+          </a:p>
+          <a:p>
+            <a:r>
+              <a:rPr lang="en-US" dirty="0"/>
+              <a:t>Then, we also covered difference </a:t>
+            </a:r>
+            <a:r>
+              <a:rPr lang="en-US" dirty="0" err="1"/>
+              <a:t>RQ</a:t>
+            </a:r>
+            <a:r>
+              <a:rPr lang="en-US" dirty="0"/>
+              <a:t>, in which the difference variable has to be categorical and analysis variable is continuous </a:t>
+            </a:r>
+          </a:p>
+          <a:p>
+            <a:r>
+              <a:rPr lang="en-US" dirty="0"/>
+              <a:t>Association </a:t>
+            </a:r>
+            <a:r>
+              <a:rPr lang="en-US" dirty="0" err="1"/>
+              <a:t>RQ</a:t>
+            </a:r>
+            <a:r>
+              <a:rPr lang="en-US" dirty="0"/>
+              <a:t> is between 2 continuous variables. </a:t>
+            </a:r>
+          </a:p>
+          <a:p>
+            <a:endParaRPr lang="en-US" dirty="0"/>
           </a:p>
         </p:txBody>
       </p:sp>
@@ -16758,7 +17352,7 @@
     </p:spTree>
     <p:extLst>
       <p:ext uri="{BB962C8B-B14F-4D97-AF65-F5344CB8AC3E}">
-        <p14:creationId xmlns:p14="http://schemas.microsoft.com/office/powerpoint/2010/main" val="2660011446"/>
+        <p14:creationId xmlns:p14="http://schemas.microsoft.com/office/powerpoint/2010/main" val="255056152"/>
       </p:ext>
     </p:extLst>
   </p:cSld>
@@ -16814,11 +17408,8 @@
           <a:p>
             <a:r>
               <a:rPr lang="en-US" dirty="0"/>
-              <a:t>What do you think  What type of association is this?</a:t>
+              <a:t>We will go into detail for the last question </a:t>
             </a:r>
-          </a:p>
-          <a:p>
-            <a:endParaRPr lang="en-US" dirty="0"/>
           </a:p>
         </p:txBody>
       </p:sp>
@@ -16848,7 +17439,7 @@
     </p:spTree>
     <p:extLst>
       <p:ext uri="{BB962C8B-B14F-4D97-AF65-F5344CB8AC3E}">
-        <p14:creationId xmlns:p14="http://schemas.microsoft.com/office/powerpoint/2010/main" val="4143770988"/>
+        <p14:creationId xmlns:p14="http://schemas.microsoft.com/office/powerpoint/2010/main" val="2660011446"/>
       </p:ext>
     </p:extLst>
   </p:cSld>
@@ -16904,7 +17495,7 @@
           <a:p>
             <a:r>
               <a:rPr lang="en-US" dirty="0"/>
-              <a:t>Negative association </a:t>
+              <a:t>What do you think  What type of association is this?</a:t>
             </a:r>
           </a:p>
           <a:p>
@@ -16938,7 +17529,7 @@
     </p:spTree>
     <p:extLst>
       <p:ext uri="{BB962C8B-B14F-4D97-AF65-F5344CB8AC3E}">
-        <p14:creationId xmlns:p14="http://schemas.microsoft.com/office/powerpoint/2010/main" val="1696638024"/>
+        <p14:creationId xmlns:p14="http://schemas.microsoft.com/office/powerpoint/2010/main" val="4143770988"/>
       </p:ext>
     </p:extLst>
   </p:cSld>
@@ -16994,8 +17585,11 @@
           <a:p>
             <a:r>
               <a:rPr lang="en-US" dirty="0"/>
-              <a:t>What type of association is this?</a:t>
+              <a:t>Negative association </a:t>
             </a:r>
+          </a:p>
+          <a:p>
+            <a:endParaRPr lang="en-US" dirty="0"/>
           </a:p>
         </p:txBody>
       </p:sp>
@@ -17025,7 +17619,7 @@
     </p:spTree>
     <p:extLst>
       <p:ext uri="{BB962C8B-B14F-4D97-AF65-F5344CB8AC3E}">
-        <p14:creationId xmlns:p14="http://schemas.microsoft.com/office/powerpoint/2010/main" val="2956827631"/>
+        <p14:creationId xmlns:p14="http://schemas.microsoft.com/office/powerpoint/2010/main" val="1696638024"/>
       </p:ext>
     </p:extLst>
   </p:cSld>
@@ -17182,7 +17776,7 @@
           <a:p>
             <a:fld id="{DECF21A4-E71B-4D3A-AF45-E989C23A7BB1}" type="datetimeFigureOut">
               <a:rPr lang="en-US" smtClean="0"/>
-              <a:t>4/3/2022</a:t>
+              <a:t>3/1/2023</a:t>
             </a:fld>
             <a:endParaRPr lang="en-US" dirty="0"/>
           </a:p>
@@ -17380,7 +17974,7 @@
           <a:p>
             <a:fld id="{DECF21A4-E71B-4D3A-AF45-E989C23A7BB1}" type="datetimeFigureOut">
               <a:rPr lang="en-US" smtClean="0"/>
-              <a:t>4/3/2022</a:t>
+              <a:t>3/1/2023</a:t>
             </a:fld>
             <a:endParaRPr lang="en-US" dirty="0"/>
           </a:p>
@@ -17588,7 +18182,7 @@
           <a:p>
             <a:fld id="{DECF21A4-E71B-4D3A-AF45-E989C23A7BB1}" type="datetimeFigureOut">
               <a:rPr lang="en-US" smtClean="0"/>
-              <a:t>4/3/2022</a:t>
+              <a:t>3/1/2023</a:t>
             </a:fld>
             <a:endParaRPr lang="en-US" dirty="0"/>
           </a:p>
@@ -17786,7 +18380,7 @@
           <a:p>
             <a:fld id="{DECF21A4-E71B-4D3A-AF45-E989C23A7BB1}" type="datetimeFigureOut">
               <a:rPr lang="en-US" smtClean="0"/>
-              <a:t>4/3/2022</a:t>
+              <a:t>3/1/2023</a:t>
             </a:fld>
             <a:endParaRPr lang="en-US" dirty="0"/>
           </a:p>
@@ -18061,7 +18655,7 @@
           <a:p>
             <a:fld id="{DECF21A4-E71B-4D3A-AF45-E989C23A7BB1}" type="datetimeFigureOut">
               <a:rPr lang="en-US" smtClean="0"/>
-              <a:t>4/3/2022</a:t>
+              <a:t>3/1/2023</a:t>
             </a:fld>
             <a:endParaRPr lang="en-US" dirty="0"/>
           </a:p>
@@ -18326,7 +18920,7 @@
           <a:p>
             <a:fld id="{DECF21A4-E71B-4D3A-AF45-E989C23A7BB1}" type="datetimeFigureOut">
               <a:rPr lang="en-US" smtClean="0"/>
-              <a:t>4/3/2022</a:t>
+              <a:t>3/1/2023</a:t>
             </a:fld>
             <a:endParaRPr lang="en-US" dirty="0"/>
           </a:p>
@@ -18738,7 +19332,7 @@
           <a:p>
             <a:fld id="{DECF21A4-E71B-4D3A-AF45-E989C23A7BB1}" type="datetimeFigureOut">
               <a:rPr lang="en-US" smtClean="0"/>
-              <a:t>4/3/2022</a:t>
+              <a:t>3/1/2023</a:t>
             </a:fld>
             <a:endParaRPr lang="en-US" dirty="0"/>
           </a:p>
@@ -18879,7 +19473,7 @@
           <a:p>
             <a:fld id="{DECF21A4-E71B-4D3A-AF45-E989C23A7BB1}" type="datetimeFigureOut">
               <a:rPr lang="en-US" smtClean="0"/>
-              <a:t>4/3/2022</a:t>
+              <a:t>3/1/2023</a:t>
             </a:fld>
             <a:endParaRPr lang="en-US" dirty="0"/>
           </a:p>
@@ -18992,7 +19586,7 @@
           <a:p>
             <a:fld id="{DECF21A4-E71B-4D3A-AF45-E989C23A7BB1}" type="datetimeFigureOut">
               <a:rPr lang="en-US" smtClean="0"/>
-              <a:t>4/3/2022</a:t>
+              <a:t>3/1/2023</a:t>
             </a:fld>
             <a:endParaRPr lang="en-US" dirty="0"/>
           </a:p>
@@ -19303,7 +19897,7 @@
           <a:p>
             <a:fld id="{DECF21A4-E71B-4D3A-AF45-E989C23A7BB1}" type="datetimeFigureOut">
               <a:rPr lang="en-US" smtClean="0"/>
-              <a:t>4/3/2022</a:t>
+              <a:t>3/1/2023</a:t>
             </a:fld>
             <a:endParaRPr lang="en-US" dirty="0"/>
           </a:p>
@@ -19595,7 +20189,7 @@
           <a:p>
             <a:fld id="{DECF21A4-E71B-4D3A-AF45-E989C23A7BB1}" type="datetimeFigureOut">
               <a:rPr lang="en-US" smtClean="0"/>
-              <a:t>4/3/2022</a:t>
+              <a:t>3/1/2023</a:t>
             </a:fld>
             <a:endParaRPr lang="en-US" dirty="0"/>
           </a:p>
@@ -19836,7 +20430,7 @@
           <a:p>
             <a:fld id="{DECF21A4-E71B-4D3A-AF45-E989C23A7BB1}" type="datetimeFigureOut">
               <a:rPr lang="en-US" smtClean="0"/>
-              <a:t>4/3/2022</a:t>
+              <a:t>3/1/2023</a:t>
             </a:fld>
             <a:endParaRPr lang="en-US" dirty="0"/>
           </a:p>
@@ -20627,7 +21221,7 @@
           <p:cNvPr id="2" name="Title 1">
             <a:extLst>
               <a:ext uri="{FF2B5EF4-FFF2-40B4-BE49-F238E27FC236}">
-                <a16:creationId xmlns:a16="http://schemas.microsoft.com/office/drawing/2014/main" id="{D656BDED-D8B7-4969-A6B7-24E69D84EA27}"/>
+                <a16:creationId xmlns:a16="http://schemas.microsoft.com/office/drawing/2014/main" id="{85C0FAF8-3E14-4241-A057-7A38139984FB}"/>
               </a:ext>
             </a:extLst>
           </p:cNvPr>
@@ -20942,6 +21536,447 @@
           <p:cNvPr id="4" name="Picture 3">
             <a:extLst>
               <a:ext uri="{FF2B5EF4-FFF2-40B4-BE49-F238E27FC236}">
+                <a16:creationId xmlns:a16="http://schemas.microsoft.com/office/drawing/2014/main" id="{BBC0F387-9E49-47E8-B126-136C74F308D0}"/>
+              </a:ext>
+            </a:extLst>
+          </p:cNvPr>
+          <p:cNvPicPr/>
+          <p:nvPr/>
+        </p:nvPicPr>
+        <p:blipFill>
+          <a:blip r:embed="rId3"/>
+          <a:stretch>
+            <a:fillRect/>
+          </a:stretch>
+        </p:blipFill>
+        <p:spPr>
+          <a:xfrm>
+            <a:off x="4654296" y="1187444"/>
+            <a:ext cx="7214616" cy="4455680"/>
+          </a:xfrm>
+          <a:prstGeom prst="rect">
+            <a:avLst/>
+          </a:prstGeom>
+        </p:spPr>
+      </p:pic>
+    </p:spTree>
+    <p:extLst>
+      <p:ext uri="{BB962C8B-B14F-4D97-AF65-F5344CB8AC3E}">
+        <p14:creationId xmlns:p14="http://schemas.microsoft.com/office/powerpoint/2010/main" val="3037805519"/>
+      </p:ext>
+    </p:extLst>
+  </p:cSld>
+  <p:clrMapOvr>
+    <a:masterClrMapping/>
+  </p:clrMapOvr>
+</p:sld>
+</file>
+
+<file path=ppt/slides/slide11.xml><?xml version="1.0" encoding="utf-8"?>
+<p:sld xmlns:a="http://schemas.openxmlformats.org/drawingml/2006/main" xmlns:r="http://schemas.openxmlformats.org/officeDocument/2006/relationships" xmlns:p="http://schemas.openxmlformats.org/presentationml/2006/main">
+  <p:cSld>
+    <p:bg>
+      <p:bgPr>
+        <a:solidFill>
+          <a:schemeClr val="bg1"/>
+        </a:solidFill>
+        <a:effectLst/>
+      </p:bgPr>
+    </p:bg>
+    <p:spTree>
+      <p:nvGrpSpPr>
+        <p:cNvPr id="1" name=""/>
+        <p:cNvGrpSpPr/>
+        <p:nvPr/>
+      </p:nvGrpSpPr>
+      <p:grpSpPr>
+        <a:xfrm>
+          <a:off x="0" y="0"/>
+          <a:ext cx="0" cy="0"/>
+          <a:chOff x="0" y="0"/>
+          <a:chExt cx="0" cy="0"/>
+        </a:xfrm>
+      </p:grpSpPr>
+      <p:sp useBgFill="1">
+        <p:nvSpPr>
+          <p:cNvPr id="9" name="Rectangle 8">
+            <a:extLst>
+              <a:ext uri="{FF2B5EF4-FFF2-40B4-BE49-F238E27FC236}">
+                <a16:creationId xmlns:a16="http://schemas.microsoft.com/office/drawing/2014/main" id="{665DBBEF-238B-476B-96AB-8AAC3224ECEA}"/>
+              </a:ext>
+              <a:ext uri="{C183D7F6-B498-43B3-948B-1728B52AA6E4}">
+                <adec:decorative xmlns:adec="http://schemas.microsoft.com/office/drawing/2017/decorative" val="1"/>
+              </a:ext>
+            </a:extLst>
+          </p:cNvPr>
+          <p:cNvSpPr>
+            <a:spLocks noGrp="1" noRot="1" noChangeAspect="1" noMove="1" noResize="1" noEditPoints="1" noAdjustHandles="1" noChangeArrowheads="1" noChangeShapeType="1" noTextEdit="1"/>
+          </p:cNvSpPr>
+          <p:nvPr>
+            <p:extLst>
+              <p:ext uri="{386F3935-93C4-4BCD-93E2-E3B085C9AB24}">
+                <p16:designElem xmlns:p16="http://schemas.microsoft.com/office/powerpoint/2015/main" val="1"/>
+              </p:ext>
+            </p:extLst>
+          </p:nvPr>
+        </p:nvSpPr>
+        <p:spPr>
+          <a:xfrm>
+            <a:off x="0" y="0"/>
+            <a:ext cx="12192000" cy="6858000"/>
+          </a:xfrm>
+          <a:prstGeom prst="rect">
+            <a:avLst/>
+          </a:prstGeom>
+          <a:ln>
+            <a:noFill/>
+          </a:ln>
+        </p:spPr>
+        <p:style>
+          <a:lnRef idx="2">
+            <a:schemeClr val="accent1">
+              <a:shade val="50000"/>
+            </a:schemeClr>
+          </a:lnRef>
+          <a:fillRef idx="1">
+            <a:schemeClr val="accent1"/>
+          </a:fillRef>
+          <a:effectRef idx="0">
+            <a:schemeClr val="accent1"/>
+          </a:effectRef>
+          <a:fontRef idx="minor">
+            <a:schemeClr val="lt1"/>
+          </a:fontRef>
+        </p:style>
+        <p:txBody>
+          <a:bodyPr rtlCol="0" anchor="ctr"/>
+          <a:lstStyle/>
+          <a:p>
+            <a:pPr algn="ctr"/>
+            <a:endParaRPr lang="en-US"/>
+          </a:p>
+        </p:txBody>
+      </p:sp>
+      <p:sp>
+        <p:nvSpPr>
+          <p:cNvPr id="2" name="Title 1">
+            <a:extLst>
+              <a:ext uri="{FF2B5EF4-FFF2-40B4-BE49-F238E27FC236}">
+                <a16:creationId xmlns:a16="http://schemas.microsoft.com/office/drawing/2014/main" id="{D656BDED-D8B7-4969-A6B7-24E69D84EA27}"/>
+              </a:ext>
+            </a:extLst>
+          </p:cNvPr>
+          <p:cNvSpPr>
+            <a:spLocks noGrp="1"/>
+          </p:cNvSpPr>
+          <p:nvPr>
+            <p:ph type="title"/>
+          </p:nvPr>
+        </p:nvSpPr>
+        <p:spPr>
+          <a:xfrm>
+            <a:off x="638882" y="639193"/>
+            <a:ext cx="3571810" cy="3573516"/>
+          </a:xfrm>
+        </p:spPr>
+        <p:txBody>
+          <a:bodyPr vert="horz" lIns="91440" tIns="45720" rIns="91440" bIns="45720" rtlCol="0" anchor="b">
+            <a:normAutofit/>
+          </a:bodyPr>
+          <a:lstStyle/>
+          <a:p>
+            <a:r>
+              <a:rPr lang="en-US" sz="5600" kern="1200">
+                <a:solidFill>
+                  <a:schemeClr val="tx1"/>
+                </a:solidFill>
+                <a:latin typeface="+mj-lt"/>
+                <a:ea typeface="+mj-ea"/>
+                <a:cs typeface="+mj-cs"/>
+              </a:rPr>
+              <a:t>Scatterplot</a:t>
+            </a:r>
+          </a:p>
+        </p:txBody>
+      </p:sp>
+      <p:sp>
+        <p:nvSpPr>
+          <p:cNvPr id="11" name="sketch line">
+            <a:extLst>
+              <a:ext uri="{FF2B5EF4-FFF2-40B4-BE49-F238E27FC236}">
+                <a16:creationId xmlns:a16="http://schemas.microsoft.com/office/drawing/2014/main" id="{3FCFB1DE-0B7E-48CC-BA90-B2AB0889F9D6}"/>
+              </a:ext>
+              <a:ext uri="{C183D7F6-B498-43B3-948B-1728B52AA6E4}">
+                <adec:decorative xmlns:adec="http://schemas.microsoft.com/office/drawing/2017/decorative" val="1"/>
+              </a:ext>
+            </a:extLst>
+          </p:cNvPr>
+          <p:cNvSpPr>
+            <a:spLocks noGrp="1" noRot="1" noChangeAspect="1" noMove="1" noResize="1" noEditPoints="1" noAdjustHandles="1" noChangeArrowheads="1" noChangeShapeType="1" noTextEdit="1"/>
+          </p:cNvSpPr>
+          <p:nvPr>
+            <p:extLst>
+              <p:ext uri="{386F3935-93C4-4BCD-93E2-E3B085C9AB24}">
+                <p16:designElem xmlns:p16="http://schemas.microsoft.com/office/powerpoint/2015/main" val="1"/>
+              </p:ext>
+            </p:extLst>
+          </p:nvPr>
+        </p:nvSpPr>
+        <p:spPr>
+          <a:xfrm>
+            <a:off x="643278" y="4409267"/>
+            <a:ext cx="3255095" cy="18288"/>
+          </a:xfrm>
+          <a:custGeom>
+            <a:avLst/>
+            <a:gdLst>
+              <a:gd name="connsiteX0" fmla="*/ 0 w 3255095"/>
+              <a:gd name="connsiteY0" fmla="*/ 0 h 18288"/>
+              <a:gd name="connsiteX1" fmla="*/ 618468 w 3255095"/>
+              <a:gd name="connsiteY1" fmla="*/ 0 h 18288"/>
+              <a:gd name="connsiteX2" fmla="*/ 1269487 w 3255095"/>
+              <a:gd name="connsiteY2" fmla="*/ 0 h 18288"/>
+              <a:gd name="connsiteX3" fmla="*/ 1953057 w 3255095"/>
+              <a:gd name="connsiteY3" fmla="*/ 0 h 18288"/>
+              <a:gd name="connsiteX4" fmla="*/ 2636627 w 3255095"/>
+              <a:gd name="connsiteY4" fmla="*/ 0 h 18288"/>
+              <a:gd name="connsiteX5" fmla="*/ 3255095 w 3255095"/>
+              <a:gd name="connsiteY5" fmla="*/ 0 h 18288"/>
+              <a:gd name="connsiteX6" fmla="*/ 3255095 w 3255095"/>
+              <a:gd name="connsiteY6" fmla="*/ 18288 h 18288"/>
+              <a:gd name="connsiteX7" fmla="*/ 2538974 w 3255095"/>
+              <a:gd name="connsiteY7" fmla="*/ 18288 h 18288"/>
+              <a:gd name="connsiteX8" fmla="*/ 1822853 w 3255095"/>
+              <a:gd name="connsiteY8" fmla="*/ 18288 h 18288"/>
+              <a:gd name="connsiteX9" fmla="*/ 1171834 w 3255095"/>
+              <a:gd name="connsiteY9" fmla="*/ 18288 h 18288"/>
+              <a:gd name="connsiteX10" fmla="*/ 0 w 3255095"/>
+              <a:gd name="connsiteY10" fmla="*/ 18288 h 18288"/>
+              <a:gd name="connsiteX11" fmla="*/ 0 w 3255095"/>
+              <a:gd name="connsiteY11" fmla="*/ 0 h 18288"/>
+            </a:gdLst>
+            <a:ahLst/>
+            <a:cxnLst>
+              <a:cxn ang="0">
+                <a:pos x="connsiteX0" y="connsiteY0"/>
+              </a:cxn>
+              <a:cxn ang="0">
+                <a:pos x="connsiteX1" y="connsiteY1"/>
+              </a:cxn>
+              <a:cxn ang="0">
+                <a:pos x="connsiteX2" y="connsiteY2"/>
+              </a:cxn>
+              <a:cxn ang="0">
+                <a:pos x="connsiteX3" y="connsiteY3"/>
+              </a:cxn>
+              <a:cxn ang="0">
+                <a:pos x="connsiteX4" y="connsiteY4"/>
+              </a:cxn>
+              <a:cxn ang="0">
+                <a:pos x="connsiteX5" y="connsiteY5"/>
+              </a:cxn>
+              <a:cxn ang="0">
+                <a:pos x="connsiteX6" y="connsiteY6"/>
+              </a:cxn>
+              <a:cxn ang="0">
+                <a:pos x="connsiteX7" y="connsiteY7"/>
+              </a:cxn>
+              <a:cxn ang="0">
+                <a:pos x="connsiteX8" y="connsiteY8"/>
+              </a:cxn>
+              <a:cxn ang="0">
+                <a:pos x="connsiteX9" y="connsiteY9"/>
+              </a:cxn>
+              <a:cxn ang="0">
+                <a:pos x="connsiteX10" y="connsiteY10"/>
+              </a:cxn>
+              <a:cxn ang="0">
+                <a:pos x="connsiteX11" y="connsiteY11"/>
+              </a:cxn>
+            </a:cxnLst>
+            <a:rect l="l" t="t" r="r" b="b"/>
+            <a:pathLst>
+              <a:path w="3255095" h="18288" fill="none" extrusionOk="0">
+                <a:moveTo>
+                  <a:pt x="0" y="0"/>
+                </a:moveTo>
+                <a:cubicBezTo>
+                  <a:pt x="240201" y="-22123"/>
+                  <a:pt x="462021" y="-19623"/>
+                  <a:pt x="618468" y="0"/>
+                </a:cubicBezTo>
+                <a:cubicBezTo>
+                  <a:pt x="774915" y="19623"/>
+                  <a:pt x="974734" y="2035"/>
+                  <a:pt x="1269487" y="0"/>
+                </a:cubicBezTo>
+                <a:cubicBezTo>
+                  <a:pt x="1564240" y="-2035"/>
+                  <a:pt x="1733579" y="10639"/>
+                  <a:pt x="1953057" y="0"/>
+                </a:cubicBezTo>
+                <a:cubicBezTo>
+                  <a:pt x="2172535" y="-10639"/>
+                  <a:pt x="2453962" y="14018"/>
+                  <a:pt x="2636627" y="0"/>
+                </a:cubicBezTo>
+                <a:cubicBezTo>
+                  <a:pt x="2819292" y="-14018"/>
+                  <a:pt x="3121375" y="5399"/>
+                  <a:pt x="3255095" y="0"/>
+                </a:cubicBezTo>
+                <a:cubicBezTo>
+                  <a:pt x="3254386" y="8157"/>
+                  <a:pt x="3254682" y="12125"/>
+                  <a:pt x="3255095" y="18288"/>
+                </a:cubicBezTo>
+                <a:cubicBezTo>
+                  <a:pt x="3088545" y="23203"/>
+                  <a:pt x="2687475" y="7419"/>
+                  <a:pt x="2538974" y="18288"/>
+                </a:cubicBezTo>
+                <a:cubicBezTo>
+                  <a:pt x="2390473" y="29157"/>
+                  <a:pt x="2137381" y="-8959"/>
+                  <a:pt x="1822853" y="18288"/>
+                </a:cubicBezTo>
+                <a:cubicBezTo>
+                  <a:pt x="1508325" y="45535"/>
+                  <a:pt x="1466437" y="20385"/>
+                  <a:pt x="1171834" y="18288"/>
+                </a:cubicBezTo>
+                <a:cubicBezTo>
+                  <a:pt x="877231" y="16191"/>
+                  <a:pt x="561097" y="37643"/>
+                  <a:pt x="0" y="18288"/>
+                </a:cubicBezTo>
+                <a:cubicBezTo>
+                  <a:pt x="-46" y="12483"/>
+                  <a:pt x="-203" y="6491"/>
+                  <a:pt x="0" y="0"/>
+                </a:cubicBezTo>
+                <a:close/>
+              </a:path>
+              <a:path w="3255095" h="18288" stroke="0" extrusionOk="0">
+                <a:moveTo>
+                  <a:pt x="0" y="0"/>
+                </a:moveTo>
+                <a:cubicBezTo>
+                  <a:pt x="291965" y="19429"/>
+                  <a:pt x="363155" y="8568"/>
+                  <a:pt x="618468" y="0"/>
+                </a:cubicBezTo>
+                <a:cubicBezTo>
+                  <a:pt x="873781" y="-8568"/>
+                  <a:pt x="904459" y="-19505"/>
+                  <a:pt x="1171834" y="0"/>
+                </a:cubicBezTo>
+                <a:cubicBezTo>
+                  <a:pt x="1439209" y="19505"/>
+                  <a:pt x="1744369" y="9790"/>
+                  <a:pt x="1887955" y="0"/>
+                </a:cubicBezTo>
+                <a:cubicBezTo>
+                  <a:pt x="2031541" y="-9790"/>
+                  <a:pt x="2346378" y="21240"/>
+                  <a:pt x="2506423" y="0"/>
+                </a:cubicBezTo>
+                <a:cubicBezTo>
+                  <a:pt x="2666468" y="-21240"/>
+                  <a:pt x="2990257" y="30414"/>
+                  <a:pt x="3255095" y="0"/>
+                </a:cubicBezTo>
+                <a:cubicBezTo>
+                  <a:pt x="3254831" y="4493"/>
+                  <a:pt x="3255479" y="9472"/>
+                  <a:pt x="3255095" y="18288"/>
+                </a:cubicBezTo>
+                <a:cubicBezTo>
+                  <a:pt x="3120743" y="16690"/>
+                  <a:pt x="2759628" y="42462"/>
+                  <a:pt x="2604076" y="18288"/>
+                </a:cubicBezTo>
+                <a:cubicBezTo>
+                  <a:pt x="2448524" y="-5886"/>
+                  <a:pt x="2184336" y="19599"/>
+                  <a:pt x="1887955" y="18288"/>
+                </a:cubicBezTo>
+                <a:cubicBezTo>
+                  <a:pt x="1591574" y="16977"/>
+                  <a:pt x="1548845" y="6870"/>
+                  <a:pt x="1334589" y="18288"/>
+                </a:cubicBezTo>
+                <a:cubicBezTo>
+                  <a:pt x="1120333" y="29706"/>
+                  <a:pt x="996014" y="9662"/>
+                  <a:pt x="683570" y="18288"/>
+                </a:cubicBezTo>
+                <a:cubicBezTo>
+                  <a:pt x="371126" y="26914"/>
+                  <a:pt x="198687" y="16167"/>
+                  <a:pt x="0" y="18288"/>
+                </a:cubicBezTo>
+                <a:cubicBezTo>
+                  <a:pt x="843" y="9577"/>
+                  <a:pt x="371" y="6900"/>
+                  <a:pt x="0" y="0"/>
+                </a:cubicBezTo>
+                <a:close/>
+              </a:path>
+            </a:pathLst>
+          </a:custGeom>
+          <a:solidFill>
+            <a:schemeClr val="accent2"/>
+          </a:solidFill>
+          <a:ln w="38100" cap="rnd">
+            <a:solidFill>
+              <a:schemeClr val="accent2"/>
+            </a:solidFill>
+            <a:round/>
+            <a:extLst>
+              <a:ext uri="{C807C97D-BFC1-408E-A445-0C87EB9F89A2}">
+                <ask:lineSketchStyleProps xmlns:ask="http://schemas.microsoft.com/office/drawing/2018/sketchyshapes" sd="1219033472">
+                  <a:prstGeom prst="rect">
+                    <a:avLst/>
+                  </a:prstGeom>
+                  <ask:type>
+                    <ask:lineSketchFreehand/>
+                  </ask:type>
+                </ask:lineSketchStyleProps>
+              </a:ext>
+            </a:extLst>
+          </a:ln>
+        </p:spPr>
+        <p:style>
+          <a:lnRef idx="2">
+            <a:schemeClr val="accent1">
+              <a:shade val="50000"/>
+            </a:schemeClr>
+          </a:lnRef>
+          <a:fillRef idx="1">
+            <a:schemeClr val="accent1"/>
+          </a:fillRef>
+          <a:effectRef idx="0">
+            <a:schemeClr val="accent1"/>
+          </a:effectRef>
+          <a:fontRef idx="minor">
+            <a:schemeClr val="lt1"/>
+          </a:fontRef>
+        </p:style>
+        <p:txBody>
+          <a:bodyPr rtlCol="0" anchor="ctr"/>
+          <a:lstStyle/>
+          <a:p>
+            <a:pPr algn="ctr"/>
+            <a:endParaRPr lang="en-US"/>
+          </a:p>
+        </p:txBody>
+      </p:sp>
+      <p:pic>
+        <p:nvPicPr>
+          <p:cNvPr id="4" name="Picture 3">
+            <a:extLst>
+              <a:ext uri="{FF2B5EF4-FFF2-40B4-BE49-F238E27FC236}">
                 <a16:creationId xmlns:a16="http://schemas.microsoft.com/office/drawing/2014/main" id="{CFFF1D49-F12C-4DA5-BBD5-67FBACDD3A30}"/>
               </a:ext>
             </a:extLst>
@@ -20978,7 +22013,7 @@
 </p:sld>
 </file>
 
-<file path=ppt/slides/slide11.xml><?xml version="1.0" encoding="utf-8"?>
+<file path=ppt/slides/slide12.xml><?xml version="1.0" encoding="utf-8"?>
 <p:sld xmlns:a="http://schemas.openxmlformats.org/drawingml/2006/main" xmlns:r="http://schemas.openxmlformats.org/officeDocument/2006/relationships" xmlns:p="http://schemas.openxmlformats.org/presentationml/2006/main">
   <p:cSld>
     <p:bg>
@@ -21507,7 +22542,7 @@
 </p:sld>
 </file>
 
-<file path=ppt/slides/slide12.xml><?xml version="1.0" encoding="utf-8"?>
+<file path=ppt/slides/slide13.xml><?xml version="1.0" encoding="utf-8"?>
 <p:sld xmlns:a="http://schemas.openxmlformats.org/drawingml/2006/main" xmlns:r="http://schemas.openxmlformats.org/officeDocument/2006/relationships" xmlns:p="http://schemas.openxmlformats.org/presentationml/2006/main">
   <p:cSld>
     <p:bg>
@@ -21980,7 +23015,7 @@
 </p:sld>
 </file>
 
-<file path=ppt/slides/slide13.xml><?xml version="1.0" encoding="utf-8"?>
+<file path=ppt/slides/slide14.xml><?xml version="1.0" encoding="utf-8"?>
 <p:sld xmlns:a="http://schemas.openxmlformats.org/drawingml/2006/main" xmlns:r="http://schemas.openxmlformats.org/officeDocument/2006/relationships" xmlns:p="http://schemas.openxmlformats.org/presentationml/2006/main">
   <p:cSld>
     <p:bg>
@@ -22412,626 +23447,6 @@
     <p:extLst>
       <p:ext uri="{BB962C8B-B14F-4D97-AF65-F5344CB8AC3E}">
         <p14:creationId xmlns:p14="http://schemas.microsoft.com/office/powerpoint/2010/main" val="319050358"/>
-      </p:ext>
-    </p:extLst>
-  </p:cSld>
-  <p:clrMapOvr>
-    <a:masterClrMapping/>
-  </p:clrMapOvr>
-</p:sld>
-</file>
-
-<file path=ppt/slides/slide14.xml><?xml version="1.0" encoding="utf-8"?>
-<p:sld xmlns:a="http://schemas.openxmlformats.org/drawingml/2006/main" xmlns:r="http://schemas.openxmlformats.org/officeDocument/2006/relationships" xmlns:p="http://schemas.openxmlformats.org/presentationml/2006/main">
-  <p:cSld>
-    <p:bg>
-      <p:bgPr>
-        <a:solidFill>
-          <a:schemeClr val="bg1"/>
-        </a:solidFill>
-        <a:effectLst/>
-      </p:bgPr>
-    </p:bg>
-    <p:spTree>
-      <p:nvGrpSpPr>
-        <p:cNvPr id="1" name=""/>
-        <p:cNvGrpSpPr/>
-        <p:nvPr/>
-      </p:nvGrpSpPr>
-      <p:grpSpPr>
-        <a:xfrm>
-          <a:off x="0" y="0"/>
-          <a:ext cx="0" cy="0"/>
-          <a:chOff x="0" y="0"/>
-          <a:chExt cx="0" cy="0"/>
-        </a:xfrm>
-      </p:grpSpPr>
-      <p:sp useBgFill="1">
-        <p:nvSpPr>
-          <p:cNvPr id="8" name="Rectangle 7">
-            <a:extLst>
-              <a:ext uri="{FF2B5EF4-FFF2-40B4-BE49-F238E27FC236}">
-                <a16:creationId xmlns:a16="http://schemas.microsoft.com/office/drawing/2014/main" id="{777A147A-9ED8-46B4-8660-1B3C2AA880B5}"/>
-              </a:ext>
-              <a:ext uri="{C183D7F6-B498-43B3-948B-1728B52AA6E4}">
-                <adec:decorative xmlns:adec="http://schemas.microsoft.com/office/drawing/2017/decorative" val="1"/>
-              </a:ext>
-            </a:extLst>
-          </p:cNvPr>
-          <p:cNvSpPr>
-            <a:spLocks noGrp="1" noRot="1" noChangeAspect="1" noMove="1" noResize="1" noEditPoints="1" noAdjustHandles="1" noChangeArrowheads="1" noChangeShapeType="1" noTextEdit="1"/>
-          </p:cNvSpPr>
-          <p:nvPr>
-            <p:extLst>
-              <p:ext uri="{386F3935-93C4-4BCD-93E2-E3B085C9AB24}">
-                <p16:designElem xmlns:p16="http://schemas.microsoft.com/office/powerpoint/2015/main" val="1"/>
-              </p:ext>
-            </p:extLst>
-          </p:nvPr>
-        </p:nvSpPr>
-        <p:spPr>
-          <a:xfrm>
-            <a:off x="0" y="0"/>
-            <a:ext cx="12188952" cy="6858000"/>
-          </a:xfrm>
-          <a:prstGeom prst="rect">
-            <a:avLst/>
-          </a:prstGeom>
-          <a:ln>
-            <a:noFill/>
-          </a:ln>
-        </p:spPr>
-        <p:style>
-          <a:lnRef idx="2">
-            <a:schemeClr val="accent1">
-              <a:shade val="50000"/>
-            </a:schemeClr>
-          </a:lnRef>
-          <a:fillRef idx="1">
-            <a:schemeClr val="accent1"/>
-          </a:fillRef>
-          <a:effectRef idx="0">
-            <a:schemeClr val="accent1"/>
-          </a:effectRef>
-          <a:fontRef idx="minor">
-            <a:schemeClr val="lt1"/>
-          </a:fontRef>
-        </p:style>
-        <p:txBody>
-          <a:bodyPr rtlCol="0" anchor="ctr"/>
-          <a:lstStyle/>
-          <a:p>
-            <a:pPr algn="ctr"/>
-            <a:endParaRPr lang="en-US"/>
-          </a:p>
-        </p:txBody>
-      </p:sp>
-      <p:sp>
-        <p:nvSpPr>
-          <p:cNvPr id="2" name="Title 1">
-            <a:extLst>
-              <a:ext uri="{FF2B5EF4-FFF2-40B4-BE49-F238E27FC236}">
-                <a16:creationId xmlns:a16="http://schemas.microsoft.com/office/drawing/2014/main" id="{5A1260A1-C055-40EB-95B2-2E108A465750}"/>
-              </a:ext>
-            </a:extLst>
-          </p:cNvPr>
-          <p:cNvSpPr>
-            <a:spLocks noGrp="1"/>
-          </p:cNvSpPr>
-          <p:nvPr>
-            <p:ph type="title"/>
-          </p:nvPr>
-        </p:nvSpPr>
-        <p:spPr>
-          <a:xfrm>
-            <a:off x="841248" y="548640"/>
-            <a:ext cx="3600860" cy="5431536"/>
-          </a:xfrm>
-        </p:spPr>
-        <p:txBody>
-          <a:bodyPr>
-            <a:normAutofit/>
-          </a:bodyPr>
-          <a:lstStyle/>
-          <a:p>
-            <a:r>
-              <a:rPr lang="en-US" sz="4600" dirty="0"/>
-              <a:t>Interpretating Correlations</a:t>
-            </a:r>
-          </a:p>
-        </p:txBody>
-      </p:sp>
-      <p:sp>
-        <p:nvSpPr>
-          <p:cNvPr id="10" name="sketch line">
-            <a:extLst>
-              <a:ext uri="{FF2B5EF4-FFF2-40B4-BE49-F238E27FC236}">
-                <a16:creationId xmlns:a16="http://schemas.microsoft.com/office/drawing/2014/main" id="{5D6C15A0-C087-4593-8414-2B4EC1CDC3DE}"/>
-              </a:ext>
-              <a:ext uri="{C183D7F6-B498-43B3-948B-1728B52AA6E4}">
-                <adec:decorative xmlns:adec="http://schemas.microsoft.com/office/drawing/2017/decorative" val="1"/>
-              </a:ext>
-            </a:extLst>
-          </p:cNvPr>
-          <p:cNvSpPr>
-            <a:spLocks noGrp="1" noRot="1" noChangeAspect="1" noMove="1" noResize="1" noEditPoints="1" noAdjustHandles="1" noChangeArrowheads="1" noChangeShapeType="1" noTextEdit="1"/>
-          </p:cNvSpPr>
-          <p:nvPr>
-            <p:extLst>
-              <p:ext uri="{386F3935-93C4-4BCD-93E2-E3B085C9AB24}">
-                <p16:designElem xmlns:p16="http://schemas.microsoft.com/office/powerpoint/2015/main" val="1"/>
-              </p:ext>
-            </p:extLst>
-          </p:nvPr>
-        </p:nvSpPr>
-        <p:spPr>
-          <a:xfrm rot="5400000">
-            <a:off x="2543983" y="3258715"/>
-            <a:ext cx="4480560" cy="18288"/>
-          </a:xfrm>
-          <a:custGeom>
-            <a:avLst/>
-            <a:gdLst>
-              <a:gd name="connsiteX0" fmla="*/ 0 w 4480560"/>
-              <a:gd name="connsiteY0" fmla="*/ 0 h 18288"/>
-              <a:gd name="connsiteX1" fmla="*/ 595274 w 4480560"/>
-              <a:gd name="connsiteY1" fmla="*/ 0 h 18288"/>
-              <a:gd name="connsiteX2" fmla="*/ 1100938 w 4480560"/>
-              <a:gd name="connsiteY2" fmla="*/ 0 h 18288"/>
-              <a:gd name="connsiteX3" fmla="*/ 1651406 w 4480560"/>
-              <a:gd name="connsiteY3" fmla="*/ 0 h 18288"/>
-              <a:gd name="connsiteX4" fmla="*/ 2336292 w 4480560"/>
-              <a:gd name="connsiteY4" fmla="*/ 0 h 18288"/>
-              <a:gd name="connsiteX5" fmla="*/ 2931566 w 4480560"/>
-              <a:gd name="connsiteY5" fmla="*/ 0 h 18288"/>
-              <a:gd name="connsiteX6" fmla="*/ 3482035 w 4480560"/>
-              <a:gd name="connsiteY6" fmla="*/ 0 h 18288"/>
-              <a:gd name="connsiteX7" fmla="*/ 4480560 w 4480560"/>
-              <a:gd name="connsiteY7" fmla="*/ 0 h 18288"/>
-              <a:gd name="connsiteX8" fmla="*/ 4480560 w 4480560"/>
-              <a:gd name="connsiteY8" fmla="*/ 18288 h 18288"/>
-              <a:gd name="connsiteX9" fmla="*/ 3840480 w 4480560"/>
-              <a:gd name="connsiteY9" fmla="*/ 18288 h 18288"/>
-              <a:gd name="connsiteX10" fmla="*/ 3290011 w 4480560"/>
-              <a:gd name="connsiteY10" fmla="*/ 18288 h 18288"/>
-              <a:gd name="connsiteX11" fmla="*/ 2560320 w 4480560"/>
-              <a:gd name="connsiteY11" fmla="*/ 18288 h 18288"/>
-              <a:gd name="connsiteX12" fmla="*/ 1965046 w 4480560"/>
-              <a:gd name="connsiteY12" fmla="*/ 18288 h 18288"/>
-              <a:gd name="connsiteX13" fmla="*/ 1459382 w 4480560"/>
-              <a:gd name="connsiteY13" fmla="*/ 18288 h 18288"/>
-              <a:gd name="connsiteX14" fmla="*/ 774497 w 4480560"/>
-              <a:gd name="connsiteY14" fmla="*/ 18288 h 18288"/>
-              <a:gd name="connsiteX15" fmla="*/ 0 w 4480560"/>
-              <a:gd name="connsiteY15" fmla="*/ 18288 h 18288"/>
-              <a:gd name="connsiteX16" fmla="*/ 0 w 4480560"/>
-              <a:gd name="connsiteY16" fmla="*/ 0 h 18288"/>
-            </a:gdLst>
-            <a:ahLst/>
-            <a:cxnLst>
-              <a:cxn ang="0">
-                <a:pos x="connsiteX0" y="connsiteY0"/>
-              </a:cxn>
-              <a:cxn ang="0">
-                <a:pos x="connsiteX1" y="connsiteY1"/>
-              </a:cxn>
-              <a:cxn ang="0">
-                <a:pos x="connsiteX2" y="connsiteY2"/>
-              </a:cxn>
-              <a:cxn ang="0">
-                <a:pos x="connsiteX3" y="connsiteY3"/>
-              </a:cxn>
-              <a:cxn ang="0">
-                <a:pos x="connsiteX4" y="connsiteY4"/>
-              </a:cxn>
-              <a:cxn ang="0">
-                <a:pos x="connsiteX5" y="connsiteY5"/>
-              </a:cxn>
-              <a:cxn ang="0">
-                <a:pos x="connsiteX6" y="connsiteY6"/>
-              </a:cxn>
-              <a:cxn ang="0">
-                <a:pos x="connsiteX7" y="connsiteY7"/>
-              </a:cxn>
-              <a:cxn ang="0">
-                <a:pos x="connsiteX8" y="connsiteY8"/>
-              </a:cxn>
-              <a:cxn ang="0">
-                <a:pos x="connsiteX9" y="connsiteY9"/>
-              </a:cxn>
-              <a:cxn ang="0">
-                <a:pos x="connsiteX10" y="connsiteY10"/>
-              </a:cxn>
-              <a:cxn ang="0">
-                <a:pos x="connsiteX11" y="connsiteY11"/>
-              </a:cxn>
-              <a:cxn ang="0">
-                <a:pos x="connsiteX12" y="connsiteY12"/>
-              </a:cxn>
-              <a:cxn ang="0">
-                <a:pos x="connsiteX13" y="connsiteY13"/>
-              </a:cxn>
-              <a:cxn ang="0">
-                <a:pos x="connsiteX14" y="connsiteY14"/>
-              </a:cxn>
-              <a:cxn ang="0">
-                <a:pos x="connsiteX15" y="connsiteY15"/>
-              </a:cxn>
-              <a:cxn ang="0">
-                <a:pos x="connsiteX16" y="connsiteY16"/>
-              </a:cxn>
-            </a:cxnLst>
-            <a:rect l="l" t="t" r="r" b="b"/>
-            <a:pathLst>
-              <a:path w="4480560" h="18288" fill="none" extrusionOk="0">
-                <a:moveTo>
-                  <a:pt x="0" y="0"/>
-                </a:moveTo>
-                <a:cubicBezTo>
-                  <a:pt x="267821" y="8731"/>
-                  <a:pt x="334105" y="2629"/>
-                  <a:pt x="595274" y="0"/>
-                </a:cubicBezTo>
-                <a:cubicBezTo>
-                  <a:pt x="856443" y="-2629"/>
-                  <a:pt x="863808" y="-13353"/>
-                  <a:pt x="1100938" y="0"/>
-                </a:cubicBezTo>
-                <a:cubicBezTo>
-                  <a:pt x="1338068" y="13353"/>
-                  <a:pt x="1431663" y="-25862"/>
-                  <a:pt x="1651406" y="0"/>
-                </a:cubicBezTo>
-                <a:cubicBezTo>
-                  <a:pt x="1871149" y="25862"/>
-                  <a:pt x="2173163" y="23827"/>
-                  <a:pt x="2336292" y="0"/>
-                </a:cubicBezTo>
-                <a:cubicBezTo>
-                  <a:pt x="2499421" y="-23827"/>
-                  <a:pt x="2720589" y="28148"/>
-                  <a:pt x="2931566" y="0"/>
-                </a:cubicBezTo>
-                <a:cubicBezTo>
-                  <a:pt x="3142543" y="-28148"/>
-                  <a:pt x="3323630" y="27022"/>
-                  <a:pt x="3482035" y="0"/>
-                </a:cubicBezTo>
-                <a:cubicBezTo>
-                  <a:pt x="3640440" y="-27022"/>
-                  <a:pt x="4012110" y="-20118"/>
-                  <a:pt x="4480560" y="0"/>
-                </a:cubicBezTo>
-                <a:cubicBezTo>
-                  <a:pt x="4480958" y="7429"/>
-                  <a:pt x="4480540" y="10822"/>
-                  <a:pt x="4480560" y="18288"/>
-                </a:cubicBezTo>
-                <a:cubicBezTo>
-                  <a:pt x="4314132" y="14924"/>
-                  <a:pt x="4028383" y="36632"/>
-                  <a:pt x="3840480" y="18288"/>
-                </a:cubicBezTo>
-                <a:cubicBezTo>
-                  <a:pt x="3652577" y="-56"/>
-                  <a:pt x="3547615" y="2848"/>
-                  <a:pt x="3290011" y="18288"/>
-                </a:cubicBezTo>
-                <a:cubicBezTo>
-                  <a:pt x="3032407" y="33728"/>
-                  <a:pt x="2830268" y="8719"/>
-                  <a:pt x="2560320" y="18288"/>
-                </a:cubicBezTo>
-                <a:cubicBezTo>
-                  <a:pt x="2290372" y="27857"/>
-                  <a:pt x="2147422" y="6728"/>
-                  <a:pt x="1965046" y="18288"/>
-                </a:cubicBezTo>
-                <a:cubicBezTo>
-                  <a:pt x="1782670" y="29848"/>
-                  <a:pt x="1689791" y="40680"/>
-                  <a:pt x="1459382" y="18288"/>
-                </a:cubicBezTo>
-                <a:cubicBezTo>
-                  <a:pt x="1228973" y="-4104"/>
-                  <a:pt x="915486" y="36501"/>
-                  <a:pt x="774497" y="18288"/>
-                </a:cubicBezTo>
-                <a:cubicBezTo>
-                  <a:pt x="633508" y="75"/>
-                  <a:pt x="361442" y="-11107"/>
-                  <a:pt x="0" y="18288"/>
-                </a:cubicBezTo>
-                <a:cubicBezTo>
-                  <a:pt x="-591" y="13205"/>
-                  <a:pt x="-663" y="6329"/>
-                  <a:pt x="0" y="0"/>
-                </a:cubicBezTo>
-                <a:close/>
-              </a:path>
-              <a:path w="4480560" h="18288" stroke="0" extrusionOk="0">
-                <a:moveTo>
-                  <a:pt x="0" y="0"/>
-                </a:moveTo>
-                <a:cubicBezTo>
-                  <a:pt x="285465" y="225"/>
-                  <a:pt x="322691" y="16223"/>
-                  <a:pt x="595274" y="0"/>
-                </a:cubicBezTo>
-                <a:cubicBezTo>
-                  <a:pt x="867857" y="-16223"/>
-                  <a:pt x="989129" y="-11242"/>
-                  <a:pt x="1100938" y="0"/>
-                </a:cubicBezTo>
-                <a:cubicBezTo>
-                  <a:pt x="1212747" y="11242"/>
-                  <a:pt x="1574350" y="-36410"/>
-                  <a:pt x="1830629" y="0"/>
-                </a:cubicBezTo>
-                <a:cubicBezTo>
-                  <a:pt x="2086908" y="36410"/>
-                  <a:pt x="2180922" y="4645"/>
-                  <a:pt x="2425903" y="0"/>
-                </a:cubicBezTo>
-                <a:cubicBezTo>
-                  <a:pt x="2670884" y="-4645"/>
-                  <a:pt x="2782024" y="22929"/>
-                  <a:pt x="3021178" y="0"/>
-                </a:cubicBezTo>
-                <a:cubicBezTo>
-                  <a:pt x="3260332" y="-22929"/>
-                  <a:pt x="3456982" y="-1586"/>
-                  <a:pt x="3750869" y="0"/>
-                </a:cubicBezTo>
-                <a:cubicBezTo>
-                  <a:pt x="4044756" y="1586"/>
-                  <a:pt x="4302726" y="17043"/>
-                  <a:pt x="4480560" y="0"/>
-                </a:cubicBezTo>
-                <a:cubicBezTo>
-                  <a:pt x="4479674" y="5429"/>
-                  <a:pt x="4481381" y="14046"/>
-                  <a:pt x="4480560" y="18288"/>
-                </a:cubicBezTo>
-                <a:cubicBezTo>
-                  <a:pt x="4279652" y="-6850"/>
-                  <a:pt x="4200762" y="41566"/>
-                  <a:pt x="3930091" y="18288"/>
-                </a:cubicBezTo>
-                <a:cubicBezTo>
-                  <a:pt x="3659420" y="-4990"/>
-                  <a:pt x="3456052" y="22294"/>
-                  <a:pt x="3290011" y="18288"/>
-                </a:cubicBezTo>
-                <a:cubicBezTo>
-                  <a:pt x="3123970" y="14282"/>
-                  <a:pt x="2882392" y="32818"/>
-                  <a:pt x="2649931" y="18288"/>
-                </a:cubicBezTo>
-                <a:cubicBezTo>
-                  <a:pt x="2417470" y="3758"/>
-                  <a:pt x="2238426" y="7337"/>
-                  <a:pt x="2054657" y="18288"/>
-                </a:cubicBezTo>
-                <a:cubicBezTo>
-                  <a:pt x="1870888" y="29239"/>
-                  <a:pt x="1566368" y="45040"/>
-                  <a:pt x="1324966" y="18288"/>
-                </a:cubicBezTo>
-                <a:cubicBezTo>
-                  <a:pt x="1083564" y="-8464"/>
-                  <a:pt x="787410" y="10946"/>
-                  <a:pt x="595274" y="18288"/>
-                </a:cubicBezTo>
-                <a:cubicBezTo>
-                  <a:pt x="403138" y="25630"/>
-                  <a:pt x="169622" y="10499"/>
-                  <a:pt x="0" y="18288"/>
-                </a:cubicBezTo>
-                <a:cubicBezTo>
-                  <a:pt x="668" y="13665"/>
-                  <a:pt x="578" y="5675"/>
-                  <a:pt x="0" y="0"/>
-                </a:cubicBezTo>
-                <a:close/>
-              </a:path>
-            </a:pathLst>
-          </a:custGeom>
-          <a:solidFill>
-            <a:schemeClr val="accent2"/>
-          </a:solidFill>
-          <a:ln w="41275" cap="rnd">
-            <a:solidFill>
-              <a:schemeClr val="accent2"/>
-            </a:solidFill>
-            <a:round/>
-            <a:extLst>
-              <a:ext uri="{C807C97D-BFC1-408E-A445-0C87EB9F89A2}">
-                <ask:lineSketchStyleProps xmlns:ask="http://schemas.microsoft.com/office/drawing/2018/sketchyshapes" sd="1219033472">
-                  <a:prstGeom prst="rect">
-                    <a:avLst/>
-                  </a:prstGeom>
-                  <ask:type>
-                    <ask:lineSketchFreehand/>
-                  </ask:type>
-                </ask:lineSketchStyleProps>
-              </a:ext>
-            </a:extLst>
-          </a:ln>
-        </p:spPr>
-        <p:style>
-          <a:lnRef idx="2">
-            <a:schemeClr val="accent1">
-              <a:shade val="50000"/>
-            </a:schemeClr>
-          </a:lnRef>
-          <a:fillRef idx="1">
-            <a:schemeClr val="accent1"/>
-          </a:fillRef>
-          <a:effectRef idx="0">
-            <a:schemeClr val="accent1"/>
-          </a:effectRef>
-          <a:fontRef idx="minor">
-            <a:schemeClr val="lt1"/>
-          </a:fontRef>
-        </p:style>
-        <p:txBody>
-          <a:bodyPr rtlCol="0" anchor="ctr"/>
-          <a:lstStyle/>
-          <a:p>
-            <a:pPr algn="ctr"/>
-            <a:endParaRPr lang="en-US"/>
-          </a:p>
-        </p:txBody>
-      </p:sp>
-      <p:sp>
-        <p:nvSpPr>
-          <p:cNvPr id="3" name="Content Placeholder 2">
-            <a:extLst>
-              <a:ext uri="{FF2B5EF4-FFF2-40B4-BE49-F238E27FC236}">
-                <a16:creationId xmlns:a16="http://schemas.microsoft.com/office/drawing/2014/main" id="{177C485F-33B1-4697-9FD8-4F59A334A2BD}"/>
-              </a:ext>
-            </a:extLst>
-          </p:cNvPr>
-          <p:cNvSpPr>
-            <a:spLocks noGrp="1"/>
-          </p:cNvSpPr>
-          <p:nvPr>
-            <p:ph idx="1"/>
-          </p:nvPr>
-        </p:nvSpPr>
-        <p:spPr>
-          <a:xfrm>
-            <a:off x="5126418" y="552091"/>
-            <a:ext cx="6224335" cy="5431536"/>
-          </a:xfrm>
-        </p:spPr>
-        <p:txBody>
-          <a:bodyPr anchor="ctr">
-            <a:normAutofit/>
-          </a:bodyPr>
-          <a:lstStyle/>
-          <a:p>
-            <a:pPr marL="0" indent="0">
-              <a:buNone/>
-            </a:pPr>
-            <a:r>
-              <a:rPr lang="en-US" sz="2200" dirty="0">
-                <a:latin typeface="Calibri" panose="020F0502020204030204" pitchFamily="34" charset="0"/>
-                <a:ea typeface="Times New Roman" panose="02020603050405020304" pitchFamily="18" charset="0"/>
-                <a:cs typeface="Times New Roman" panose="02020603050405020304" pitchFamily="18" charset="0"/>
-              </a:rPr>
-              <a:t>C</a:t>
-            </a:r>
-            <a:r>
-              <a:rPr lang="en-US" sz="2200" dirty="0">
-                <a:effectLst/>
-                <a:latin typeface="Calibri" panose="020F0502020204030204" pitchFamily="34" charset="0"/>
-                <a:ea typeface="Times New Roman" panose="02020603050405020304" pitchFamily="18" charset="0"/>
-                <a:cs typeface="Times New Roman" panose="02020603050405020304" pitchFamily="18" charset="0"/>
-              </a:rPr>
-              <a:t>orrelation between income and fast-food consumption</a:t>
-            </a:r>
-          </a:p>
-          <a:p>
-            <a:r>
-              <a:rPr lang="pt-BR" sz="2200" dirty="0">
-                <a:effectLst/>
-                <a:latin typeface="Calibri" panose="020F0502020204030204" pitchFamily="34" charset="0"/>
-                <a:ea typeface="Times New Roman" panose="02020603050405020304" pitchFamily="18" charset="0"/>
-                <a:cs typeface="Times New Roman" panose="02020603050405020304" pitchFamily="18" charset="0"/>
-              </a:rPr>
-              <a:t>r = .44</a:t>
-            </a:r>
-          </a:p>
-          <a:p>
-            <a:r>
-              <a:rPr lang="pt-BR" sz="2200" dirty="0">
-                <a:effectLst/>
-                <a:latin typeface="Calibri" panose="020F0502020204030204" pitchFamily="34" charset="0"/>
-                <a:ea typeface="Times New Roman" panose="02020603050405020304" pitchFamily="18" charset="0"/>
-                <a:cs typeface="Times New Roman" panose="02020603050405020304" pitchFamily="18" charset="0"/>
-              </a:rPr>
-              <a:t>r = -.52</a:t>
-            </a:r>
-          </a:p>
-          <a:p>
-            <a:r>
-              <a:rPr lang="pt-BR" sz="2200" dirty="0">
-                <a:effectLst/>
-                <a:latin typeface="Calibri" panose="020F0502020204030204" pitchFamily="34" charset="0"/>
-                <a:ea typeface="Times New Roman" panose="02020603050405020304" pitchFamily="18" charset="0"/>
-                <a:cs typeface="Times New Roman" panose="02020603050405020304" pitchFamily="18" charset="0"/>
-              </a:rPr>
-              <a:t>r = .06</a:t>
-            </a:r>
-          </a:p>
-          <a:p>
-            <a:pPr marL="0" indent="0">
-              <a:buNone/>
-            </a:pPr>
-            <a:r>
-              <a:rPr lang="en-US" sz="2200" dirty="0">
-                <a:latin typeface="Calibri" panose="020F0502020204030204" pitchFamily="34" charset="0"/>
-                <a:ea typeface="Times New Roman" panose="02020603050405020304" pitchFamily="18" charset="0"/>
-                <a:cs typeface="Times New Roman" panose="02020603050405020304" pitchFamily="18" charset="0"/>
-              </a:rPr>
-              <a:t>Conventional scale: </a:t>
-            </a:r>
-          </a:p>
-          <a:p>
-            <a:r>
-              <a:rPr lang="en-US" sz="2200" dirty="0">
-                <a:effectLst/>
-                <a:latin typeface="Calibri" panose="020F0502020204030204" pitchFamily="34" charset="0"/>
-                <a:ea typeface="Times New Roman" panose="02020603050405020304" pitchFamily="18" charset="0"/>
-                <a:cs typeface="Times New Roman" panose="02020603050405020304" pitchFamily="18" charset="0"/>
-              </a:rPr>
-              <a:t>&gt; |0.8| high correlation</a:t>
-            </a:r>
-          </a:p>
-          <a:p>
-            <a:r>
-              <a:rPr lang="en-US" sz="2200" dirty="0">
-                <a:effectLst/>
-                <a:latin typeface="Calibri" panose="020F0502020204030204" pitchFamily="34" charset="0"/>
-                <a:ea typeface="Times New Roman" panose="02020603050405020304" pitchFamily="18" charset="0"/>
-                <a:cs typeface="Times New Roman" panose="02020603050405020304" pitchFamily="18" charset="0"/>
-              </a:rPr>
-              <a:t>&gt; |0.3|&amp; &lt;|0.8| moderate correlation</a:t>
-            </a:r>
-          </a:p>
-          <a:p>
-            <a:r>
-              <a:rPr lang="en-US" sz="2200" dirty="0">
-                <a:effectLst/>
-                <a:latin typeface="Calibri" panose="020F0502020204030204" pitchFamily="34" charset="0"/>
-                <a:ea typeface="Times New Roman" panose="02020603050405020304" pitchFamily="18" charset="0"/>
-                <a:cs typeface="Times New Roman" panose="02020603050405020304" pitchFamily="18" charset="0"/>
-              </a:rPr>
-              <a:t>&lt;|0.3| low correlation </a:t>
-            </a:r>
-          </a:p>
-          <a:p>
-            <a:pPr marL="0" indent="0">
-              <a:buNone/>
-            </a:pPr>
-            <a:endParaRPr lang="en-US" sz="2200" dirty="0">
-              <a:effectLst/>
-              <a:latin typeface="Calibri" panose="020F0502020204030204" pitchFamily="34" charset="0"/>
-              <a:ea typeface="Times New Roman" panose="02020603050405020304" pitchFamily="18" charset="0"/>
-              <a:cs typeface="Times New Roman" panose="02020603050405020304" pitchFamily="18" charset="0"/>
-            </a:endParaRPr>
-          </a:p>
-          <a:p>
-            <a:endParaRPr lang="en-US" sz="2200" dirty="0"/>
-          </a:p>
-        </p:txBody>
-      </p:sp>
-    </p:spTree>
-    <p:extLst>
-      <p:ext uri="{BB962C8B-B14F-4D97-AF65-F5344CB8AC3E}">
-        <p14:creationId xmlns:p14="http://schemas.microsoft.com/office/powerpoint/2010/main" val="3476798795"/>
       </p:ext>
     </p:extLst>
   </p:cSld>
@@ -23131,7 +23546,7 @@
           <p:cNvPr id="2" name="Title 1">
             <a:extLst>
               <a:ext uri="{FF2B5EF4-FFF2-40B4-BE49-F238E27FC236}">
-                <a16:creationId xmlns:a16="http://schemas.microsoft.com/office/drawing/2014/main" id="{20905462-992E-47D5-95A4-C6CCD5C760E1}"/>
+                <a16:creationId xmlns:a16="http://schemas.microsoft.com/office/drawing/2014/main" id="{5A1260A1-C055-40EB-95B2-2E108A465750}"/>
               </a:ext>
             </a:extLst>
           </p:cNvPr>
@@ -23155,7 +23570,7 @@
           <a:lstStyle/>
           <a:p>
             <a:r>
-              <a:rPr lang="en-US" sz="4600"/>
+              <a:rPr lang="en-US" sz="4600" dirty="0"/>
               <a:t>Interpretating Correlations</a:t>
             </a:r>
           </a:p>
@@ -23509,6 +23924,626 @@
           <p:cNvPr id="3" name="Content Placeholder 2">
             <a:extLst>
               <a:ext uri="{FF2B5EF4-FFF2-40B4-BE49-F238E27FC236}">
+                <a16:creationId xmlns:a16="http://schemas.microsoft.com/office/drawing/2014/main" id="{177C485F-33B1-4697-9FD8-4F59A334A2BD}"/>
+              </a:ext>
+            </a:extLst>
+          </p:cNvPr>
+          <p:cNvSpPr>
+            <a:spLocks noGrp="1"/>
+          </p:cNvSpPr>
+          <p:nvPr>
+            <p:ph idx="1"/>
+          </p:nvPr>
+        </p:nvSpPr>
+        <p:spPr>
+          <a:xfrm>
+            <a:off x="5126418" y="552091"/>
+            <a:ext cx="6224335" cy="5431536"/>
+          </a:xfrm>
+        </p:spPr>
+        <p:txBody>
+          <a:bodyPr anchor="ctr">
+            <a:normAutofit/>
+          </a:bodyPr>
+          <a:lstStyle/>
+          <a:p>
+            <a:pPr marL="0" indent="0">
+              <a:buNone/>
+            </a:pPr>
+            <a:r>
+              <a:rPr lang="en-US" sz="2200" dirty="0">
+                <a:latin typeface="Calibri" panose="020F0502020204030204" pitchFamily="34" charset="0"/>
+                <a:ea typeface="Times New Roman" panose="02020603050405020304" pitchFamily="18" charset="0"/>
+                <a:cs typeface="Times New Roman" panose="02020603050405020304" pitchFamily="18" charset="0"/>
+              </a:rPr>
+              <a:t>C</a:t>
+            </a:r>
+            <a:r>
+              <a:rPr lang="en-US" sz="2200" dirty="0">
+                <a:effectLst/>
+                <a:latin typeface="Calibri" panose="020F0502020204030204" pitchFamily="34" charset="0"/>
+                <a:ea typeface="Times New Roman" panose="02020603050405020304" pitchFamily="18" charset="0"/>
+                <a:cs typeface="Times New Roman" panose="02020603050405020304" pitchFamily="18" charset="0"/>
+              </a:rPr>
+              <a:t>orrelation between income and fast-food consumption</a:t>
+            </a:r>
+          </a:p>
+          <a:p>
+            <a:r>
+              <a:rPr lang="pt-BR" sz="2200" dirty="0">
+                <a:effectLst/>
+                <a:latin typeface="Calibri" panose="020F0502020204030204" pitchFamily="34" charset="0"/>
+                <a:ea typeface="Times New Roman" panose="02020603050405020304" pitchFamily="18" charset="0"/>
+                <a:cs typeface="Times New Roman" panose="02020603050405020304" pitchFamily="18" charset="0"/>
+              </a:rPr>
+              <a:t>r = .44</a:t>
+            </a:r>
+          </a:p>
+          <a:p>
+            <a:r>
+              <a:rPr lang="pt-BR" sz="2200" dirty="0">
+                <a:effectLst/>
+                <a:latin typeface="Calibri" panose="020F0502020204030204" pitchFamily="34" charset="0"/>
+                <a:ea typeface="Times New Roman" panose="02020603050405020304" pitchFamily="18" charset="0"/>
+                <a:cs typeface="Times New Roman" panose="02020603050405020304" pitchFamily="18" charset="0"/>
+              </a:rPr>
+              <a:t>r = -.52</a:t>
+            </a:r>
+          </a:p>
+          <a:p>
+            <a:r>
+              <a:rPr lang="pt-BR" sz="2200" dirty="0">
+                <a:effectLst/>
+                <a:latin typeface="Calibri" panose="020F0502020204030204" pitchFamily="34" charset="0"/>
+                <a:ea typeface="Times New Roman" panose="02020603050405020304" pitchFamily="18" charset="0"/>
+                <a:cs typeface="Times New Roman" panose="02020603050405020304" pitchFamily="18" charset="0"/>
+              </a:rPr>
+              <a:t>r = .06</a:t>
+            </a:r>
+          </a:p>
+          <a:p>
+            <a:pPr marL="0" indent="0">
+              <a:buNone/>
+            </a:pPr>
+            <a:r>
+              <a:rPr lang="en-US" sz="2200" dirty="0">
+                <a:latin typeface="Calibri" panose="020F0502020204030204" pitchFamily="34" charset="0"/>
+                <a:ea typeface="Times New Roman" panose="02020603050405020304" pitchFamily="18" charset="0"/>
+                <a:cs typeface="Times New Roman" panose="02020603050405020304" pitchFamily="18" charset="0"/>
+              </a:rPr>
+              <a:t>Conventional scale: </a:t>
+            </a:r>
+          </a:p>
+          <a:p>
+            <a:r>
+              <a:rPr lang="en-US" sz="2200" dirty="0">
+                <a:effectLst/>
+                <a:latin typeface="Calibri" panose="020F0502020204030204" pitchFamily="34" charset="0"/>
+                <a:ea typeface="Times New Roman" panose="02020603050405020304" pitchFamily="18" charset="0"/>
+                <a:cs typeface="Times New Roman" panose="02020603050405020304" pitchFamily="18" charset="0"/>
+              </a:rPr>
+              <a:t>&gt; |0.8| high correlation</a:t>
+            </a:r>
+          </a:p>
+          <a:p>
+            <a:r>
+              <a:rPr lang="en-US" sz="2200" dirty="0">
+                <a:effectLst/>
+                <a:latin typeface="Calibri" panose="020F0502020204030204" pitchFamily="34" charset="0"/>
+                <a:ea typeface="Times New Roman" panose="02020603050405020304" pitchFamily="18" charset="0"/>
+                <a:cs typeface="Times New Roman" panose="02020603050405020304" pitchFamily="18" charset="0"/>
+              </a:rPr>
+              <a:t>&gt; |0.3|&amp; &lt;|0.8| moderate correlation</a:t>
+            </a:r>
+          </a:p>
+          <a:p>
+            <a:r>
+              <a:rPr lang="en-US" sz="2200" dirty="0">
+                <a:effectLst/>
+                <a:latin typeface="Calibri" panose="020F0502020204030204" pitchFamily="34" charset="0"/>
+                <a:ea typeface="Times New Roman" panose="02020603050405020304" pitchFamily="18" charset="0"/>
+                <a:cs typeface="Times New Roman" panose="02020603050405020304" pitchFamily="18" charset="0"/>
+              </a:rPr>
+              <a:t>&lt;|0.3| low correlation </a:t>
+            </a:r>
+          </a:p>
+          <a:p>
+            <a:pPr marL="0" indent="0">
+              <a:buNone/>
+            </a:pPr>
+            <a:endParaRPr lang="en-US" sz="2200" dirty="0">
+              <a:effectLst/>
+              <a:latin typeface="Calibri" panose="020F0502020204030204" pitchFamily="34" charset="0"/>
+              <a:ea typeface="Times New Roman" panose="02020603050405020304" pitchFamily="18" charset="0"/>
+              <a:cs typeface="Times New Roman" panose="02020603050405020304" pitchFamily="18" charset="0"/>
+            </a:endParaRPr>
+          </a:p>
+          <a:p>
+            <a:endParaRPr lang="en-US" sz="2200" dirty="0"/>
+          </a:p>
+        </p:txBody>
+      </p:sp>
+    </p:spTree>
+    <p:extLst>
+      <p:ext uri="{BB962C8B-B14F-4D97-AF65-F5344CB8AC3E}">
+        <p14:creationId xmlns:p14="http://schemas.microsoft.com/office/powerpoint/2010/main" val="3476798795"/>
+      </p:ext>
+    </p:extLst>
+  </p:cSld>
+  <p:clrMapOvr>
+    <a:masterClrMapping/>
+  </p:clrMapOvr>
+</p:sld>
+</file>
+
+<file path=ppt/slides/slide16.xml><?xml version="1.0" encoding="utf-8"?>
+<p:sld xmlns:a="http://schemas.openxmlformats.org/drawingml/2006/main" xmlns:r="http://schemas.openxmlformats.org/officeDocument/2006/relationships" xmlns:p="http://schemas.openxmlformats.org/presentationml/2006/main">
+  <p:cSld>
+    <p:bg>
+      <p:bgPr>
+        <a:solidFill>
+          <a:schemeClr val="bg1"/>
+        </a:solidFill>
+        <a:effectLst/>
+      </p:bgPr>
+    </p:bg>
+    <p:spTree>
+      <p:nvGrpSpPr>
+        <p:cNvPr id="1" name=""/>
+        <p:cNvGrpSpPr/>
+        <p:nvPr/>
+      </p:nvGrpSpPr>
+      <p:grpSpPr>
+        <a:xfrm>
+          <a:off x="0" y="0"/>
+          <a:ext cx="0" cy="0"/>
+          <a:chOff x="0" y="0"/>
+          <a:chExt cx="0" cy="0"/>
+        </a:xfrm>
+      </p:grpSpPr>
+      <p:sp useBgFill="1">
+        <p:nvSpPr>
+          <p:cNvPr id="8" name="Rectangle 7">
+            <a:extLst>
+              <a:ext uri="{FF2B5EF4-FFF2-40B4-BE49-F238E27FC236}">
+                <a16:creationId xmlns:a16="http://schemas.microsoft.com/office/drawing/2014/main" id="{777A147A-9ED8-46B4-8660-1B3C2AA880B5}"/>
+              </a:ext>
+              <a:ext uri="{C183D7F6-B498-43B3-948B-1728B52AA6E4}">
+                <adec:decorative xmlns:adec="http://schemas.microsoft.com/office/drawing/2017/decorative" val="1"/>
+              </a:ext>
+            </a:extLst>
+          </p:cNvPr>
+          <p:cNvSpPr>
+            <a:spLocks noGrp="1" noRot="1" noChangeAspect="1" noMove="1" noResize="1" noEditPoints="1" noAdjustHandles="1" noChangeArrowheads="1" noChangeShapeType="1" noTextEdit="1"/>
+          </p:cNvSpPr>
+          <p:nvPr>
+            <p:extLst>
+              <p:ext uri="{386F3935-93C4-4BCD-93E2-E3B085C9AB24}">
+                <p16:designElem xmlns:p16="http://schemas.microsoft.com/office/powerpoint/2015/main" val="1"/>
+              </p:ext>
+            </p:extLst>
+          </p:nvPr>
+        </p:nvSpPr>
+        <p:spPr>
+          <a:xfrm>
+            <a:off x="0" y="0"/>
+            <a:ext cx="12188952" cy="6858000"/>
+          </a:xfrm>
+          <a:prstGeom prst="rect">
+            <a:avLst/>
+          </a:prstGeom>
+          <a:ln>
+            <a:noFill/>
+          </a:ln>
+        </p:spPr>
+        <p:style>
+          <a:lnRef idx="2">
+            <a:schemeClr val="accent1">
+              <a:shade val="50000"/>
+            </a:schemeClr>
+          </a:lnRef>
+          <a:fillRef idx="1">
+            <a:schemeClr val="accent1"/>
+          </a:fillRef>
+          <a:effectRef idx="0">
+            <a:schemeClr val="accent1"/>
+          </a:effectRef>
+          <a:fontRef idx="minor">
+            <a:schemeClr val="lt1"/>
+          </a:fontRef>
+        </p:style>
+        <p:txBody>
+          <a:bodyPr rtlCol="0" anchor="ctr"/>
+          <a:lstStyle/>
+          <a:p>
+            <a:pPr algn="ctr"/>
+            <a:endParaRPr lang="en-US"/>
+          </a:p>
+        </p:txBody>
+      </p:sp>
+      <p:sp>
+        <p:nvSpPr>
+          <p:cNvPr id="2" name="Title 1">
+            <a:extLst>
+              <a:ext uri="{FF2B5EF4-FFF2-40B4-BE49-F238E27FC236}">
+                <a16:creationId xmlns:a16="http://schemas.microsoft.com/office/drawing/2014/main" id="{20905462-992E-47D5-95A4-C6CCD5C760E1}"/>
+              </a:ext>
+            </a:extLst>
+          </p:cNvPr>
+          <p:cNvSpPr>
+            <a:spLocks noGrp="1"/>
+          </p:cNvSpPr>
+          <p:nvPr>
+            <p:ph type="title"/>
+          </p:nvPr>
+        </p:nvSpPr>
+        <p:spPr>
+          <a:xfrm>
+            <a:off x="841248" y="548640"/>
+            <a:ext cx="3600860" cy="5431536"/>
+          </a:xfrm>
+        </p:spPr>
+        <p:txBody>
+          <a:bodyPr>
+            <a:normAutofit/>
+          </a:bodyPr>
+          <a:lstStyle/>
+          <a:p>
+            <a:r>
+              <a:rPr lang="en-US" sz="4600"/>
+              <a:t>Interpretating Correlations</a:t>
+            </a:r>
+          </a:p>
+        </p:txBody>
+      </p:sp>
+      <p:sp>
+        <p:nvSpPr>
+          <p:cNvPr id="10" name="sketch line">
+            <a:extLst>
+              <a:ext uri="{FF2B5EF4-FFF2-40B4-BE49-F238E27FC236}">
+                <a16:creationId xmlns:a16="http://schemas.microsoft.com/office/drawing/2014/main" id="{5D6C15A0-C087-4593-8414-2B4EC1CDC3DE}"/>
+              </a:ext>
+              <a:ext uri="{C183D7F6-B498-43B3-948B-1728B52AA6E4}">
+                <adec:decorative xmlns:adec="http://schemas.microsoft.com/office/drawing/2017/decorative" val="1"/>
+              </a:ext>
+            </a:extLst>
+          </p:cNvPr>
+          <p:cNvSpPr>
+            <a:spLocks noGrp="1" noRot="1" noChangeAspect="1" noMove="1" noResize="1" noEditPoints="1" noAdjustHandles="1" noChangeArrowheads="1" noChangeShapeType="1" noTextEdit="1"/>
+          </p:cNvSpPr>
+          <p:nvPr>
+            <p:extLst>
+              <p:ext uri="{386F3935-93C4-4BCD-93E2-E3B085C9AB24}">
+                <p16:designElem xmlns:p16="http://schemas.microsoft.com/office/powerpoint/2015/main" val="1"/>
+              </p:ext>
+            </p:extLst>
+          </p:nvPr>
+        </p:nvSpPr>
+        <p:spPr>
+          <a:xfrm rot="5400000">
+            <a:off x="2543983" y="3258715"/>
+            <a:ext cx="4480560" cy="18288"/>
+          </a:xfrm>
+          <a:custGeom>
+            <a:avLst/>
+            <a:gdLst>
+              <a:gd name="connsiteX0" fmla="*/ 0 w 4480560"/>
+              <a:gd name="connsiteY0" fmla="*/ 0 h 18288"/>
+              <a:gd name="connsiteX1" fmla="*/ 595274 w 4480560"/>
+              <a:gd name="connsiteY1" fmla="*/ 0 h 18288"/>
+              <a:gd name="connsiteX2" fmla="*/ 1100938 w 4480560"/>
+              <a:gd name="connsiteY2" fmla="*/ 0 h 18288"/>
+              <a:gd name="connsiteX3" fmla="*/ 1651406 w 4480560"/>
+              <a:gd name="connsiteY3" fmla="*/ 0 h 18288"/>
+              <a:gd name="connsiteX4" fmla="*/ 2336292 w 4480560"/>
+              <a:gd name="connsiteY4" fmla="*/ 0 h 18288"/>
+              <a:gd name="connsiteX5" fmla="*/ 2931566 w 4480560"/>
+              <a:gd name="connsiteY5" fmla="*/ 0 h 18288"/>
+              <a:gd name="connsiteX6" fmla="*/ 3482035 w 4480560"/>
+              <a:gd name="connsiteY6" fmla="*/ 0 h 18288"/>
+              <a:gd name="connsiteX7" fmla="*/ 4480560 w 4480560"/>
+              <a:gd name="connsiteY7" fmla="*/ 0 h 18288"/>
+              <a:gd name="connsiteX8" fmla="*/ 4480560 w 4480560"/>
+              <a:gd name="connsiteY8" fmla="*/ 18288 h 18288"/>
+              <a:gd name="connsiteX9" fmla="*/ 3840480 w 4480560"/>
+              <a:gd name="connsiteY9" fmla="*/ 18288 h 18288"/>
+              <a:gd name="connsiteX10" fmla="*/ 3290011 w 4480560"/>
+              <a:gd name="connsiteY10" fmla="*/ 18288 h 18288"/>
+              <a:gd name="connsiteX11" fmla="*/ 2560320 w 4480560"/>
+              <a:gd name="connsiteY11" fmla="*/ 18288 h 18288"/>
+              <a:gd name="connsiteX12" fmla="*/ 1965046 w 4480560"/>
+              <a:gd name="connsiteY12" fmla="*/ 18288 h 18288"/>
+              <a:gd name="connsiteX13" fmla="*/ 1459382 w 4480560"/>
+              <a:gd name="connsiteY13" fmla="*/ 18288 h 18288"/>
+              <a:gd name="connsiteX14" fmla="*/ 774497 w 4480560"/>
+              <a:gd name="connsiteY14" fmla="*/ 18288 h 18288"/>
+              <a:gd name="connsiteX15" fmla="*/ 0 w 4480560"/>
+              <a:gd name="connsiteY15" fmla="*/ 18288 h 18288"/>
+              <a:gd name="connsiteX16" fmla="*/ 0 w 4480560"/>
+              <a:gd name="connsiteY16" fmla="*/ 0 h 18288"/>
+            </a:gdLst>
+            <a:ahLst/>
+            <a:cxnLst>
+              <a:cxn ang="0">
+                <a:pos x="connsiteX0" y="connsiteY0"/>
+              </a:cxn>
+              <a:cxn ang="0">
+                <a:pos x="connsiteX1" y="connsiteY1"/>
+              </a:cxn>
+              <a:cxn ang="0">
+                <a:pos x="connsiteX2" y="connsiteY2"/>
+              </a:cxn>
+              <a:cxn ang="0">
+                <a:pos x="connsiteX3" y="connsiteY3"/>
+              </a:cxn>
+              <a:cxn ang="0">
+                <a:pos x="connsiteX4" y="connsiteY4"/>
+              </a:cxn>
+              <a:cxn ang="0">
+                <a:pos x="connsiteX5" y="connsiteY5"/>
+              </a:cxn>
+              <a:cxn ang="0">
+                <a:pos x="connsiteX6" y="connsiteY6"/>
+              </a:cxn>
+              <a:cxn ang="0">
+                <a:pos x="connsiteX7" y="connsiteY7"/>
+              </a:cxn>
+              <a:cxn ang="0">
+                <a:pos x="connsiteX8" y="connsiteY8"/>
+              </a:cxn>
+              <a:cxn ang="0">
+                <a:pos x="connsiteX9" y="connsiteY9"/>
+              </a:cxn>
+              <a:cxn ang="0">
+                <a:pos x="connsiteX10" y="connsiteY10"/>
+              </a:cxn>
+              <a:cxn ang="0">
+                <a:pos x="connsiteX11" y="connsiteY11"/>
+              </a:cxn>
+              <a:cxn ang="0">
+                <a:pos x="connsiteX12" y="connsiteY12"/>
+              </a:cxn>
+              <a:cxn ang="0">
+                <a:pos x="connsiteX13" y="connsiteY13"/>
+              </a:cxn>
+              <a:cxn ang="0">
+                <a:pos x="connsiteX14" y="connsiteY14"/>
+              </a:cxn>
+              <a:cxn ang="0">
+                <a:pos x="connsiteX15" y="connsiteY15"/>
+              </a:cxn>
+              <a:cxn ang="0">
+                <a:pos x="connsiteX16" y="connsiteY16"/>
+              </a:cxn>
+            </a:cxnLst>
+            <a:rect l="l" t="t" r="r" b="b"/>
+            <a:pathLst>
+              <a:path w="4480560" h="18288" fill="none" extrusionOk="0">
+                <a:moveTo>
+                  <a:pt x="0" y="0"/>
+                </a:moveTo>
+                <a:cubicBezTo>
+                  <a:pt x="267821" y="8731"/>
+                  <a:pt x="334105" y="2629"/>
+                  <a:pt x="595274" y="0"/>
+                </a:cubicBezTo>
+                <a:cubicBezTo>
+                  <a:pt x="856443" y="-2629"/>
+                  <a:pt x="863808" y="-13353"/>
+                  <a:pt x="1100938" y="0"/>
+                </a:cubicBezTo>
+                <a:cubicBezTo>
+                  <a:pt x="1338068" y="13353"/>
+                  <a:pt x="1431663" y="-25862"/>
+                  <a:pt x="1651406" y="0"/>
+                </a:cubicBezTo>
+                <a:cubicBezTo>
+                  <a:pt x="1871149" y="25862"/>
+                  <a:pt x="2173163" y="23827"/>
+                  <a:pt x="2336292" y="0"/>
+                </a:cubicBezTo>
+                <a:cubicBezTo>
+                  <a:pt x="2499421" y="-23827"/>
+                  <a:pt x="2720589" y="28148"/>
+                  <a:pt x="2931566" y="0"/>
+                </a:cubicBezTo>
+                <a:cubicBezTo>
+                  <a:pt x="3142543" y="-28148"/>
+                  <a:pt x="3323630" y="27022"/>
+                  <a:pt x="3482035" y="0"/>
+                </a:cubicBezTo>
+                <a:cubicBezTo>
+                  <a:pt x="3640440" y="-27022"/>
+                  <a:pt x="4012110" y="-20118"/>
+                  <a:pt x="4480560" y="0"/>
+                </a:cubicBezTo>
+                <a:cubicBezTo>
+                  <a:pt x="4480958" y="7429"/>
+                  <a:pt x="4480540" y="10822"/>
+                  <a:pt x="4480560" y="18288"/>
+                </a:cubicBezTo>
+                <a:cubicBezTo>
+                  <a:pt x="4314132" y="14924"/>
+                  <a:pt x="4028383" y="36632"/>
+                  <a:pt x="3840480" y="18288"/>
+                </a:cubicBezTo>
+                <a:cubicBezTo>
+                  <a:pt x="3652577" y="-56"/>
+                  <a:pt x="3547615" y="2848"/>
+                  <a:pt x="3290011" y="18288"/>
+                </a:cubicBezTo>
+                <a:cubicBezTo>
+                  <a:pt x="3032407" y="33728"/>
+                  <a:pt x="2830268" y="8719"/>
+                  <a:pt x="2560320" y="18288"/>
+                </a:cubicBezTo>
+                <a:cubicBezTo>
+                  <a:pt x="2290372" y="27857"/>
+                  <a:pt x="2147422" y="6728"/>
+                  <a:pt x="1965046" y="18288"/>
+                </a:cubicBezTo>
+                <a:cubicBezTo>
+                  <a:pt x="1782670" y="29848"/>
+                  <a:pt x="1689791" y="40680"/>
+                  <a:pt x="1459382" y="18288"/>
+                </a:cubicBezTo>
+                <a:cubicBezTo>
+                  <a:pt x="1228973" y="-4104"/>
+                  <a:pt x="915486" y="36501"/>
+                  <a:pt x="774497" y="18288"/>
+                </a:cubicBezTo>
+                <a:cubicBezTo>
+                  <a:pt x="633508" y="75"/>
+                  <a:pt x="361442" y="-11107"/>
+                  <a:pt x="0" y="18288"/>
+                </a:cubicBezTo>
+                <a:cubicBezTo>
+                  <a:pt x="-591" y="13205"/>
+                  <a:pt x="-663" y="6329"/>
+                  <a:pt x="0" y="0"/>
+                </a:cubicBezTo>
+                <a:close/>
+              </a:path>
+              <a:path w="4480560" h="18288" stroke="0" extrusionOk="0">
+                <a:moveTo>
+                  <a:pt x="0" y="0"/>
+                </a:moveTo>
+                <a:cubicBezTo>
+                  <a:pt x="285465" y="225"/>
+                  <a:pt x="322691" y="16223"/>
+                  <a:pt x="595274" y="0"/>
+                </a:cubicBezTo>
+                <a:cubicBezTo>
+                  <a:pt x="867857" y="-16223"/>
+                  <a:pt x="989129" y="-11242"/>
+                  <a:pt x="1100938" y="0"/>
+                </a:cubicBezTo>
+                <a:cubicBezTo>
+                  <a:pt x="1212747" y="11242"/>
+                  <a:pt x="1574350" y="-36410"/>
+                  <a:pt x="1830629" y="0"/>
+                </a:cubicBezTo>
+                <a:cubicBezTo>
+                  <a:pt x="2086908" y="36410"/>
+                  <a:pt x="2180922" y="4645"/>
+                  <a:pt x="2425903" y="0"/>
+                </a:cubicBezTo>
+                <a:cubicBezTo>
+                  <a:pt x="2670884" y="-4645"/>
+                  <a:pt x="2782024" y="22929"/>
+                  <a:pt x="3021178" y="0"/>
+                </a:cubicBezTo>
+                <a:cubicBezTo>
+                  <a:pt x="3260332" y="-22929"/>
+                  <a:pt x="3456982" y="-1586"/>
+                  <a:pt x="3750869" y="0"/>
+                </a:cubicBezTo>
+                <a:cubicBezTo>
+                  <a:pt x="4044756" y="1586"/>
+                  <a:pt x="4302726" y="17043"/>
+                  <a:pt x="4480560" y="0"/>
+                </a:cubicBezTo>
+                <a:cubicBezTo>
+                  <a:pt x="4479674" y="5429"/>
+                  <a:pt x="4481381" y="14046"/>
+                  <a:pt x="4480560" y="18288"/>
+                </a:cubicBezTo>
+                <a:cubicBezTo>
+                  <a:pt x="4279652" y="-6850"/>
+                  <a:pt x="4200762" y="41566"/>
+                  <a:pt x="3930091" y="18288"/>
+                </a:cubicBezTo>
+                <a:cubicBezTo>
+                  <a:pt x="3659420" y="-4990"/>
+                  <a:pt x="3456052" y="22294"/>
+                  <a:pt x="3290011" y="18288"/>
+                </a:cubicBezTo>
+                <a:cubicBezTo>
+                  <a:pt x="3123970" y="14282"/>
+                  <a:pt x="2882392" y="32818"/>
+                  <a:pt x="2649931" y="18288"/>
+                </a:cubicBezTo>
+                <a:cubicBezTo>
+                  <a:pt x="2417470" y="3758"/>
+                  <a:pt x="2238426" y="7337"/>
+                  <a:pt x="2054657" y="18288"/>
+                </a:cubicBezTo>
+                <a:cubicBezTo>
+                  <a:pt x="1870888" y="29239"/>
+                  <a:pt x="1566368" y="45040"/>
+                  <a:pt x="1324966" y="18288"/>
+                </a:cubicBezTo>
+                <a:cubicBezTo>
+                  <a:pt x="1083564" y="-8464"/>
+                  <a:pt x="787410" y="10946"/>
+                  <a:pt x="595274" y="18288"/>
+                </a:cubicBezTo>
+                <a:cubicBezTo>
+                  <a:pt x="403138" y="25630"/>
+                  <a:pt x="169622" y="10499"/>
+                  <a:pt x="0" y="18288"/>
+                </a:cubicBezTo>
+                <a:cubicBezTo>
+                  <a:pt x="668" y="13665"/>
+                  <a:pt x="578" y="5675"/>
+                  <a:pt x="0" y="0"/>
+                </a:cubicBezTo>
+                <a:close/>
+              </a:path>
+            </a:pathLst>
+          </a:custGeom>
+          <a:solidFill>
+            <a:schemeClr val="accent2"/>
+          </a:solidFill>
+          <a:ln w="41275" cap="rnd">
+            <a:solidFill>
+              <a:schemeClr val="accent2"/>
+            </a:solidFill>
+            <a:round/>
+            <a:extLst>
+              <a:ext uri="{C807C97D-BFC1-408E-A445-0C87EB9F89A2}">
+                <ask:lineSketchStyleProps xmlns:ask="http://schemas.microsoft.com/office/drawing/2018/sketchyshapes" sd="1219033472">
+                  <a:prstGeom prst="rect">
+                    <a:avLst/>
+                  </a:prstGeom>
+                  <ask:type>
+                    <ask:lineSketchFreehand/>
+                  </ask:type>
+                </ask:lineSketchStyleProps>
+              </a:ext>
+            </a:extLst>
+          </a:ln>
+        </p:spPr>
+        <p:style>
+          <a:lnRef idx="2">
+            <a:schemeClr val="accent1">
+              <a:shade val="50000"/>
+            </a:schemeClr>
+          </a:lnRef>
+          <a:fillRef idx="1">
+            <a:schemeClr val="accent1"/>
+          </a:fillRef>
+          <a:effectRef idx="0">
+            <a:schemeClr val="accent1"/>
+          </a:effectRef>
+          <a:fontRef idx="minor">
+            <a:schemeClr val="lt1"/>
+          </a:fontRef>
+        </p:style>
+        <p:txBody>
+          <a:bodyPr rtlCol="0" anchor="ctr"/>
+          <a:lstStyle/>
+          <a:p>
+            <a:pPr algn="ctr"/>
+            <a:endParaRPr lang="en-US"/>
+          </a:p>
+        </p:txBody>
+      </p:sp>
+      <p:sp>
+        <p:nvSpPr>
+          <p:cNvPr id="3" name="Content Placeholder 2">
+            <a:extLst>
+              <a:ext uri="{FF2B5EF4-FFF2-40B4-BE49-F238E27FC236}">
                 <a16:creationId xmlns:a16="http://schemas.microsoft.com/office/drawing/2014/main" id="{1F01E876-5DC7-48D8-B0ED-EF8A2417A99E}"/>
               </a:ext>
             </a:extLst>
@@ -23580,7 +24615,7 @@
 </p:sld>
 </file>
 
-<file path=ppt/slides/slide16.xml><?xml version="1.0" encoding="utf-8"?>
+<file path=ppt/slides/slide17.xml><?xml version="1.0" encoding="utf-8"?>
 <p:sld xmlns:a="http://schemas.openxmlformats.org/drawingml/2006/main" xmlns:r="http://schemas.openxmlformats.org/officeDocument/2006/relationships" xmlns:p="http://schemas.openxmlformats.org/presentationml/2006/main">
   <p:cSld>
     <p:bg>
@@ -23835,7 +24870,7 @@
 </p:sld>
 </file>
 
-<file path=ppt/slides/slide17.xml><?xml version="1.0" encoding="utf-8"?>
+<file path=ppt/slides/slide18.xml><?xml version="1.0" encoding="utf-8"?>
 <p:sld xmlns:a="http://schemas.openxmlformats.org/drawingml/2006/main" xmlns:r="http://schemas.openxmlformats.org/officeDocument/2006/relationships" xmlns:p="http://schemas.openxmlformats.org/presentationml/2006/main">
   <p:cSld>
     <p:bg>
@@ -24732,7 +25767,7 @@
 </p:sld>
 </file>
 
-<file path=ppt/slides/slide18.xml><?xml version="1.0" encoding="utf-8"?>
+<file path=ppt/slides/slide19.xml><?xml version="1.0" encoding="utf-8"?>
 <p:sld xmlns:a="http://schemas.openxmlformats.org/drawingml/2006/main" xmlns:r="http://schemas.openxmlformats.org/officeDocument/2006/relationships" xmlns:p="http://schemas.openxmlformats.org/presentationml/2006/main">
   <p:cSld>
     <p:bg>
@@ -26182,170 +27217,6 @@
 </p:sld>
 </file>
 
-<file path=ppt/slides/slide19.xml><?xml version="1.0" encoding="utf-8"?>
-<p:sld xmlns:a="http://schemas.openxmlformats.org/drawingml/2006/main" xmlns:r="http://schemas.openxmlformats.org/officeDocument/2006/relationships" xmlns:p="http://schemas.openxmlformats.org/presentationml/2006/main">
-  <p:cSld>
-    <p:bg>
-      <p:bgPr>
-        <a:solidFill>
-          <a:schemeClr val="bg1"/>
-        </a:solidFill>
-        <a:effectLst/>
-      </p:bgPr>
-    </p:bg>
-    <p:spTree>
-      <p:nvGrpSpPr>
-        <p:cNvPr id="1" name=""/>
-        <p:cNvGrpSpPr/>
-        <p:nvPr/>
-      </p:nvGrpSpPr>
-      <p:grpSpPr>
-        <a:xfrm>
-          <a:off x="0" y="0"/>
-          <a:ext cx="0" cy="0"/>
-          <a:chOff x="0" y="0"/>
-          <a:chExt cx="0" cy="0"/>
-        </a:xfrm>
-      </p:grpSpPr>
-      <p:sp useBgFill="1">
-        <p:nvSpPr>
-          <p:cNvPr id="14" name="Rectangle 9">
-            <a:extLst>
-              <a:ext uri="{FF2B5EF4-FFF2-40B4-BE49-F238E27FC236}">
-                <a16:creationId xmlns:a16="http://schemas.microsoft.com/office/drawing/2014/main" id="{DCC231C8-C761-4B31-9B1C-C6D19248C6B3}"/>
-              </a:ext>
-              <a:ext uri="{C183D7F6-B498-43B3-948B-1728B52AA6E4}">
-                <adec:decorative xmlns:adec="http://schemas.microsoft.com/office/drawing/2017/decorative" val="1"/>
-              </a:ext>
-            </a:extLst>
-          </p:cNvPr>
-          <p:cNvSpPr>
-            <a:spLocks noGrp="1" noRot="1" noChangeAspect="1" noMove="1" noResize="1" noEditPoints="1" noAdjustHandles="1" noChangeArrowheads="1" noChangeShapeType="1" noTextEdit="1"/>
-          </p:cNvSpPr>
-          <p:nvPr>
-            <p:extLst>
-              <p:ext uri="{386F3935-93C4-4BCD-93E2-E3B085C9AB24}">
-                <p16:designElem xmlns:p16="http://schemas.microsoft.com/office/powerpoint/2015/main" val="1"/>
-              </p:ext>
-            </p:extLst>
-          </p:nvPr>
-        </p:nvSpPr>
-        <p:spPr>
-          <a:xfrm>
-            <a:off x="-1" y="0"/>
-            <a:ext cx="12188952" cy="6858000"/>
-          </a:xfrm>
-          <a:prstGeom prst="rect">
-            <a:avLst/>
-          </a:prstGeom>
-          <a:ln>
-            <a:noFill/>
-          </a:ln>
-        </p:spPr>
-        <p:style>
-          <a:lnRef idx="2">
-            <a:schemeClr val="accent1">
-              <a:shade val="50000"/>
-            </a:schemeClr>
-          </a:lnRef>
-          <a:fillRef idx="1">
-            <a:schemeClr val="accent1"/>
-          </a:fillRef>
-          <a:effectRef idx="0">
-            <a:schemeClr val="accent1"/>
-          </a:effectRef>
-          <a:fontRef idx="minor">
-            <a:schemeClr val="lt1"/>
-          </a:fontRef>
-        </p:style>
-        <p:txBody>
-          <a:bodyPr rtlCol="0" anchor="ctr"/>
-          <a:lstStyle/>
-          <a:p>
-            <a:pPr algn="ctr"/>
-            <a:endParaRPr lang="en-US"/>
-          </a:p>
-        </p:txBody>
-      </p:sp>
-      <p:sp>
-        <p:nvSpPr>
-          <p:cNvPr id="2" name="Title 1">
-            <a:extLst>
-              <a:ext uri="{FF2B5EF4-FFF2-40B4-BE49-F238E27FC236}">
-                <a16:creationId xmlns:a16="http://schemas.microsoft.com/office/drawing/2014/main" id="{CC0CD6FF-0A62-4155-AA0D-7CFC00F7C35E}"/>
-              </a:ext>
-            </a:extLst>
-          </p:cNvPr>
-          <p:cNvSpPr>
-            <a:spLocks noGrp="1"/>
-          </p:cNvSpPr>
-          <p:nvPr>
-            <p:ph type="title"/>
-          </p:nvPr>
-        </p:nvSpPr>
-        <p:spPr>
-          <a:xfrm>
-            <a:off x="838200" y="557189"/>
-            <a:ext cx="3374136" cy="5567891"/>
-          </a:xfrm>
-        </p:spPr>
-        <p:txBody>
-          <a:bodyPr>
-            <a:normAutofit/>
-          </a:bodyPr>
-          <a:lstStyle/>
-          <a:p>
-            <a:r>
-              <a:rPr lang="en-US" sz="5200"/>
-              <a:t>Learning Objectives</a:t>
-            </a:r>
-          </a:p>
-        </p:txBody>
-      </p:sp>
-      <p:graphicFrame>
-        <p:nvGraphicFramePr>
-          <p:cNvPr id="5" name="Content Placeholder 2">
-            <a:extLst>
-              <a:ext uri="{FF2B5EF4-FFF2-40B4-BE49-F238E27FC236}">
-                <a16:creationId xmlns:a16="http://schemas.microsoft.com/office/drawing/2014/main" id="{806BC981-6D5F-4395-852A-E400330ECC27}"/>
-              </a:ext>
-            </a:extLst>
-          </p:cNvPr>
-          <p:cNvGraphicFramePr>
-            <a:graphicFrameLocks noGrp="1"/>
-          </p:cNvGraphicFramePr>
-          <p:nvPr>
-            <p:ph idx="1"/>
-            <p:extLst>
-              <p:ext uri="{D42A27DB-BD31-4B8C-83A1-F6EECF244321}">
-                <p14:modId xmlns:p14="http://schemas.microsoft.com/office/powerpoint/2010/main" val="1066066323"/>
-              </p:ext>
-            </p:extLst>
-          </p:nvPr>
-        </p:nvGraphicFramePr>
-        <p:xfrm>
-          <a:off x="5093208" y="620392"/>
-          <a:ext cx="6263640" cy="5504688"/>
-        </p:xfrm>
-        <a:graphic>
-          <a:graphicData uri="http://schemas.openxmlformats.org/drawingml/2006/diagram">
-            <dgm:relIds xmlns:dgm="http://schemas.openxmlformats.org/drawingml/2006/diagram" xmlns:r="http://schemas.openxmlformats.org/officeDocument/2006/relationships" r:dm="rId3" r:lo="rId4" r:qs="rId5" r:cs="rId6"/>
-          </a:graphicData>
-        </a:graphic>
-      </p:graphicFrame>
-    </p:spTree>
-    <p:extLst>
-      <p:ext uri="{BB962C8B-B14F-4D97-AF65-F5344CB8AC3E}">
-        <p14:creationId xmlns:p14="http://schemas.microsoft.com/office/powerpoint/2010/main" val="1907028662"/>
-      </p:ext>
-    </p:extLst>
-  </p:cSld>
-  <p:clrMapOvr>
-    <a:masterClrMapping/>
-  </p:clrMapOvr>
-</p:sld>
-</file>
-
 <file path=ppt/slides/slide2.xml><?xml version="1.0" encoding="utf-8"?>
 <p:sld xmlns:a="http://schemas.openxmlformats.org/drawingml/2006/main" xmlns:r="http://schemas.openxmlformats.org/officeDocument/2006/relationships" xmlns:p="http://schemas.openxmlformats.org/presentationml/2006/main">
   <p:cSld>
@@ -27068,6 +27939,170 @@
       </p:grpSpPr>
       <p:sp useBgFill="1">
         <p:nvSpPr>
+          <p:cNvPr id="14" name="Rectangle 9">
+            <a:extLst>
+              <a:ext uri="{FF2B5EF4-FFF2-40B4-BE49-F238E27FC236}">
+                <a16:creationId xmlns:a16="http://schemas.microsoft.com/office/drawing/2014/main" id="{DCC231C8-C761-4B31-9B1C-C6D19248C6B3}"/>
+              </a:ext>
+              <a:ext uri="{C183D7F6-B498-43B3-948B-1728B52AA6E4}">
+                <adec:decorative xmlns:adec="http://schemas.microsoft.com/office/drawing/2017/decorative" val="1"/>
+              </a:ext>
+            </a:extLst>
+          </p:cNvPr>
+          <p:cNvSpPr>
+            <a:spLocks noGrp="1" noRot="1" noChangeAspect="1" noMove="1" noResize="1" noEditPoints="1" noAdjustHandles="1" noChangeArrowheads="1" noChangeShapeType="1" noTextEdit="1"/>
+          </p:cNvSpPr>
+          <p:nvPr>
+            <p:extLst>
+              <p:ext uri="{386F3935-93C4-4BCD-93E2-E3B085C9AB24}">
+                <p16:designElem xmlns:p16="http://schemas.microsoft.com/office/powerpoint/2015/main" val="1"/>
+              </p:ext>
+            </p:extLst>
+          </p:nvPr>
+        </p:nvSpPr>
+        <p:spPr>
+          <a:xfrm>
+            <a:off x="-1" y="0"/>
+            <a:ext cx="12188952" cy="6858000"/>
+          </a:xfrm>
+          <a:prstGeom prst="rect">
+            <a:avLst/>
+          </a:prstGeom>
+          <a:ln>
+            <a:noFill/>
+          </a:ln>
+        </p:spPr>
+        <p:style>
+          <a:lnRef idx="2">
+            <a:schemeClr val="accent1">
+              <a:shade val="50000"/>
+            </a:schemeClr>
+          </a:lnRef>
+          <a:fillRef idx="1">
+            <a:schemeClr val="accent1"/>
+          </a:fillRef>
+          <a:effectRef idx="0">
+            <a:schemeClr val="accent1"/>
+          </a:effectRef>
+          <a:fontRef idx="minor">
+            <a:schemeClr val="lt1"/>
+          </a:fontRef>
+        </p:style>
+        <p:txBody>
+          <a:bodyPr rtlCol="0" anchor="ctr"/>
+          <a:lstStyle/>
+          <a:p>
+            <a:pPr algn="ctr"/>
+            <a:endParaRPr lang="en-US"/>
+          </a:p>
+        </p:txBody>
+      </p:sp>
+      <p:sp>
+        <p:nvSpPr>
+          <p:cNvPr id="2" name="Title 1">
+            <a:extLst>
+              <a:ext uri="{FF2B5EF4-FFF2-40B4-BE49-F238E27FC236}">
+                <a16:creationId xmlns:a16="http://schemas.microsoft.com/office/drawing/2014/main" id="{CC0CD6FF-0A62-4155-AA0D-7CFC00F7C35E}"/>
+              </a:ext>
+            </a:extLst>
+          </p:cNvPr>
+          <p:cNvSpPr>
+            <a:spLocks noGrp="1"/>
+          </p:cNvSpPr>
+          <p:nvPr>
+            <p:ph type="title"/>
+          </p:nvPr>
+        </p:nvSpPr>
+        <p:spPr>
+          <a:xfrm>
+            <a:off x="838200" y="557189"/>
+            <a:ext cx="3374136" cy="5567891"/>
+          </a:xfrm>
+        </p:spPr>
+        <p:txBody>
+          <a:bodyPr>
+            <a:normAutofit/>
+          </a:bodyPr>
+          <a:lstStyle/>
+          <a:p>
+            <a:r>
+              <a:rPr lang="en-US" sz="5200"/>
+              <a:t>Learning Objectives</a:t>
+            </a:r>
+          </a:p>
+        </p:txBody>
+      </p:sp>
+      <p:graphicFrame>
+        <p:nvGraphicFramePr>
+          <p:cNvPr id="5" name="Content Placeholder 2">
+            <a:extLst>
+              <a:ext uri="{FF2B5EF4-FFF2-40B4-BE49-F238E27FC236}">
+                <a16:creationId xmlns:a16="http://schemas.microsoft.com/office/drawing/2014/main" id="{806BC981-6D5F-4395-852A-E400330ECC27}"/>
+              </a:ext>
+            </a:extLst>
+          </p:cNvPr>
+          <p:cNvGraphicFramePr>
+            <a:graphicFrameLocks noGrp="1"/>
+          </p:cNvGraphicFramePr>
+          <p:nvPr>
+            <p:ph idx="1"/>
+            <p:extLst>
+              <p:ext uri="{D42A27DB-BD31-4B8C-83A1-F6EECF244321}">
+                <p14:modId xmlns:p14="http://schemas.microsoft.com/office/powerpoint/2010/main" val="1066066323"/>
+              </p:ext>
+            </p:extLst>
+          </p:nvPr>
+        </p:nvGraphicFramePr>
+        <p:xfrm>
+          <a:off x="5093208" y="620392"/>
+          <a:ext cx="6263640" cy="5504688"/>
+        </p:xfrm>
+        <a:graphic>
+          <a:graphicData uri="http://schemas.openxmlformats.org/drawingml/2006/diagram">
+            <dgm:relIds xmlns:dgm="http://schemas.openxmlformats.org/drawingml/2006/diagram" xmlns:r="http://schemas.openxmlformats.org/officeDocument/2006/relationships" r:dm="rId3" r:lo="rId4" r:qs="rId5" r:cs="rId6"/>
+          </a:graphicData>
+        </a:graphic>
+      </p:graphicFrame>
+    </p:spTree>
+    <p:extLst>
+      <p:ext uri="{BB962C8B-B14F-4D97-AF65-F5344CB8AC3E}">
+        <p14:creationId xmlns:p14="http://schemas.microsoft.com/office/powerpoint/2010/main" val="1907028662"/>
+      </p:ext>
+    </p:extLst>
+  </p:cSld>
+  <p:clrMapOvr>
+    <a:masterClrMapping/>
+  </p:clrMapOvr>
+</p:sld>
+</file>
+
+<file path=ppt/slides/slide21.xml><?xml version="1.0" encoding="utf-8"?>
+<p:sld xmlns:a="http://schemas.openxmlformats.org/drawingml/2006/main" xmlns:r="http://schemas.openxmlformats.org/officeDocument/2006/relationships" xmlns:p="http://schemas.openxmlformats.org/presentationml/2006/main">
+  <p:cSld>
+    <p:bg>
+      <p:bgPr>
+        <a:solidFill>
+          <a:schemeClr val="bg1"/>
+        </a:solidFill>
+        <a:effectLst/>
+      </p:bgPr>
+    </p:bg>
+    <p:spTree>
+      <p:nvGrpSpPr>
+        <p:cNvPr id="1" name=""/>
+        <p:cNvGrpSpPr/>
+        <p:nvPr/>
+      </p:nvGrpSpPr>
+      <p:grpSpPr>
+        <a:xfrm>
+          <a:off x="0" y="0"/>
+          <a:ext cx="0" cy="0"/>
+          <a:chOff x="0" y="0"/>
+          <a:chExt cx="0" cy="0"/>
+        </a:xfrm>
+      </p:grpSpPr>
+      <p:sp useBgFill="1">
+        <p:nvSpPr>
           <p:cNvPr id="16" name="Rectangle 7">
             <a:extLst>
               <a:ext uri="{FF2B5EF4-FFF2-40B4-BE49-F238E27FC236}">
@@ -27416,7 +28451,7 @@
 </p:sld>
 </file>
 
-<file path=ppt/slides/slide21.xml><?xml version="1.0" encoding="utf-8"?>
+<file path=ppt/slides/slide22.xml><?xml version="1.0" encoding="utf-8"?>
 <p:sld xmlns:a="http://schemas.openxmlformats.org/drawingml/2006/main" xmlns:r="http://schemas.openxmlformats.org/officeDocument/2006/relationships" xmlns:p="http://schemas.openxmlformats.org/presentationml/2006/main">
   <p:cSld>
     <p:spTree>
@@ -27507,7 +28542,7 @@
 </p:sld>
 </file>
 
-<file path=ppt/slides/slide22.xml><?xml version="1.0" encoding="utf-8"?>
+<file path=ppt/slides/slide23.xml><?xml version="1.0" encoding="utf-8"?>
 <p:sld xmlns:a="http://schemas.openxmlformats.org/drawingml/2006/main" xmlns:r="http://schemas.openxmlformats.org/officeDocument/2006/relationships" xmlns:p="http://schemas.openxmlformats.org/presentationml/2006/main">
   <p:cSld>
     <p:spTree>
@@ -27837,7 +28872,7 @@
 </p:sld>
 </file>
 
-<file path=ppt/slides/slide23.xml><?xml version="1.0" encoding="utf-8"?>
+<file path=ppt/slides/slide24.xml><?xml version="1.0" encoding="utf-8"?>
 <p:sld xmlns:a="http://schemas.openxmlformats.org/drawingml/2006/main" xmlns:r="http://schemas.openxmlformats.org/officeDocument/2006/relationships" xmlns:p="http://schemas.openxmlformats.org/presentationml/2006/main">
   <p:cSld>
     <p:spTree>
@@ -28172,7 +29207,7 @@
 </p:sld>
 </file>
 
-<file path=ppt/slides/slide24.xml><?xml version="1.0" encoding="utf-8"?>
+<file path=ppt/slides/slide25.xml><?xml version="1.0" encoding="utf-8"?>
 <p:sld xmlns:a="http://schemas.openxmlformats.org/drawingml/2006/main" xmlns:r="http://schemas.openxmlformats.org/officeDocument/2006/relationships" xmlns:p="http://schemas.openxmlformats.org/presentationml/2006/main">
   <p:cSld>
     <p:bg>
@@ -28856,7 +29891,7 @@
 </p:sld>
 </file>
 
-<file path=ppt/slides/slide25.xml><?xml version="1.0" encoding="utf-8"?>
+<file path=ppt/slides/slide26.xml><?xml version="1.0" encoding="utf-8"?>
 <p:sld xmlns:a="http://schemas.openxmlformats.org/drawingml/2006/main" xmlns:r="http://schemas.openxmlformats.org/officeDocument/2006/relationships" xmlns:p="http://schemas.openxmlformats.org/presentationml/2006/main">
   <p:cSld>
     <p:bg>
@@ -29361,7 +30396,7 @@
 </p:sld>
 </file>
 
-<file path=ppt/slides/slide26.xml><?xml version="1.0" encoding="utf-8"?>
+<file path=ppt/slides/slide27.xml><?xml version="1.0" encoding="utf-8"?>
 <p:sld xmlns:a="http://schemas.openxmlformats.org/drawingml/2006/main" xmlns:r="http://schemas.openxmlformats.org/officeDocument/2006/relationships" xmlns:p="http://schemas.openxmlformats.org/presentationml/2006/main">
   <p:cSld>
     <p:bg>
@@ -29842,7 +30877,7 @@
 </p:sld>
 </file>
 
-<file path=ppt/slides/slide27.xml><?xml version="1.0" encoding="utf-8"?>
+<file path=ppt/slides/slide28.xml><?xml version="1.0" encoding="utf-8"?>
 <p:sld xmlns:a="http://schemas.openxmlformats.org/drawingml/2006/main" xmlns:r="http://schemas.openxmlformats.org/officeDocument/2006/relationships" xmlns:p="http://schemas.openxmlformats.org/presentationml/2006/main">
   <p:cSld>
     <p:spTree>
@@ -30578,7 +31613,7 @@
 </p:sld>
 </file>
 
-<file path=ppt/slides/slide28.xml><?xml version="1.0" encoding="utf-8"?>
+<file path=ppt/slides/slide29.xml><?xml version="1.0" encoding="utf-8"?>
 <p:sld xmlns:a="http://schemas.openxmlformats.org/drawingml/2006/main" xmlns:r="http://schemas.openxmlformats.org/officeDocument/2006/relationships" xmlns:p="http://schemas.openxmlformats.org/presentationml/2006/main" show="0">
   <p:cSld>
     <p:bg>
@@ -31379,7 +32414,692 @@
 </p:sld>
 </file>
 
-<file path=ppt/slides/slide29.xml><?xml version="1.0" encoding="utf-8"?>
+<file path=ppt/slides/slide3.xml><?xml version="1.0" encoding="utf-8"?>
+<p:sld xmlns:a="http://schemas.openxmlformats.org/drawingml/2006/main" xmlns:r="http://schemas.openxmlformats.org/officeDocument/2006/relationships" xmlns:p="http://schemas.openxmlformats.org/presentationml/2006/main">
+  <p:cSld>
+    <p:bg>
+      <p:bgPr>
+        <a:solidFill>
+          <a:schemeClr val="bg1"/>
+        </a:solidFill>
+        <a:effectLst/>
+      </p:bgPr>
+    </p:bg>
+    <p:spTree>
+      <p:nvGrpSpPr>
+        <p:cNvPr id="1" name=""/>
+        <p:cNvGrpSpPr/>
+        <p:nvPr/>
+      </p:nvGrpSpPr>
+      <p:grpSpPr>
+        <a:xfrm>
+          <a:off x="0" y="0"/>
+          <a:ext cx="0" cy="0"/>
+          <a:chOff x="0" y="0"/>
+          <a:chExt cx="0" cy="0"/>
+        </a:xfrm>
+      </p:grpSpPr>
+      <p:sp useBgFill="1">
+        <p:nvSpPr>
+          <p:cNvPr id="9" name="Rectangle 8">
+            <a:extLst>
+              <a:ext uri="{FF2B5EF4-FFF2-40B4-BE49-F238E27FC236}">
+                <a16:creationId xmlns:a16="http://schemas.microsoft.com/office/drawing/2014/main" id="{2C61293E-6EBE-43EF-A52C-9BEBFD7679D4}"/>
+              </a:ext>
+              <a:ext uri="{C183D7F6-B498-43B3-948B-1728B52AA6E4}">
+                <adec:decorative xmlns:adec="http://schemas.microsoft.com/office/drawing/2017/decorative" val="1"/>
+              </a:ext>
+            </a:extLst>
+          </p:cNvPr>
+          <p:cNvSpPr>
+            <a:spLocks noGrp="1" noRot="1" noChangeAspect="1" noMove="1" noResize="1" noEditPoints="1" noAdjustHandles="1" noChangeArrowheads="1" noChangeShapeType="1" noTextEdit="1"/>
+          </p:cNvSpPr>
+          <p:nvPr>
+            <p:extLst>
+              <p:ext uri="{386F3935-93C4-4BCD-93E2-E3B085C9AB24}">
+                <p16:designElem xmlns:p16="http://schemas.microsoft.com/office/powerpoint/2015/main" val="1"/>
+              </p:ext>
+            </p:extLst>
+          </p:nvPr>
+        </p:nvSpPr>
+        <p:spPr>
+          <a:xfrm>
+            <a:off x="0" y="0"/>
+            <a:ext cx="12188952" cy="6858000"/>
+          </a:xfrm>
+          <a:prstGeom prst="rect">
+            <a:avLst/>
+          </a:prstGeom>
+          <a:ln>
+            <a:noFill/>
+          </a:ln>
+        </p:spPr>
+        <p:style>
+          <a:lnRef idx="2">
+            <a:schemeClr val="accent1">
+              <a:shade val="50000"/>
+            </a:schemeClr>
+          </a:lnRef>
+          <a:fillRef idx="1">
+            <a:schemeClr val="accent1"/>
+          </a:fillRef>
+          <a:effectRef idx="0">
+            <a:schemeClr val="accent1"/>
+          </a:effectRef>
+          <a:fontRef idx="minor">
+            <a:schemeClr val="lt1"/>
+          </a:fontRef>
+        </p:style>
+        <p:txBody>
+          <a:bodyPr rtlCol="0" anchor="ctr"/>
+          <a:lstStyle/>
+          <a:p>
+            <a:pPr algn="ctr"/>
+            <a:endParaRPr lang="en-US"/>
+          </a:p>
+        </p:txBody>
+      </p:sp>
+      <p:sp>
+        <p:nvSpPr>
+          <p:cNvPr id="2" name="Title 1">
+            <a:extLst>
+              <a:ext uri="{FF2B5EF4-FFF2-40B4-BE49-F238E27FC236}">
+                <a16:creationId xmlns:a16="http://schemas.microsoft.com/office/drawing/2014/main" id="{F9B34B83-E717-47BB-BBB2-8B0F8368DC9C}"/>
+              </a:ext>
+            </a:extLst>
+          </p:cNvPr>
+          <p:cNvSpPr>
+            <a:spLocks noGrp="1"/>
+          </p:cNvSpPr>
+          <p:nvPr>
+            <p:ph type="title"/>
+          </p:nvPr>
+        </p:nvSpPr>
+        <p:spPr>
+          <a:xfrm>
+            <a:off x="5297762" y="329184"/>
+            <a:ext cx="6251110" cy="1783080"/>
+          </a:xfrm>
+        </p:spPr>
+        <p:txBody>
+          <a:bodyPr anchor="b">
+            <a:normAutofit/>
+          </a:bodyPr>
+          <a:lstStyle/>
+          <a:p>
+            <a:r>
+              <a:rPr lang="en-US" sz="5400"/>
+              <a:t>iClicker Question</a:t>
+            </a:r>
+          </a:p>
+        </p:txBody>
+      </p:sp>
+      <p:pic>
+        <p:nvPicPr>
+          <p:cNvPr id="5" name="Picture 4" descr="Question mark on green pastel background">
+            <a:extLst>
+              <a:ext uri="{FF2B5EF4-FFF2-40B4-BE49-F238E27FC236}">
+                <a16:creationId xmlns:a16="http://schemas.microsoft.com/office/drawing/2014/main" id="{97FEC2B4-6CB1-4585-B6A4-6DBC09E1D1EE}"/>
+              </a:ext>
+            </a:extLst>
+          </p:cNvPr>
+          <p:cNvPicPr>
+            <a:picLocks noChangeAspect="1"/>
+          </p:cNvPicPr>
+          <p:nvPr/>
+        </p:nvPicPr>
+        <p:blipFill rotWithShape="1">
+          <a:blip r:embed="rId3"/>
+          <a:srcRect l="44529" r="4537"/>
+          <a:stretch/>
+        </p:blipFill>
+        <p:spPr>
+          <a:xfrm>
+            <a:off x="1" y="10"/>
+            <a:ext cx="4657344" cy="6857990"/>
+          </a:xfrm>
+          <a:custGeom>
+            <a:avLst/>
+            <a:gdLst/>
+            <a:ahLst/>
+            <a:cxnLst/>
+            <a:rect l="l" t="t" r="r" b="b"/>
+            <a:pathLst>
+              <a:path w="4657344" h="6858000">
+                <a:moveTo>
+                  <a:pt x="0" y="0"/>
+                </a:moveTo>
+                <a:lnTo>
+                  <a:pt x="3429755" y="0"/>
+                </a:lnTo>
+                <a:lnTo>
+                  <a:pt x="3526016" y="148742"/>
+                </a:lnTo>
+                <a:cubicBezTo>
+                  <a:pt x="3657740" y="365513"/>
+                  <a:pt x="3777402" y="589569"/>
+                  <a:pt x="3886489" y="819975"/>
+                </a:cubicBezTo>
+                <a:cubicBezTo>
+                  <a:pt x="3891856" y="833492"/>
+                  <a:pt x="3900663" y="845393"/>
+                  <a:pt x="3912049" y="854514"/>
+                </a:cubicBezTo>
+                <a:cubicBezTo>
+                  <a:pt x="3897352" y="819849"/>
+                  <a:pt x="3883037" y="784928"/>
+                  <a:pt x="3868083" y="750263"/>
+                </a:cubicBezTo>
+                <a:cubicBezTo>
+                  <a:pt x="3806989" y="608712"/>
+                  <a:pt x="3742478" y="469145"/>
+                  <a:pt x="3674155" y="331786"/>
+                </a:cubicBezTo>
+                <a:lnTo>
+                  <a:pt x="3496656" y="0"/>
+                </a:lnTo>
+                <a:lnTo>
+                  <a:pt x="3554371" y="0"/>
+                </a:lnTo>
+                <a:lnTo>
+                  <a:pt x="3661621" y="196614"/>
+                </a:lnTo>
+                <a:cubicBezTo>
+                  <a:pt x="3856899" y="573253"/>
+                  <a:pt x="4021071" y="966066"/>
+                  <a:pt x="4161279" y="1371196"/>
+                </a:cubicBezTo>
+                <a:cubicBezTo>
+                  <a:pt x="4379525" y="2007265"/>
+                  <a:pt x="4530141" y="2664286"/>
+                  <a:pt x="4610660" y="3331516"/>
+                </a:cubicBezTo>
+                <a:cubicBezTo>
+                  <a:pt x="4652837" y="3672965"/>
+                  <a:pt x="4671625" y="4013908"/>
+                  <a:pt x="4645040" y="4357388"/>
+                </a:cubicBezTo>
+                <a:cubicBezTo>
+                  <a:pt x="4613599" y="4758899"/>
+                  <a:pt x="4566181" y="5157998"/>
+                  <a:pt x="4485789" y="5552906"/>
+                </a:cubicBezTo>
+                <a:cubicBezTo>
+                  <a:pt x="4397121" y="5988893"/>
+                  <a:pt x="4276748" y="6414594"/>
+                  <a:pt x="4117769" y="6828295"/>
+                </a:cubicBezTo>
+                <a:lnTo>
+                  <a:pt x="4105288" y="6858000"/>
+                </a:lnTo>
+                <a:lnTo>
+                  <a:pt x="4052520" y="6858000"/>
+                </a:lnTo>
+                <a:lnTo>
+                  <a:pt x="4059369" y="6841549"/>
+                </a:lnTo>
+                <a:cubicBezTo>
+                  <a:pt x="4147276" y="6614016"/>
+                  <a:pt x="4224193" y="6380817"/>
+                  <a:pt x="4291518" y="6142729"/>
+                </a:cubicBezTo>
+                <a:cubicBezTo>
+                  <a:pt x="4350055" y="5935370"/>
+                  <a:pt x="4393256" y="5723695"/>
+                  <a:pt x="4443357" y="5513923"/>
+                </a:cubicBezTo>
+                <a:cubicBezTo>
+                  <a:pt x="4444541" y="5502788"/>
+                  <a:pt x="4445137" y="5491601"/>
+                  <a:pt x="4445146" y="5480401"/>
+                </a:cubicBezTo>
+                <a:cubicBezTo>
+                  <a:pt x="4408465" y="5607635"/>
+                  <a:pt x="4379196" y="5719759"/>
+                  <a:pt x="4344559" y="5830359"/>
+                </a:cubicBezTo>
+                <a:cubicBezTo>
+                  <a:pt x="4254261" y="6118381"/>
+                  <a:pt x="4150112" y="6398531"/>
+                  <a:pt x="4031702" y="6670527"/>
+                </a:cubicBezTo>
+                <a:lnTo>
+                  <a:pt x="3943824" y="6858000"/>
+                </a:lnTo>
+                <a:lnTo>
+                  <a:pt x="0" y="6858000"/>
+                </a:lnTo>
+                <a:close/>
+              </a:path>
+            </a:pathLst>
+          </a:custGeom>
+        </p:spPr>
+      </p:pic>
+      <p:sp>
+        <p:nvSpPr>
+          <p:cNvPr id="11" name="sketchy line">
+            <a:extLst>
+              <a:ext uri="{FF2B5EF4-FFF2-40B4-BE49-F238E27FC236}">
+                <a16:creationId xmlns:a16="http://schemas.microsoft.com/office/drawing/2014/main" id="{21540236-BFD5-4A9D-8840-4703E7F76825}"/>
+              </a:ext>
+              <a:ext uri="{C183D7F6-B498-43B3-948B-1728B52AA6E4}">
+                <adec:decorative xmlns:adec="http://schemas.microsoft.com/office/drawing/2017/decorative" val="1"/>
+              </a:ext>
+            </a:extLst>
+          </p:cNvPr>
+          <p:cNvSpPr>
+            <a:spLocks noGrp="1" noRot="1" noChangeAspect="1" noMove="1" noResize="1" noEditPoints="1" noAdjustHandles="1" noChangeArrowheads="1" noChangeShapeType="1" noTextEdit="1"/>
+          </p:cNvSpPr>
+          <p:nvPr>
+            <p:extLst>
+              <p:ext uri="{386F3935-93C4-4BCD-93E2-E3B085C9AB24}">
+                <p16:designElem xmlns:p16="http://schemas.microsoft.com/office/powerpoint/2015/main" val="1"/>
+              </p:ext>
+            </p:extLst>
+          </p:nvPr>
+        </p:nvSpPr>
+        <p:spPr>
+          <a:xfrm>
+            <a:off x="5297762" y="2374947"/>
+            <a:ext cx="4243589" cy="18288"/>
+          </a:xfrm>
+          <a:custGeom>
+            <a:avLst/>
+            <a:gdLst>
+              <a:gd name="connsiteX0" fmla="*/ 0 w 4243589"/>
+              <a:gd name="connsiteY0" fmla="*/ 0 h 18288"/>
+              <a:gd name="connsiteX1" fmla="*/ 478919 w 4243589"/>
+              <a:gd name="connsiteY1" fmla="*/ 0 h 18288"/>
+              <a:gd name="connsiteX2" fmla="*/ 957839 w 4243589"/>
+              <a:gd name="connsiteY2" fmla="*/ 0 h 18288"/>
+              <a:gd name="connsiteX3" fmla="*/ 1521630 w 4243589"/>
+              <a:gd name="connsiteY3" fmla="*/ 0 h 18288"/>
+              <a:gd name="connsiteX4" fmla="*/ 2212729 w 4243589"/>
+              <a:gd name="connsiteY4" fmla="*/ 0 h 18288"/>
+              <a:gd name="connsiteX5" fmla="*/ 2734084 w 4243589"/>
+              <a:gd name="connsiteY5" fmla="*/ 0 h 18288"/>
+              <a:gd name="connsiteX6" fmla="*/ 3255439 w 4243589"/>
+              <a:gd name="connsiteY6" fmla="*/ 0 h 18288"/>
+              <a:gd name="connsiteX7" fmla="*/ 4243589 w 4243589"/>
+              <a:gd name="connsiteY7" fmla="*/ 0 h 18288"/>
+              <a:gd name="connsiteX8" fmla="*/ 4243589 w 4243589"/>
+              <a:gd name="connsiteY8" fmla="*/ 18288 h 18288"/>
+              <a:gd name="connsiteX9" fmla="*/ 3594926 w 4243589"/>
+              <a:gd name="connsiteY9" fmla="*/ 18288 h 18288"/>
+              <a:gd name="connsiteX10" fmla="*/ 3073571 w 4243589"/>
+              <a:gd name="connsiteY10" fmla="*/ 18288 h 18288"/>
+              <a:gd name="connsiteX11" fmla="*/ 2552216 w 4243589"/>
+              <a:gd name="connsiteY11" fmla="*/ 18288 h 18288"/>
+              <a:gd name="connsiteX12" fmla="*/ 1903553 w 4243589"/>
+              <a:gd name="connsiteY12" fmla="*/ 18288 h 18288"/>
+              <a:gd name="connsiteX13" fmla="*/ 1212454 w 4243589"/>
+              <a:gd name="connsiteY13" fmla="*/ 18288 h 18288"/>
+              <a:gd name="connsiteX14" fmla="*/ 733535 w 4243589"/>
+              <a:gd name="connsiteY14" fmla="*/ 18288 h 18288"/>
+              <a:gd name="connsiteX15" fmla="*/ 0 w 4243589"/>
+              <a:gd name="connsiteY15" fmla="*/ 18288 h 18288"/>
+              <a:gd name="connsiteX16" fmla="*/ 0 w 4243589"/>
+              <a:gd name="connsiteY16" fmla="*/ 0 h 18288"/>
+            </a:gdLst>
+            <a:ahLst/>
+            <a:cxnLst>
+              <a:cxn ang="0">
+                <a:pos x="connsiteX0" y="connsiteY0"/>
+              </a:cxn>
+              <a:cxn ang="0">
+                <a:pos x="connsiteX1" y="connsiteY1"/>
+              </a:cxn>
+              <a:cxn ang="0">
+                <a:pos x="connsiteX2" y="connsiteY2"/>
+              </a:cxn>
+              <a:cxn ang="0">
+                <a:pos x="connsiteX3" y="connsiteY3"/>
+              </a:cxn>
+              <a:cxn ang="0">
+                <a:pos x="connsiteX4" y="connsiteY4"/>
+              </a:cxn>
+              <a:cxn ang="0">
+                <a:pos x="connsiteX5" y="connsiteY5"/>
+              </a:cxn>
+              <a:cxn ang="0">
+                <a:pos x="connsiteX6" y="connsiteY6"/>
+              </a:cxn>
+              <a:cxn ang="0">
+                <a:pos x="connsiteX7" y="connsiteY7"/>
+              </a:cxn>
+              <a:cxn ang="0">
+                <a:pos x="connsiteX8" y="connsiteY8"/>
+              </a:cxn>
+              <a:cxn ang="0">
+                <a:pos x="connsiteX9" y="connsiteY9"/>
+              </a:cxn>
+              <a:cxn ang="0">
+                <a:pos x="connsiteX10" y="connsiteY10"/>
+              </a:cxn>
+              <a:cxn ang="0">
+                <a:pos x="connsiteX11" y="connsiteY11"/>
+              </a:cxn>
+              <a:cxn ang="0">
+                <a:pos x="connsiteX12" y="connsiteY12"/>
+              </a:cxn>
+              <a:cxn ang="0">
+                <a:pos x="connsiteX13" y="connsiteY13"/>
+              </a:cxn>
+              <a:cxn ang="0">
+                <a:pos x="connsiteX14" y="connsiteY14"/>
+              </a:cxn>
+              <a:cxn ang="0">
+                <a:pos x="connsiteX15" y="connsiteY15"/>
+              </a:cxn>
+              <a:cxn ang="0">
+                <a:pos x="connsiteX16" y="connsiteY16"/>
+              </a:cxn>
+            </a:cxnLst>
+            <a:rect l="l" t="t" r="r" b="b"/>
+            <a:pathLst>
+              <a:path w="4243589" h="18288" fill="none" extrusionOk="0">
+                <a:moveTo>
+                  <a:pt x="0" y="0"/>
+                </a:moveTo>
+                <a:cubicBezTo>
+                  <a:pt x="213395" y="-21006"/>
+                  <a:pt x="307421" y="-18116"/>
+                  <a:pt x="478919" y="0"/>
+                </a:cubicBezTo>
+                <a:cubicBezTo>
+                  <a:pt x="650417" y="18116"/>
+                  <a:pt x="831092" y="-21237"/>
+                  <a:pt x="957839" y="0"/>
+                </a:cubicBezTo>
+                <a:cubicBezTo>
+                  <a:pt x="1084586" y="21237"/>
+                  <a:pt x="1301682" y="25124"/>
+                  <a:pt x="1521630" y="0"/>
+                </a:cubicBezTo>
+                <a:cubicBezTo>
+                  <a:pt x="1741578" y="-25124"/>
+                  <a:pt x="1970269" y="-29139"/>
+                  <a:pt x="2212729" y="0"/>
+                </a:cubicBezTo>
+                <a:cubicBezTo>
+                  <a:pt x="2455189" y="29139"/>
+                  <a:pt x="2558847" y="-4796"/>
+                  <a:pt x="2734084" y="0"/>
+                </a:cubicBezTo>
+                <a:cubicBezTo>
+                  <a:pt x="2909321" y="4796"/>
+                  <a:pt x="3097217" y="-13409"/>
+                  <a:pt x="3255439" y="0"/>
+                </a:cubicBezTo>
+                <a:cubicBezTo>
+                  <a:pt x="3413662" y="13409"/>
+                  <a:pt x="3979999" y="-10121"/>
+                  <a:pt x="4243589" y="0"/>
+                </a:cubicBezTo>
+                <a:cubicBezTo>
+                  <a:pt x="4244484" y="8974"/>
+                  <a:pt x="4243043" y="9359"/>
+                  <a:pt x="4243589" y="18288"/>
+                </a:cubicBezTo>
+                <a:cubicBezTo>
+                  <a:pt x="4058777" y="31246"/>
+                  <a:pt x="3910348" y="3158"/>
+                  <a:pt x="3594926" y="18288"/>
+                </a:cubicBezTo>
+                <a:cubicBezTo>
+                  <a:pt x="3279504" y="33418"/>
+                  <a:pt x="3319955" y="-3977"/>
+                  <a:pt x="3073571" y="18288"/>
+                </a:cubicBezTo>
+                <a:cubicBezTo>
+                  <a:pt x="2827187" y="40553"/>
+                  <a:pt x="2767387" y="1863"/>
+                  <a:pt x="2552216" y="18288"/>
+                </a:cubicBezTo>
+                <a:cubicBezTo>
+                  <a:pt x="2337046" y="34713"/>
+                  <a:pt x="2181871" y="19527"/>
+                  <a:pt x="1903553" y="18288"/>
+                </a:cubicBezTo>
+                <a:cubicBezTo>
+                  <a:pt x="1625235" y="17049"/>
+                  <a:pt x="1557672" y="24174"/>
+                  <a:pt x="1212454" y="18288"/>
+                </a:cubicBezTo>
+                <a:cubicBezTo>
+                  <a:pt x="867236" y="12402"/>
+                  <a:pt x="874382" y="15627"/>
+                  <a:pt x="733535" y="18288"/>
+                </a:cubicBezTo>
+                <a:cubicBezTo>
+                  <a:pt x="592688" y="20949"/>
+                  <a:pt x="183477" y="14753"/>
+                  <a:pt x="0" y="18288"/>
+                </a:cubicBezTo>
+                <a:cubicBezTo>
+                  <a:pt x="-229" y="14222"/>
+                  <a:pt x="509" y="5816"/>
+                  <a:pt x="0" y="0"/>
+                </a:cubicBezTo>
+                <a:close/>
+              </a:path>
+              <a:path w="4243589" h="18288" stroke="0" extrusionOk="0">
+                <a:moveTo>
+                  <a:pt x="0" y="0"/>
+                </a:moveTo>
+                <a:cubicBezTo>
+                  <a:pt x="143690" y="16630"/>
+                  <a:pt x="266667" y="14847"/>
+                  <a:pt x="521355" y="0"/>
+                </a:cubicBezTo>
+                <a:cubicBezTo>
+                  <a:pt x="776043" y="-14847"/>
+                  <a:pt x="814491" y="-17363"/>
+                  <a:pt x="1000275" y="0"/>
+                </a:cubicBezTo>
+                <a:cubicBezTo>
+                  <a:pt x="1186059" y="17363"/>
+                  <a:pt x="1352504" y="-23507"/>
+                  <a:pt x="1521630" y="0"/>
+                </a:cubicBezTo>
+                <a:cubicBezTo>
+                  <a:pt x="1690756" y="23507"/>
+                  <a:pt x="1889525" y="5871"/>
+                  <a:pt x="2127857" y="0"/>
+                </a:cubicBezTo>
+                <a:cubicBezTo>
+                  <a:pt x="2366189" y="-5871"/>
+                  <a:pt x="2620628" y="-27997"/>
+                  <a:pt x="2776520" y="0"/>
+                </a:cubicBezTo>
+                <a:cubicBezTo>
+                  <a:pt x="2932412" y="27997"/>
+                  <a:pt x="3131683" y="-25073"/>
+                  <a:pt x="3467618" y="0"/>
+                </a:cubicBezTo>
+                <a:cubicBezTo>
+                  <a:pt x="3803553" y="25073"/>
+                  <a:pt x="4017371" y="3071"/>
+                  <a:pt x="4243589" y="0"/>
+                </a:cubicBezTo>
+                <a:cubicBezTo>
+                  <a:pt x="4243134" y="6162"/>
+                  <a:pt x="4243492" y="11775"/>
+                  <a:pt x="4243589" y="18288"/>
+                </a:cubicBezTo>
+                <a:cubicBezTo>
+                  <a:pt x="4017834" y="-5779"/>
+                  <a:pt x="3834586" y="13376"/>
+                  <a:pt x="3594926" y="18288"/>
+                </a:cubicBezTo>
+                <a:cubicBezTo>
+                  <a:pt x="3355266" y="23200"/>
+                  <a:pt x="3204179" y="2869"/>
+                  <a:pt x="2903827" y="18288"/>
+                </a:cubicBezTo>
+                <a:cubicBezTo>
+                  <a:pt x="2603475" y="33707"/>
+                  <a:pt x="2526187" y="46187"/>
+                  <a:pt x="2212729" y="18288"/>
+                </a:cubicBezTo>
+                <a:cubicBezTo>
+                  <a:pt x="1899271" y="-9611"/>
+                  <a:pt x="1966289" y="29692"/>
+                  <a:pt x="1733809" y="18288"/>
+                </a:cubicBezTo>
+                <a:cubicBezTo>
+                  <a:pt x="1501329" y="6884"/>
+                  <a:pt x="1343612" y="12492"/>
+                  <a:pt x="1085146" y="18288"/>
+                </a:cubicBezTo>
+                <a:cubicBezTo>
+                  <a:pt x="826680" y="24084"/>
+                  <a:pt x="778184" y="35607"/>
+                  <a:pt x="521355" y="18288"/>
+                </a:cubicBezTo>
+                <a:cubicBezTo>
+                  <a:pt x="264526" y="969"/>
+                  <a:pt x="120277" y="4268"/>
+                  <a:pt x="0" y="18288"/>
+                </a:cubicBezTo>
+                <a:cubicBezTo>
+                  <a:pt x="766" y="10800"/>
+                  <a:pt x="-457" y="8180"/>
+                  <a:pt x="0" y="0"/>
+                </a:cubicBezTo>
+                <a:close/>
+              </a:path>
+            </a:pathLst>
+          </a:custGeom>
+          <a:solidFill>
+            <a:schemeClr val="accent2"/>
+          </a:solidFill>
+          <a:ln w="44450" cap="rnd">
+            <a:solidFill>
+              <a:schemeClr val="accent2"/>
+            </a:solidFill>
+            <a:round/>
+            <a:extLst>
+              <a:ext uri="{C807C97D-BFC1-408E-A445-0C87EB9F89A2}">
+                <ask:lineSketchStyleProps xmlns:ask="http://schemas.microsoft.com/office/drawing/2018/sketchyshapes" sd="2727557108">
+                  <a:prstGeom prst="rect">
+                    <a:avLst/>
+                  </a:prstGeom>
+                  <ask:type>
+                    <ask:lineSketchFreehand/>
+                  </ask:type>
+                </ask:lineSketchStyleProps>
+              </a:ext>
+            </a:extLst>
+          </a:ln>
+        </p:spPr>
+        <p:style>
+          <a:lnRef idx="2">
+            <a:schemeClr val="accent1">
+              <a:shade val="50000"/>
+            </a:schemeClr>
+          </a:lnRef>
+          <a:fillRef idx="1">
+            <a:schemeClr val="accent1"/>
+          </a:fillRef>
+          <a:effectRef idx="0">
+            <a:schemeClr val="accent1"/>
+          </a:effectRef>
+          <a:fontRef idx="minor">
+            <a:schemeClr val="lt1"/>
+          </a:fontRef>
+        </p:style>
+        <p:txBody>
+          <a:bodyPr rtlCol="0" anchor="ctr"/>
+          <a:lstStyle/>
+          <a:p>
+            <a:pPr algn="ctr"/>
+            <a:endParaRPr lang="en-US"/>
+          </a:p>
+        </p:txBody>
+      </p:sp>
+      <p:sp>
+        <p:nvSpPr>
+          <p:cNvPr id="3" name="Content Placeholder 2">
+            <a:extLst>
+              <a:ext uri="{FF2B5EF4-FFF2-40B4-BE49-F238E27FC236}">
+                <a16:creationId xmlns:a16="http://schemas.microsoft.com/office/drawing/2014/main" id="{2ADFCD0F-7DFA-4F6D-99F6-272EFCCBC541}"/>
+              </a:ext>
+            </a:extLst>
+          </p:cNvPr>
+          <p:cNvSpPr>
+            <a:spLocks noGrp="1"/>
+          </p:cNvSpPr>
+          <p:nvPr>
+            <p:ph idx="1"/>
+          </p:nvPr>
+        </p:nvSpPr>
+        <p:spPr>
+          <a:xfrm>
+            <a:off x="5297762" y="2706624"/>
+            <a:ext cx="6251110" cy="3483864"/>
+          </a:xfrm>
+        </p:spPr>
+        <p:txBody>
+          <a:bodyPr>
+            <a:normAutofit/>
+          </a:bodyPr>
+          <a:lstStyle/>
+          <a:p>
+            <a:pPr marL="0" indent="0">
+              <a:buNone/>
+            </a:pPr>
+            <a:r>
+              <a:rPr lang="en-US" sz="2200" dirty="0"/>
+              <a:t>Why do we need to care about the F-test before implementing the 2-sample independent t-test?</a:t>
+            </a:r>
+          </a:p>
+          <a:p>
+            <a:pPr marL="514350" indent="-514350">
+              <a:buFont typeface="+mj-lt"/>
+              <a:buAutoNum type="alphaUcPeriod"/>
+            </a:pPr>
+            <a:r>
+              <a:rPr lang="en-US" sz="2200" dirty="0"/>
+              <a:t>Because we want to make sure the two variables’ variances are similar </a:t>
+            </a:r>
+          </a:p>
+          <a:p>
+            <a:pPr marL="514350" indent="-514350">
+              <a:buFont typeface="+mj-lt"/>
+              <a:buAutoNum type="alphaUcPeriod"/>
+            </a:pPr>
+            <a:r>
+              <a:rPr lang="en-US" sz="2200" dirty="0"/>
+              <a:t>Because we want to make sure the shape of the two distributions (of the two variables) are similar </a:t>
+            </a:r>
+          </a:p>
+          <a:p>
+            <a:pPr marL="514350" indent="-514350">
+              <a:buFont typeface="+mj-lt"/>
+              <a:buAutoNum type="alphaUcPeriod"/>
+            </a:pPr>
+            <a:r>
+              <a:rPr lang="en-US" sz="2200" dirty="0"/>
+              <a:t>Both A and B</a:t>
+            </a:r>
+          </a:p>
+        </p:txBody>
+      </p:sp>
+    </p:spTree>
+    <p:extLst>
+      <p:ext uri="{BB962C8B-B14F-4D97-AF65-F5344CB8AC3E}">
+        <p14:creationId xmlns:p14="http://schemas.microsoft.com/office/powerpoint/2010/main" val="1881540102"/>
+      </p:ext>
+    </p:extLst>
+  </p:cSld>
+  <p:clrMapOvr>
+    <a:masterClrMapping/>
+  </p:clrMapOvr>
+</p:sld>
+</file>
+
+<file path=ppt/slides/slide30.xml><?xml version="1.0" encoding="utf-8"?>
 <p:sld xmlns:a="http://schemas.openxmlformats.org/drawingml/2006/main" xmlns:r="http://schemas.openxmlformats.org/officeDocument/2006/relationships" xmlns:p="http://schemas.openxmlformats.org/presentationml/2006/main" show="0">
   <p:cSld>
     <p:bg>
@@ -31937,692 +33657,7 @@
 </p:sld>
 </file>
 
-<file path=ppt/slides/slide3.xml><?xml version="1.0" encoding="utf-8"?>
-<p:sld xmlns:a="http://schemas.openxmlformats.org/drawingml/2006/main" xmlns:r="http://schemas.openxmlformats.org/officeDocument/2006/relationships" xmlns:p="http://schemas.openxmlformats.org/presentationml/2006/main">
-  <p:cSld>
-    <p:bg>
-      <p:bgPr>
-        <a:solidFill>
-          <a:schemeClr val="bg1"/>
-        </a:solidFill>
-        <a:effectLst/>
-      </p:bgPr>
-    </p:bg>
-    <p:spTree>
-      <p:nvGrpSpPr>
-        <p:cNvPr id="1" name=""/>
-        <p:cNvGrpSpPr/>
-        <p:nvPr/>
-      </p:nvGrpSpPr>
-      <p:grpSpPr>
-        <a:xfrm>
-          <a:off x="0" y="0"/>
-          <a:ext cx="0" cy="0"/>
-          <a:chOff x="0" y="0"/>
-          <a:chExt cx="0" cy="0"/>
-        </a:xfrm>
-      </p:grpSpPr>
-      <p:sp useBgFill="1">
-        <p:nvSpPr>
-          <p:cNvPr id="9" name="Rectangle 8">
-            <a:extLst>
-              <a:ext uri="{FF2B5EF4-FFF2-40B4-BE49-F238E27FC236}">
-                <a16:creationId xmlns:a16="http://schemas.microsoft.com/office/drawing/2014/main" id="{2C61293E-6EBE-43EF-A52C-9BEBFD7679D4}"/>
-              </a:ext>
-              <a:ext uri="{C183D7F6-B498-43B3-948B-1728B52AA6E4}">
-                <adec:decorative xmlns:adec="http://schemas.microsoft.com/office/drawing/2017/decorative" val="1"/>
-              </a:ext>
-            </a:extLst>
-          </p:cNvPr>
-          <p:cNvSpPr>
-            <a:spLocks noGrp="1" noRot="1" noChangeAspect="1" noMove="1" noResize="1" noEditPoints="1" noAdjustHandles="1" noChangeArrowheads="1" noChangeShapeType="1" noTextEdit="1"/>
-          </p:cNvSpPr>
-          <p:nvPr>
-            <p:extLst>
-              <p:ext uri="{386F3935-93C4-4BCD-93E2-E3B085C9AB24}">
-                <p16:designElem xmlns:p16="http://schemas.microsoft.com/office/powerpoint/2015/main" val="1"/>
-              </p:ext>
-            </p:extLst>
-          </p:nvPr>
-        </p:nvSpPr>
-        <p:spPr>
-          <a:xfrm>
-            <a:off x="0" y="0"/>
-            <a:ext cx="12188952" cy="6858000"/>
-          </a:xfrm>
-          <a:prstGeom prst="rect">
-            <a:avLst/>
-          </a:prstGeom>
-          <a:ln>
-            <a:noFill/>
-          </a:ln>
-        </p:spPr>
-        <p:style>
-          <a:lnRef idx="2">
-            <a:schemeClr val="accent1">
-              <a:shade val="50000"/>
-            </a:schemeClr>
-          </a:lnRef>
-          <a:fillRef idx="1">
-            <a:schemeClr val="accent1"/>
-          </a:fillRef>
-          <a:effectRef idx="0">
-            <a:schemeClr val="accent1"/>
-          </a:effectRef>
-          <a:fontRef idx="minor">
-            <a:schemeClr val="lt1"/>
-          </a:fontRef>
-        </p:style>
-        <p:txBody>
-          <a:bodyPr rtlCol="0" anchor="ctr"/>
-          <a:lstStyle/>
-          <a:p>
-            <a:pPr algn="ctr"/>
-            <a:endParaRPr lang="en-US"/>
-          </a:p>
-        </p:txBody>
-      </p:sp>
-      <p:sp>
-        <p:nvSpPr>
-          <p:cNvPr id="2" name="Title 1">
-            <a:extLst>
-              <a:ext uri="{FF2B5EF4-FFF2-40B4-BE49-F238E27FC236}">
-                <a16:creationId xmlns:a16="http://schemas.microsoft.com/office/drawing/2014/main" id="{F9B34B83-E717-47BB-BBB2-8B0F8368DC9C}"/>
-              </a:ext>
-            </a:extLst>
-          </p:cNvPr>
-          <p:cNvSpPr>
-            <a:spLocks noGrp="1"/>
-          </p:cNvSpPr>
-          <p:nvPr>
-            <p:ph type="title"/>
-          </p:nvPr>
-        </p:nvSpPr>
-        <p:spPr>
-          <a:xfrm>
-            <a:off x="5297762" y="329184"/>
-            <a:ext cx="6251110" cy="1783080"/>
-          </a:xfrm>
-        </p:spPr>
-        <p:txBody>
-          <a:bodyPr anchor="b">
-            <a:normAutofit/>
-          </a:bodyPr>
-          <a:lstStyle/>
-          <a:p>
-            <a:r>
-              <a:rPr lang="en-US" sz="5400"/>
-              <a:t>iClicker Question</a:t>
-            </a:r>
-          </a:p>
-        </p:txBody>
-      </p:sp>
-      <p:pic>
-        <p:nvPicPr>
-          <p:cNvPr id="5" name="Picture 4" descr="Question mark on green pastel background">
-            <a:extLst>
-              <a:ext uri="{FF2B5EF4-FFF2-40B4-BE49-F238E27FC236}">
-                <a16:creationId xmlns:a16="http://schemas.microsoft.com/office/drawing/2014/main" id="{97FEC2B4-6CB1-4585-B6A4-6DBC09E1D1EE}"/>
-              </a:ext>
-            </a:extLst>
-          </p:cNvPr>
-          <p:cNvPicPr>
-            <a:picLocks noChangeAspect="1"/>
-          </p:cNvPicPr>
-          <p:nvPr/>
-        </p:nvPicPr>
-        <p:blipFill rotWithShape="1">
-          <a:blip r:embed="rId3"/>
-          <a:srcRect l="44529" r="4537"/>
-          <a:stretch/>
-        </p:blipFill>
-        <p:spPr>
-          <a:xfrm>
-            <a:off x="1" y="10"/>
-            <a:ext cx="4657344" cy="6857990"/>
-          </a:xfrm>
-          <a:custGeom>
-            <a:avLst/>
-            <a:gdLst/>
-            <a:ahLst/>
-            <a:cxnLst/>
-            <a:rect l="l" t="t" r="r" b="b"/>
-            <a:pathLst>
-              <a:path w="4657344" h="6858000">
-                <a:moveTo>
-                  <a:pt x="0" y="0"/>
-                </a:moveTo>
-                <a:lnTo>
-                  <a:pt x="3429755" y="0"/>
-                </a:lnTo>
-                <a:lnTo>
-                  <a:pt x="3526016" y="148742"/>
-                </a:lnTo>
-                <a:cubicBezTo>
-                  <a:pt x="3657740" y="365513"/>
-                  <a:pt x="3777402" y="589569"/>
-                  <a:pt x="3886489" y="819975"/>
-                </a:cubicBezTo>
-                <a:cubicBezTo>
-                  <a:pt x="3891856" y="833492"/>
-                  <a:pt x="3900663" y="845393"/>
-                  <a:pt x="3912049" y="854514"/>
-                </a:cubicBezTo>
-                <a:cubicBezTo>
-                  <a:pt x="3897352" y="819849"/>
-                  <a:pt x="3883037" y="784928"/>
-                  <a:pt x="3868083" y="750263"/>
-                </a:cubicBezTo>
-                <a:cubicBezTo>
-                  <a:pt x="3806989" y="608712"/>
-                  <a:pt x="3742478" y="469145"/>
-                  <a:pt x="3674155" y="331786"/>
-                </a:cubicBezTo>
-                <a:lnTo>
-                  <a:pt x="3496656" y="0"/>
-                </a:lnTo>
-                <a:lnTo>
-                  <a:pt x="3554371" y="0"/>
-                </a:lnTo>
-                <a:lnTo>
-                  <a:pt x="3661621" y="196614"/>
-                </a:lnTo>
-                <a:cubicBezTo>
-                  <a:pt x="3856899" y="573253"/>
-                  <a:pt x="4021071" y="966066"/>
-                  <a:pt x="4161279" y="1371196"/>
-                </a:cubicBezTo>
-                <a:cubicBezTo>
-                  <a:pt x="4379525" y="2007265"/>
-                  <a:pt x="4530141" y="2664286"/>
-                  <a:pt x="4610660" y="3331516"/>
-                </a:cubicBezTo>
-                <a:cubicBezTo>
-                  <a:pt x="4652837" y="3672965"/>
-                  <a:pt x="4671625" y="4013908"/>
-                  <a:pt x="4645040" y="4357388"/>
-                </a:cubicBezTo>
-                <a:cubicBezTo>
-                  <a:pt x="4613599" y="4758899"/>
-                  <a:pt x="4566181" y="5157998"/>
-                  <a:pt x="4485789" y="5552906"/>
-                </a:cubicBezTo>
-                <a:cubicBezTo>
-                  <a:pt x="4397121" y="5988893"/>
-                  <a:pt x="4276748" y="6414594"/>
-                  <a:pt x="4117769" y="6828295"/>
-                </a:cubicBezTo>
-                <a:lnTo>
-                  <a:pt x="4105288" y="6858000"/>
-                </a:lnTo>
-                <a:lnTo>
-                  <a:pt x="4052520" y="6858000"/>
-                </a:lnTo>
-                <a:lnTo>
-                  <a:pt x="4059369" y="6841549"/>
-                </a:lnTo>
-                <a:cubicBezTo>
-                  <a:pt x="4147276" y="6614016"/>
-                  <a:pt x="4224193" y="6380817"/>
-                  <a:pt x="4291518" y="6142729"/>
-                </a:cubicBezTo>
-                <a:cubicBezTo>
-                  <a:pt x="4350055" y="5935370"/>
-                  <a:pt x="4393256" y="5723695"/>
-                  <a:pt x="4443357" y="5513923"/>
-                </a:cubicBezTo>
-                <a:cubicBezTo>
-                  <a:pt x="4444541" y="5502788"/>
-                  <a:pt x="4445137" y="5491601"/>
-                  <a:pt x="4445146" y="5480401"/>
-                </a:cubicBezTo>
-                <a:cubicBezTo>
-                  <a:pt x="4408465" y="5607635"/>
-                  <a:pt x="4379196" y="5719759"/>
-                  <a:pt x="4344559" y="5830359"/>
-                </a:cubicBezTo>
-                <a:cubicBezTo>
-                  <a:pt x="4254261" y="6118381"/>
-                  <a:pt x="4150112" y="6398531"/>
-                  <a:pt x="4031702" y="6670527"/>
-                </a:cubicBezTo>
-                <a:lnTo>
-                  <a:pt x="3943824" y="6858000"/>
-                </a:lnTo>
-                <a:lnTo>
-                  <a:pt x="0" y="6858000"/>
-                </a:lnTo>
-                <a:close/>
-              </a:path>
-            </a:pathLst>
-          </a:custGeom>
-        </p:spPr>
-      </p:pic>
-      <p:sp>
-        <p:nvSpPr>
-          <p:cNvPr id="11" name="sketchy line">
-            <a:extLst>
-              <a:ext uri="{FF2B5EF4-FFF2-40B4-BE49-F238E27FC236}">
-                <a16:creationId xmlns:a16="http://schemas.microsoft.com/office/drawing/2014/main" id="{21540236-BFD5-4A9D-8840-4703E7F76825}"/>
-              </a:ext>
-              <a:ext uri="{C183D7F6-B498-43B3-948B-1728B52AA6E4}">
-                <adec:decorative xmlns:adec="http://schemas.microsoft.com/office/drawing/2017/decorative" val="1"/>
-              </a:ext>
-            </a:extLst>
-          </p:cNvPr>
-          <p:cNvSpPr>
-            <a:spLocks noGrp="1" noRot="1" noChangeAspect="1" noMove="1" noResize="1" noEditPoints="1" noAdjustHandles="1" noChangeArrowheads="1" noChangeShapeType="1" noTextEdit="1"/>
-          </p:cNvSpPr>
-          <p:nvPr>
-            <p:extLst>
-              <p:ext uri="{386F3935-93C4-4BCD-93E2-E3B085C9AB24}">
-                <p16:designElem xmlns:p16="http://schemas.microsoft.com/office/powerpoint/2015/main" val="1"/>
-              </p:ext>
-            </p:extLst>
-          </p:nvPr>
-        </p:nvSpPr>
-        <p:spPr>
-          <a:xfrm>
-            <a:off x="5297762" y="2374947"/>
-            <a:ext cx="4243589" cy="18288"/>
-          </a:xfrm>
-          <a:custGeom>
-            <a:avLst/>
-            <a:gdLst>
-              <a:gd name="connsiteX0" fmla="*/ 0 w 4243589"/>
-              <a:gd name="connsiteY0" fmla="*/ 0 h 18288"/>
-              <a:gd name="connsiteX1" fmla="*/ 478919 w 4243589"/>
-              <a:gd name="connsiteY1" fmla="*/ 0 h 18288"/>
-              <a:gd name="connsiteX2" fmla="*/ 957839 w 4243589"/>
-              <a:gd name="connsiteY2" fmla="*/ 0 h 18288"/>
-              <a:gd name="connsiteX3" fmla="*/ 1521630 w 4243589"/>
-              <a:gd name="connsiteY3" fmla="*/ 0 h 18288"/>
-              <a:gd name="connsiteX4" fmla="*/ 2212729 w 4243589"/>
-              <a:gd name="connsiteY4" fmla="*/ 0 h 18288"/>
-              <a:gd name="connsiteX5" fmla="*/ 2734084 w 4243589"/>
-              <a:gd name="connsiteY5" fmla="*/ 0 h 18288"/>
-              <a:gd name="connsiteX6" fmla="*/ 3255439 w 4243589"/>
-              <a:gd name="connsiteY6" fmla="*/ 0 h 18288"/>
-              <a:gd name="connsiteX7" fmla="*/ 4243589 w 4243589"/>
-              <a:gd name="connsiteY7" fmla="*/ 0 h 18288"/>
-              <a:gd name="connsiteX8" fmla="*/ 4243589 w 4243589"/>
-              <a:gd name="connsiteY8" fmla="*/ 18288 h 18288"/>
-              <a:gd name="connsiteX9" fmla="*/ 3594926 w 4243589"/>
-              <a:gd name="connsiteY9" fmla="*/ 18288 h 18288"/>
-              <a:gd name="connsiteX10" fmla="*/ 3073571 w 4243589"/>
-              <a:gd name="connsiteY10" fmla="*/ 18288 h 18288"/>
-              <a:gd name="connsiteX11" fmla="*/ 2552216 w 4243589"/>
-              <a:gd name="connsiteY11" fmla="*/ 18288 h 18288"/>
-              <a:gd name="connsiteX12" fmla="*/ 1903553 w 4243589"/>
-              <a:gd name="connsiteY12" fmla="*/ 18288 h 18288"/>
-              <a:gd name="connsiteX13" fmla="*/ 1212454 w 4243589"/>
-              <a:gd name="connsiteY13" fmla="*/ 18288 h 18288"/>
-              <a:gd name="connsiteX14" fmla="*/ 733535 w 4243589"/>
-              <a:gd name="connsiteY14" fmla="*/ 18288 h 18288"/>
-              <a:gd name="connsiteX15" fmla="*/ 0 w 4243589"/>
-              <a:gd name="connsiteY15" fmla="*/ 18288 h 18288"/>
-              <a:gd name="connsiteX16" fmla="*/ 0 w 4243589"/>
-              <a:gd name="connsiteY16" fmla="*/ 0 h 18288"/>
-            </a:gdLst>
-            <a:ahLst/>
-            <a:cxnLst>
-              <a:cxn ang="0">
-                <a:pos x="connsiteX0" y="connsiteY0"/>
-              </a:cxn>
-              <a:cxn ang="0">
-                <a:pos x="connsiteX1" y="connsiteY1"/>
-              </a:cxn>
-              <a:cxn ang="0">
-                <a:pos x="connsiteX2" y="connsiteY2"/>
-              </a:cxn>
-              <a:cxn ang="0">
-                <a:pos x="connsiteX3" y="connsiteY3"/>
-              </a:cxn>
-              <a:cxn ang="0">
-                <a:pos x="connsiteX4" y="connsiteY4"/>
-              </a:cxn>
-              <a:cxn ang="0">
-                <a:pos x="connsiteX5" y="connsiteY5"/>
-              </a:cxn>
-              <a:cxn ang="0">
-                <a:pos x="connsiteX6" y="connsiteY6"/>
-              </a:cxn>
-              <a:cxn ang="0">
-                <a:pos x="connsiteX7" y="connsiteY7"/>
-              </a:cxn>
-              <a:cxn ang="0">
-                <a:pos x="connsiteX8" y="connsiteY8"/>
-              </a:cxn>
-              <a:cxn ang="0">
-                <a:pos x="connsiteX9" y="connsiteY9"/>
-              </a:cxn>
-              <a:cxn ang="0">
-                <a:pos x="connsiteX10" y="connsiteY10"/>
-              </a:cxn>
-              <a:cxn ang="0">
-                <a:pos x="connsiteX11" y="connsiteY11"/>
-              </a:cxn>
-              <a:cxn ang="0">
-                <a:pos x="connsiteX12" y="connsiteY12"/>
-              </a:cxn>
-              <a:cxn ang="0">
-                <a:pos x="connsiteX13" y="connsiteY13"/>
-              </a:cxn>
-              <a:cxn ang="0">
-                <a:pos x="connsiteX14" y="connsiteY14"/>
-              </a:cxn>
-              <a:cxn ang="0">
-                <a:pos x="connsiteX15" y="connsiteY15"/>
-              </a:cxn>
-              <a:cxn ang="0">
-                <a:pos x="connsiteX16" y="connsiteY16"/>
-              </a:cxn>
-            </a:cxnLst>
-            <a:rect l="l" t="t" r="r" b="b"/>
-            <a:pathLst>
-              <a:path w="4243589" h="18288" fill="none" extrusionOk="0">
-                <a:moveTo>
-                  <a:pt x="0" y="0"/>
-                </a:moveTo>
-                <a:cubicBezTo>
-                  <a:pt x="213395" y="-21006"/>
-                  <a:pt x="307421" y="-18116"/>
-                  <a:pt x="478919" y="0"/>
-                </a:cubicBezTo>
-                <a:cubicBezTo>
-                  <a:pt x="650417" y="18116"/>
-                  <a:pt x="831092" y="-21237"/>
-                  <a:pt x="957839" y="0"/>
-                </a:cubicBezTo>
-                <a:cubicBezTo>
-                  <a:pt x="1084586" y="21237"/>
-                  <a:pt x="1301682" y="25124"/>
-                  <a:pt x="1521630" y="0"/>
-                </a:cubicBezTo>
-                <a:cubicBezTo>
-                  <a:pt x="1741578" y="-25124"/>
-                  <a:pt x="1970269" y="-29139"/>
-                  <a:pt x="2212729" y="0"/>
-                </a:cubicBezTo>
-                <a:cubicBezTo>
-                  <a:pt x="2455189" y="29139"/>
-                  <a:pt x="2558847" y="-4796"/>
-                  <a:pt x="2734084" y="0"/>
-                </a:cubicBezTo>
-                <a:cubicBezTo>
-                  <a:pt x="2909321" y="4796"/>
-                  <a:pt x="3097217" y="-13409"/>
-                  <a:pt x="3255439" y="0"/>
-                </a:cubicBezTo>
-                <a:cubicBezTo>
-                  <a:pt x="3413662" y="13409"/>
-                  <a:pt x="3979999" y="-10121"/>
-                  <a:pt x="4243589" y="0"/>
-                </a:cubicBezTo>
-                <a:cubicBezTo>
-                  <a:pt x="4244484" y="8974"/>
-                  <a:pt x="4243043" y="9359"/>
-                  <a:pt x="4243589" y="18288"/>
-                </a:cubicBezTo>
-                <a:cubicBezTo>
-                  <a:pt x="4058777" y="31246"/>
-                  <a:pt x="3910348" y="3158"/>
-                  <a:pt x="3594926" y="18288"/>
-                </a:cubicBezTo>
-                <a:cubicBezTo>
-                  <a:pt x="3279504" y="33418"/>
-                  <a:pt x="3319955" y="-3977"/>
-                  <a:pt x="3073571" y="18288"/>
-                </a:cubicBezTo>
-                <a:cubicBezTo>
-                  <a:pt x="2827187" y="40553"/>
-                  <a:pt x="2767387" y="1863"/>
-                  <a:pt x="2552216" y="18288"/>
-                </a:cubicBezTo>
-                <a:cubicBezTo>
-                  <a:pt x="2337046" y="34713"/>
-                  <a:pt x="2181871" y="19527"/>
-                  <a:pt x="1903553" y="18288"/>
-                </a:cubicBezTo>
-                <a:cubicBezTo>
-                  <a:pt x="1625235" y="17049"/>
-                  <a:pt x="1557672" y="24174"/>
-                  <a:pt x="1212454" y="18288"/>
-                </a:cubicBezTo>
-                <a:cubicBezTo>
-                  <a:pt x="867236" y="12402"/>
-                  <a:pt x="874382" y="15627"/>
-                  <a:pt x="733535" y="18288"/>
-                </a:cubicBezTo>
-                <a:cubicBezTo>
-                  <a:pt x="592688" y="20949"/>
-                  <a:pt x="183477" y="14753"/>
-                  <a:pt x="0" y="18288"/>
-                </a:cubicBezTo>
-                <a:cubicBezTo>
-                  <a:pt x="-229" y="14222"/>
-                  <a:pt x="509" y="5816"/>
-                  <a:pt x="0" y="0"/>
-                </a:cubicBezTo>
-                <a:close/>
-              </a:path>
-              <a:path w="4243589" h="18288" stroke="0" extrusionOk="0">
-                <a:moveTo>
-                  <a:pt x="0" y="0"/>
-                </a:moveTo>
-                <a:cubicBezTo>
-                  <a:pt x="143690" y="16630"/>
-                  <a:pt x="266667" y="14847"/>
-                  <a:pt x="521355" y="0"/>
-                </a:cubicBezTo>
-                <a:cubicBezTo>
-                  <a:pt x="776043" y="-14847"/>
-                  <a:pt x="814491" y="-17363"/>
-                  <a:pt x="1000275" y="0"/>
-                </a:cubicBezTo>
-                <a:cubicBezTo>
-                  <a:pt x="1186059" y="17363"/>
-                  <a:pt x="1352504" y="-23507"/>
-                  <a:pt x="1521630" y="0"/>
-                </a:cubicBezTo>
-                <a:cubicBezTo>
-                  <a:pt x="1690756" y="23507"/>
-                  <a:pt x="1889525" y="5871"/>
-                  <a:pt x="2127857" y="0"/>
-                </a:cubicBezTo>
-                <a:cubicBezTo>
-                  <a:pt x="2366189" y="-5871"/>
-                  <a:pt x="2620628" y="-27997"/>
-                  <a:pt x="2776520" y="0"/>
-                </a:cubicBezTo>
-                <a:cubicBezTo>
-                  <a:pt x="2932412" y="27997"/>
-                  <a:pt x="3131683" y="-25073"/>
-                  <a:pt x="3467618" y="0"/>
-                </a:cubicBezTo>
-                <a:cubicBezTo>
-                  <a:pt x="3803553" y="25073"/>
-                  <a:pt x="4017371" y="3071"/>
-                  <a:pt x="4243589" y="0"/>
-                </a:cubicBezTo>
-                <a:cubicBezTo>
-                  <a:pt x="4243134" y="6162"/>
-                  <a:pt x="4243492" y="11775"/>
-                  <a:pt x="4243589" y="18288"/>
-                </a:cubicBezTo>
-                <a:cubicBezTo>
-                  <a:pt x="4017834" y="-5779"/>
-                  <a:pt x="3834586" y="13376"/>
-                  <a:pt x="3594926" y="18288"/>
-                </a:cubicBezTo>
-                <a:cubicBezTo>
-                  <a:pt x="3355266" y="23200"/>
-                  <a:pt x="3204179" y="2869"/>
-                  <a:pt x="2903827" y="18288"/>
-                </a:cubicBezTo>
-                <a:cubicBezTo>
-                  <a:pt x="2603475" y="33707"/>
-                  <a:pt x="2526187" y="46187"/>
-                  <a:pt x="2212729" y="18288"/>
-                </a:cubicBezTo>
-                <a:cubicBezTo>
-                  <a:pt x="1899271" y="-9611"/>
-                  <a:pt x="1966289" y="29692"/>
-                  <a:pt x="1733809" y="18288"/>
-                </a:cubicBezTo>
-                <a:cubicBezTo>
-                  <a:pt x="1501329" y="6884"/>
-                  <a:pt x="1343612" y="12492"/>
-                  <a:pt x="1085146" y="18288"/>
-                </a:cubicBezTo>
-                <a:cubicBezTo>
-                  <a:pt x="826680" y="24084"/>
-                  <a:pt x="778184" y="35607"/>
-                  <a:pt x="521355" y="18288"/>
-                </a:cubicBezTo>
-                <a:cubicBezTo>
-                  <a:pt x="264526" y="969"/>
-                  <a:pt x="120277" y="4268"/>
-                  <a:pt x="0" y="18288"/>
-                </a:cubicBezTo>
-                <a:cubicBezTo>
-                  <a:pt x="766" y="10800"/>
-                  <a:pt x="-457" y="8180"/>
-                  <a:pt x="0" y="0"/>
-                </a:cubicBezTo>
-                <a:close/>
-              </a:path>
-            </a:pathLst>
-          </a:custGeom>
-          <a:solidFill>
-            <a:schemeClr val="accent2"/>
-          </a:solidFill>
-          <a:ln w="44450" cap="rnd">
-            <a:solidFill>
-              <a:schemeClr val="accent2"/>
-            </a:solidFill>
-            <a:round/>
-            <a:extLst>
-              <a:ext uri="{C807C97D-BFC1-408E-A445-0C87EB9F89A2}">
-                <ask:lineSketchStyleProps xmlns:ask="http://schemas.microsoft.com/office/drawing/2018/sketchyshapes" sd="2727557108">
-                  <a:prstGeom prst="rect">
-                    <a:avLst/>
-                  </a:prstGeom>
-                  <ask:type>
-                    <ask:lineSketchFreehand/>
-                  </ask:type>
-                </ask:lineSketchStyleProps>
-              </a:ext>
-            </a:extLst>
-          </a:ln>
-        </p:spPr>
-        <p:style>
-          <a:lnRef idx="2">
-            <a:schemeClr val="accent1">
-              <a:shade val="50000"/>
-            </a:schemeClr>
-          </a:lnRef>
-          <a:fillRef idx="1">
-            <a:schemeClr val="accent1"/>
-          </a:fillRef>
-          <a:effectRef idx="0">
-            <a:schemeClr val="accent1"/>
-          </a:effectRef>
-          <a:fontRef idx="minor">
-            <a:schemeClr val="lt1"/>
-          </a:fontRef>
-        </p:style>
-        <p:txBody>
-          <a:bodyPr rtlCol="0" anchor="ctr"/>
-          <a:lstStyle/>
-          <a:p>
-            <a:pPr algn="ctr"/>
-            <a:endParaRPr lang="en-US"/>
-          </a:p>
-        </p:txBody>
-      </p:sp>
-      <p:sp>
-        <p:nvSpPr>
-          <p:cNvPr id="3" name="Content Placeholder 2">
-            <a:extLst>
-              <a:ext uri="{FF2B5EF4-FFF2-40B4-BE49-F238E27FC236}">
-                <a16:creationId xmlns:a16="http://schemas.microsoft.com/office/drawing/2014/main" id="{2ADFCD0F-7DFA-4F6D-99F6-272EFCCBC541}"/>
-              </a:ext>
-            </a:extLst>
-          </p:cNvPr>
-          <p:cNvSpPr>
-            <a:spLocks noGrp="1"/>
-          </p:cNvSpPr>
-          <p:nvPr>
-            <p:ph idx="1"/>
-          </p:nvPr>
-        </p:nvSpPr>
-        <p:spPr>
-          <a:xfrm>
-            <a:off x="5297762" y="2706624"/>
-            <a:ext cx="6251110" cy="3483864"/>
-          </a:xfrm>
-        </p:spPr>
-        <p:txBody>
-          <a:bodyPr>
-            <a:normAutofit/>
-          </a:bodyPr>
-          <a:lstStyle/>
-          <a:p>
-            <a:pPr marL="0" indent="0">
-              <a:buNone/>
-            </a:pPr>
-            <a:r>
-              <a:rPr lang="en-US" sz="2200" dirty="0"/>
-              <a:t>Why do we need to care about the F-test before implementing the 2-sample independent t-test?</a:t>
-            </a:r>
-          </a:p>
-          <a:p>
-            <a:pPr marL="514350" indent="-514350">
-              <a:buFont typeface="+mj-lt"/>
-              <a:buAutoNum type="alphaUcPeriod"/>
-            </a:pPr>
-            <a:r>
-              <a:rPr lang="en-US" sz="2200" dirty="0"/>
-              <a:t>Because we want to make sure the two variables’ variances are similar </a:t>
-            </a:r>
-          </a:p>
-          <a:p>
-            <a:pPr marL="514350" indent="-514350">
-              <a:buFont typeface="+mj-lt"/>
-              <a:buAutoNum type="alphaUcPeriod"/>
-            </a:pPr>
-            <a:r>
-              <a:rPr lang="en-US" sz="2200" dirty="0"/>
-              <a:t>Because we want to make sure the shape of the two distributions (of the two variables) are similar </a:t>
-            </a:r>
-          </a:p>
-          <a:p>
-            <a:pPr marL="514350" indent="-514350">
-              <a:buFont typeface="+mj-lt"/>
-              <a:buAutoNum type="alphaUcPeriod"/>
-            </a:pPr>
-            <a:r>
-              <a:rPr lang="en-US" sz="2200" dirty="0"/>
-              <a:t>Both A and B</a:t>
-            </a:r>
-          </a:p>
-        </p:txBody>
-      </p:sp>
-    </p:spTree>
-    <p:extLst>
-      <p:ext uri="{BB962C8B-B14F-4D97-AF65-F5344CB8AC3E}">
-        <p14:creationId xmlns:p14="http://schemas.microsoft.com/office/powerpoint/2010/main" val="1881540102"/>
-      </p:ext>
-    </p:extLst>
-  </p:cSld>
-  <p:clrMapOvr>
-    <a:masterClrMapping/>
-  </p:clrMapOvr>
-</p:sld>
-</file>
-
-<file path=ppt/slides/slide30.xml><?xml version="1.0" encoding="utf-8"?>
+<file path=ppt/slides/slide31.xml><?xml version="1.0" encoding="utf-8"?>
 <p:sld xmlns:a="http://schemas.openxmlformats.org/drawingml/2006/main" xmlns:r="http://schemas.openxmlformats.org/officeDocument/2006/relationships" xmlns:p="http://schemas.openxmlformats.org/presentationml/2006/main" show="0">
   <p:cSld>
     <p:bg>
@@ -33180,7 +34215,7 @@
 </p:sld>
 </file>
 
-<file path=ppt/slides/slide31.xml><?xml version="1.0" encoding="utf-8"?>
+<file path=ppt/slides/slide32.xml><?xml version="1.0" encoding="utf-8"?>
 <p:sld xmlns:a="http://schemas.openxmlformats.org/drawingml/2006/main" xmlns:r="http://schemas.openxmlformats.org/officeDocument/2006/relationships" xmlns:p="http://schemas.openxmlformats.org/presentationml/2006/main" show="0">
   <p:cSld>
     <p:bg>
@@ -33764,7 +34799,7 @@
 </p:sld>
 </file>
 
-<file path=ppt/slides/slide32.xml><?xml version="1.0" encoding="utf-8"?>
+<file path=ppt/slides/slide33.xml><?xml version="1.0" encoding="utf-8"?>
 <p:sld xmlns:a="http://schemas.openxmlformats.org/drawingml/2006/main" xmlns:r="http://schemas.openxmlformats.org/officeDocument/2006/relationships" xmlns:p="http://schemas.openxmlformats.org/presentationml/2006/main" show="0">
   <p:cSld>
     <p:bg>
@@ -34328,7 +35363,7 @@
 </p:sld>
 </file>
 
-<file path=ppt/slides/slide33.xml><?xml version="1.0" encoding="utf-8"?>
+<file path=ppt/slides/slide34.xml><?xml version="1.0" encoding="utf-8"?>
 <p:sld xmlns:a="http://schemas.openxmlformats.org/drawingml/2006/main" xmlns:r="http://schemas.openxmlformats.org/officeDocument/2006/relationships" xmlns:p="http://schemas.openxmlformats.org/presentationml/2006/main" show="0">
   <p:cSld>
     <p:bg>
@@ -34850,7 +35885,7 @@
 </p:sld>
 </file>
 
-<file path=ppt/slides/slide34.xml><?xml version="1.0" encoding="utf-8"?>
+<file path=ppt/slides/slide35.xml><?xml version="1.0" encoding="utf-8"?>
 <p:sld xmlns:a="http://schemas.openxmlformats.org/drawingml/2006/main" xmlns:r="http://schemas.openxmlformats.org/officeDocument/2006/relationships" xmlns:p="http://schemas.openxmlformats.org/presentationml/2006/main">
   <p:cSld>
     <p:bg>
@@ -35627,7 +36662,7 @@
 </p:sld>
 </file>
 
-<file path=ppt/slides/slide35.xml><?xml version="1.0" encoding="utf-8"?>
+<file path=ppt/slides/slide36.xml><?xml version="1.0" encoding="utf-8"?>
 <p:sld xmlns:a="http://schemas.openxmlformats.org/drawingml/2006/main" xmlns:r="http://schemas.openxmlformats.org/officeDocument/2006/relationships" xmlns:p="http://schemas.openxmlformats.org/presentationml/2006/main">
   <p:cSld>
     <p:bg>
@@ -36141,7 +37176,7 @@
 </p:sld>
 </file>
 
-<file path=ppt/slides/slide36.xml><?xml version="1.0" encoding="utf-8"?>
+<file path=ppt/slides/slide37.xml><?xml version="1.0" encoding="utf-8"?>
 <p:sld xmlns:a="http://schemas.openxmlformats.org/drawingml/2006/main" xmlns:r="http://schemas.openxmlformats.org/officeDocument/2006/relationships" xmlns:p="http://schemas.openxmlformats.org/presentationml/2006/main">
   <p:cSld>
     <p:bg>
@@ -36671,7 +37706,7 @@
                 <a:tabLst/>
                 <a:defRPr/>
               </a:pPr>
-              <a:t>36</a:t>
+              <a:t>37</a:t>
             </a:fld>
             <a:endParaRPr kumimoji="0" lang="en-US" sz="1200" b="0" i="0" u="none" strike="noStrike" kern="1200" cap="none" spc="0" normalizeH="0" baseline="0" noProof="0">
               <a:ln>
@@ -37396,6 +38431,528 @@
 </file>
 
 <file path=ppt/slides/slide5.xml><?xml version="1.0" encoding="utf-8"?>
+<p:sld xmlns:a="http://schemas.openxmlformats.org/drawingml/2006/main" xmlns:r="http://schemas.openxmlformats.org/officeDocument/2006/relationships" xmlns:p="http://schemas.openxmlformats.org/presentationml/2006/main">
+  <p:cSld>
+    <p:bg>
+      <p:bgPr>
+        <a:solidFill>
+          <a:schemeClr val="bg1"/>
+        </a:solidFill>
+        <a:effectLst/>
+      </p:bgPr>
+    </p:bg>
+    <p:spTree>
+      <p:nvGrpSpPr>
+        <p:cNvPr id="1" name=""/>
+        <p:cNvGrpSpPr/>
+        <p:nvPr/>
+      </p:nvGrpSpPr>
+      <p:grpSpPr>
+        <a:xfrm>
+          <a:off x="0" y="0"/>
+          <a:ext cx="0" cy="0"/>
+          <a:chOff x="0" y="0"/>
+          <a:chExt cx="0" cy="0"/>
+        </a:xfrm>
+      </p:grpSpPr>
+      <p:sp useBgFill="1">
+        <p:nvSpPr>
+          <p:cNvPr id="14" name="Rectangle 7">
+            <a:extLst>
+              <a:ext uri="{FF2B5EF4-FFF2-40B4-BE49-F238E27FC236}">
+                <a16:creationId xmlns:a16="http://schemas.microsoft.com/office/drawing/2014/main" id="{B6CDA21F-E7AF-4C75-8395-33F58D5B0E45}"/>
+              </a:ext>
+              <a:ext uri="{C183D7F6-B498-43B3-948B-1728B52AA6E4}">
+                <adec:decorative xmlns:adec="http://schemas.microsoft.com/office/drawing/2017/decorative" val="1"/>
+              </a:ext>
+            </a:extLst>
+          </p:cNvPr>
+          <p:cNvSpPr>
+            <a:spLocks noGrp="1" noRot="1" noChangeAspect="1" noMove="1" noResize="1" noEditPoints="1" noAdjustHandles="1" noChangeArrowheads="1" noChangeShapeType="1" noTextEdit="1"/>
+          </p:cNvSpPr>
+          <p:nvPr>
+            <p:extLst>
+              <p:ext uri="{386F3935-93C4-4BCD-93E2-E3B085C9AB24}">
+                <p16:designElem xmlns:p16="http://schemas.microsoft.com/office/powerpoint/2015/main" val="1"/>
+              </p:ext>
+            </p:extLst>
+          </p:nvPr>
+        </p:nvSpPr>
+        <p:spPr>
+          <a:xfrm>
+            <a:off x="0" y="0"/>
+            <a:ext cx="12191999" cy="6857365"/>
+          </a:xfrm>
+          <a:prstGeom prst="rect">
+            <a:avLst/>
+          </a:prstGeom>
+          <a:ln>
+            <a:noFill/>
+          </a:ln>
+        </p:spPr>
+        <p:style>
+          <a:lnRef idx="2">
+            <a:schemeClr val="accent1">
+              <a:shade val="50000"/>
+            </a:schemeClr>
+          </a:lnRef>
+          <a:fillRef idx="1">
+            <a:schemeClr val="accent1"/>
+          </a:fillRef>
+          <a:effectRef idx="0">
+            <a:schemeClr val="accent1"/>
+          </a:effectRef>
+          <a:fontRef idx="minor">
+            <a:schemeClr val="lt1"/>
+          </a:fontRef>
+        </p:style>
+        <p:txBody>
+          <a:bodyPr rtlCol="0" anchor="ctr"/>
+          <a:lstStyle/>
+          <a:p>
+            <a:pPr algn="ctr"/>
+            <a:endParaRPr lang="en-US"/>
+          </a:p>
+        </p:txBody>
+      </p:sp>
+      <p:grpSp>
+        <p:nvGrpSpPr>
+          <p:cNvPr id="16" name="Group 9">
+            <a:extLst>
+              <a:ext uri="{FF2B5EF4-FFF2-40B4-BE49-F238E27FC236}">
+                <a16:creationId xmlns:a16="http://schemas.microsoft.com/office/drawing/2014/main" id="{AE1C45F0-260A-458C-96ED-C1F6D2151219}"/>
+              </a:ext>
+              <a:ext uri="{C183D7F6-B498-43B3-948B-1728B52AA6E4}">
+                <adec:decorative xmlns:adec="http://schemas.microsoft.com/office/drawing/2017/decorative" val="1"/>
+              </a:ext>
+            </a:extLst>
+          </p:cNvPr>
+          <p:cNvGrpSpPr>
+            <a:grpSpLocks noGrp="1" noUngrp="1" noRot="1" noChangeAspect="1" noMove="1" noResize="1"/>
+          </p:cNvGrpSpPr>
+          <p:nvPr>
+            <p:extLst>
+              <p:ext uri="{386F3935-93C4-4BCD-93E2-E3B085C9AB24}">
+                <p16:designElem xmlns:p16="http://schemas.microsoft.com/office/powerpoint/2015/main" val="1"/>
+              </p:ext>
+            </p:extLst>
+          </p:nvPr>
+        </p:nvGrpSpPr>
+        <p:grpSpPr>
+          <a:xfrm>
+            <a:off x="4" y="1216597"/>
+            <a:ext cx="731521" cy="673460"/>
+            <a:chOff x="3940602" y="308034"/>
+            <a:chExt cx="2116791" cy="3428999"/>
+          </a:xfrm>
+          <a:solidFill>
+            <a:schemeClr val="accent4"/>
+          </a:solidFill>
+        </p:grpSpPr>
+        <p:sp>
+          <p:nvSpPr>
+            <p:cNvPr id="11" name="Rectangle 10">
+              <a:extLst>
+                <a:ext uri="{FF2B5EF4-FFF2-40B4-BE49-F238E27FC236}">
+                  <a16:creationId xmlns:a16="http://schemas.microsoft.com/office/drawing/2014/main" id="{A6604B49-AD5C-4590-B051-06C8222ECD99}"/>
+                </a:ext>
+                <a:ext uri="{C183D7F6-B498-43B3-948B-1728B52AA6E4}">
+                  <adec:decorative xmlns:adec="http://schemas.microsoft.com/office/drawing/2017/decorative" val="1"/>
+                </a:ext>
+              </a:extLst>
+            </p:cNvPr>
+            <p:cNvSpPr/>
+            <p:nvPr>
+              <p:extLst>
+                <p:ext uri="{386F3935-93C4-4BCD-93E2-E3B085C9AB24}">
+                  <p16:designElem xmlns:p16="http://schemas.microsoft.com/office/powerpoint/2015/main" val="1"/>
+                </p:ext>
+              </p:extLst>
+            </p:nvPr>
+          </p:nvSpPr>
+          <p:spPr>
+            <a:xfrm>
+              <a:off x="3940602" y="308034"/>
+              <a:ext cx="566743" cy="3428999"/>
+            </a:xfrm>
+            <a:prstGeom prst="rect">
+              <a:avLst/>
+            </a:prstGeom>
+            <a:grpFill/>
+            <a:ln>
+              <a:noFill/>
+            </a:ln>
+          </p:spPr>
+          <p:style>
+            <a:lnRef idx="2">
+              <a:schemeClr val="accent1">
+                <a:shade val="50000"/>
+              </a:schemeClr>
+            </a:lnRef>
+            <a:fillRef idx="1">
+              <a:schemeClr val="accent1"/>
+            </a:fillRef>
+            <a:effectRef idx="0">
+              <a:schemeClr val="accent1"/>
+            </a:effectRef>
+            <a:fontRef idx="minor">
+              <a:schemeClr val="lt1"/>
+            </a:fontRef>
+          </p:style>
+          <p:txBody>
+            <a:bodyPr rtlCol="0" anchor="ctr"/>
+            <a:lstStyle/>
+            <a:p>
+              <a:pPr algn="ctr"/>
+              <a:endParaRPr lang="en-US"/>
+            </a:p>
+          </p:txBody>
+        </p:sp>
+        <p:sp>
+          <p:nvSpPr>
+            <p:cNvPr id="12" name="Rectangle 11">
+              <a:extLst>
+                <a:ext uri="{FF2B5EF4-FFF2-40B4-BE49-F238E27FC236}">
+                  <a16:creationId xmlns:a16="http://schemas.microsoft.com/office/drawing/2014/main" id="{743ECCAF-29C5-4537-947C-7EA1292463DB}"/>
+                </a:ext>
+                <a:ext uri="{C183D7F6-B498-43B3-948B-1728B52AA6E4}">
+                  <adec:decorative xmlns:adec="http://schemas.microsoft.com/office/drawing/2017/decorative" val="1"/>
+                </a:ext>
+              </a:extLst>
+            </p:cNvPr>
+            <p:cNvSpPr/>
+            <p:nvPr>
+              <p:extLst>
+                <p:ext uri="{386F3935-93C4-4BCD-93E2-E3B085C9AB24}">
+                  <p16:designElem xmlns:p16="http://schemas.microsoft.com/office/powerpoint/2015/main" val="1"/>
+                </p:ext>
+              </p:extLst>
+            </p:nvPr>
+          </p:nvSpPr>
+          <p:spPr>
+            <a:xfrm>
+              <a:off x="4715626" y="308034"/>
+              <a:ext cx="566743" cy="3428999"/>
+            </a:xfrm>
+            <a:prstGeom prst="rect">
+              <a:avLst/>
+            </a:prstGeom>
+            <a:grpFill/>
+            <a:ln>
+              <a:noFill/>
+            </a:ln>
+          </p:spPr>
+          <p:style>
+            <a:lnRef idx="2">
+              <a:schemeClr val="accent1">
+                <a:shade val="50000"/>
+              </a:schemeClr>
+            </a:lnRef>
+            <a:fillRef idx="1">
+              <a:schemeClr val="accent1"/>
+            </a:fillRef>
+            <a:effectRef idx="0">
+              <a:schemeClr val="accent1"/>
+            </a:effectRef>
+            <a:fontRef idx="minor">
+              <a:schemeClr val="lt1"/>
+            </a:fontRef>
+          </p:style>
+          <p:txBody>
+            <a:bodyPr rtlCol="0" anchor="ctr"/>
+            <a:lstStyle/>
+            <a:p>
+              <a:pPr algn="ctr"/>
+              <a:endParaRPr lang="en-US"/>
+            </a:p>
+          </p:txBody>
+        </p:sp>
+        <p:sp>
+          <p:nvSpPr>
+            <p:cNvPr id="13" name="Rectangle 12">
+              <a:extLst>
+                <a:ext uri="{FF2B5EF4-FFF2-40B4-BE49-F238E27FC236}">
+                  <a16:creationId xmlns:a16="http://schemas.microsoft.com/office/drawing/2014/main" id="{ED49787B-8DE6-4467-AD0A-8DECC6E0C2D6}"/>
+                </a:ext>
+                <a:ext uri="{C183D7F6-B498-43B3-948B-1728B52AA6E4}">
+                  <adec:decorative xmlns:adec="http://schemas.microsoft.com/office/drawing/2017/decorative" val="1"/>
+                </a:ext>
+              </a:extLst>
+            </p:cNvPr>
+            <p:cNvSpPr/>
+            <p:nvPr>
+              <p:extLst>
+                <p:ext uri="{386F3935-93C4-4BCD-93E2-E3B085C9AB24}">
+                  <p16:designElem xmlns:p16="http://schemas.microsoft.com/office/powerpoint/2015/main" val="1"/>
+                </p:ext>
+              </p:extLst>
+            </p:nvPr>
+          </p:nvSpPr>
+          <p:spPr>
+            <a:xfrm>
+              <a:off x="5490650" y="308034"/>
+              <a:ext cx="566743" cy="3428999"/>
+            </a:xfrm>
+            <a:prstGeom prst="rect">
+              <a:avLst/>
+            </a:prstGeom>
+            <a:grpFill/>
+            <a:ln>
+              <a:noFill/>
+            </a:ln>
+          </p:spPr>
+          <p:style>
+            <a:lnRef idx="2">
+              <a:schemeClr val="accent1">
+                <a:shade val="50000"/>
+              </a:schemeClr>
+            </a:lnRef>
+            <a:fillRef idx="1">
+              <a:schemeClr val="accent1"/>
+            </a:fillRef>
+            <a:effectRef idx="0">
+              <a:schemeClr val="accent1"/>
+            </a:effectRef>
+            <a:fontRef idx="minor">
+              <a:schemeClr val="lt1"/>
+            </a:fontRef>
+          </p:style>
+          <p:txBody>
+            <a:bodyPr rtlCol="0" anchor="ctr"/>
+            <a:lstStyle/>
+            <a:p>
+              <a:pPr algn="ctr"/>
+              <a:endParaRPr lang="en-US"/>
+            </a:p>
+          </p:txBody>
+        </p:sp>
+      </p:grpSp>
+      <p:sp>
+        <p:nvSpPr>
+          <p:cNvPr id="15" name="Rectangle 14">
+            <a:extLst>
+              <a:ext uri="{FF2B5EF4-FFF2-40B4-BE49-F238E27FC236}">
+                <a16:creationId xmlns:a16="http://schemas.microsoft.com/office/drawing/2014/main" id="{D5B0017B-2ECA-49AF-B397-DC140825DF8D}"/>
+              </a:ext>
+              <a:ext uri="{C183D7F6-B498-43B3-948B-1728B52AA6E4}">
+                <adec:decorative xmlns:adec="http://schemas.microsoft.com/office/drawing/2017/decorative" val="1"/>
+              </a:ext>
+            </a:extLst>
+          </p:cNvPr>
+          <p:cNvSpPr>
+            <a:spLocks noGrp="1" noRot="1" noChangeAspect="1" noMove="1" noResize="1" noEditPoints="1" noAdjustHandles="1" noChangeArrowheads="1" noChangeShapeType="1" noTextEdit="1"/>
+          </p:cNvSpPr>
+          <p:nvPr>
+            <p:extLst>
+              <p:ext uri="{386F3935-93C4-4BCD-93E2-E3B085C9AB24}">
+                <p16:designElem xmlns:p16="http://schemas.microsoft.com/office/powerpoint/2015/main" val="1"/>
+              </p:ext>
+            </p:extLst>
+          </p:nvPr>
+        </p:nvSpPr>
+        <p:spPr>
+          <a:xfrm>
+            <a:off x="640079" y="613954"/>
+            <a:ext cx="10907487" cy="1894116"/>
+          </a:xfrm>
+          <a:prstGeom prst="rect">
+            <a:avLst/>
+          </a:prstGeom>
+          <a:solidFill>
+            <a:schemeClr val="bg1"/>
+          </a:solidFill>
+          <a:ln>
+            <a:noFill/>
+          </a:ln>
+          <a:effectLst>
+            <a:outerShdw blurRad="139700" dist="127000" dir="5400000" algn="t" rotWithShape="0">
+              <a:prstClr val="black">
+                <a:alpha val="15000"/>
+              </a:prstClr>
+            </a:outerShdw>
+          </a:effectLst>
+        </p:spPr>
+        <p:style>
+          <a:lnRef idx="2">
+            <a:schemeClr val="accent1">
+              <a:shade val="50000"/>
+            </a:schemeClr>
+          </a:lnRef>
+          <a:fillRef idx="1">
+            <a:schemeClr val="accent1"/>
+          </a:fillRef>
+          <a:effectRef idx="0">
+            <a:schemeClr val="accent1"/>
+          </a:effectRef>
+          <a:fontRef idx="minor">
+            <a:schemeClr val="lt1"/>
+          </a:fontRef>
+        </p:style>
+        <p:txBody>
+          <a:bodyPr rtlCol="0" anchor="ctr"/>
+          <a:lstStyle/>
+          <a:p>
+            <a:pPr algn="ctr"/>
+            <a:endParaRPr lang="en-US"/>
+          </a:p>
+        </p:txBody>
+      </p:sp>
+      <p:sp>
+        <p:nvSpPr>
+          <p:cNvPr id="2" name="Title 1">
+            <a:extLst>
+              <a:ext uri="{FF2B5EF4-FFF2-40B4-BE49-F238E27FC236}">
+                <a16:creationId xmlns:a16="http://schemas.microsoft.com/office/drawing/2014/main" id="{BB4E78E5-C4DC-4C43-25F7-95C7997D0E51}"/>
+              </a:ext>
+            </a:extLst>
+          </p:cNvPr>
+          <p:cNvSpPr>
+            <a:spLocks noGrp="1"/>
+          </p:cNvSpPr>
+          <p:nvPr>
+            <p:ph type="title"/>
+          </p:nvPr>
+        </p:nvSpPr>
+        <p:spPr>
+          <a:xfrm>
+            <a:off x="1043631" y="809898"/>
+            <a:ext cx="9942716" cy="1554480"/>
+          </a:xfrm>
+        </p:spPr>
+        <p:txBody>
+          <a:bodyPr anchor="ctr">
+            <a:normAutofit/>
+          </a:bodyPr>
+          <a:lstStyle/>
+          <a:p>
+            <a:r>
+              <a:rPr lang="en-US" sz="4800"/>
+              <a:t>Case 7 (Last Case) - Homecare of America (confidence intervals)</a:t>
+            </a:r>
+          </a:p>
+        </p:txBody>
+      </p:sp>
+      <p:sp>
+        <p:nvSpPr>
+          <p:cNvPr id="3" name="Content Placeholder 2">
+            <a:extLst>
+              <a:ext uri="{FF2B5EF4-FFF2-40B4-BE49-F238E27FC236}">
+                <a16:creationId xmlns:a16="http://schemas.microsoft.com/office/drawing/2014/main" id="{3BE648F0-8147-5D89-E19B-D4817EFB72EB}"/>
+              </a:ext>
+            </a:extLst>
+          </p:cNvPr>
+          <p:cNvSpPr>
+            <a:spLocks noGrp="1"/>
+          </p:cNvSpPr>
+          <p:nvPr>
+            <p:ph idx="1"/>
+          </p:nvPr>
+        </p:nvSpPr>
+        <p:spPr>
+          <a:xfrm>
+            <a:off x="1045028" y="3017522"/>
+            <a:ext cx="9941319" cy="3124658"/>
+          </a:xfrm>
+        </p:spPr>
+        <p:txBody>
+          <a:bodyPr anchor="ctr">
+            <a:normAutofit/>
+          </a:bodyPr>
+          <a:lstStyle/>
+          <a:p>
+            <a:r>
+              <a:rPr lang="en-US" sz="1500" dirty="0"/>
+              <a:t>A. Homecare of America is a franchise operation that provides house minders for people when they are out of town. Their services include feeding pets, bringing in newspapers and mail, and generally keeping an eye on things while the homeowner is gone. They gradually expanded their operations to additional cities.</a:t>
+            </a:r>
+          </a:p>
+          <a:p>
+            <a:pPr lvl="1"/>
+            <a:r>
+              <a:rPr lang="en-US" sz="1500" dirty="0"/>
+              <a:t>When determining whether to enter a particular market, the company conducts a survey in that market to find out how many days per year homeowners are out of town. In Scranton, Pennsylvania, a survey of 538 homeowners found that homeowners are out of town, on average, 16.7 days, with a standard deviation of 8.6 days.</a:t>
+            </a:r>
+          </a:p>
+          <a:p>
+            <a:pPr lvl="1"/>
+            <a:r>
+              <a:rPr lang="en-US" sz="1500" dirty="0"/>
+              <a:t>What is the true mean number of days out of town among homeowners in this area? You want to be 99% confident of your results.</a:t>
+            </a:r>
+          </a:p>
+          <a:p>
+            <a:r>
+              <a:rPr lang="en-US" sz="1500" dirty="0"/>
+              <a:t>B. In their surveys, the company also describes their house minding services and measures respondents' intentions to use this service if the company expands to their area. In the survey of Scranton, 6.2% of the people surveyed said they would be likely to use the service. What is the likely utilization rate for this service among the population of homeowners in Scranton? You want to be 95% confident of your results. Carry your work out to 4 decimal places.</a:t>
+            </a:r>
+          </a:p>
+        </p:txBody>
+      </p:sp>
+      <p:cxnSp>
+        <p:nvCxnSpPr>
+          <p:cNvPr id="17" name="Straight Connector 16">
+            <a:extLst>
+              <a:ext uri="{FF2B5EF4-FFF2-40B4-BE49-F238E27FC236}">
+                <a16:creationId xmlns:a16="http://schemas.microsoft.com/office/drawing/2014/main" id="{6CF1BAF6-AD41-4082-B212-8A1F9A2E8779}"/>
+              </a:ext>
+              <a:ext uri="{C183D7F6-B498-43B3-948B-1728B52AA6E4}">
+                <adec:decorative xmlns:adec="http://schemas.microsoft.com/office/drawing/2017/decorative" val="1"/>
+              </a:ext>
+            </a:extLst>
+          </p:cNvPr>
+          <p:cNvCxnSpPr>
+            <a:cxnSpLocks noGrp="1" noRot="1" noChangeAspect="1" noMove="1" noResize="1" noEditPoints="1" noAdjustHandles="1" noChangeArrowheads="1" noChangeShapeType="1"/>
+          </p:cNvCxnSpPr>
+          <p:nvPr>
+            <p:extLst>
+              <p:ext uri="{386F3935-93C4-4BCD-93E2-E3B085C9AB24}">
+                <p16:designElem xmlns:p16="http://schemas.microsoft.com/office/powerpoint/2015/main" val="1"/>
+              </p:ext>
+            </p:extLst>
+          </p:nvPr>
+        </p:nvCxnSpPr>
+        <p:spPr>
+          <a:xfrm flipH="1">
+            <a:off x="838200" y="6485313"/>
+            <a:ext cx="10515600" cy="0"/>
+          </a:xfrm>
+          <a:prstGeom prst="line">
+            <a:avLst/>
+          </a:prstGeom>
+          <a:ln w="57150">
+            <a:solidFill>
+              <a:schemeClr val="accent4"/>
+            </a:solidFill>
+          </a:ln>
+        </p:spPr>
+        <p:style>
+          <a:lnRef idx="1">
+            <a:schemeClr val="accent1"/>
+          </a:lnRef>
+          <a:fillRef idx="0">
+            <a:schemeClr val="accent1"/>
+          </a:fillRef>
+          <a:effectRef idx="0">
+            <a:schemeClr val="accent1"/>
+          </a:effectRef>
+          <a:fontRef idx="minor">
+            <a:schemeClr val="tx1"/>
+          </a:fontRef>
+        </p:style>
+      </p:cxnSp>
+    </p:spTree>
+    <p:extLst>
+      <p:ext uri="{BB962C8B-B14F-4D97-AF65-F5344CB8AC3E}">
+        <p14:creationId xmlns:p14="http://schemas.microsoft.com/office/powerpoint/2010/main" val="957478643"/>
+      </p:ext>
+    </p:extLst>
+  </p:cSld>
+  <p:clrMapOvr>
+    <a:masterClrMapping/>
+  </p:clrMapOvr>
+</p:sld>
+</file>
+
+<file path=ppt/slides/slide6.xml><?xml version="1.0" encoding="utf-8"?>
 <p:sld xmlns:a="http://schemas.openxmlformats.org/drawingml/2006/main" xmlns:r="http://schemas.openxmlformats.org/officeDocument/2006/relationships" xmlns:p="http://schemas.openxmlformats.org/presentationml/2006/main">
   <p:cSld>
     <p:bg>
@@ -38845,7 +40402,7 @@
 </p:sld>
 </file>
 
-<file path=ppt/slides/slide6.xml><?xml version="1.0" encoding="utf-8"?>
+<file path=ppt/slides/slide7.xml><?xml version="1.0" encoding="utf-8"?>
 <p:sld xmlns:a="http://schemas.openxmlformats.org/drawingml/2006/main" xmlns:r="http://schemas.openxmlformats.org/officeDocument/2006/relationships" xmlns:p="http://schemas.openxmlformats.org/presentationml/2006/main">
   <p:cSld>
     <p:bg>
@@ -39622,7 +41179,7 @@
 </p:sld>
 </file>
 
-<file path=ppt/slides/slide7.xml><?xml version="1.0" encoding="utf-8"?>
+<file path=ppt/slides/slide8.xml><?xml version="1.0" encoding="utf-8"?>
 <p:sld xmlns:a="http://schemas.openxmlformats.org/drawingml/2006/main" xmlns:r="http://schemas.openxmlformats.org/officeDocument/2006/relationships" xmlns:p="http://schemas.openxmlformats.org/presentationml/2006/main">
   <p:cSld>
     <p:bg>
@@ -40198,7 +41755,7 @@
 </p:sld>
 </file>
 
-<file path=ppt/slides/slide8.xml><?xml version="1.0" encoding="utf-8"?>
+<file path=ppt/slides/slide9.xml><?xml version="1.0" encoding="utf-8"?>
 <p:sld xmlns:a="http://schemas.openxmlformats.org/drawingml/2006/main" xmlns:r="http://schemas.openxmlformats.org/officeDocument/2006/relationships" xmlns:p="http://schemas.openxmlformats.org/presentationml/2006/main">
   <p:cSld>
     <p:bg>
@@ -40630,447 +42187,6 @@
     <p:extLst>
       <p:ext uri="{BB962C8B-B14F-4D97-AF65-F5344CB8AC3E}">
         <p14:creationId xmlns:p14="http://schemas.microsoft.com/office/powerpoint/2010/main" val="1698956352"/>
-      </p:ext>
-    </p:extLst>
-  </p:cSld>
-  <p:clrMapOvr>
-    <a:masterClrMapping/>
-  </p:clrMapOvr>
-</p:sld>
-</file>
-
-<file path=ppt/slides/slide9.xml><?xml version="1.0" encoding="utf-8"?>
-<p:sld xmlns:a="http://schemas.openxmlformats.org/drawingml/2006/main" xmlns:r="http://schemas.openxmlformats.org/officeDocument/2006/relationships" xmlns:p="http://schemas.openxmlformats.org/presentationml/2006/main">
-  <p:cSld>
-    <p:bg>
-      <p:bgPr>
-        <a:solidFill>
-          <a:schemeClr val="bg1"/>
-        </a:solidFill>
-        <a:effectLst/>
-      </p:bgPr>
-    </p:bg>
-    <p:spTree>
-      <p:nvGrpSpPr>
-        <p:cNvPr id="1" name=""/>
-        <p:cNvGrpSpPr/>
-        <p:nvPr/>
-      </p:nvGrpSpPr>
-      <p:grpSpPr>
-        <a:xfrm>
-          <a:off x="0" y="0"/>
-          <a:ext cx="0" cy="0"/>
-          <a:chOff x="0" y="0"/>
-          <a:chExt cx="0" cy="0"/>
-        </a:xfrm>
-      </p:grpSpPr>
-      <p:sp useBgFill="1">
-        <p:nvSpPr>
-          <p:cNvPr id="9" name="Rectangle 8">
-            <a:extLst>
-              <a:ext uri="{FF2B5EF4-FFF2-40B4-BE49-F238E27FC236}">
-                <a16:creationId xmlns:a16="http://schemas.microsoft.com/office/drawing/2014/main" id="{665DBBEF-238B-476B-96AB-8AAC3224ECEA}"/>
-              </a:ext>
-              <a:ext uri="{C183D7F6-B498-43B3-948B-1728B52AA6E4}">
-                <adec:decorative xmlns:adec="http://schemas.microsoft.com/office/drawing/2017/decorative" val="1"/>
-              </a:ext>
-            </a:extLst>
-          </p:cNvPr>
-          <p:cNvSpPr>
-            <a:spLocks noGrp="1" noRot="1" noChangeAspect="1" noMove="1" noResize="1" noEditPoints="1" noAdjustHandles="1" noChangeArrowheads="1" noChangeShapeType="1" noTextEdit="1"/>
-          </p:cNvSpPr>
-          <p:nvPr>
-            <p:extLst>
-              <p:ext uri="{386F3935-93C4-4BCD-93E2-E3B085C9AB24}">
-                <p16:designElem xmlns:p16="http://schemas.microsoft.com/office/powerpoint/2015/main" val="1"/>
-              </p:ext>
-            </p:extLst>
-          </p:nvPr>
-        </p:nvSpPr>
-        <p:spPr>
-          <a:xfrm>
-            <a:off x="0" y="0"/>
-            <a:ext cx="12192000" cy="6858000"/>
-          </a:xfrm>
-          <a:prstGeom prst="rect">
-            <a:avLst/>
-          </a:prstGeom>
-          <a:ln>
-            <a:noFill/>
-          </a:ln>
-        </p:spPr>
-        <p:style>
-          <a:lnRef idx="2">
-            <a:schemeClr val="accent1">
-              <a:shade val="50000"/>
-            </a:schemeClr>
-          </a:lnRef>
-          <a:fillRef idx="1">
-            <a:schemeClr val="accent1"/>
-          </a:fillRef>
-          <a:effectRef idx="0">
-            <a:schemeClr val="accent1"/>
-          </a:effectRef>
-          <a:fontRef idx="minor">
-            <a:schemeClr val="lt1"/>
-          </a:fontRef>
-        </p:style>
-        <p:txBody>
-          <a:bodyPr rtlCol="0" anchor="ctr"/>
-          <a:lstStyle/>
-          <a:p>
-            <a:pPr algn="ctr"/>
-            <a:endParaRPr lang="en-US"/>
-          </a:p>
-        </p:txBody>
-      </p:sp>
-      <p:sp>
-        <p:nvSpPr>
-          <p:cNvPr id="2" name="Title 1">
-            <a:extLst>
-              <a:ext uri="{FF2B5EF4-FFF2-40B4-BE49-F238E27FC236}">
-                <a16:creationId xmlns:a16="http://schemas.microsoft.com/office/drawing/2014/main" id="{85C0FAF8-3E14-4241-A057-7A38139984FB}"/>
-              </a:ext>
-            </a:extLst>
-          </p:cNvPr>
-          <p:cNvSpPr>
-            <a:spLocks noGrp="1"/>
-          </p:cNvSpPr>
-          <p:nvPr>
-            <p:ph type="title"/>
-          </p:nvPr>
-        </p:nvSpPr>
-        <p:spPr>
-          <a:xfrm>
-            <a:off x="638882" y="639193"/>
-            <a:ext cx="3571810" cy="3573516"/>
-          </a:xfrm>
-        </p:spPr>
-        <p:txBody>
-          <a:bodyPr vert="horz" lIns="91440" tIns="45720" rIns="91440" bIns="45720" rtlCol="0" anchor="b">
-            <a:normAutofit/>
-          </a:bodyPr>
-          <a:lstStyle/>
-          <a:p>
-            <a:r>
-              <a:rPr lang="en-US" sz="5600" kern="1200">
-                <a:solidFill>
-                  <a:schemeClr val="tx1"/>
-                </a:solidFill>
-                <a:latin typeface="+mj-lt"/>
-                <a:ea typeface="+mj-ea"/>
-                <a:cs typeface="+mj-cs"/>
-              </a:rPr>
-              <a:t>Scatterplot</a:t>
-            </a:r>
-          </a:p>
-        </p:txBody>
-      </p:sp>
-      <p:sp>
-        <p:nvSpPr>
-          <p:cNvPr id="11" name="sketch line">
-            <a:extLst>
-              <a:ext uri="{FF2B5EF4-FFF2-40B4-BE49-F238E27FC236}">
-                <a16:creationId xmlns:a16="http://schemas.microsoft.com/office/drawing/2014/main" id="{3FCFB1DE-0B7E-48CC-BA90-B2AB0889F9D6}"/>
-              </a:ext>
-              <a:ext uri="{C183D7F6-B498-43B3-948B-1728B52AA6E4}">
-                <adec:decorative xmlns:adec="http://schemas.microsoft.com/office/drawing/2017/decorative" val="1"/>
-              </a:ext>
-            </a:extLst>
-          </p:cNvPr>
-          <p:cNvSpPr>
-            <a:spLocks noGrp="1" noRot="1" noChangeAspect="1" noMove="1" noResize="1" noEditPoints="1" noAdjustHandles="1" noChangeArrowheads="1" noChangeShapeType="1" noTextEdit="1"/>
-          </p:cNvSpPr>
-          <p:nvPr>
-            <p:extLst>
-              <p:ext uri="{386F3935-93C4-4BCD-93E2-E3B085C9AB24}">
-                <p16:designElem xmlns:p16="http://schemas.microsoft.com/office/powerpoint/2015/main" val="1"/>
-              </p:ext>
-            </p:extLst>
-          </p:nvPr>
-        </p:nvSpPr>
-        <p:spPr>
-          <a:xfrm>
-            <a:off x="643278" y="4409267"/>
-            <a:ext cx="3255095" cy="18288"/>
-          </a:xfrm>
-          <a:custGeom>
-            <a:avLst/>
-            <a:gdLst>
-              <a:gd name="connsiteX0" fmla="*/ 0 w 3255095"/>
-              <a:gd name="connsiteY0" fmla="*/ 0 h 18288"/>
-              <a:gd name="connsiteX1" fmla="*/ 618468 w 3255095"/>
-              <a:gd name="connsiteY1" fmla="*/ 0 h 18288"/>
-              <a:gd name="connsiteX2" fmla="*/ 1269487 w 3255095"/>
-              <a:gd name="connsiteY2" fmla="*/ 0 h 18288"/>
-              <a:gd name="connsiteX3" fmla="*/ 1953057 w 3255095"/>
-              <a:gd name="connsiteY3" fmla="*/ 0 h 18288"/>
-              <a:gd name="connsiteX4" fmla="*/ 2636627 w 3255095"/>
-              <a:gd name="connsiteY4" fmla="*/ 0 h 18288"/>
-              <a:gd name="connsiteX5" fmla="*/ 3255095 w 3255095"/>
-              <a:gd name="connsiteY5" fmla="*/ 0 h 18288"/>
-              <a:gd name="connsiteX6" fmla="*/ 3255095 w 3255095"/>
-              <a:gd name="connsiteY6" fmla="*/ 18288 h 18288"/>
-              <a:gd name="connsiteX7" fmla="*/ 2538974 w 3255095"/>
-              <a:gd name="connsiteY7" fmla="*/ 18288 h 18288"/>
-              <a:gd name="connsiteX8" fmla="*/ 1822853 w 3255095"/>
-              <a:gd name="connsiteY8" fmla="*/ 18288 h 18288"/>
-              <a:gd name="connsiteX9" fmla="*/ 1171834 w 3255095"/>
-              <a:gd name="connsiteY9" fmla="*/ 18288 h 18288"/>
-              <a:gd name="connsiteX10" fmla="*/ 0 w 3255095"/>
-              <a:gd name="connsiteY10" fmla="*/ 18288 h 18288"/>
-              <a:gd name="connsiteX11" fmla="*/ 0 w 3255095"/>
-              <a:gd name="connsiteY11" fmla="*/ 0 h 18288"/>
-            </a:gdLst>
-            <a:ahLst/>
-            <a:cxnLst>
-              <a:cxn ang="0">
-                <a:pos x="connsiteX0" y="connsiteY0"/>
-              </a:cxn>
-              <a:cxn ang="0">
-                <a:pos x="connsiteX1" y="connsiteY1"/>
-              </a:cxn>
-              <a:cxn ang="0">
-                <a:pos x="connsiteX2" y="connsiteY2"/>
-              </a:cxn>
-              <a:cxn ang="0">
-                <a:pos x="connsiteX3" y="connsiteY3"/>
-              </a:cxn>
-              <a:cxn ang="0">
-                <a:pos x="connsiteX4" y="connsiteY4"/>
-              </a:cxn>
-              <a:cxn ang="0">
-                <a:pos x="connsiteX5" y="connsiteY5"/>
-              </a:cxn>
-              <a:cxn ang="0">
-                <a:pos x="connsiteX6" y="connsiteY6"/>
-              </a:cxn>
-              <a:cxn ang="0">
-                <a:pos x="connsiteX7" y="connsiteY7"/>
-              </a:cxn>
-              <a:cxn ang="0">
-                <a:pos x="connsiteX8" y="connsiteY8"/>
-              </a:cxn>
-              <a:cxn ang="0">
-                <a:pos x="connsiteX9" y="connsiteY9"/>
-              </a:cxn>
-              <a:cxn ang="0">
-                <a:pos x="connsiteX10" y="connsiteY10"/>
-              </a:cxn>
-              <a:cxn ang="0">
-                <a:pos x="connsiteX11" y="connsiteY11"/>
-              </a:cxn>
-            </a:cxnLst>
-            <a:rect l="l" t="t" r="r" b="b"/>
-            <a:pathLst>
-              <a:path w="3255095" h="18288" fill="none" extrusionOk="0">
-                <a:moveTo>
-                  <a:pt x="0" y="0"/>
-                </a:moveTo>
-                <a:cubicBezTo>
-                  <a:pt x="240201" y="-22123"/>
-                  <a:pt x="462021" y="-19623"/>
-                  <a:pt x="618468" y="0"/>
-                </a:cubicBezTo>
-                <a:cubicBezTo>
-                  <a:pt x="774915" y="19623"/>
-                  <a:pt x="974734" y="2035"/>
-                  <a:pt x="1269487" y="0"/>
-                </a:cubicBezTo>
-                <a:cubicBezTo>
-                  <a:pt x="1564240" y="-2035"/>
-                  <a:pt x="1733579" y="10639"/>
-                  <a:pt x="1953057" y="0"/>
-                </a:cubicBezTo>
-                <a:cubicBezTo>
-                  <a:pt x="2172535" y="-10639"/>
-                  <a:pt x="2453962" y="14018"/>
-                  <a:pt x="2636627" y="0"/>
-                </a:cubicBezTo>
-                <a:cubicBezTo>
-                  <a:pt x="2819292" y="-14018"/>
-                  <a:pt x="3121375" y="5399"/>
-                  <a:pt x="3255095" y="0"/>
-                </a:cubicBezTo>
-                <a:cubicBezTo>
-                  <a:pt x="3254386" y="8157"/>
-                  <a:pt x="3254682" y="12125"/>
-                  <a:pt x="3255095" y="18288"/>
-                </a:cubicBezTo>
-                <a:cubicBezTo>
-                  <a:pt x="3088545" y="23203"/>
-                  <a:pt x="2687475" y="7419"/>
-                  <a:pt x="2538974" y="18288"/>
-                </a:cubicBezTo>
-                <a:cubicBezTo>
-                  <a:pt x="2390473" y="29157"/>
-                  <a:pt x="2137381" y="-8959"/>
-                  <a:pt x="1822853" y="18288"/>
-                </a:cubicBezTo>
-                <a:cubicBezTo>
-                  <a:pt x="1508325" y="45535"/>
-                  <a:pt x="1466437" y="20385"/>
-                  <a:pt x="1171834" y="18288"/>
-                </a:cubicBezTo>
-                <a:cubicBezTo>
-                  <a:pt x="877231" y="16191"/>
-                  <a:pt x="561097" y="37643"/>
-                  <a:pt x="0" y="18288"/>
-                </a:cubicBezTo>
-                <a:cubicBezTo>
-                  <a:pt x="-46" y="12483"/>
-                  <a:pt x="-203" y="6491"/>
-                  <a:pt x="0" y="0"/>
-                </a:cubicBezTo>
-                <a:close/>
-              </a:path>
-              <a:path w="3255095" h="18288" stroke="0" extrusionOk="0">
-                <a:moveTo>
-                  <a:pt x="0" y="0"/>
-                </a:moveTo>
-                <a:cubicBezTo>
-                  <a:pt x="291965" y="19429"/>
-                  <a:pt x="363155" y="8568"/>
-                  <a:pt x="618468" y="0"/>
-                </a:cubicBezTo>
-                <a:cubicBezTo>
-                  <a:pt x="873781" y="-8568"/>
-                  <a:pt x="904459" y="-19505"/>
-                  <a:pt x="1171834" y="0"/>
-                </a:cubicBezTo>
-                <a:cubicBezTo>
-                  <a:pt x="1439209" y="19505"/>
-                  <a:pt x="1744369" y="9790"/>
-                  <a:pt x="1887955" y="0"/>
-                </a:cubicBezTo>
-                <a:cubicBezTo>
-                  <a:pt x="2031541" y="-9790"/>
-                  <a:pt x="2346378" y="21240"/>
-                  <a:pt x="2506423" y="0"/>
-                </a:cubicBezTo>
-                <a:cubicBezTo>
-                  <a:pt x="2666468" y="-21240"/>
-                  <a:pt x="2990257" y="30414"/>
-                  <a:pt x="3255095" y="0"/>
-                </a:cubicBezTo>
-                <a:cubicBezTo>
-                  <a:pt x="3254831" y="4493"/>
-                  <a:pt x="3255479" y="9472"/>
-                  <a:pt x="3255095" y="18288"/>
-                </a:cubicBezTo>
-                <a:cubicBezTo>
-                  <a:pt x="3120743" y="16690"/>
-                  <a:pt x="2759628" y="42462"/>
-                  <a:pt x="2604076" y="18288"/>
-                </a:cubicBezTo>
-                <a:cubicBezTo>
-                  <a:pt x="2448524" y="-5886"/>
-                  <a:pt x="2184336" y="19599"/>
-                  <a:pt x="1887955" y="18288"/>
-                </a:cubicBezTo>
-                <a:cubicBezTo>
-                  <a:pt x="1591574" y="16977"/>
-                  <a:pt x="1548845" y="6870"/>
-                  <a:pt x="1334589" y="18288"/>
-                </a:cubicBezTo>
-                <a:cubicBezTo>
-                  <a:pt x="1120333" y="29706"/>
-                  <a:pt x="996014" y="9662"/>
-                  <a:pt x="683570" y="18288"/>
-                </a:cubicBezTo>
-                <a:cubicBezTo>
-                  <a:pt x="371126" y="26914"/>
-                  <a:pt x="198687" y="16167"/>
-                  <a:pt x="0" y="18288"/>
-                </a:cubicBezTo>
-                <a:cubicBezTo>
-                  <a:pt x="843" y="9577"/>
-                  <a:pt x="371" y="6900"/>
-                  <a:pt x="0" y="0"/>
-                </a:cubicBezTo>
-                <a:close/>
-              </a:path>
-            </a:pathLst>
-          </a:custGeom>
-          <a:solidFill>
-            <a:schemeClr val="accent2"/>
-          </a:solidFill>
-          <a:ln w="38100" cap="rnd">
-            <a:solidFill>
-              <a:schemeClr val="accent2"/>
-            </a:solidFill>
-            <a:round/>
-            <a:extLst>
-              <a:ext uri="{C807C97D-BFC1-408E-A445-0C87EB9F89A2}">
-                <ask:lineSketchStyleProps xmlns:ask="http://schemas.microsoft.com/office/drawing/2018/sketchyshapes" sd="1219033472">
-                  <a:prstGeom prst="rect">
-                    <a:avLst/>
-                  </a:prstGeom>
-                  <ask:type>
-                    <ask:lineSketchFreehand/>
-                  </ask:type>
-                </ask:lineSketchStyleProps>
-              </a:ext>
-            </a:extLst>
-          </a:ln>
-        </p:spPr>
-        <p:style>
-          <a:lnRef idx="2">
-            <a:schemeClr val="accent1">
-              <a:shade val="50000"/>
-            </a:schemeClr>
-          </a:lnRef>
-          <a:fillRef idx="1">
-            <a:schemeClr val="accent1"/>
-          </a:fillRef>
-          <a:effectRef idx="0">
-            <a:schemeClr val="accent1"/>
-          </a:effectRef>
-          <a:fontRef idx="minor">
-            <a:schemeClr val="lt1"/>
-          </a:fontRef>
-        </p:style>
-        <p:txBody>
-          <a:bodyPr rtlCol="0" anchor="ctr"/>
-          <a:lstStyle/>
-          <a:p>
-            <a:pPr algn="ctr"/>
-            <a:endParaRPr lang="en-US"/>
-          </a:p>
-        </p:txBody>
-      </p:sp>
-      <p:pic>
-        <p:nvPicPr>
-          <p:cNvPr id="4" name="Picture 3">
-            <a:extLst>
-              <a:ext uri="{FF2B5EF4-FFF2-40B4-BE49-F238E27FC236}">
-                <a16:creationId xmlns:a16="http://schemas.microsoft.com/office/drawing/2014/main" id="{BBC0F387-9E49-47E8-B126-136C74F308D0}"/>
-              </a:ext>
-            </a:extLst>
-          </p:cNvPr>
-          <p:cNvPicPr/>
-          <p:nvPr/>
-        </p:nvPicPr>
-        <p:blipFill>
-          <a:blip r:embed="rId3"/>
-          <a:stretch>
-            <a:fillRect/>
-          </a:stretch>
-        </p:blipFill>
-        <p:spPr>
-          <a:xfrm>
-            <a:off x="4654296" y="1187444"/>
-            <a:ext cx="7214616" cy="4455680"/>
-          </a:xfrm>
-          <a:prstGeom prst="rect">
-            <a:avLst/>
-          </a:prstGeom>
-        </p:spPr>
-      </p:pic>
-    </p:spTree>
-    <p:extLst>
-      <p:ext uri="{BB962C8B-B14F-4D97-AF65-F5344CB8AC3E}">
-        <p14:creationId xmlns:p14="http://schemas.microsoft.com/office/powerpoint/2010/main" val="3037805519"/>
       </p:ext>
     </p:extLst>
   </p:cSld>
@@ -41966,15 +43082,6 @@
 </file>
 
 <file path=customXml/item1.xml><?xml version="1.0" encoding="utf-8"?>
-<?mso-contentType ?>
-<FormTemplates xmlns="http://schemas.microsoft.com/sharepoint/v3/contenttype/forms">
-  <Display>DocumentLibraryForm</Display>
-  <Edit>DocumentLibraryForm</Edit>
-  <New>DocumentLibraryForm</New>
-</FormTemplates>
-</file>
-
-<file path=customXml/item2.xml><?xml version="1.0" encoding="utf-8"?>
 <ct:contentTypeSchema xmlns:ct="http://schemas.microsoft.com/office/2006/metadata/contentType" xmlns:ma="http://schemas.microsoft.com/office/2006/metadata/properties/metaAttributes" ct:_="" ma:_="" ma:contentTypeName="Document" ma:contentTypeID="0x01010079F111ED35F8CC479449609E8A0923A6" ma:contentTypeVersion="11" ma:contentTypeDescription="Create a new document." ma:contentTypeScope="" ma:versionID="96291512c1ee715ab617f4c07df79fc1">
   <xsd:schema xmlns:xsd="http://www.w3.org/2001/XMLSchema" xmlns:xs="http://www.w3.org/2001/XMLSchema" xmlns:p="http://schemas.microsoft.com/office/2006/metadata/properties" xmlns:ns2="71af3243-3dd4-4a8d-8c0d-dd76da1f02a5" xmlns:ns3="16c05727-aa75-4e4a-9b5f-8a80a1165891" targetNamespace="http://schemas.microsoft.com/office/2006/metadata/properties" ma:root="true" ma:fieldsID="8256c27c40ca5c40ce1cf6c44f0205df" ns2:_="" ns3:_="">
     <xsd:import namespace="71af3243-3dd4-4a8d-8c0d-dd76da1f02a5"/>
@@ -42185,6 +43292,15 @@
 </ct:contentTypeSchema>
 </file>
 
+<file path=customXml/item2.xml><?xml version="1.0" encoding="utf-8"?>
+<?mso-contentType ?>
+<FormTemplates xmlns="http://schemas.microsoft.com/sharepoint/v3/contenttype/forms">
+  <Display>DocumentLibraryForm</Display>
+  <Edit>DocumentLibraryForm</Edit>
+  <New>DocumentLibraryForm</New>
+</FormTemplates>
+</file>
+
 <file path=customXml/item3.xml><?xml version="1.0" encoding="utf-8"?>
 <p:properties xmlns:p="http://schemas.microsoft.com/office/2006/metadata/properties" xmlns:xsi="http://www.w3.org/2001/XMLSchema-instance" xmlns:pc="http://schemas.microsoft.com/office/infopath/2007/PartnerControls">
   <documentManagement>
@@ -42194,14 +43310,6 @@
 </file>
 
 <file path=customXml/itemProps1.xml><?xml version="1.0" encoding="utf-8"?>
-<ds:datastoreItem xmlns:ds="http://schemas.openxmlformats.org/officeDocument/2006/customXml" ds:itemID="{5CA875DA-F9FD-4F83-A049-3B1027B542DE}">
-  <ds:schemaRefs>
-    <ds:schemaRef ds:uri="http://schemas.microsoft.com/sharepoint/v3/contenttype/forms"/>
-  </ds:schemaRefs>
-</ds:datastoreItem>
-</file>
-
-<file path=customXml/itemProps2.xml><?xml version="1.0" encoding="utf-8"?>
 <ds:datastoreItem xmlns:ds="http://schemas.openxmlformats.org/officeDocument/2006/customXml" ds:itemID="{B2AB02E3-5ADF-4BF0-9C1B-35CDF3FE95B0}">
   <ds:schemaRefs>
     <ds:schemaRef ds:uri="http://schemas.microsoft.com/office/2006/metadata/contentType"/>
@@ -42220,6 +43328,14 @@
 </ds:datastoreItem>
 </file>
 
+<file path=customXml/itemProps2.xml><?xml version="1.0" encoding="utf-8"?>
+<ds:datastoreItem xmlns:ds="http://schemas.openxmlformats.org/officeDocument/2006/customXml" ds:itemID="{5CA875DA-F9FD-4F83-A049-3B1027B542DE}">
+  <ds:schemaRefs>
+    <ds:schemaRef ds:uri="http://schemas.microsoft.com/sharepoint/v3/contenttype/forms"/>
+  </ds:schemaRefs>
+</ds:datastoreItem>
+</file>
+
 <file path=customXml/itemProps3.xml><?xml version="1.0" encoding="utf-8"?>
 <ds:datastoreItem xmlns:ds="http://schemas.openxmlformats.org/officeDocument/2006/customXml" ds:itemID="{03C7D9E6-B0D9-433E-BD46-EB60F64F4DA8}">
   <ds:schemaRefs>

--- a/lectures/11/1_Correlation.pptx
+++ b/lectures/11/1_Correlation.pptx
@@ -5166,8 +5166,8 @@
         <a:lstStyle/>
         <a:p>
           <a:r>
-            <a:rPr lang="en-US"/>
-            <a:t>Completeness: The degree to which the report provides all the info readers need in langue they understand</a:t>
+            <a:rPr lang="en-US" dirty="0"/>
+            <a:t>Completeness: The degree to which the report provides all the info readers need in language they understand</a:t>
           </a:r>
         </a:p>
       </dgm:t>
@@ -5392,14 +5392,8 @@
         <a:lstStyle/>
         <a:p>
           <a:r>
-            <a:rPr lang="en-US">
-              <a:hlinkClick xmlns:r="http://schemas.openxmlformats.org/officeDocument/2006/relationships" r:id="rId1"/>
-            </a:rPr>
-            <a:t>Sign-up</a:t>
-          </a:r>
-          <a:r>
-            <a:rPr lang="en-US"/>
-            <a:t> for presentation day</a:t>
+            <a:rPr lang="en-US" dirty="0"/>
+            <a:t>Sign-up for presentation day</a:t>
           </a:r>
         </a:p>
       </dgm:t>
@@ -5479,13 +5473,13 @@
       <dgm:prSet presAssocID="{833F9D86-9545-4DCB-8F48-7529374AAD0E}" presName="iconRect" presStyleLbl="node1" presStyleIdx="0" presStyleCnt="2"/>
       <dgm:spPr>
         <a:blipFill>
-          <a:blip xmlns:r="http://schemas.openxmlformats.org/officeDocument/2006/relationships" r:embed="rId2">
+          <a:blip xmlns:r="http://schemas.openxmlformats.org/officeDocument/2006/relationships" r:embed="rId1">
             <a:extLst>
               <a:ext uri="{28A0092B-C50C-407E-A947-70E740481C1C}">
                 <a14:useLocalDpi xmlns:a14="http://schemas.microsoft.com/office/drawing/2010/main" val="0"/>
               </a:ext>
               <a:ext uri="{96DAC541-7B7A-43D3-8B79-37D633B846F1}">
-                <asvg:svgBlip xmlns:asvg="http://schemas.microsoft.com/office/drawing/2016/SVG/main" r:embed="rId3"/>
+                <asvg:svgBlip xmlns:asvg="http://schemas.microsoft.com/office/drawing/2016/SVG/main" r:embed="rId2"/>
               </a:ext>
             </a:extLst>
           </a:blip>
@@ -5528,13 +5522,13 @@
       <dgm:prSet presAssocID="{3E01C7F9-9D61-4045-A472-3FEEC4E22CB1}" presName="iconRect" presStyleLbl="node1" presStyleIdx="1" presStyleCnt="2"/>
       <dgm:spPr>
         <a:blipFill>
-          <a:blip xmlns:r="http://schemas.openxmlformats.org/officeDocument/2006/relationships" r:embed="rId4">
+          <a:blip xmlns:r="http://schemas.openxmlformats.org/officeDocument/2006/relationships" r:embed="rId3">
             <a:extLst>
               <a:ext uri="{28A0092B-C50C-407E-A947-70E740481C1C}">
                 <a14:useLocalDpi xmlns:a14="http://schemas.microsoft.com/office/drawing/2010/main" val="0"/>
               </a:ext>
               <a:ext uri="{96DAC541-7B7A-43D3-8B79-37D633B846F1}">
-                <asvg:svgBlip xmlns:asvg="http://schemas.microsoft.com/office/drawing/2016/SVG/main" r:embed="rId5"/>
+                <asvg:svgBlip xmlns:asvg="http://schemas.microsoft.com/office/drawing/2016/SVG/main" r:embed="rId4"/>
               </a:ext>
             </a:extLst>
           </a:blip>
@@ -6779,8 +6773,8 @@
             <a:buNone/>
           </a:pPr>
           <a:r>
-            <a:rPr lang="en-US" sz="2400" kern="1200"/>
-            <a:t>Completeness: The degree to which the report provides all the info readers need in langue they understand</a:t>
+            <a:rPr lang="en-US" sz="2400" kern="1200" dirty="0"/>
+            <a:t>Completeness: The degree to which the report provides all the info readers need in language they understand</a:t>
           </a:r>
         </a:p>
       </dsp:txBody>
@@ -7052,14 +7046,8 @@
             <a:buNone/>
           </a:pPr>
           <a:r>
-            <a:rPr lang="en-US" sz="2900" kern="1200">
-              <a:hlinkClick xmlns:r="http://schemas.openxmlformats.org/officeDocument/2006/relationships" r:id="rId3"/>
-            </a:rPr>
-            <a:t>Sign-up</a:t>
-          </a:r>
-          <a:r>
-            <a:rPr lang="en-US" sz="2900" kern="1200"/>
-            <a:t> for presentation day</a:t>
+            <a:rPr lang="en-US" sz="2900" kern="1200" dirty="0"/>
+            <a:t>Sign-up for presentation day</a:t>
           </a:r>
         </a:p>
       </dsp:txBody>
@@ -7082,13 +7070,13 @@
           <a:avLst/>
         </a:prstGeom>
         <a:blipFill>
-          <a:blip xmlns:r="http://schemas.openxmlformats.org/officeDocument/2006/relationships" r:embed="rId4">
+          <a:blip xmlns:r="http://schemas.openxmlformats.org/officeDocument/2006/relationships" r:embed="rId3">
             <a:extLst>
               <a:ext uri="{28A0092B-C50C-407E-A947-70E740481C1C}">
                 <a14:useLocalDpi xmlns:a14="http://schemas.microsoft.com/office/drawing/2010/main" val="0"/>
               </a:ext>
               <a:ext uri="{96DAC541-7B7A-43D3-8B79-37D633B846F1}">
-                <asvg:svgBlip xmlns:asvg="http://schemas.microsoft.com/office/drawing/2016/SVG/main" r:embed="rId5"/>
+                <asvg:svgBlip xmlns:asvg="http://schemas.microsoft.com/office/drawing/2016/SVG/main" r:embed="rId4"/>
               </a:ext>
             </a:extLst>
           </a:blip>
@@ -13558,7 +13546,7 @@
           <a:p>
             <a:fld id="{73B2889B-A0AC-4482-8592-5C96F2309420}" type="datetimeFigureOut">
               <a:rPr lang="en-US" smtClean="0"/>
-              <a:t>3/1/2023</a:t>
+              <a:t>4/2/2023</a:t>
             </a:fld>
             <a:endParaRPr lang="en-US"/>
           </a:p>
@@ -13735,7 +13723,7 @@
           <a:p>
             <a:fld id="{830EB223-FFC0-462A-A3B8-EAA7CE0F8CBD}" type="datetimeFigureOut">
               <a:rPr lang="en-US" smtClean="0"/>
-              <a:t>3/1/2023</a:t>
+              <a:t>4/2/2023</a:t>
             </a:fld>
             <a:endParaRPr lang="en-US" dirty="0"/>
           </a:p>
@@ -16666,8 +16654,8 @@
         </p:nvSpPr>
         <p:spPr/>
       </p:sp>
-      <mc:AlternateContent xmlns:mc="http://schemas.openxmlformats.org/markup-compatibility/2006">
-        <mc:Choice xmlns:a14="http://schemas.microsoft.com/office/drawing/2010/main" Requires="a14">
+      <mc:AlternateContent xmlns:mc="http://schemas.openxmlformats.org/markup-compatibility/2006" xmlns:a14="http://schemas.microsoft.com/office/drawing/2010/main">
+        <mc:Choice Requires="a14">
           <p:sp>
             <p:nvSpPr>
               <p:cNvPr id="3" name="Notes Placeholder 2"/>
@@ -17021,7 +17009,7 @@
             </p:txBody>
           </p:sp>
         </mc:Choice>
-        <mc:Fallback>
+        <mc:Fallback xmlns="">
           <p:sp>
             <p:nvSpPr>
               <p:cNvPr id="3" name="Notes Placeholder 2"/>
@@ -17776,7 +17764,7 @@
           <a:p>
             <a:fld id="{DECF21A4-E71B-4D3A-AF45-E989C23A7BB1}" type="datetimeFigureOut">
               <a:rPr lang="en-US" smtClean="0"/>
-              <a:t>3/1/2023</a:t>
+              <a:t>4/2/2023</a:t>
             </a:fld>
             <a:endParaRPr lang="en-US" dirty="0"/>
           </a:p>
@@ -17974,7 +17962,7 @@
           <a:p>
             <a:fld id="{DECF21A4-E71B-4D3A-AF45-E989C23A7BB1}" type="datetimeFigureOut">
               <a:rPr lang="en-US" smtClean="0"/>
-              <a:t>3/1/2023</a:t>
+              <a:t>4/2/2023</a:t>
             </a:fld>
             <a:endParaRPr lang="en-US" dirty="0"/>
           </a:p>
@@ -18182,7 +18170,7 @@
           <a:p>
             <a:fld id="{DECF21A4-E71B-4D3A-AF45-E989C23A7BB1}" type="datetimeFigureOut">
               <a:rPr lang="en-US" smtClean="0"/>
-              <a:t>3/1/2023</a:t>
+              <a:t>4/2/2023</a:t>
             </a:fld>
             <a:endParaRPr lang="en-US" dirty="0"/>
           </a:p>
@@ -18380,7 +18368,7 @@
           <a:p>
             <a:fld id="{DECF21A4-E71B-4D3A-AF45-E989C23A7BB1}" type="datetimeFigureOut">
               <a:rPr lang="en-US" smtClean="0"/>
-              <a:t>3/1/2023</a:t>
+              <a:t>4/2/2023</a:t>
             </a:fld>
             <a:endParaRPr lang="en-US" dirty="0"/>
           </a:p>
@@ -18655,7 +18643,7 @@
           <a:p>
             <a:fld id="{DECF21A4-E71B-4D3A-AF45-E989C23A7BB1}" type="datetimeFigureOut">
               <a:rPr lang="en-US" smtClean="0"/>
-              <a:t>3/1/2023</a:t>
+              <a:t>4/2/2023</a:t>
             </a:fld>
             <a:endParaRPr lang="en-US" dirty="0"/>
           </a:p>
@@ -18920,7 +18908,7 @@
           <a:p>
             <a:fld id="{DECF21A4-E71B-4D3A-AF45-E989C23A7BB1}" type="datetimeFigureOut">
               <a:rPr lang="en-US" smtClean="0"/>
-              <a:t>3/1/2023</a:t>
+              <a:t>4/2/2023</a:t>
             </a:fld>
             <a:endParaRPr lang="en-US" dirty="0"/>
           </a:p>
@@ -19332,7 +19320,7 @@
           <a:p>
             <a:fld id="{DECF21A4-E71B-4D3A-AF45-E989C23A7BB1}" type="datetimeFigureOut">
               <a:rPr lang="en-US" smtClean="0"/>
-              <a:t>3/1/2023</a:t>
+              <a:t>4/2/2023</a:t>
             </a:fld>
             <a:endParaRPr lang="en-US" dirty="0"/>
           </a:p>
@@ -19473,7 +19461,7 @@
           <a:p>
             <a:fld id="{DECF21A4-E71B-4D3A-AF45-E989C23A7BB1}" type="datetimeFigureOut">
               <a:rPr lang="en-US" smtClean="0"/>
-              <a:t>3/1/2023</a:t>
+              <a:t>4/2/2023</a:t>
             </a:fld>
             <a:endParaRPr lang="en-US" dirty="0"/>
           </a:p>
@@ -19586,7 +19574,7 @@
           <a:p>
             <a:fld id="{DECF21A4-E71B-4D3A-AF45-E989C23A7BB1}" type="datetimeFigureOut">
               <a:rPr lang="en-US" smtClean="0"/>
-              <a:t>3/1/2023</a:t>
+              <a:t>4/2/2023</a:t>
             </a:fld>
             <a:endParaRPr lang="en-US" dirty="0"/>
           </a:p>
@@ -19897,7 +19885,7 @@
           <a:p>
             <a:fld id="{DECF21A4-E71B-4D3A-AF45-E989C23A7BB1}" type="datetimeFigureOut">
               <a:rPr lang="en-US" smtClean="0"/>
-              <a:t>3/1/2023</a:t>
+              <a:t>4/2/2023</a:t>
             </a:fld>
             <a:endParaRPr lang="en-US" dirty="0"/>
           </a:p>
@@ -20189,7 +20177,7 @@
           <a:p>
             <a:fld id="{DECF21A4-E71B-4D3A-AF45-E989C23A7BB1}" type="datetimeFigureOut">
               <a:rPr lang="en-US" smtClean="0"/>
-              <a:t>3/1/2023</a:t>
+              <a:t>4/2/2023</a:t>
             </a:fld>
             <a:endParaRPr lang="en-US" dirty="0"/>
           </a:p>
@@ -20430,7 +20418,7 @@
           <a:p>
             <a:fld id="{DECF21A4-E71B-4D3A-AF45-E989C23A7BB1}" type="datetimeFigureOut">
               <a:rPr lang="en-US" smtClean="0"/>
-              <a:t>3/1/2023</a:t>
+              <a:t>4/2/2023</a:t>
             </a:fld>
             <a:endParaRPr lang="en-US" dirty="0"/>
           </a:p>
@@ -21054,7 +21042,7 @@
                   <a:schemeClr val="bg1"/>
                 </a:solidFill>
               </a:rPr>
-              <a:t>Take your name tag </a:t>
+              <a:t>Name tag </a:t>
             </a:r>
           </a:p>
           <a:p>
@@ -24867,6 +24855,239 @@
   <p:clrMapOvr>
     <a:overrideClrMapping bg1="dk1" tx1="lt1" bg2="dk2" tx2="lt2" accent1="accent1" accent2="accent2" accent3="accent3" accent4="accent4" accent5="accent5" accent6="accent6" hlink="hlink" folHlink="folHlink"/>
   </p:clrMapOvr>
+  <p:timing>
+    <p:tnLst>
+      <p:par>
+        <p:cTn id="1" dur="indefinite" restart="never" nodeType="tmRoot">
+          <p:childTnLst>
+            <p:seq concurrent="1" nextAc="seek">
+              <p:cTn id="2" dur="indefinite" nodeType="mainSeq">
+                <p:childTnLst>
+                  <p:par>
+                    <p:cTn id="3" fill="hold">
+                      <p:stCondLst>
+                        <p:cond delay="indefinite"/>
+                      </p:stCondLst>
+                      <p:childTnLst>
+                        <p:par>
+                          <p:cTn id="4" fill="hold">
+                            <p:stCondLst>
+                              <p:cond delay="0"/>
+                            </p:stCondLst>
+                            <p:childTnLst>
+                              <p:par>
+                                <p:cTn id="5" presetID="1" presetClass="entr" presetSubtype="0" fill="hold" grpId="0" nodeType="clickEffect">
+                                  <p:stCondLst>
+                                    <p:cond delay="0"/>
+                                  </p:stCondLst>
+                                  <p:childTnLst>
+                                    <p:set>
+                                      <p:cBhvr>
+                                        <p:cTn id="6" dur="1" fill="hold">
+                                          <p:stCondLst>
+                                            <p:cond delay="0"/>
+                                          </p:stCondLst>
+                                        </p:cTn>
+                                        <p:tgtEl>
+                                          <p:spTgt spid="13">
+                                            <p:graphicEl>
+                                              <a:dgm id="{119DD18C-8A8A-47C9-B2B0-5DAE0A2B4A86}"/>
+                                            </p:graphicEl>
+                                          </p:spTgt>
+                                        </p:tgtEl>
+                                        <p:attrNameLst>
+                                          <p:attrName>style.visibility</p:attrName>
+                                        </p:attrNameLst>
+                                      </p:cBhvr>
+                                      <p:to>
+                                        <p:strVal val="visible"/>
+                                      </p:to>
+                                    </p:set>
+                                  </p:childTnLst>
+                                </p:cTn>
+                              </p:par>
+                            </p:childTnLst>
+                          </p:cTn>
+                        </p:par>
+                      </p:childTnLst>
+                    </p:cTn>
+                  </p:par>
+                  <p:par>
+                    <p:cTn id="7" fill="hold">
+                      <p:stCondLst>
+                        <p:cond delay="indefinite"/>
+                      </p:stCondLst>
+                      <p:childTnLst>
+                        <p:par>
+                          <p:cTn id="8" fill="hold">
+                            <p:stCondLst>
+                              <p:cond delay="0"/>
+                            </p:stCondLst>
+                            <p:childTnLst>
+                              <p:par>
+                                <p:cTn id="9" presetID="1" presetClass="entr" presetSubtype="0" fill="hold" grpId="0" nodeType="clickEffect">
+                                  <p:stCondLst>
+                                    <p:cond delay="0"/>
+                                  </p:stCondLst>
+                                  <p:childTnLst>
+                                    <p:set>
+                                      <p:cBhvr>
+                                        <p:cTn id="10" dur="1" fill="hold">
+                                          <p:stCondLst>
+                                            <p:cond delay="0"/>
+                                          </p:stCondLst>
+                                        </p:cTn>
+                                        <p:tgtEl>
+                                          <p:spTgt spid="13">
+                                            <p:graphicEl>
+                                              <a:dgm id="{53CF77A4-E2A7-4FFC-8836-0CD6F71EEF8F}"/>
+                                            </p:graphicEl>
+                                          </p:spTgt>
+                                        </p:tgtEl>
+                                        <p:attrNameLst>
+                                          <p:attrName>style.visibility</p:attrName>
+                                        </p:attrNameLst>
+                                      </p:cBhvr>
+                                      <p:to>
+                                        <p:strVal val="visible"/>
+                                      </p:to>
+                                    </p:set>
+                                  </p:childTnLst>
+                                </p:cTn>
+                              </p:par>
+                            </p:childTnLst>
+                          </p:cTn>
+                        </p:par>
+                      </p:childTnLst>
+                    </p:cTn>
+                  </p:par>
+                  <p:par>
+                    <p:cTn id="11" fill="hold">
+                      <p:stCondLst>
+                        <p:cond delay="indefinite"/>
+                      </p:stCondLst>
+                      <p:childTnLst>
+                        <p:par>
+                          <p:cTn id="12" fill="hold">
+                            <p:stCondLst>
+                              <p:cond delay="0"/>
+                            </p:stCondLst>
+                            <p:childTnLst>
+                              <p:par>
+                                <p:cTn id="13" presetID="1" presetClass="entr" presetSubtype="0" fill="hold" grpId="0" nodeType="clickEffect">
+                                  <p:stCondLst>
+                                    <p:cond delay="0"/>
+                                  </p:stCondLst>
+                                  <p:childTnLst>
+                                    <p:set>
+                                      <p:cBhvr>
+                                        <p:cTn id="14" dur="1" fill="hold">
+                                          <p:stCondLst>
+                                            <p:cond delay="0"/>
+                                          </p:stCondLst>
+                                        </p:cTn>
+                                        <p:tgtEl>
+                                          <p:spTgt spid="13">
+                                            <p:graphicEl>
+                                              <a:dgm id="{CBE85C05-F2FE-41D4-BB4E-B53769AB84FD}"/>
+                                            </p:graphicEl>
+                                          </p:spTgt>
+                                        </p:tgtEl>
+                                        <p:attrNameLst>
+                                          <p:attrName>style.visibility</p:attrName>
+                                        </p:attrNameLst>
+                                      </p:cBhvr>
+                                      <p:to>
+                                        <p:strVal val="visible"/>
+                                      </p:to>
+                                    </p:set>
+                                  </p:childTnLst>
+                                </p:cTn>
+                              </p:par>
+                            </p:childTnLst>
+                          </p:cTn>
+                        </p:par>
+                      </p:childTnLst>
+                    </p:cTn>
+                  </p:par>
+                  <p:par>
+                    <p:cTn id="15" fill="hold">
+                      <p:stCondLst>
+                        <p:cond delay="indefinite"/>
+                      </p:stCondLst>
+                      <p:childTnLst>
+                        <p:par>
+                          <p:cTn id="16" fill="hold">
+                            <p:stCondLst>
+                              <p:cond delay="0"/>
+                            </p:stCondLst>
+                            <p:childTnLst>
+                              <p:par>
+                                <p:cTn id="17" presetID="1" presetClass="entr" presetSubtype="0" fill="hold" grpId="0" nodeType="clickEffect">
+                                  <p:stCondLst>
+                                    <p:cond delay="0"/>
+                                  </p:stCondLst>
+                                  <p:childTnLst>
+                                    <p:set>
+                                      <p:cBhvr>
+                                        <p:cTn id="18" dur="1" fill="hold">
+                                          <p:stCondLst>
+                                            <p:cond delay="0"/>
+                                          </p:stCondLst>
+                                        </p:cTn>
+                                        <p:tgtEl>
+                                          <p:spTgt spid="13">
+                                            <p:graphicEl>
+                                              <a:dgm id="{189F0F4F-F146-42DF-BB70-7261E9106FC0}"/>
+                                            </p:graphicEl>
+                                          </p:spTgt>
+                                        </p:tgtEl>
+                                        <p:attrNameLst>
+                                          <p:attrName>style.visibility</p:attrName>
+                                        </p:attrNameLst>
+                                      </p:cBhvr>
+                                      <p:to>
+                                        <p:strVal val="visible"/>
+                                      </p:to>
+                                    </p:set>
+                                  </p:childTnLst>
+                                </p:cTn>
+                              </p:par>
+                            </p:childTnLst>
+                          </p:cTn>
+                        </p:par>
+                      </p:childTnLst>
+                    </p:cTn>
+                  </p:par>
+                </p:childTnLst>
+              </p:cTn>
+              <p:prevCondLst>
+                <p:cond evt="onPrev" delay="0">
+                  <p:tgtEl>
+                    <p:sldTgt/>
+                  </p:tgtEl>
+                </p:cond>
+              </p:prevCondLst>
+              <p:nextCondLst>
+                <p:cond evt="onNext" delay="0">
+                  <p:tgtEl>
+                    <p:sldTgt/>
+                  </p:tgtEl>
+                </p:cond>
+              </p:nextCondLst>
+            </p:seq>
+          </p:childTnLst>
+        </p:cTn>
+      </p:par>
+    </p:tnLst>
+    <p:bldLst>
+      <p:bldGraphic spid="13" grpId="0">
+        <p:bldSub>
+          <a:bldDgm bld="one"/>
+        </p:bldSub>
+      </p:bldGraphic>
+    </p:bldLst>
+  </p:timing>
 </p:sld>
 </file>
 
@@ -28073,6 +28294,376 @@
   <p:clrMapOvr>
     <a:masterClrMapping/>
   </p:clrMapOvr>
+  <p:timing>
+    <p:tnLst>
+      <p:par>
+        <p:cTn id="1" dur="indefinite" restart="never" nodeType="tmRoot">
+          <p:childTnLst>
+            <p:seq concurrent="1" nextAc="seek">
+              <p:cTn id="2" dur="indefinite" nodeType="mainSeq">
+                <p:childTnLst>
+                  <p:par>
+                    <p:cTn id="3" fill="hold">
+                      <p:stCondLst>
+                        <p:cond delay="indefinite"/>
+                      </p:stCondLst>
+                      <p:childTnLst>
+                        <p:par>
+                          <p:cTn id="4" fill="hold">
+                            <p:stCondLst>
+                              <p:cond delay="0"/>
+                            </p:stCondLst>
+                            <p:childTnLst>
+                              <p:par>
+                                <p:cTn id="5" presetID="1" presetClass="entr" presetSubtype="0" fill="hold" grpId="0" nodeType="clickEffect">
+                                  <p:stCondLst>
+                                    <p:cond delay="0"/>
+                                  </p:stCondLst>
+                                  <p:childTnLst>
+                                    <p:set>
+                                      <p:cBhvr>
+                                        <p:cTn id="6" dur="1" fill="hold">
+                                          <p:stCondLst>
+                                            <p:cond delay="0"/>
+                                          </p:stCondLst>
+                                        </p:cTn>
+                                        <p:tgtEl>
+                                          <p:spTgt spid="5">
+                                            <p:graphicEl>
+                                              <a:dgm id="{5B75908E-DD63-49CA-BDC0-772E63EDD287}"/>
+                                            </p:graphicEl>
+                                          </p:spTgt>
+                                        </p:tgtEl>
+                                        <p:attrNameLst>
+                                          <p:attrName>style.visibility</p:attrName>
+                                        </p:attrNameLst>
+                                      </p:cBhvr>
+                                      <p:to>
+                                        <p:strVal val="visible"/>
+                                      </p:to>
+                                    </p:set>
+                                  </p:childTnLst>
+                                </p:cTn>
+                              </p:par>
+                              <p:par>
+                                <p:cTn id="7" presetID="1" presetClass="entr" presetSubtype="0" fill="hold" grpId="0" nodeType="withEffect">
+                                  <p:stCondLst>
+                                    <p:cond delay="0"/>
+                                  </p:stCondLst>
+                                  <p:childTnLst>
+                                    <p:set>
+                                      <p:cBhvr>
+                                        <p:cTn id="8" dur="1" fill="hold">
+                                          <p:stCondLst>
+                                            <p:cond delay="0"/>
+                                          </p:stCondLst>
+                                        </p:cTn>
+                                        <p:tgtEl>
+                                          <p:spTgt spid="5">
+                                            <p:graphicEl>
+                                              <a:dgm id="{2488EEAE-71A2-4109-BF68-CBA592368D4C}"/>
+                                            </p:graphicEl>
+                                          </p:spTgt>
+                                        </p:tgtEl>
+                                        <p:attrNameLst>
+                                          <p:attrName>style.visibility</p:attrName>
+                                        </p:attrNameLst>
+                                      </p:cBhvr>
+                                      <p:to>
+                                        <p:strVal val="visible"/>
+                                      </p:to>
+                                    </p:set>
+                                  </p:childTnLst>
+                                </p:cTn>
+                              </p:par>
+                              <p:par>
+                                <p:cTn id="9" presetID="1" presetClass="entr" presetSubtype="0" fill="hold" grpId="0" nodeType="withEffect">
+                                  <p:stCondLst>
+                                    <p:cond delay="0"/>
+                                  </p:stCondLst>
+                                  <p:childTnLst>
+                                    <p:set>
+                                      <p:cBhvr>
+                                        <p:cTn id="10" dur="1" fill="hold">
+                                          <p:stCondLst>
+                                            <p:cond delay="0"/>
+                                          </p:stCondLst>
+                                        </p:cTn>
+                                        <p:tgtEl>
+                                          <p:spTgt spid="5">
+                                            <p:graphicEl>
+                                              <a:dgm id="{EFEAE509-1385-49E9-B40B-BA5EC53F965D}"/>
+                                            </p:graphicEl>
+                                          </p:spTgt>
+                                        </p:tgtEl>
+                                        <p:attrNameLst>
+                                          <p:attrName>style.visibility</p:attrName>
+                                        </p:attrNameLst>
+                                      </p:cBhvr>
+                                      <p:to>
+                                        <p:strVal val="visible"/>
+                                      </p:to>
+                                    </p:set>
+                                  </p:childTnLst>
+                                </p:cTn>
+                              </p:par>
+                            </p:childTnLst>
+                          </p:cTn>
+                        </p:par>
+                      </p:childTnLst>
+                    </p:cTn>
+                  </p:par>
+                  <p:par>
+                    <p:cTn id="11" fill="hold">
+                      <p:stCondLst>
+                        <p:cond delay="indefinite"/>
+                      </p:stCondLst>
+                      <p:childTnLst>
+                        <p:par>
+                          <p:cTn id="12" fill="hold">
+                            <p:stCondLst>
+                              <p:cond delay="0"/>
+                            </p:stCondLst>
+                            <p:childTnLst>
+                              <p:par>
+                                <p:cTn id="13" presetID="1" presetClass="entr" presetSubtype="0" fill="hold" grpId="0" nodeType="clickEffect">
+                                  <p:stCondLst>
+                                    <p:cond delay="0"/>
+                                  </p:stCondLst>
+                                  <p:childTnLst>
+                                    <p:set>
+                                      <p:cBhvr>
+                                        <p:cTn id="14" dur="1" fill="hold">
+                                          <p:stCondLst>
+                                            <p:cond delay="0"/>
+                                          </p:stCondLst>
+                                        </p:cTn>
+                                        <p:tgtEl>
+                                          <p:spTgt spid="5">
+                                            <p:graphicEl>
+                                              <a:dgm id="{7A9A1CC9-D83E-4446-B243-3AC5D2325F12}"/>
+                                            </p:graphicEl>
+                                          </p:spTgt>
+                                        </p:tgtEl>
+                                        <p:attrNameLst>
+                                          <p:attrName>style.visibility</p:attrName>
+                                        </p:attrNameLst>
+                                      </p:cBhvr>
+                                      <p:to>
+                                        <p:strVal val="visible"/>
+                                      </p:to>
+                                    </p:set>
+                                  </p:childTnLst>
+                                </p:cTn>
+                              </p:par>
+                              <p:par>
+                                <p:cTn id="15" presetID="1" presetClass="entr" presetSubtype="0" fill="hold" grpId="0" nodeType="withEffect">
+                                  <p:stCondLst>
+                                    <p:cond delay="0"/>
+                                  </p:stCondLst>
+                                  <p:childTnLst>
+                                    <p:set>
+                                      <p:cBhvr>
+                                        <p:cTn id="16" dur="1" fill="hold">
+                                          <p:stCondLst>
+                                            <p:cond delay="0"/>
+                                          </p:stCondLst>
+                                        </p:cTn>
+                                        <p:tgtEl>
+                                          <p:spTgt spid="5">
+                                            <p:graphicEl>
+                                              <a:dgm id="{111558B0-6B56-4458-9EE4-6CD7E45932C5}"/>
+                                            </p:graphicEl>
+                                          </p:spTgt>
+                                        </p:tgtEl>
+                                        <p:attrNameLst>
+                                          <p:attrName>style.visibility</p:attrName>
+                                        </p:attrNameLst>
+                                      </p:cBhvr>
+                                      <p:to>
+                                        <p:strVal val="visible"/>
+                                      </p:to>
+                                    </p:set>
+                                  </p:childTnLst>
+                                </p:cTn>
+                              </p:par>
+                              <p:par>
+                                <p:cTn id="17" presetID="1" presetClass="entr" presetSubtype="0" fill="hold" grpId="0" nodeType="withEffect">
+                                  <p:stCondLst>
+                                    <p:cond delay="0"/>
+                                  </p:stCondLst>
+                                  <p:childTnLst>
+                                    <p:set>
+                                      <p:cBhvr>
+                                        <p:cTn id="18" dur="1" fill="hold">
+                                          <p:stCondLst>
+                                            <p:cond delay="0"/>
+                                          </p:stCondLst>
+                                        </p:cTn>
+                                        <p:tgtEl>
+                                          <p:spTgt spid="5">
+                                            <p:graphicEl>
+                                              <a:dgm id="{96A42470-68FF-4AB9-AE39-8F970794CF68}"/>
+                                            </p:graphicEl>
+                                          </p:spTgt>
+                                        </p:tgtEl>
+                                        <p:attrNameLst>
+                                          <p:attrName>style.visibility</p:attrName>
+                                        </p:attrNameLst>
+                                      </p:cBhvr>
+                                      <p:to>
+                                        <p:strVal val="visible"/>
+                                      </p:to>
+                                    </p:set>
+                                  </p:childTnLst>
+                                </p:cTn>
+                              </p:par>
+                            </p:childTnLst>
+                          </p:cTn>
+                        </p:par>
+                      </p:childTnLst>
+                    </p:cTn>
+                  </p:par>
+                  <p:par>
+                    <p:cTn id="19" fill="hold">
+                      <p:stCondLst>
+                        <p:cond delay="indefinite"/>
+                      </p:stCondLst>
+                      <p:childTnLst>
+                        <p:par>
+                          <p:cTn id="20" fill="hold">
+                            <p:stCondLst>
+                              <p:cond delay="0"/>
+                            </p:stCondLst>
+                            <p:childTnLst>
+                              <p:par>
+                                <p:cTn id="21" presetID="1" presetClass="entr" presetSubtype="0" fill="hold" grpId="0" nodeType="clickEffect">
+                                  <p:stCondLst>
+                                    <p:cond delay="0"/>
+                                  </p:stCondLst>
+                                  <p:childTnLst>
+                                    <p:set>
+                                      <p:cBhvr>
+                                        <p:cTn id="22" dur="1" fill="hold">
+                                          <p:stCondLst>
+                                            <p:cond delay="0"/>
+                                          </p:stCondLst>
+                                        </p:cTn>
+                                        <p:tgtEl>
+                                          <p:spTgt spid="5">
+                                            <p:graphicEl>
+                                              <a:dgm id="{E4B8082E-C112-4282-94BA-405D6EEB02E0}"/>
+                                            </p:graphicEl>
+                                          </p:spTgt>
+                                        </p:tgtEl>
+                                        <p:attrNameLst>
+                                          <p:attrName>style.visibility</p:attrName>
+                                        </p:attrNameLst>
+                                      </p:cBhvr>
+                                      <p:to>
+                                        <p:strVal val="visible"/>
+                                      </p:to>
+                                    </p:set>
+                                  </p:childTnLst>
+                                </p:cTn>
+                              </p:par>
+                              <p:par>
+                                <p:cTn id="23" presetID="1" presetClass="entr" presetSubtype="0" fill="hold" grpId="0" nodeType="withEffect">
+                                  <p:stCondLst>
+                                    <p:cond delay="0"/>
+                                  </p:stCondLst>
+                                  <p:childTnLst>
+                                    <p:set>
+                                      <p:cBhvr>
+                                        <p:cTn id="24" dur="1" fill="hold">
+                                          <p:stCondLst>
+                                            <p:cond delay="0"/>
+                                          </p:stCondLst>
+                                        </p:cTn>
+                                        <p:tgtEl>
+                                          <p:spTgt spid="5">
+                                            <p:graphicEl>
+                                              <a:dgm id="{2BC579E9-277A-4245-831E-CB33BD64094C}"/>
+                                            </p:graphicEl>
+                                          </p:spTgt>
+                                        </p:tgtEl>
+                                        <p:attrNameLst>
+                                          <p:attrName>style.visibility</p:attrName>
+                                        </p:attrNameLst>
+                                      </p:cBhvr>
+                                      <p:to>
+                                        <p:strVal val="visible"/>
+                                      </p:to>
+                                    </p:set>
+                                  </p:childTnLst>
+                                </p:cTn>
+                              </p:par>
+                              <p:par>
+                                <p:cTn id="25" presetID="1" presetClass="entr" presetSubtype="0" fill="hold" grpId="0" nodeType="withEffect">
+                                  <p:stCondLst>
+                                    <p:cond delay="0"/>
+                                  </p:stCondLst>
+                                  <p:childTnLst>
+                                    <p:set>
+                                      <p:cBhvr>
+                                        <p:cTn id="26" dur="1" fill="hold">
+                                          <p:stCondLst>
+                                            <p:cond delay="0"/>
+                                          </p:stCondLst>
+                                        </p:cTn>
+                                        <p:tgtEl>
+                                          <p:spTgt spid="5">
+                                            <p:graphicEl>
+                                              <a:dgm id="{DD728631-D7CC-47DD-940A-D633CB91014B}"/>
+                                            </p:graphicEl>
+                                          </p:spTgt>
+                                        </p:tgtEl>
+                                        <p:attrNameLst>
+                                          <p:attrName>style.visibility</p:attrName>
+                                        </p:attrNameLst>
+                                      </p:cBhvr>
+                                      <p:to>
+                                        <p:strVal val="visible"/>
+                                      </p:to>
+                                    </p:set>
+                                  </p:childTnLst>
+                                </p:cTn>
+                              </p:par>
+                            </p:childTnLst>
+                          </p:cTn>
+                        </p:par>
+                      </p:childTnLst>
+                    </p:cTn>
+                  </p:par>
+                </p:childTnLst>
+              </p:cTn>
+              <p:prevCondLst>
+                <p:cond evt="onPrev" delay="0">
+                  <p:tgtEl>
+                    <p:sldTgt/>
+                  </p:tgtEl>
+                </p:cond>
+              </p:prevCondLst>
+              <p:nextCondLst>
+                <p:cond evt="onNext" delay="0">
+                  <p:tgtEl>
+                    <p:sldTgt/>
+                  </p:tgtEl>
+                </p:cond>
+              </p:nextCondLst>
+            </p:seq>
+          </p:childTnLst>
+        </p:cTn>
+      </p:par>
+    </p:tnLst>
+    <p:bldLst>
+      <p:bldGraphic spid="5" grpId="0">
+        <p:bldSub>
+          <a:bldDgm bld="one"/>
+        </p:bldSub>
+      </p:bldGraphic>
+    </p:bldLst>
+  </p:timing>
 </p:sld>
 </file>
 
@@ -28424,17 +29015,16 @@
           <a:lstStyle/>
           <a:p>
             <a:r>
-              <a:rPr lang="en-US"/>
+              <a:rPr lang="en-US" dirty="0"/>
               <a:t>Research reports are evaluated based on one fundamental issue: How well do they communicate with the reader? </a:t>
             </a:r>
           </a:p>
           <a:p>
             <a:pPr lvl="1"/>
             <a:r>
-              <a:rPr lang="en-US"/>
+              <a:rPr lang="en-US" dirty="0"/>
               <a:t>Near-perfect research can get lost in the clutter of a poorly written report </a:t>
             </a:r>
-            <a:endParaRPr lang="en-US" dirty="0"/>
           </a:p>
         </p:txBody>
       </p:sp>
@@ -28448,6 +29038,137 @@
   <p:clrMapOvr>
     <a:masterClrMapping/>
   </p:clrMapOvr>
+  <p:timing>
+    <p:tnLst>
+      <p:par>
+        <p:cTn id="1" dur="indefinite" restart="never" nodeType="tmRoot">
+          <p:childTnLst>
+            <p:seq concurrent="1" nextAc="seek">
+              <p:cTn id="2" dur="indefinite" nodeType="mainSeq">
+                <p:childTnLst>
+                  <p:par>
+                    <p:cTn id="3" fill="hold">
+                      <p:stCondLst>
+                        <p:cond delay="indefinite"/>
+                      </p:stCondLst>
+                      <p:childTnLst>
+                        <p:par>
+                          <p:cTn id="4" fill="hold">
+                            <p:stCondLst>
+                              <p:cond delay="0"/>
+                            </p:stCondLst>
+                            <p:childTnLst>
+                              <p:par>
+                                <p:cTn id="5" presetID="1" presetClass="entr" presetSubtype="0" fill="hold" grpId="0" nodeType="clickEffect">
+                                  <p:stCondLst>
+                                    <p:cond delay="0"/>
+                                  </p:stCondLst>
+                                  <p:childTnLst>
+                                    <p:set>
+                                      <p:cBhvr>
+                                        <p:cTn id="6" dur="1" fill="hold">
+                                          <p:stCondLst>
+                                            <p:cond delay="0"/>
+                                          </p:stCondLst>
+                                        </p:cTn>
+                                        <p:tgtEl>
+                                          <p:spTgt spid="3">
+                                            <p:txEl>
+                                              <p:pRg st="0" end="0"/>
+                                            </p:txEl>
+                                          </p:spTgt>
+                                        </p:tgtEl>
+                                        <p:attrNameLst>
+                                          <p:attrName>style.visibility</p:attrName>
+                                        </p:attrNameLst>
+                                      </p:cBhvr>
+                                      <p:to>
+                                        <p:strVal val="visible"/>
+                                      </p:to>
+                                    </p:set>
+                                  </p:childTnLst>
+                                </p:cTn>
+                              </p:par>
+                            </p:childTnLst>
+                          </p:cTn>
+                        </p:par>
+                      </p:childTnLst>
+                    </p:cTn>
+                  </p:par>
+                  <p:par>
+                    <p:cTn id="7" fill="hold">
+                      <p:stCondLst>
+                        <p:cond delay="indefinite"/>
+                      </p:stCondLst>
+                      <p:childTnLst>
+                        <p:par>
+                          <p:cTn id="8" fill="hold">
+                            <p:stCondLst>
+                              <p:cond delay="0"/>
+                            </p:stCondLst>
+                            <p:childTnLst>
+                              <p:par>
+                                <p:cTn id="9" presetID="1" presetClass="entr" presetSubtype="0" fill="hold" nodeType="clickEffect">
+                                  <p:stCondLst>
+                                    <p:cond delay="0"/>
+                                  </p:stCondLst>
+                                  <p:childTnLst>
+                                    <p:set>
+                                      <p:cBhvr>
+                                        <p:cTn id="10" dur="1" fill="hold">
+                                          <p:stCondLst>
+                                            <p:cond delay="0"/>
+                                          </p:stCondLst>
+                                        </p:cTn>
+                                        <p:tgtEl>
+                                          <p:spTgt spid="3">
+                                            <p:txEl>
+                                              <p:pRg st="1" end="1"/>
+                                            </p:txEl>
+                                          </p:spTgt>
+                                        </p:tgtEl>
+                                        <p:attrNameLst>
+                                          <p:attrName>style.visibility</p:attrName>
+                                        </p:attrNameLst>
+                                      </p:cBhvr>
+                                      <p:to>
+                                        <p:strVal val="visible"/>
+                                      </p:to>
+                                    </p:set>
+                                  </p:childTnLst>
+                                </p:cTn>
+                              </p:par>
+                            </p:childTnLst>
+                          </p:cTn>
+                        </p:par>
+                      </p:childTnLst>
+                    </p:cTn>
+                  </p:par>
+                </p:childTnLst>
+              </p:cTn>
+              <p:prevCondLst>
+                <p:cond evt="onPrev" delay="0">
+                  <p:tgtEl>
+                    <p:sldTgt/>
+                  </p:tgtEl>
+                </p:cond>
+              </p:prevCondLst>
+              <p:nextCondLst>
+                <p:cond evt="onNext" delay="0">
+                  <p:tgtEl>
+                    <p:sldTgt/>
+                  </p:tgtEl>
+                </p:cond>
+              </p:nextCondLst>
+            </p:seq>
+          </p:childTnLst>
+        </p:cTn>
+      </p:par>
+    </p:tnLst>
+    <p:bldLst>
+      <p:bldP spid="3" grpId="0" uiExpand="1" build="p"/>
+    </p:bldLst>
+  </p:timing>
 </p:sld>
 </file>
 
@@ -28517,6 +29238,11 @@
           </p:cNvGraphicFramePr>
           <p:nvPr>
             <p:ph idx="1"/>
+            <p:extLst>
+              <p:ext uri="{D42A27DB-BD31-4B8C-83A1-F6EECF244321}">
+                <p14:modId xmlns:p14="http://schemas.microsoft.com/office/powerpoint/2010/main" val="860644836"/>
+              </p:ext>
+            </p:extLst>
           </p:nvPr>
         </p:nvGraphicFramePr>
         <p:xfrm>
@@ -28539,6 +29265,265 @@
   <p:clrMapOvr>
     <a:masterClrMapping/>
   </p:clrMapOvr>
+  <p:timing>
+    <p:tnLst>
+      <p:par>
+        <p:cTn id="1" dur="indefinite" restart="never" nodeType="tmRoot">
+          <p:childTnLst>
+            <p:seq concurrent="1" nextAc="seek">
+              <p:cTn id="2" dur="indefinite" nodeType="mainSeq">
+                <p:childTnLst>
+                  <p:par>
+                    <p:cTn id="3" fill="hold">
+                      <p:stCondLst>
+                        <p:cond delay="indefinite"/>
+                      </p:stCondLst>
+                      <p:childTnLst>
+                        <p:par>
+                          <p:cTn id="4" fill="hold">
+                            <p:stCondLst>
+                              <p:cond delay="0"/>
+                            </p:stCondLst>
+                            <p:childTnLst>
+                              <p:par>
+                                <p:cTn id="5" presetID="1" presetClass="entr" presetSubtype="0" fill="hold" grpId="0" nodeType="clickEffect">
+                                  <p:stCondLst>
+                                    <p:cond delay="0"/>
+                                  </p:stCondLst>
+                                  <p:childTnLst>
+                                    <p:set>
+                                      <p:cBhvr>
+                                        <p:cTn id="6" dur="1" fill="hold">
+                                          <p:stCondLst>
+                                            <p:cond delay="0"/>
+                                          </p:stCondLst>
+                                        </p:cTn>
+                                        <p:tgtEl>
+                                          <p:spTgt spid="5">
+                                            <p:graphicEl>
+                                              <a:dgm id="{E57E57C2-183F-4C80-9709-B3135E35681A}"/>
+                                            </p:graphicEl>
+                                          </p:spTgt>
+                                        </p:tgtEl>
+                                        <p:attrNameLst>
+                                          <p:attrName>style.visibility</p:attrName>
+                                        </p:attrNameLst>
+                                      </p:cBhvr>
+                                      <p:to>
+                                        <p:strVal val="visible"/>
+                                      </p:to>
+                                    </p:set>
+                                  </p:childTnLst>
+                                </p:cTn>
+                              </p:par>
+                              <p:par>
+                                <p:cTn id="7" presetID="1" presetClass="entr" presetSubtype="0" fill="hold" grpId="0" nodeType="withEffect">
+                                  <p:stCondLst>
+                                    <p:cond delay="0"/>
+                                  </p:stCondLst>
+                                  <p:childTnLst>
+                                    <p:set>
+                                      <p:cBhvr>
+                                        <p:cTn id="8" dur="1" fill="hold">
+                                          <p:stCondLst>
+                                            <p:cond delay="0"/>
+                                          </p:stCondLst>
+                                        </p:cTn>
+                                        <p:tgtEl>
+                                          <p:spTgt spid="5">
+                                            <p:graphicEl>
+                                              <a:dgm id="{70257F59-450D-4CD6-8ED9-5483F08E6DED}"/>
+                                            </p:graphicEl>
+                                          </p:spTgt>
+                                        </p:tgtEl>
+                                        <p:attrNameLst>
+                                          <p:attrName>style.visibility</p:attrName>
+                                        </p:attrNameLst>
+                                      </p:cBhvr>
+                                      <p:to>
+                                        <p:strVal val="visible"/>
+                                      </p:to>
+                                    </p:set>
+                                  </p:childTnLst>
+                                </p:cTn>
+                              </p:par>
+                              <p:par>
+                                <p:cTn id="9" presetID="1" presetClass="entr" presetSubtype="0" fill="hold" grpId="0" nodeType="withEffect">
+                                  <p:stCondLst>
+                                    <p:cond delay="0"/>
+                                  </p:stCondLst>
+                                  <p:childTnLst>
+                                    <p:set>
+                                      <p:cBhvr>
+                                        <p:cTn id="10" dur="1" fill="hold">
+                                          <p:stCondLst>
+                                            <p:cond delay="0"/>
+                                          </p:stCondLst>
+                                        </p:cTn>
+                                        <p:tgtEl>
+                                          <p:spTgt spid="5">
+                                            <p:graphicEl>
+                                              <a:dgm id="{2F9AA7D9-CBDE-4B14-9E31-A739E358F327}"/>
+                                            </p:graphicEl>
+                                          </p:spTgt>
+                                        </p:tgtEl>
+                                        <p:attrNameLst>
+                                          <p:attrName>style.visibility</p:attrName>
+                                        </p:attrNameLst>
+                                      </p:cBhvr>
+                                      <p:to>
+                                        <p:strVal val="visible"/>
+                                      </p:to>
+                                    </p:set>
+                                  </p:childTnLst>
+                                </p:cTn>
+                              </p:par>
+                            </p:childTnLst>
+                          </p:cTn>
+                        </p:par>
+                      </p:childTnLst>
+                    </p:cTn>
+                  </p:par>
+                  <p:par>
+                    <p:cTn id="11" fill="hold">
+                      <p:stCondLst>
+                        <p:cond delay="indefinite"/>
+                      </p:stCondLst>
+                      <p:childTnLst>
+                        <p:par>
+                          <p:cTn id="12" fill="hold">
+                            <p:stCondLst>
+                              <p:cond delay="0"/>
+                            </p:stCondLst>
+                            <p:childTnLst>
+                              <p:par>
+                                <p:cTn id="13" presetID="1" presetClass="entr" presetSubtype="0" fill="hold" grpId="0" nodeType="clickEffect">
+                                  <p:stCondLst>
+                                    <p:cond delay="0"/>
+                                  </p:stCondLst>
+                                  <p:childTnLst>
+                                    <p:set>
+                                      <p:cBhvr>
+                                        <p:cTn id="14" dur="1" fill="hold">
+                                          <p:stCondLst>
+                                            <p:cond delay="0"/>
+                                          </p:stCondLst>
+                                        </p:cTn>
+                                        <p:tgtEl>
+                                          <p:spTgt spid="5">
+                                            <p:graphicEl>
+                                              <a:dgm id="{874B60C8-2A8E-4D58-A2ED-517663EE8E1B}"/>
+                                            </p:graphicEl>
+                                          </p:spTgt>
+                                        </p:tgtEl>
+                                        <p:attrNameLst>
+                                          <p:attrName>style.visibility</p:attrName>
+                                        </p:attrNameLst>
+                                      </p:cBhvr>
+                                      <p:to>
+                                        <p:strVal val="visible"/>
+                                      </p:to>
+                                    </p:set>
+                                  </p:childTnLst>
+                                </p:cTn>
+                              </p:par>
+                              <p:par>
+                                <p:cTn id="15" presetID="1" presetClass="entr" presetSubtype="0" fill="hold" grpId="0" nodeType="withEffect">
+                                  <p:stCondLst>
+                                    <p:cond delay="0"/>
+                                  </p:stCondLst>
+                                  <p:childTnLst>
+                                    <p:set>
+                                      <p:cBhvr>
+                                        <p:cTn id="16" dur="1" fill="hold">
+                                          <p:stCondLst>
+                                            <p:cond delay="0"/>
+                                          </p:stCondLst>
+                                        </p:cTn>
+                                        <p:tgtEl>
+                                          <p:spTgt spid="5">
+                                            <p:graphicEl>
+                                              <a:dgm id="{8698C902-D49F-464F-AF86-829B06AFA5C9}"/>
+                                            </p:graphicEl>
+                                          </p:spTgt>
+                                        </p:tgtEl>
+                                        <p:attrNameLst>
+                                          <p:attrName>style.visibility</p:attrName>
+                                        </p:attrNameLst>
+                                      </p:cBhvr>
+                                      <p:to>
+                                        <p:strVal val="visible"/>
+                                      </p:to>
+                                    </p:set>
+                                  </p:childTnLst>
+                                </p:cTn>
+                              </p:par>
+                              <p:par>
+                                <p:cTn id="17" presetID="1" presetClass="entr" presetSubtype="0" fill="hold" grpId="0" nodeType="withEffect">
+                                  <p:stCondLst>
+                                    <p:cond delay="0"/>
+                                  </p:stCondLst>
+                                  <p:childTnLst>
+                                    <p:set>
+                                      <p:cBhvr>
+                                        <p:cTn id="18" dur="1" fill="hold">
+                                          <p:stCondLst>
+                                            <p:cond delay="0"/>
+                                          </p:stCondLst>
+                                        </p:cTn>
+                                        <p:tgtEl>
+                                          <p:spTgt spid="5">
+                                            <p:graphicEl>
+                                              <a:dgm id="{3B34112E-C9D9-4937-AAA9-BD7EF6E8840B}"/>
+                                            </p:graphicEl>
+                                          </p:spTgt>
+                                        </p:tgtEl>
+                                        <p:attrNameLst>
+                                          <p:attrName>style.visibility</p:attrName>
+                                        </p:attrNameLst>
+                                      </p:cBhvr>
+                                      <p:to>
+                                        <p:strVal val="visible"/>
+                                      </p:to>
+                                    </p:set>
+                                  </p:childTnLst>
+                                </p:cTn>
+                              </p:par>
+                            </p:childTnLst>
+                          </p:cTn>
+                        </p:par>
+                      </p:childTnLst>
+                    </p:cTn>
+                  </p:par>
+                </p:childTnLst>
+              </p:cTn>
+              <p:prevCondLst>
+                <p:cond evt="onPrev" delay="0">
+                  <p:tgtEl>
+                    <p:sldTgt/>
+                  </p:tgtEl>
+                </p:cond>
+              </p:prevCondLst>
+              <p:nextCondLst>
+                <p:cond evt="onNext" delay="0">
+                  <p:tgtEl>
+                    <p:sldTgt/>
+                  </p:tgtEl>
+                </p:cond>
+              </p:nextCondLst>
+            </p:seq>
+          </p:childTnLst>
+        </p:cTn>
+      </p:par>
+    </p:tnLst>
+    <p:bldLst>
+      <p:bldGraphic spid="5" grpId="0">
+        <p:bldSub>
+          <a:bldDgm bld="one"/>
+        </p:bldSub>
+      </p:bldGraphic>
+    </p:bldLst>
+  </p:timing>
 </p:sld>
 </file>
 
@@ -28634,7 +29619,7 @@
               <a:buNone/>
             </a:pPr>
             <a:r>
-              <a:rPr lang="en-US" sz="2400" kern="1200">
+              <a:rPr lang="en-US" sz="2400" kern="1200" dirty="0">
                 <a:solidFill>
                   <a:schemeClr val="tx1"/>
                 </a:solidFill>
@@ -28943,7 +29928,13 @@
           <p:cNvGraphicFramePr>
             <a:graphicFrameLocks noGrp="1"/>
           </p:cNvGraphicFramePr>
-          <p:nvPr/>
+          <p:nvPr>
+            <p:extLst>
+              <p:ext uri="{D42A27DB-BD31-4B8C-83A1-F6EECF244321}">
+                <p14:modId xmlns:p14="http://schemas.microsoft.com/office/powerpoint/2010/main" val="3305654603"/>
+              </p:ext>
+            </p:extLst>
+          </p:nvPr>
         </p:nvGraphicFramePr>
         <p:xfrm>
           <a:off x="4654296" y="868735"/>
@@ -28995,7 +29986,7 @@
                         <a:defRPr/>
                       </a:pPr>
                       <a:r>
-                        <a:rPr lang="en-US" sz="1600"/>
+                        <a:rPr lang="en-US" sz="1600" dirty="0"/>
                         <a:t>Inaccuracy</a:t>
                       </a:r>
                     </a:p>
@@ -29098,7 +30089,7 @@
                     <a:lstStyle/>
                     <a:p>
                       <a:r>
-                        <a:rPr lang="en-US" sz="1600"/>
+                        <a:rPr lang="en-US" sz="1600" dirty="0"/>
                         <a:t>Confusion between percentages and Percentage Points</a:t>
                       </a:r>
                     </a:p>
@@ -29111,8 +30102,8 @@
                     <a:lstStyle/>
                     <a:p>
                       <a:r>
-                        <a:rPr lang="en-US" sz="1600"/>
-                        <a:t>“The company’s profits as a percentage of sales were 6% in 1997 and 8% in 20002. Therefore, they increased only 2% in five years.”</a:t>
+                        <a:rPr lang="en-US" sz="1600" dirty="0"/>
+                        <a:t>“The company’s profits as a percentage of sales were 6% in 1997 and 8% in 2002. Therefore, they increased only 2% in five years.”</a:t>
                       </a:r>
                     </a:p>
                   </a:txBody>
@@ -29131,7 +30122,7 @@
                     <a:lstStyle/>
                     <a:p>
                       <a:r>
-                        <a:rPr lang="en-US" sz="1600"/>
+                        <a:rPr lang="en-US" sz="1600" dirty="0"/>
                         <a:t>Inaccuracy Caused by Grammatical Errors</a:t>
                       </a:r>
                     </a:p>
@@ -29144,7 +30135,7 @@
                     <a:lstStyle/>
                     <a:p>
                       <a:r>
-                        <a:rPr lang="en-US" sz="1600"/>
+                        <a:rPr lang="en-US" sz="1600" dirty="0"/>
                         <a:t>“The reduction in the government’s price supports for diary products has reduced farm income from $600 million to $800 million per year.”</a:t>
                       </a:r>
                     </a:p>
@@ -29177,7 +30168,7 @@
                     <a:lstStyle/>
                     <a:p>
                       <a:r>
-                        <a:rPr lang="en-US" sz="1600"/>
+                        <a:rPr lang="en-US" sz="1600" dirty="0"/>
                         <a:t>“The Jones’ household annual income increased from $15,000 in 1976 to $45,000 in 2006, thereby tripling the family’s purchasing power.”</a:t>
                       </a:r>
                     </a:p>
@@ -29321,7 +30312,7 @@
           <a:lstStyle/>
           <a:p>
             <a:r>
-              <a:rPr lang="en-US" sz="5400"/>
+              <a:rPr lang="en-US" sz="5400" dirty="0"/>
               <a:t>Clarity</a:t>
             </a:r>
           </a:p>
@@ -29796,98 +30787,6 @@
   <p:clrMapOvr>
     <a:masterClrMapping/>
   </p:clrMapOvr>
-  <p:timing>
-    <p:tnLst>
-      <p:par>
-        <p:cTn id="1" dur="indefinite" restart="never" nodeType="tmRoot">
-          <p:childTnLst>
-            <p:seq concurrent="1" nextAc="seek">
-              <p:cTn id="2" dur="indefinite" nodeType="mainSeq">
-                <p:childTnLst>
-                  <p:par>
-                    <p:cTn id="3" fill="hold">
-                      <p:stCondLst>
-                        <p:cond delay="indefinite"/>
-                        <p:cond evt="onBegin" delay="0">
-                          <p:tn val="2"/>
-                        </p:cond>
-                      </p:stCondLst>
-                      <p:childTnLst>
-                        <p:par>
-                          <p:cTn id="4" fill="hold">
-                            <p:stCondLst>
-                              <p:cond delay="0"/>
-                            </p:stCondLst>
-                            <p:childTnLst>
-                              <p:par>
-                                <p:cTn id="5" presetID="10" presetClass="entr" presetSubtype="0" fill="hold" grpId="0" nodeType="withEffect">
-                                  <p:stCondLst>
-                                    <p:cond delay="500"/>
-                                  </p:stCondLst>
-                                  <p:iterate>
-                                    <p:tmPct val="10000"/>
-                                  </p:iterate>
-                                  <p:childTnLst>
-                                    <p:set>
-                                      <p:cBhvr>
-                                        <p:cTn id="6" dur="1" fill="hold">
-                                          <p:stCondLst>
-                                            <p:cond delay="0"/>
-                                          </p:stCondLst>
-                                        </p:cTn>
-                                        <p:tgtEl>
-                                          <p:spTgt spid="2"/>
-                                        </p:tgtEl>
-                                        <p:attrNameLst>
-                                          <p:attrName>style.visibility</p:attrName>
-                                        </p:attrNameLst>
-                                      </p:cBhvr>
-                                      <p:to>
-                                        <p:strVal val="visible"/>
-                                      </p:to>
-                                    </p:set>
-                                    <p:animEffect transition="in" filter="fade">
-                                      <p:cBhvr>
-                                        <p:cTn id="7" dur="700"/>
-                                        <p:tgtEl>
-                                          <p:spTgt spid="2"/>
-                                        </p:tgtEl>
-                                      </p:cBhvr>
-                                    </p:animEffect>
-                                  </p:childTnLst>
-                                </p:cTn>
-                              </p:par>
-                            </p:childTnLst>
-                          </p:cTn>
-                        </p:par>
-                      </p:childTnLst>
-                    </p:cTn>
-                  </p:par>
-                </p:childTnLst>
-              </p:cTn>
-              <p:prevCondLst>
-                <p:cond evt="onPrev" delay="0">
-                  <p:tgtEl>
-                    <p:sldTgt/>
-                  </p:tgtEl>
-                </p:cond>
-              </p:prevCondLst>
-              <p:nextCondLst>
-                <p:cond evt="onNext" delay="0">
-                  <p:tgtEl>
-                    <p:sldTgt/>
-                  </p:tgtEl>
-                </p:cond>
-              </p:nextCondLst>
-            </p:seq>
-          </p:childTnLst>
-        </p:cTn>
-      </p:par>
-    </p:tnLst>
-    <p:bldLst>
-      <p:bldP spid="2" grpId="0"/>
-    </p:bldLst>
-  </p:timing>
 </p:sld>
 </file>
 
@@ -36634,7 +37533,7 @@
             <p:ph idx="1"/>
             <p:extLst>
               <p:ext uri="{D42A27DB-BD31-4B8C-83A1-F6EECF244321}">
-                <p14:modId xmlns:p14="http://schemas.microsoft.com/office/powerpoint/2010/main" val="2790368637"/>
+                <p14:modId xmlns:p14="http://schemas.microsoft.com/office/powerpoint/2010/main" val="1147485972"/>
               </p:ext>
             </p:extLst>
           </p:nvPr>
@@ -37391,7 +38290,7 @@
                   <a:schemeClr val="bg1"/>
                 </a:solidFill>
               </a:rPr>
-              <a:t>Why most things fail? </a:t>
+              <a:t>Why do most things fail? </a:t>
             </a:r>
           </a:p>
           <a:p>
@@ -37737,6 +38636,323 @@
   <p:clrMapOvr>
     <a:masterClrMapping/>
   </p:clrMapOvr>
+  <p:timing>
+    <p:tnLst>
+      <p:par>
+        <p:cTn id="1" dur="indefinite" restart="never" nodeType="tmRoot">
+          <p:childTnLst>
+            <p:seq concurrent="1" nextAc="seek">
+              <p:cTn id="2" dur="indefinite" nodeType="mainSeq">
+                <p:childTnLst>
+                  <p:par>
+                    <p:cTn id="3" fill="hold">
+                      <p:stCondLst>
+                        <p:cond delay="indefinite"/>
+                      </p:stCondLst>
+                      <p:childTnLst>
+                        <p:par>
+                          <p:cTn id="4" fill="hold">
+                            <p:stCondLst>
+                              <p:cond delay="0"/>
+                            </p:stCondLst>
+                            <p:childTnLst>
+                              <p:par>
+                                <p:cTn id="5" presetID="1" presetClass="entr" presetSubtype="0" fill="hold" grpId="0" nodeType="clickEffect">
+                                  <p:stCondLst>
+                                    <p:cond delay="0"/>
+                                  </p:stCondLst>
+                                  <p:childTnLst>
+                                    <p:set>
+                                      <p:cBhvr>
+                                        <p:cTn id="6" dur="1" fill="hold">
+                                          <p:stCondLst>
+                                            <p:cond delay="0"/>
+                                          </p:stCondLst>
+                                        </p:cTn>
+                                        <p:tgtEl>
+                                          <p:spTgt spid="3">
+                                            <p:txEl>
+                                              <p:pRg st="0" end="0"/>
+                                            </p:txEl>
+                                          </p:spTgt>
+                                        </p:tgtEl>
+                                        <p:attrNameLst>
+                                          <p:attrName>style.visibility</p:attrName>
+                                        </p:attrNameLst>
+                                      </p:cBhvr>
+                                      <p:to>
+                                        <p:strVal val="visible"/>
+                                      </p:to>
+                                    </p:set>
+                                  </p:childTnLst>
+                                </p:cTn>
+                              </p:par>
+                              <p:par>
+                                <p:cTn id="7" presetID="1" presetClass="entr" presetSubtype="0" fill="hold" grpId="0" nodeType="withEffect">
+                                  <p:stCondLst>
+                                    <p:cond delay="0"/>
+                                  </p:stCondLst>
+                                  <p:childTnLst>
+                                    <p:set>
+                                      <p:cBhvr>
+                                        <p:cTn id="8" dur="1" fill="hold">
+                                          <p:stCondLst>
+                                            <p:cond delay="0"/>
+                                          </p:stCondLst>
+                                        </p:cTn>
+                                        <p:tgtEl>
+                                          <p:spTgt spid="3">
+                                            <p:txEl>
+                                              <p:pRg st="1" end="1"/>
+                                            </p:txEl>
+                                          </p:spTgt>
+                                        </p:tgtEl>
+                                        <p:attrNameLst>
+                                          <p:attrName>style.visibility</p:attrName>
+                                        </p:attrNameLst>
+                                      </p:cBhvr>
+                                      <p:to>
+                                        <p:strVal val="visible"/>
+                                      </p:to>
+                                    </p:set>
+                                  </p:childTnLst>
+                                </p:cTn>
+                              </p:par>
+                              <p:par>
+                                <p:cTn id="9" presetID="1" presetClass="entr" presetSubtype="0" fill="hold" grpId="0" nodeType="withEffect">
+                                  <p:stCondLst>
+                                    <p:cond delay="0"/>
+                                  </p:stCondLst>
+                                  <p:childTnLst>
+                                    <p:set>
+                                      <p:cBhvr>
+                                        <p:cTn id="10" dur="1" fill="hold">
+                                          <p:stCondLst>
+                                            <p:cond delay="0"/>
+                                          </p:stCondLst>
+                                        </p:cTn>
+                                        <p:tgtEl>
+                                          <p:spTgt spid="3">
+                                            <p:txEl>
+                                              <p:pRg st="2" end="2"/>
+                                            </p:txEl>
+                                          </p:spTgt>
+                                        </p:tgtEl>
+                                        <p:attrNameLst>
+                                          <p:attrName>style.visibility</p:attrName>
+                                        </p:attrNameLst>
+                                      </p:cBhvr>
+                                      <p:to>
+                                        <p:strVal val="visible"/>
+                                      </p:to>
+                                    </p:set>
+                                  </p:childTnLst>
+                                </p:cTn>
+                              </p:par>
+                              <p:par>
+                                <p:cTn id="11" presetID="1" presetClass="entr" presetSubtype="0" fill="hold" grpId="0" nodeType="withEffect">
+                                  <p:stCondLst>
+                                    <p:cond delay="0"/>
+                                  </p:stCondLst>
+                                  <p:childTnLst>
+                                    <p:set>
+                                      <p:cBhvr>
+                                        <p:cTn id="12" dur="1" fill="hold">
+                                          <p:stCondLst>
+                                            <p:cond delay="0"/>
+                                          </p:stCondLst>
+                                        </p:cTn>
+                                        <p:tgtEl>
+                                          <p:spTgt spid="3">
+                                            <p:txEl>
+                                              <p:pRg st="3" end="3"/>
+                                            </p:txEl>
+                                          </p:spTgt>
+                                        </p:tgtEl>
+                                        <p:attrNameLst>
+                                          <p:attrName>style.visibility</p:attrName>
+                                        </p:attrNameLst>
+                                      </p:cBhvr>
+                                      <p:to>
+                                        <p:strVal val="visible"/>
+                                      </p:to>
+                                    </p:set>
+                                  </p:childTnLst>
+                                </p:cTn>
+                              </p:par>
+                              <p:par>
+                                <p:cTn id="13" presetID="1" presetClass="entr" presetSubtype="0" fill="hold" grpId="0" nodeType="withEffect">
+                                  <p:stCondLst>
+                                    <p:cond delay="0"/>
+                                  </p:stCondLst>
+                                  <p:childTnLst>
+                                    <p:set>
+                                      <p:cBhvr>
+                                        <p:cTn id="14" dur="1" fill="hold">
+                                          <p:stCondLst>
+                                            <p:cond delay="0"/>
+                                          </p:stCondLst>
+                                        </p:cTn>
+                                        <p:tgtEl>
+                                          <p:spTgt spid="3">
+                                            <p:txEl>
+                                              <p:pRg st="4" end="4"/>
+                                            </p:txEl>
+                                          </p:spTgt>
+                                        </p:tgtEl>
+                                        <p:attrNameLst>
+                                          <p:attrName>style.visibility</p:attrName>
+                                        </p:attrNameLst>
+                                      </p:cBhvr>
+                                      <p:to>
+                                        <p:strVal val="visible"/>
+                                      </p:to>
+                                    </p:set>
+                                  </p:childTnLst>
+                                </p:cTn>
+                              </p:par>
+                            </p:childTnLst>
+                          </p:cTn>
+                        </p:par>
+                      </p:childTnLst>
+                    </p:cTn>
+                  </p:par>
+                  <p:par>
+                    <p:cTn id="15" fill="hold">
+                      <p:stCondLst>
+                        <p:cond delay="indefinite"/>
+                      </p:stCondLst>
+                      <p:childTnLst>
+                        <p:par>
+                          <p:cTn id="16" fill="hold">
+                            <p:stCondLst>
+                              <p:cond delay="0"/>
+                            </p:stCondLst>
+                            <p:childTnLst>
+                              <p:par>
+                                <p:cTn id="17" presetID="1" presetClass="entr" presetSubtype="0" fill="hold" grpId="0" nodeType="clickEffect">
+                                  <p:stCondLst>
+                                    <p:cond delay="0"/>
+                                  </p:stCondLst>
+                                  <p:childTnLst>
+                                    <p:set>
+                                      <p:cBhvr>
+                                        <p:cTn id="18" dur="1" fill="hold">
+                                          <p:stCondLst>
+                                            <p:cond delay="0"/>
+                                          </p:stCondLst>
+                                        </p:cTn>
+                                        <p:tgtEl>
+                                          <p:spTgt spid="3">
+                                            <p:txEl>
+                                              <p:pRg st="5" end="5"/>
+                                            </p:txEl>
+                                          </p:spTgt>
+                                        </p:tgtEl>
+                                        <p:attrNameLst>
+                                          <p:attrName>style.visibility</p:attrName>
+                                        </p:attrNameLst>
+                                      </p:cBhvr>
+                                      <p:to>
+                                        <p:strVal val="visible"/>
+                                      </p:to>
+                                    </p:set>
+                                  </p:childTnLst>
+                                </p:cTn>
+                              </p:par>
+                              <p:par>
+                                <p:cTn id="19" presetID="1" presetClass="entr" presetSubtype="0" fill="hold" grpId="0" nodeType="withEffect">
+                                  <p:stCondLst>
+                                    <p:cond delay="0"/>
+                                  </p:stCondLst>
+                                  <p:childTnLst>
+                                    <p:set>
+                                      <p:cBhvr>
+                                        <p:cTn id="20" dur="1" fill="hold">
+                                          <p:stCondLst>
+                                            <p:cond delay="0"/>
+                                          </p:stCondLst>
+                                        </p:cTn>
+                                        <p:tgtEl>
+                                          <p:spTgt spid="3">
+                                            <p:txEl>
+                                              <p:pRg st="6" end="6"/>
+                                            </p:txEl>
+                                          </p:spTgt>
+                                        </p:tgtEl>
+                                        <p:attrNameLst>
+                                          <p:attrName>style.visibility</p:attrName>
+                                        </p:attrNameLst>
+                                      </p:cBhvr>
+                                      <p:to>
+                                        <p:strVal val="visible"/>
+                                      </p:to>
+                                    </p:set>
+                                  </p:childTnLst>
+                                </p:cTn>
+                              </p:par>
+                              <p:par>
+                                <p:cTn id="21" presetID="1" presetClass="entr" presetSubtype="0" fill="hold" grpId="0" nodeType="withEffect">
+                                  <p:stCondLst>
+                                    <p:cond delay="0"/>
+                                  </p:stCondLst>
+                                  <p:childTnLst>
+                                    <p:set>
+                                      <p:cBhvr>
+                                        <p:cTn id="22" dur="1" fill="hold">
+                                          <p:stCondLst>
+                                            <p:cond delay="0"/>
+                                          </p:stCondLst>
+                                        </p:cTn>
+                                        <p:tgtEl>
+                                          <p:spTgt spid="3">
+                                            <p:txEl>
+                                              <p:pRg st="7" end="7"/>
+                                            </p:txEl>
+                                          </p:spTgt>
+                                        </p:tgtEl>
+                                        <p:attrNameLst>
+                                          <p:attrName>style.visibility</p:attrName>
+                                        </p:attrNameLst>
+                                      </p:cBhvr>
+                                      <p:to>
+                                        <p:strVal val="visible"/>
+                                      </p:to>
+                                    </p:set>
+                                  </p:childTnLst>
+                                </p:cTn>
+                              </p:par>
+                            </p:childTnLst>
+                          </p:cTn>
+                        </p:par>
+                      </p:childTnLst>
+                    </p:cTn>
+                  </p:par>
+                </p:childTnLst>
+              </p:cTn>
+              <p:prevCondLst>
+                <p:cond evt="onPrev" delay="0">
+                  <p:tgtEl>
+                    <p:sldTgt/>
+                  </p:tgtEl>
+                </p:cond>
+              </p:prevCondLst>
+              <p:nextCondLst>
+                <p:cond evt="onNext" delay="0">
+                  <p:tgtEl>
+                    <p:sldTgt/>
+                  </p:tgtEl>
+                </p:cond>
+              </p:nextCondLst>
+            </p:seq>
+          </p:childTnLst>
+        </p:cTn>
+      </p:par>
+    </p:tnLst>
+    <p:bldLst>
+      <p:bldP spid="3" grpId="0" build="p"/>
+    </p:bldLst>
+  </p:timing>
 </p:sld>
 </file>
 
@@ -38949,6 +40165,199 @@
   <p:clrMapOvr>
     <a:masterClrMapping/>
   </p:clrMapOvr>
+  <p:timing>
+    <p:tnLst>
+      <p:par>
+        <p:cTn id="1" dur="indefinite" restart="never" nodeType="tmRoot">
+          <p:childTnLst>
+            <p:seq concurrent="1" nextAc="seek">
+              <p:cTn id="2" dur="indefinite" nodeType="mainSeq">
+                <p:childTnLst>
+                  <p:par>
+                    <p:cTn id="3" fill="hold">
+                      <p:stCondLst>
+                        <p:cond delay="indefinite"/>
+                      </p:stCondLst>
+                      <p:childTnLst>
+                        <p:par>
+                          <p:cTn id="4" fill="hold">
+                            <p:stCondLst>
+                              <p:cond delay="0"/>
+                            </p:stCondLst>
+                            <p:childTnLst>
+                              <p:par>
+                                <p:cTn id="5" presetID="1" presetClass="entr" presetSubtype="0" fill="hold" grpId="0" nodeType="clickEffect">
+                                  <p:stCondLst>
+                                    <p:cond delay="0"/>
+                                  </p:stCondLst>
+                                  <p:childTnLst>
+                                    <p:set>
+                                      <p:cBhvr>
+                                        <p:cTn id="6" dur="1" fill="hold">
+                                          <p:stCondLst>
+                                            <p:cond delay="0"/>
+                                          </p:stCondLst>
+                                        </p:cTn>
+                                        <p:tgtEl>
+                                          <p:spTgt spid="3">
+                                            <p:txEl>
+                                              <p:pRg st="0" end="0"/>
+                                            </p:txEl>
+                                          </p:spTgt>
+                                        </p:tgtEl>
+                                        <p:attrNameLst>
+                                          <p:attrName>style.visibility</p:attrName>
+                                        </p:attrNameLst>
+                                      </p:cBhvr>
+                                      <p:to>
+                                        <p:strVal val="visible"/>
+                                      </p:to>
+                                    </p:set>
+                                  </p:childTnLst>
+                                </p:cTn>
+                              </p:par>
+                              <p:par>
+                                <p:cTn id="7" presetID="1" presetClass="entr" presetSubtype="0" fill="hold" grpId="0" nodeType="withEffect">
+                                  <p:stCondLst>
+                                    <p:cond delay="0"/>
+                                  </p:stCondLst>
+                                  <p:childTnLst>
+                                    <p:set>
+                                      <p:cBhvr>
+                                        <p:cTn id="8" dur="1" fill="hold">
+                                          <p:stCondLst>
+                                            <p:cond delay="0"/>
+                                          </p:stCondLst>
+                                        </p:cTn>
+                                        <p:tgtEl>
+                                          <p:spTgt spid="3">
+                                            <p:txEl>
+                                              <p:pRg st="1" end="1"/>
+                                            </p:txEl>
+                                          </p:spTgt>
+                                        </p:tgtEl>
+                                        <p:attrNameLst>
+                                          <p:attrName>style.visibility</p:attrName>
+                                        </p:attrNameLst>
+                                      </p:cBhvr>
+                                      <p:to>
+                                        <p:strVal val="visible"/>
+                                      </p:to>
+                                    </p:set>
+                                  </p:childTnLst>
+                                </p:cTn>
+                              </p:par>
+                              <p:par>
+                                <p:cTn id="9" presetID="1" presetClass="entr" presetSubtype="0" fill="hold" grpId="0" nodeType="withEffect">
+                                  <p:stCondLst>
+                                    <p:cond delay="0"/>
+                                  </p:stCondLst>
+                                  <p:childTnLst>
+                                    <p:set>
+                                      <p:cBhvr>
+                                        <p:cTn id="10" dur="1" fill="hold">
+                                          <p:stCondLst>
+                                            <p:cond delay="0"/>
+                                          </p:stCondLst>
+                                        </p:cTn>
+                                        <p:tgtEl>
+                                          <p:spTgt spid="3">
+                                            <p:txEl>
+                                              <p:pRg st="2" end="2"/>
+                                            </p:txEl>
+                                          </p:spTgt>
+                                        </p:tgtEl>
+                                        <p:attrNameLst>
+                                          <p:attrName>style.visibility</p:attrName>
+                                        </p:attrNameLst>
+                                      </p:cBhvr>
+                                      <p:to>
+                                        <p:strVal val="visible"/>
+                                      </p:to>
+                                    </p:set>
+                                  </p:childTnLst>
+                                </p:cTn>
+                              </p:par>
+                            </p:childTnLst>
+                          </p:cTn>
+                        </p:par>
+                      </p:childTnLst>
+                    </p:cTn>
+                  </p:par>
+                  <p:par>
+                    <p:cTn id="11" fill="hold">
+                      <p:stCondLst>
+                        <p:cond delay="indefinite"/>
+                      </p:stCondLst>
+                      <p:childTnLst>
+                        <p:par>
+                          <p:cTn id="12" fill="hold">
+                            <p:stCondLst>
+                              <p:cond delay="0"/>
+                            </p:stCondLst>
+                            <p:childTnLst>
+                              <p:par>
+                                <p:cTn id="13" presetID="1" presetClass="entr" presetSubtype="0" fill="hold" grpId="0" nodeType="clickEffect">
+                                  <p:stCondLst>
+                                    <p:cond delay="0"/>
+                                  </p:stCondLst>
+                                  <p:childTnLst>
+                                    <p:set>
+                                      <p:cBhvr>
+                                        <p:cTn id="14" dur="1" fill="hold">
+                                          <p:stCondLst>
+                                            <p:cond delay="0"/>
+                                          </p:stCondLst>
+                                        </p:cTn>
+                                        <p:tgtEl>
+                                          <p:spTgt spid="3">
+                                            <p:txEl>
+                                              <p:pRg st="3" end="3"/>
+                                            </p:txEl>
+                                          </p:spTgt>
+                                        </p:tgtEl>
+                                        <p:attrNameLst>
+                                          <p:attrName>style.visibility</p:attrName>
+                                        </p:attrNameLst>
+                                      </p:cBhvr>
+                                      <p:to>
+                                        <p:strVal val="visible"/>
+                                      </p:to>
+                                    </p:set>
+                                  </p:childTnLst>
+                                </p:cTn>
+                              </p:par>
+                            </p:childTnLst>
+                          </p:cTn>
+                        </p:par>
+                      </p:childTnLst>
+                    </p:cTn>
+                  </p:par>
+                </p:childTnLst>
+              </p:cTn>
+              <p:prevCondLst>
+                <p:cond evt="onPrev" delay="0">
+                  <p:tgtEl>
+                    <p:sldTgt/>
+                  </p:tgtEl>
+                </p:cond>
+              </p:prevCondLst>
+              <p:nextCondLst>
+                <p:cond evt="onNext" delay="0">
+                  <p:tgtEl>
+                    <p:sldTgt/>
+                  </p:tgtEl>
+                </p:cond>
+              </p:nextCondLst>
+            </p:seq>
+          </p:childTnLst>
+        </p:cTn>
+      </p:par>
+    </p:tnLst>
+    <p:bldLst>
+      <p:bldP spid="3" grpId="0" build="p"/>
+    </p:bldLst>
+  </p:timing>
 </p:sld>
 </file>
 
@@ -41718,19 +43127,19 @@
           <a:lstStyle/>
           <a:p>
             <a:r>
-              <a:rPr lang="en-US" sz="2200"/>
+              <a:rPr lang="en-US" sz="2200" dirty="0"/>
               <a:t>Is time spent studying associated with GPA?</a:t>
             </a:r>
           </a:p>
           <a:p>
             <a:r>
-              <a:rPr lang="en-US" sz="2200"/>
+              <a:rPr lang="en-US" sz="2200" dirty="0"/>
               <a:t>Is the font size for a website promotional discount associated with sales on the website?</a:t>
             </a:r>
           </a:p>
           <a:p>
             <a:r>
-              <a:rPr lang="en-US" sz="2200"/>
+              <a:rPr lang="en-US" sz="2200" dirty="0"/>
               <a:t>Is the amount spent on a laptop associated with a person’s satisfaction with their laptop?</a:t>
             </a:r>
           </a:p>
@@ -41738,7 +43147,7 @@
             <a:pPr marL="0" indent="0">
               <a:buNone/>
             </a:pPr>
-            <a:endParaRPr lang="en-US" sz="2200"/>
+            <a:endParaRPr lang="en-US" sz="2200" dirty="0"/>
           </a:p>
         </p:txBody>
       </p:sp>
@@ -41752,6 +43161,186 @@
   <p:clrMapOvr>
     <a:masterClrMapping/>
   </p:clrMapOvr>
+  <p:timing>
+    <p:tnLst>
+      <p:par>
+        <p:cTn id="1" dur="indefinite" restart="never" nodeType="tmRoot">
+          <p:childTnLst>
+            <p:seq concurrent="1" nextAc="seek">
+              <p:cTn id="2" dur="indefinite" nodeType="mainSeq">
+                <p:childTnLst>
+                  <p:par>
+                    <p:cTn id="3" fill="hold">
+                      <p:stCondLst>
+                        <p:cond delay="indefinite"/>
+                      </p:stCondLst>
+                      <p:childTnLst>
+                        <p:par>
+                          <p:cTn id="4" fill="hold">
+                            <p:stCondLst>
+                              <p:cond delay="0"/>
+                            </p:stCondLst>
+                            <p:childTnLst>
+                              <p:par>
+                                <p:cTn id="5" presetID="1" presetClass="entr" presetSubtype="0" fill="hold" grpId="0" nodeType="clickEffect">
+                                  <p:stCondLst>
+                                    <p:cond delay="0"/>
+                                  </p:stCondLst>
+                                  <p:childTnLst>
+                                    <p:set>
+                                      <p:cBhvr>
+                                        <p:cTn id="6" dur="1" fill="hold">
+                                          <p:stCondLst>
+                                            <p:cond delay="0"/>
+                                          </p:stCondLst>
+                                        </p:cTn>
+                                        <p:tgtEl>
+                                          <p:spTgt spid="3">
+                                            <p:txEl>
+                                              <p:pRg st="0" end="0"/>
+                                            </p:txEl>
+                                          </p:spTgt>
+                                        </p:tgtEl>
+                                        <p:attrNameLst>
+                                          <p:attrName>style.visibility</p:attrName>
+                                        </p:attrNameLst>
+                                      </p:cBhvr>
+                                      <p:to>
+                                        <p:strVal val="visible"/>
+                                      </p:to>
+                                    </p:set>
+                                  </p:childTnLst>
+                                </p:cTn>
+                              </p:par>
+                            </p:childTnLst>
+                          </p:cTn>
+                        </p:par>
+                      </p:childTnLst>
+                    </p:cTn>
+                  </p:par>
+                  <p:par>
+                    <p:cTn id="7" fill="hold">
+                      <p:stCondLst>
+                        <p:cond delay="indefinite"/>
+                      </p:stCondLst>
+                      <p:childTnLst>
+                        <p:par>
+                          <p:cTn id="8" fill="hold">
+                            <p:stCondLst>
+                              <p:cond delay="0"/>
+                            </p:stCondLst>
+                            <p:childTnLst>
+                              <p:par>
+                                <p:cTn id="9" presetID="1" presetClass="entr" presetSubtype="0" fill="hold" grpId="0" nodeType="clickEffect">
+                                  <p:stCondLst>
+                                    <p:cond delay="0"/>
+                                  </p:stCondLst>
+                                  <p:childTnLst>
+                                    <p:set>
+                                      <p:cBhvr>
+                                        <p:cTn id="10" dur="1" fill="hold">
+                                          <p:stCondLst>
+                                            <p:cond delay="0"/>
+                                          </p:stCondLst>
+                                        </p:cTn>
+                                        <p:tgtEl>
+                                          <p:spTgt spid="3">
+                                            <p:txEl>
+                                              <p:pRg st="1" end="1"/>
+                                            </p:txEl>
+                                          </p:spTgt>
+                                        </p:tgtEl>
+                                        <p:attrNameLst>
+                                          <p:attrName>style.visibility</p:attrName>
+                                        </p:attrNameLst>
+                                      </p:cBhvr>
+                                      <p:to>
+                                        <p:strVal val="visible"/>
+                                      </p:to>
+                                    </p:set>
+                                  </p:childTnLst>
+                                </p:cTn>
+                              </p:par>
+                            </p:childTnLst>
+                          </p:cTn>
+                        </p:par>
+                      </p:childTnLst>
+                    </p:cTn>
+                  </p:par>
+                  <p:par>
+                    <p:cTn id="11" fill="hold">
+                      <p:stCondLst>
+                        <p:cond delay="indefinite"/>
+                      </p:stCondLst>
+                      <p:childTnLst>
+                        <p:par>
+                          <p:cTn id="12" fill="hold">
+                            <p:stCondLst>
+                              <p:cond delay="0"/>
+                            </p:stCondLst>
+                            <p:childTnLst>
+                              <p:par>
+                                <p:cTn id="13" presetID="1" presetClass="entr" presetSubtype="0" fill="hold" grpId="0" nodeType="clickEffect">
+                                  <p:stCondLst>
+                                    <p:cond delay="0"/>
+                                  </p:stCondLst>
+                                  <p:childTnLst>
+                                    <p:set>
+                                      <p:cBhvr>
+                                        <p:cTn id="14" dur="1" fill="hold">
+                                          <p:stCondLst>
+                                            <p:cond delay="0"/>
+                                          </p:stCondLst>
+                                        </p:cTn>
+                                        <p:tgtEl>
+                                          <p:spTgt spid="3">
+                                            <p:txEl>
+                                              <p:pRg st="2" end="2"/>
+                                            </p:txEl>
+                                          </p:spTgt>
+                                        </p:tgtEl>
+                                        <p:attrNameLst>
+                                          <p:attrName>style.visibility</p:attrName>
+                                        </p:attrNameLst>
+                                      </p:cBhvr>
+                                      <p:to>
+                                        <p:strVal val="visible"/>
+                                      </p:to>
+                                    </p:set>
+                                  </p:childTnLst>
+                                </p:cTn>
+                              </p:par>
+                            </p:childTnLst>
+                          </p:cTn>
+                        </p:par>
+                      </p:childTnLst>
+                    </p:cTn>
+                  </p:par>
+                </p:childTnLst>
+              </p:cTn>
+              <p:prevCondLst>
+                <p:cond evt="onPrev" delay="0">
+                  <p:tgtEl>
+                    <p:sldTgt/>
+                  </p:tgtEl>
+                </p:cond>
+              </p:prevCondLst>
+              <p:nextCondLst>
+                <p:cond evt="onNext" delay="0">
+                  <p:tgtEl>
+                    <p:sldTgt/>
+                  </p:tgtEl>
+                </p:cond>
+              </p:nextCondLst>
+            </p:seq>
+          </p:childTnLst>
+        </p:cTn>
+      </p:par>
+    </p:tnLst>
+    <p:bldLst>
+      <p:bldP spid="3" grpId="0" build="p"/>
+    </p:bldLst>
+  </p:timing>
 </p:sld>
 </file>
 
@@ -43082,6 +44671,15 @@
 </file>
 
 <file path=customXml/item1.xml><?xml version="1.0" encoding="utf-8"?>
+<?mso-contentType ?>
+<FormTemplates xmlns="http://schemas.microsoft.com/sharepoint/v3/contenttype/forms">
+  <Display>DocumentLibraryForm</Display>
+  <Edit>DocumentLibraryForm</Edit>
+  <New>DocumentLibraryForm</New>
+</FormTemplates>
+</file>
+
+<file path=customXml/item2.xml><?xml version="1.0" encoding="utf-8"?>
 <ct:contentTypeSchema xmlns:ct="http://schemas.microsoft.com/office/2006/metadata/contentType" xmlns:ma="http://schemas.microsoft.com/office/2006/metadata/properties/metaAttributes" ct:_="" ma:_="" ma:contentTypeName="Document" ma:contentTypeID="0x01010079F111ED35F8CC479449609E8A0923A6" ma:contentTypeVersion="11" ma:contentTypeDescription="Create a new document." ma:contentTypeScope="" ma:versionID="96291512c1ee715ab617f4c07df79fc1">
   <xsd:schema xmlns:xsd="http://www.w3.org/2001/XMLSchema" xmlns:xs="http://www.w3.org/2001/XMLSchema" xmlns:p="http://schemas.microsoft.com/office/2006/metadata/properties" xmlns:ns2="71af3243-3dd4-4a8d-8c0d-dd76da1f02a5" xmlns:ns3="16c05727-aa75-4e4a-9b5f-8a80a1165891" targetNamespace="http://schemas.microsoft.com/office/2006/metadata/properties" ma:root="true" ma:fieldsID="8256c27c40ca5c40ce1cf6c44f0205df" ns2:_="" ns3:_="">
     <xsd:import namespace="71af3243-3dd4-4a8d-8c0d-dd76da1f02a5"/>
@@ -43292,15 +44890,6 @@
 </ct:contentTypeSchema>
 </file>
 
-<file path=customXml/item2.xml><?xml version="1.0" encoding="utf-8"?>
-<?mso-contentType ?>
-<FormTemplates xmlns="http://schemas.microsoft.com/sharepoint/v3/contenttype/forms">
-  <Display>DocumentLibraryForm</Display>
-  <Edit>DocumentLibraryForm</Edit>
-  <New>DocumentLibraryForm</New>
-</FormTemplates>
-</file>
-
 <file path=customXml/item3.xml><?xml version="1.0" encoding="utf-8"?>
 <p:properties xmlns:p="http://schemas.microsoft.com/office/2006/metadata/properties" xmlns:xsi="http://www.w3.org/2001/XMLSchema-instance" xmlns:pc="http://schemas.microsoft.com/office/infopath/2007/PartnerControls">
   <documentManagement>
@@ -43310,6 +44899,14 @@
 </file>
 
 <file path=customXml/itemProps1.xml><?xml version="1.0" encoding="utf-8"?>
+<ds:datastoreItem xmlns:ds="http://schemas.openxmlformats.org/officeDocument/2006/customXml" ds:itemID="{5CA875DA-F9FD-4F83-A049-3B1027B542DE}">
+  <ds:schemaRefs>
+    <ds:schemaRef ds:uri="http://schemas.microsoft.com/sharepoint/v3/contenttype/forms"/>
+  </ds:schemaRefs>
+</ds:datastoreItem>
+</file>
+
+<file path=customXml/itemProps2.xml><?xml version="1.0" encoding="utf-8"?>
 <ds:datastoreItem xmlns:ds="http://schemas.openxmlformats.org/officeDocument/2006/customXml" ds:itemID="{B2AB02E3-5ADF-4BF0-9C1B-35CDF3FE95B0}">
   <ds:schemaRefs>
     <ds:schemaRef ds:uri="http://schemas.microsoft.com/office/2006/metadata/contentType"/>
@@ -43328,14 +44925,6 @@
 </ds:datastoreItem>
 </file>
 
-<file path=customXml/itemProps2.xml><?xml version="1.0" encoding="utf-8"?>
-<ds:datastoreItem xmlns:ds="http://schemas.openxmlformats.org/officeDocument/2006/customXml" ds:itemID="{5CA875DA-F9FD-4F83-A049-3B1027B542DE}">
-  <ds:schemaRefs>
-    <ds:schemaRef ds:uri="http://schemas.microsoft.com/sharepoint/v3/contenttype/forms"/>
-  </ds:schemaRefs>
-</ds:datastoreItem>
-</file>
-
 <file path=customXml/itemProps3.xml><?xml version="1.0" encoding="utf-8"?>
 <ds:datastoreItem xmlns:ds="http://schemas.openxmlformats.org/officeDocument/2006/customXml" ds:itemID="{03C7D9E6-B0D9-433E-BD46-EB60F64F4DA8}">
   <ds:schemaRefs>

--- a/lectures/11/1_Correlation.pptx
+++ b/lectures/11/1_Correlation.pptx
@@ -13546,7 +13546,7 @@
           <a:p>
             <a:fld id="{73B2889B-A0AC-4482-8592-5C96F2309420}" type="datetimeFigureOut">
               <a:rPr lang="en-US" smtClean="0"/>
-              <a:t>4/2/2023</a:t>
+              <a:t>4/5/2023</a:t>
             </a:fld>
             <a:endParaRPr lang="en-US"/>
           </a:p>
@@ -13723,7 +13723,7 @@
           <a:p>
             <a:fld id="{830EB223-FFC0-462A-A3B8-EAA7CE0F8CBD}" type="datetimeFigureOut">
               <a:rPr lang="en-US" smtClean="0"/>
-              <a:t>4/2/2023</a:t>
+              <a:t>4/5/2023</a:t>
             </a:fld>
             <a:endParaRPr lang="en-US" dirty="0"/>
           </a:p>
@@ -16198,6 +16198,15 @@
           <a:lstStyle/>
           <a:p>
             <a:r>
+              <a:rPr lang="en-US"/>
+              <a:t>https://www.youtube.com/watch?v=hjGFp7lMi9A&amp;ab_channel=QuantaMagazine</a:t>
+            </a:r>
+          </a:p>
+          <a:p>
+            <a:endParaRPr lang="en-US"/>
+          </a:p>
+          <a:p>
+            <a:r>
               <a:rPr lang="en-US" dirty="0"/>
               <a:t>Example: </a:t>
             </a:r>
@@ -17764,7 +17773,7 @@
           <a:p>
             <a:fld id="{DECF21A4-E71B-4D3A-AF45-E989C23A7BB1}" type="datetimeFigureOut">
               <a:rPr lang="en-US" smtClean="0"/>
-              <a:t>4/2/2023</a:t>
+              <a:t>4/5/2023</a:t>
             </a:fld>
             <a:endParaRPr lang="en-US" dirty="0"/>
           </a:p>
@@ -17962,7 +17971,7 @@
           <a:p>
             <a:fld id="{DECF21A4-E71B-4D3A-AF45-E989C23A7BB1}" type="datetimeFigureOut">
               <a:rPr lang="en-US" smtClean="0"/>
-              <a:t>4/2/2023</a:t>
+              <a:t>4/5/2023</a:t>
             </a:fld>
             <a:endParaRPr lang="en-US" dirty="0"/>
           </a:p>
@@ -18170,7 +18179,7 @@
           <a:p>
             <a:fld id="{DECF21A4-E71B-4D3A-AF45-E989C23A7BB1}" type="datetimeFigureOut">
               <a:rPr lang="en-US" smtClean="0"/>
-              <a:t>4/2/2023</a:t>
+              <a:t>4/5/2023</a:t>
             </a:fld>
             <a:endParaRPr lang="en-US" dirty="0"/>
           </a:p>
@@ -18368,7 +18377,7 @@
           <a:p>
             <a:fld id="{DECF21A4-E71B-4D3A-AF45-E989C23A7BB1}" type="datetimeFigureOut">
               <a:rPr lang="en-US" smtClean="0"/>
-              <a:t>4/2/2023</a:t>
+              <a:t>4/5/2023</a:t>
             </a:fld>
             <a:endParaRPr lang="en-US" dirty="0"/>
           </a:p>
@@ -18643,7 +18652,7 @@
           <a:p>
             <a:fld id="{DECF21A4-E71B-4D3A-AF45-E989C23A7BB1}" type="datetimeFigureOut">
               <a:rPr lang="en-US" smtClean="0"/>
-              <a:t>4/2/2023</a:t>
+              <a:t>4/5/2023</a:t>
             </a:fld>
             <a:endParaRPr lang="en-US" dirty="0"/>
           </a:p>
@@ -18908,7 +18917,7 @@
           <a:p>
             <a:fld id="{DECF21A4-E71B-4D3A-AF45-E989C23A7BB1}" type="datetimeFigureOut">
               <a:rPr lang="en-US" smtClean="0"/>
-              <a:t>4/2/2023</a:t>
+              <a:t>4/5/2023</a:t>
             </a:fld>
             <a:endParaRPr lang="en-US" dirty="0"/>
           </a:p>
@@ -19320,7 +19329,7 @@
           <a:p>
             <a:fld id="{DECF21A4-E71B-4D3A-AF45-E989C23A7BB1}" type="datetimeFigureOut">
               <a:rPr lang="en-US" smtClean="0"/>
-              <a:t>4/2/2023</a:t>
+              <a:t>4/5/2023</a:t>
             </a:fld>
             <a:endParaRPr lang="en-US" dirty="0"/>
           </a:p>
@@ -19461,7 +19470,7 @@
           <a:p>
             <a:fld id="{DECF21A4-E71B-4D3A-AF45-E989C23A7BB1}" type="datetimeFigureOut">
               <a:rPr lang="en-US" smtClean="0"/>
-              <a:t>4/2/2023</a:t>
+              <a:t>4/5/2023</a:t>
             </a:fld>
             <a:endParaRPr lang="en-US" dirty="0"/>
           </a:p>
@@ -19574,7 +19583,7 @@
           <a:p>
             <a:fld id="{DECF21A4-E71B-4D3A-AF45-E989C23A7BB1}" type="datetimeFigureOut">
               <a:rPr lang="en-US" smtClean="0"/>
-              <a:t>4/2/2023</a:t>
+              <a:t>4/5/2023</a:t>
             </a:fld>
             <a:endParaRPr lang="en-US" dirty="0"/>
           </a:p>
@@ -19885,7 +19894,7 @@
           <a:p>
             <a:fld id="{DECF21A4-E71B-4D3A-AF45-E989C23A7BB1}" type="datetimeFigureOut">
               <a:rPr lang="en-US" smtClean="0"/>
-              <a:t>4/2/2023</a:t>
+              <a:t>4/5/2023</a:t>
             </a:fld>
             <a:endParaRPr lang="en-US" dirty="0"/>
           </a:p>
@@ -20177,7 +20186,7 @@
           <a:p>
             <a:fld id="{DECF21A4-E71B-4D3A-AF45-E989C23A7BB1}" type="datetimeFigureOut">
               <a:rPr lang="en-US" smtClean="0"/>
-              <a:t>4/2/2023</a:t>
+              <a:t>4/5/2023</a:t>
             </a:fld>
             <a:endParaRPr lang="en-US" dirty="0"/>
           </a:p>
@@ -20418,7 +20427,7 @@
           <a:p>
             <a:fld id="{DECF21A4-E71B-4D3A-AF45-E989C23A7BB1}" type="datetimeFigureOut">
               <a:rPr lang="en-US" smtClean="0"/>
-              <a:t>4/2/2023</a:t>
+              <a:t>4/5/2023</a:t>
             </a:fld>
             <a:endParaRPr lang="en-US" dirty="0"/>
           </a:p>
@@ -44671,15 +44680,6 @@
 </file>
 
 <file path=customXml/item1.xml><?xml version="1.0" encoding="utf-8"?>
-<?mso-contentType ?>
-<FormTemplates xmlns="http://schemas.microsoft.com/sharepoint/v3/contenttype/forms">
-  <Display>DocumentLibraryForm</Display>
-  <Edit>DocumentLibraryForm</Edit>
-  <New>DocumentLibraryForm</New>
-</FormTemplates>
-</file>
-
-<file path=customXml/item2.xml><?xml version="1.0" encoding="utf-8"?>
 <ct:contentTypeSchema xmlns:ct="http://schemas.microsoft.com/office/2006/metadata/contentType" xmlns:ma="http://schemas.microsoft.com/office/2006/metadata/properties/metaAttributes" ct:_="" ma:_="" ma:contentTypeName="Document" ma:contentTypeID="0x01010079F111ED35F8CC479449609E8A0923A6" ma:contentTypeVersion="11" ma:contentTypeDescription="Create a new document." ma:contentTypeScope="" ma:versionID="96291512c1ee715ab617f4c07df79fc1">
   <xsd:schema xmlns:xsd="http://www.w3.org/2001/XMLSchema" xmlns:xs="http://www.w3.org/2001/XMLSchema" xmlns:p="http://schemas.microsoft.com/office/2006/metadata/properties" xmlns:ns2="71af3243-3dd4-4a8d-8c0d-dd76da1f02a5" xmlns:ns3="16c05727-aa75-4e4a-9b5f-8a80a1165891" targetNamespace="http://schemas.microsoft.com/office/2006/metadata/properties" ma:root="true" ma:fieldsID="8256c27c40ca5c40ce1cf6c44f0205df" ns2:_="" ns3:_="">
     <xsd:import namespace="71af3243-3dd4-4a8d-8c0d-dd76da1f02a5"/>
@@ -44890,6 +44890,15 @@
 </ct:contentTypeSchema>
 </file>
 
+<file path=customXml/item2.xml><?xml version="1.0" encoding="utf-8"?>
+<?mso-contentType ?>
+<FormTemplates xmlns="http://schemas.microsoft.com/sharepoint/v3/contenttype/forms">
+  <Display>DocumentLibraryForm</Display>
+  <Edit>DocumentLibraryForm</Edit>
+  <New>DocumentLibraryForm</New>
+</FormTemplates>
+</file>
+
 <file path=customXml/item3.xml><?xml version="1.0" encoding="utf-8"?>
 <p:properties xmlns:p="http://schemas.microsoft.com/office/2006/metadata/properties" xmlns:xsi="http://www.w3.org/2001/XMLSchema-instance" xmlns:pc="http://schemas.microsoft.com/office/infopath/2007/PartnerControls">
   <documentManagement>
@@ -44899,14 +44908,6 @@
 </file>
 
 <file path=customXml/itemProps1.xml><?xml version="1.0" encoding="utf-8"?>
-<ds:datastoreItem xmlns:ds="http://schemas.openxmlformats.org/officeDocument/2006/customXml" ds:itemID="{5CA875DA-F9FD-4F83-A049-3B1027B542DE}">
-  <ds:schemaRefs>
-    <ds:schemaRef ds:uri="http://schemas.microsoft.com/sharepoint/v3/contenttype/forms"/>
-  </ds:schemaRefs>
-</ds:datastoreItem>
-</file>
-
-<file path=customXml/itemProps2.xml><?xml version="1.0" encoding="utf-8"?>
 <ds:datastoreItem xmlns:ds="http://schemas.openxmlformats.org/officeDocument/2006/customXml" ds:itemID="{B2AB02E3-5ADF-4BF0-9C1B-35CDF3FE95B0}">
   <ds:schemaRefs>
     <ds:schemaRef ds:uri="http://schemas.microsoft.com/office/2006/metadata/contentType"/>
@@ -44925,6 +44926,14 @@
 </ds:datastoreItem>
 </file>
 
+<file path=customXml/itemProps2.xml><?xml version="1.0" encoding="utf-8"?>
+<ds:datastoreItem xmlns:ds="http://schemas.openxmlformats.org/officeDocument/2006/customXml" ds:itemID="{5CA875DA-F9FD-4F83-A049-3B1027B542DE}">
+  <ds:schemaRefs>
+    <ds:schemaRef ds:uri="http://schemas.microsoft.com/sharepoint/v3/contenttype/forms"/>
+  </ds:schemaRefs>
+</ds:datastoreItem>
+</file>
+
 <file path=customXml/itemProps3.xml><?xml version="1.0" encoding="utf-8"?>
 <ds:datastoreItem xmlns:ds="http://schemas.openxmlformats.org/officeDocument/2006/customXml" ds:itemID="{03C7D9E6-B0D9-433E-BD46-EB60F64F4DA8}">
   <ds:schemaRefs>
